--- a/data/Калькулятор ЕГЭ (Гриб Кирилл).PPTX
+++ b/data/Калькулятор ЕГЭ (Гриб Кирилл).PPTX
@@ -1,33 +1,508 @@
 
 <file path=ppt/presentation.xml><?xml version="1.0" encoding="utf-8"?>
-<p:presentation xmlns:a="http://schemas.openxmlformats.org/drawingml/2006/main" xmlns:p="http://schemas.openxmlformats.org/presentationml/2006/main" xmlns:r="http://schemas.openxmlformats.org/officeDocument/2006/relationships" xmlns:p14="http://schemas.microsoft.com/office/powerpoint/2010/main" xmlns:p15="http://schemas.microsoft.com/office/powerpoint/2012/main" xmlns:mc="http://schemas.openxmlformats.org/markup-compatibility/2006">
+<p:presentation xmlns:a="http://schemas.openxmlformats.org/drawingml/2006/main" xmlns:r="http://schemas.openxmlformats.org/officeDocument/2006/relationships" xmlns:p="http://schemas.openxmlformats.org/presentationml/2006/main">
   <p:sldMasterIdLst>
-    <p:sldMasterId id="2147483648" r:id="rId2"/>
-    <p:sldMasterId id="2147483661" r:id="rId3"/>
-    <p:sldMasterId id="2147483674" r:id="rId4"/>
+    <p:sldMasterId id="2147483648" r:id="rId1"/>
+    <p:sldMasterId id="2147483661" r:id="rId2"/>
+    <p:sldMasterId id="2147483674" r:id="rId3"/>
   </p:sldMasterIdLst>
   <p:notesMasterIdLst>
-    <p:notesMasterId r:id="rId5"/>
+    <p:notesMasterId r:id="rId14"/>
   </p:notesMasterIdLst>
   <p:sldIdLst>
-    <p:sldId id="256" r:id="rId6"/>
-    <p:sldId id="257" r:id="rId7"/>
-    <p:sldId id="258" r:id="rId8"/>
-    <p:sldId id="259" r:id="rId9"/>
-    <p:sldId id="260" r:id="rId10"/>
-    <p:sldId id="261" r:id="rId11"/>
-    <p:sldId id="262" r:id="rId12"/>
-    <p:sldId id="263" r:id="rId13"/>
-    <p:sldId id="264" r:id="rId14"/>
-    <p:sldId id="265" r:id="rId15"/>
+    <p:sldId id="256" r:id="rId4"/>
+    <p:sldId id="257" r:id="rId5"/>
+    <p:sldId id="258" r:id="rId6"/>
+    <p:sldId id="259" r:id="rId7"/>
+    <p:sldId id="260" r:id="rId8"/>
+    <p:sldId id="266" r:id="rId9"/>
+    <p:sldId id="262" r:id="rId10"/>
+    <p:sldId id="263" r:id="rId11"/>
+    <p:sldId id="264" r:id="rId12"/>
+    <p:sldId id="265" r:id="rId13"/>
   </p:sldIdLst>
-  <p:sldSz cx="9144000" cy="6858000"/>
+  <p:sldSz cx="9144000" cy="6858000" type="screen4x3"/>
   <p:notesSz cx="6761163" cy="9942513"/>
+  <p:defaultTextStyle>
+    <a:defPPr>
+      <a:defRPr lang="en-US"/>
+    </a:defPPr>
+    <a:lvl1pPr marL="0" algn="l" defTabSz="914400" rtl="0" eaLnBrk="1" latinLnBrk="0" hangingPunct="1">
+      <a:defRPr sz="1800" kern="1200">
+        <a:solidFill>
+          <a:schemeClr val="tx1"/>
+        </a:solidFill>
+        <a:latin typeface="+mn-lt"/>
+        <a:ea typeface="+mn-ea"/>
+        <a:cs typeface="+mn-cs"/>
+      </a:defRPr>
+    </a:lvl1pPr>
+    <a:lvl2pPr marL="457200" algn="l" defTabSz="914400" rtl="0" eaLnBrk="1" latinLnBrk="0" hangingPunct="1">
+      <a:defRPr sz="1800" kern="1200">
+        <a:solidFill>
+          <a:schemeClr val="tx1"/>
+        </a:solidFill>
+        <a:latin typeface="+mn-lt"/>
+        <a:ea typeface="+mn-ea"/>
+        <a:cs typeface="+mn-cs"/>
+      </a:defRPr>
+    </a:lvl2pPr>
+    <a:lvl3pPr marL="914400" algn="l" defTabSz="914400" rtl="0" eaLnBrk="1" latinLnBrk="0" hangingPunct="1">
+      <a:defRPr sz="1800" kern="1200">
+        <a:solidFill>
+          <a:schemeClr val="tx1"/>
+        </a:solidFill>
+        <a:latin typeface="+mn-lt"/>
+        <a:ea typeface="+mn-ea"/>
+        <a:cs typeface="+mn-cs"/>
+      </a:defRPr>
+    </a:lvl3pPr>
+    <a:lvl4pPr marL="1371600" algn="l" defTabSz="914400" rtl="0" eaLnBrk="1" latinLnBrk="0" hangingPunct="1">
+      <a:defRPr sz="1800" kern="1200">
+        <a:solidFill>
+          <a:schemeClr val="tx1"/>
+        </a:solidFill>
+        <a:latin typeface="+mn-lt"/>
+        <a:ea typeface="+mn-ea"/>
+        <a:cs typeface="+mn-cs"/>
+      </a:defRPr>
+    </a:lvl4pPr>
+    <a:lvl5pPr marL="1828800" algn="l" defTabSz="914400" rtl="0" eaLnBrk="1" latinLnBrk="0" hangingPunct="1">
+      <a:defRPr sz="1800" kern="1200">
+        <a:solidFill>
+          <a:schemeClr val="tx1"/>
+        </a:solidFill>
+        <a:latin typeface="+mn-lt"/>
+        <a:ea typeface="+mn-ea"/>
+        <a:cs typeface="+mn-cs"/>
+      </a:defRPr>
+    </a:lvl5pPr>
+    <a:lvl6pPr marL="2286000" algn="l" defTabSz="914400" rtl="0" eaLnBrk="1" latinLnBrk="0" hangingPunct="1">
+      <a:defRPr sz="1800" kern="1200">
+        <a:solidFill>
+          <a:schemeClr val="tx1"/>
+        </a:solidFill>
+        <a:latin typeface="+mn-lt"/>
+        <a:ea typeface="+mn-ea"/>
+        <a:cs typeface="+mn-cs"/>
+      </a:defRPr>
+    </a:lvl6pPr>
+    <a:lvl7pPr marL="2743200" algn="l" defTabSz="914400" rtl="0" eaLnBrk="1" latinLnBrk="0" hangingPunct="1">
+      <a:defRPr sz="1800" kern="1200">
+        <a:solidFill>
+          <a:schemeClr val="tx1"/>
+        </a:solidFill>
+        <a:latin typeface="+mn-lt"/>
+        <a:ea typeface="+mn-ea"/>
+        <a:cs typeface="+mn-cs"/>
+      </a:defRPr>
+    </a:lvl7pPr>
+    <a:lvl8pPr marL="3200400" algn="l" defTabSz="914400" rtl="0" eaLnBrk="1" latinLnBrk="0" hangingPunct="1">
+      <a:defRPr sz="1800" kern="1200">
+        <a:solidFill>
+          <a:schemeClr val="tx1"/>
+        </a:solidFill>
+        <a:latin typeface="+mn-lt"/>
+        <a:ea typeface="+mn-ea"/>
+        <a:cs typeface="+mn-cs"/>
+      </a:defRPr>
+    </a:lvl8pPr>
+    <a:lvl9pPr marL="3657600" algn="l" defTabSz="914400" rtl="0" eaLnBrk="1" latinLnBrk="0" hangingPunct="1">
+      <a:defRPr sz="1800" kern="1200">
+        <a:solidFill>
+          <a:schemeClr val="tx1"/>
+        </a:solidFill>
+        <a:latin typeface="+mn-lt"/>
+        <a:ea typeface="+mn-ea"/>
+        <a:cs typeface="+mn-cs"/>
+      </a:defRPr>
+    </a:lvl9pPr>
+  </p:defaultTextStyle>
 </p:presentation>
 </file>
 
 <file path=ppt/notesMasters/notesMaster1.xml><?xml version="1.0" encoding="utf-8"?>
-<p:notesMaster xmlns:a="http://schemas.openxmlformats.org/drawingml/2006/main" xmlns:p="http://schemas.openxmlformats.org/presentationml/2006/main" xmlns:r="http://schemas.openxmlformats.org/officeDocument/2006/relationships" xmlns:p14="http://schemas.microsoft.com/office/powerpoint/2010/main" xmlns:p15="http://schemas.microsoft.com/office/powerpoint/2012/main" xmlns:mc="http://schemas.openxmlformats.org/markup-compatibility/2006">
+<p:notesMaster xmlns:a="http://schemas.openxmlformats.org/drawingml/2006/main" xmlns:r="http://schemas.openxmlformats.org/officeDocument/2006/relationships" xmlns:p="http://schemas.openxmlformats.org/presentationml/2006/main">
+  <p:cSld>
+    <p:bg>
+      <p:bgRef idx="1001">
+        <a:schemeClr val="bg1"/>
+      </p:bgRef>
+    </p:bg>
+    <p:spTree>
+      <p:nvGrpSpPr>
+        <p:cNvPr id="1" name=""/>
+        <p:cNvGrpSpPr/>
+        <p:nvPr/>
+      </p:nvGrpSpPr>
+      <p:grpSpPr>
+        <a:xfrm>
+          <a:off x="0" y="0"/>
+          <a:ext cx="0" cy="0"/>
+          <a:chOff x="0" y="0"/>
+          <a:chExt cx="0" cy="0"/>
+        </a:xfrm>
+      </p:grpSpPr>
+      <p:sp>
+        <p:nvSpPr>
+          <p:cNvPr id="129" name="PlaceHolder 1"/>
+          <p:cNvSpPr>
+            <a:spLocks noGrp="1" noRot="1" noChangeAspect="1"/>
+          </p:cNvSpPr>
+          <p:nvPr>
+            <p:ph type="sldImg"/>
+          </p:nvPr>
+        </p:nvSpPr>
+        <p:spPr>
+          <a:xfrm>
+            <a:off x="216000" y="812520"/>
+            <a:ext cx="7127280" cy="4008960"/>
+          </a:xfrm>
+          <a:prstGeom prst="rect">
+            <a:avLst/>
+          </a:prstGeom>
+          <a:noFill/>
+          <a:ln w="0">
+            <a:noFill/>
+          </a:ln>
+        </p:spPr>
+        <p:txBody>
+          <a:bodyPr lIns="0" tIns="0" rIns="0" bIns="0" anchor="ctr">
+            <a:noAutofit/>
+          </a:bodyPr>
+          <a:lstStyle/>
+          <a:p>
+            <a:r>
+              <a:rPr lang="ru-RU" sz="1800" b="0" strike="noStrike" spc="-1">
+                <a:solidFill>
+                  <a:srgbClr val="000000"/>
+                </a:solidFill>
+                <a:latin typeface="Calibri"/>
+              </a:rPr>
+              <a:t>Click to move the slide</a:t>
+            </a:r>
+          </a:p>
+        </p:txBody>
+      </p:sp>
+      <p:sp>
+        <p:nvSpPr>
+          <p:cNvPr id="130" name="PlaceHolder 2"/>
+          <p:cNvSpPr>
+            <a:spLocks noGrp="1"/>
+          </p:cNvSpPr>
+          <p:nvPr>
+            <p:ph type="body"/>
+          </p:nvPr>
+        </p:nvSpPr>
+        <p:spPr>
+          <a:xfrm>
+            <a:off x="756000" y="5078520"/>
+            <a:ext cx="6047640" cy="4811040"/>
+          </a:xfrm>
+          <a:prstGeom prst="rect">
+            <a:avLst/>
+          </a:prstGeom>
+          <a:noFill/>
+          <a:ln w="0">
+            <a:noFill/>
+          </a:ln>
+        </p:spPr>
+        <p:txBody>
+          <a:bodyPr lIns="0" tIns="0" rIns="0" bIns="0" anchor="t">
+            <a:noAutofit/>
+          </a:bodyPr>
+          <a:lstStyle/>
+          <a:p>
+            <a:r>
+              <a:rPr lang="en-US" sz="2000" b="0" strike="noStrike" spc="-1">
+                <a:latin typeface="Arial"/>
+              </a:rPr>
+              <a:t>Click to edit the notes format</a:t>
+            </a:r>
+          </a:p>
+        </p:txBody>
+      </p:sp>
+      <p:sp>
+        <p:nvSpPr>
+          <p:cNvPr id="131" name="PlaceHolder 3"/>
+          <p:cNvSpPr>
+            <a:spLocks noGrp="1"/>
+          </p:cNvSpPr>
+          <p:nvPr>
+            <p:ph type="hdr"/>
+          </p:nvPr>
+        </p:nvSpPr>
+        <p:spPr>
+          <a:xfrm>
+            <a:off x="0" y="0"/>
+            <a:ext cx="3280680" cy="534240"/>
+          </a:xfrm>
+          <a:prstGeom prst="rect">
+            <a:avLst/>
+          </a:prstGeom>
+          <a:noFill/>
+          <a:ln w="0">
+            <a:noFill/>
+          </a:ln>
+        </p:spPr>
+        <p:txBody>
+          <a:bodyPr lIns="0" tIns="0" rIns="0" bIns="0" anchor="t">
+            <a:noAutofit/>
+          </a:bodyPr>
+          <a:lstStyle/>
+          <a:p>
+            <a:r>
+              <a:rPr lang="en-US" sz="1400" b="0" strike="noStrike" spc="-1">
+                <a:latin typeface="Times New Roman"/>
+              </a:rPr>
+              <a:t>&lt;header&gt;</a:t>
+            </a:r>
+          </a:p>
+        </p:txBody>
+      </p:sp>
+      <p:sp>
+        <p:nvSpPr>
+          <p:cNvPr id="132" name="PlaceHolder 4"/>
+          <p:cNvSpPr>
+            <a:spLocks noGrp="1"/>
+          </p:cNvSpPr>
+          <p:nvPr>
+            <p:ph type="dt" idx="1"/>
+          </p:nvPr>
+        </p:nvSpPr>
+        <p:spPr>
+          <a:xfrm>
+            <a:off x="4278960" y="0"/>
+            <a:ext cx="3280680" cy="534240"/>
+          </a:xfrm>
+          <a:prstGeom prst="rect">
+            <a:avLst/>
+          </a:prstGeom>
+          <a:noFill/>
+          <a:ln w="0">
+            <a:noFill/>
+          </a:ln>
+        </p:spPr>
+        <p:txBody>
+          <a:bodyPr lIns="0" tIns="0" rIns="0" bIns="0" anchor="t">
+            <a:noAutofit/>
+          </a:bodyPr>
+          <a:lstStyle>
+            <a:lvl1pPr algn="r">
+              <a:buNone/>
+              <a:defRPr lang="en-US" sz="1400" b="0" strike="noStrike" spc="-1">
+                <a:latin typeface="Times New Roman"/>
+              </a:defRPr>
+            </a:lvl1pPr>
+          </a:lstStyle>
+          <a:p>
+            <a:pPr algn="r">
+              <a:buNone/>
+            </a:pPr>
+            <a:r>
+              <a:rPr lang="en-US" sz="1400" b="0" strike="noStrike" spc="-1">
+                <a:latin typeface="Times New Roman"/>
+              </a:rPr>
+              <a:t>&lt;date/time&gt;</a:t>
+            </a:r>
+          </a:p>
+        </p:txBody>
+      </p:sp>
+      <p:sp>
+        <p:nvSpPr>
+          <p:cNvPr id="133" name="PlaceHolder 5"/>
+          <p:cNvSpPr>
+            <a:spLocks noGrp="1"/>
+          </p:cNvSpPr>
+          <p:nvPr>
+            <p:ph type="ftr" idx="2"/>
+          </p:nvPr>
+        </p:nvSpPr>
+        <p:spPr>
+          <a:xfrm>
+            <a:off x="0" y="10157400"/>
+            <a:ext cx="3280680" cy="534240"/>
+          </a:xfrm>
+          <a:prstGeom prst="rect">
+            <a:avLst/>
+          </a:prstGeom>
+          <a:noFill/>
+          <a:ln w="0">
+            <a:noFill/>
+          </a:ln>
+        </p:spPr>
+        <p:txBody>
+          <a:bodyPr lIns="0" tIns="0" rIns="0" bIns="0" anchor="b">
+            <a:noAutofit/>
+          </a:bodyPr>
+          <a:lstStyle>
+            <a:lvl1pPr>
+              <a:defRPr lang="en-US" sz="1400" b="0" strike="noStrike" spc="-1">
+                <a:latin typeface="Times New Roman"/>
+              </a:defRPr>
+            </a:lvl1pPr>
+          </a:lstStyle>
+          <a:p>
+            <a:r>
+              <a:rPr lang="en-US" sz="1400" b="0" strike="noStrike" spc="-1">
+                <a:latin typeface="Times New Roman"/>
+              </a:rPr>
+              <a:t>&lt;footer&gt;</a:t>
+            </a:r>
+          </a:p>
+        </p:txBody>
+      </p:sp>
+      <p:sp>
+        <p:nvSpPr>
+          <p:cNvPr id="134" name="PlaceHolder 6"/>
+          <p:cNvSpPr>
+            <a:spLocks noGrp="1"/>
+          </p:cNvSpPr>
+          <p:nvPr>
+            <p:ph type="sldNum" idx="3"/>
+          </p:nvPr>
+        </p:nvSpPr>
+        <p:spPr>
+          <a:xfrm>
+            <a:off x="4278960" y="10157400"/>
+            <a:ext cx="3280680" cy="534240"/>
+          </a:xfrm>
+          <a:prstGeom prst="rect">
+            <a:avLst/>
+          </a:prstGeom>
+          <a:noFill/>
+          <a:ln w="0">
+            <a:noFill/>
+          </a:ln>
+        </p:spPr>
+        <p:txBody>
+          <a:bodyPr lIns="0" tIns="0" rIns="0" bIns="0" anchor="b">
+            <a:noAutofit/>
+          </a:bodyPr>
+          <a:lstStyle>
+            <a:lvl1pPr algn="r">
+              <a:buNone/>
+              <a:defRPr lang="en-US" sz="1400" b="0" strike="noStrike" spc="-1">
+                <a:latin typeface="Times New Roman"/>
+              </a:defRPr>
+            </a:lvl1pPr>
+          </a:lstStyle>
+          <a:p>
+            <a:pPr algn="r">
+              <a:buNone/>
+            </a:pPr>
+            <a:fld id="{19E8815D-D4CF-45FE-ABBA-684D4F04D1A2}" type="slidenum">
+              <a:rPr lang="en-US" sz="1400" b="0" strike="noStrike" spc="-1">
+                <a:latin typeface="Times New Roman"/>
+              </a:rPr>
+              <a:t>‹#›</a:t>
+            </a:fld>
+            <a:endParaRPr lang="en-US" sz="1400" b="0" strike="noStrike" spc="-1">
+              <a:latin typeface="Times New Roman"/>
+            </a:endParaRPr>
+          </a:p>
+        </p:txBody>
+      </p:sp>
+    </p:spTree>
+  </p:cSld>
+  <p:clrMap bg1="lt1" tx1="dk1" bg2="lt2" tx2="dk2" accent1="accent1" accent2="accent2" accent3="accent3" accent4="accent4" accent5="accent5" accent6="accent6" hlink="hlink" folHlink="folHlink"/>
+  <p:notesStyle>
+    <a:lvl1pPr marL="0" algn="l" defTabSz="914400" rtl="0" eaLnBrk="1" latinLnBrk="0" hangingPunct="1">
+      <a:defRPr sz="1200" kern="1200">
+        <a:solidFill>
+          <a:schemeClr val="tx1"/>
+        </a:solidFill>
+        <a:latin typeface="+mn-lt"/>
+        <a:ea typeface="+mn-ea"/>
+        <a:cs typeface="+mn-cs"/>
+      </a:defRPr>
+    </a:lvl1pPr>
+    <a:lvl2pPr marL="457200" algn="l" defTabSz="914400" rtl="0" eaLnBrk="1" latinLnBrk="0" hangingPunct="1">
+      <a:defRPr sz="1200" kern="1200">
+        <a:solidFill>
+          <a:schemeClr val="tx1"/>
+        </a:solidFill>
+        <a:latin typeface="+mn-lt"/>
+        <a:ea typeface="+mn-ea"/>
+        <a:cs typeface="+mn-cs"/>
+      </a:defRPr>
+    </a:lvl2pPr>
+    <a:lvl3pPr marL="914400" algn="l" defTabSz="914400" rtl="0" eaLnBrk="1" latinLnBrk="0" hangingPunct="1">
+      <a:defRPr sz="1200" kern="1200">
+        <a:solidFill>
+          <a:schemeClr val="tx1"/>
+        </a:solidFill>
+        <a:latin typeface="+mn-lt"/>
+        <a:ea typeface="+mn-ea"/>
+        <a:cs typeface="+mn-cs"/>
+      </a:defRPr>
+    </a:lvl3pPr>
+    <a:lvl4pPr marL="1371600" algn="l" defTabSz="914400" rtl="0" eaLnBrk="1" latinLnBrk="0" hangingPunct="1">
+      <a:defRPr sz="1200" kern="1200">
+        <a:solidFill>
+          <a:schemeClr val="tx1"/>
+        </a:solidFill>
+        <a:latin typeface="+mn-lt"/>
+        <a:ea typeface="+mn-ea"/>
+        <a:cs typeface="+mn-cs"/>
+      </a:defRPr>
+    </a:lvl4pPr>
+    <a:lvl5pPr marL="1828800" algn="l" defTabSz="914400" rtl="0" eaLnBrk="1" latinLnBrk="0" hangingPunct="1">
+      <a:defRPr sz="1200" kern="1200">
+        <a:solidFill>
+          <a:schemeClr val="tx1"/>
+        </a:solidFill>
+        <a:latin typeface="+mn-lt"/>
+        <a:ea typeface="+mn-ea"/>
+        <a:cs typeface="+mn-cs"/>
+      </a:defRPr>
+    </a:lvl5pPr>
+    <a:lvl6pPr marL="2286000" algn="l" defTabSz="914400" rtl="0" eaLnBrk="1" latinLnBrk="0" hangingPunct="1">
+      <a:defRPr sz="1200" kern="1200">
+        <a:solidFill>
+          <a:schemeClr val="tx1"/>
+        </a:solidFill>
+        <a:latin typeface="+mn-lt"/>
+        <a:ea typeface="+mn-ea"/>
+        <a:cs typeface="+mn-cs"/>
+      </a:defRPr>
+    </a:lvl6pPr>
+    <a:lvl7pPr marL="2743200" algn="l" defTabSz="914400" rtl="0" eaLnBrk="1" latinLnBrk="0" hangingPunct="1">
+      <a:defRPr sz="1200" kern="1200">
+        <a:solidFill>
+          <a:schemeClr val="tx1"/>
+        </a:solidFill>
+        <a:latin typeface="+mn-lt"/>
+        <a:ea typeface="+mn-ea"/>
+        <a:cs typeface="+mn-cs"/>
+      </a:defRPr>
+    </a:lvl7pPr>
+    <a:lvl8pPr marL="3200400" algn="l" defTabSz="914400" rtl="0" eaLnBrk="1" latinLnBrk="0" hangingPunct="1">
+      <a:defRPr sz="1200" kern="1200">
+        <a:solidFill>
+          <a:schemeClr val="tx1"/>
+        </a:solidFill>
+        <a:latin typeface="+mn-lt"/>
+        <a:ea typeface="+mn-ea"/>
+        <a:cs typeface="+mn-cs"/>
+      </a:defRPr>
+    </a:lvl8pPr>
+    <a:lvl9pPr marL="3657600" algn="l" defTabSz="914400" rtl="0" eaLnBrk="1" latinLnBrk="0" hangingPunct="1">
+      <a:defRPr sz="1200" kern="1200">
+        <a:solidFill>
+          <a:schemeClr val="tx1"/>
+        </a:solidFill>
+        <a:latin typeface="+mn-lt"/>
+        <a:ea typeface="+mn-ea"/>
+        <a:cs typeface="+mn-cs"/>
+      </a:defRPr>
+    </a:lvl9pPr>
+  </p:notesStyle>
+</p:notesMaster>
+</file>
+
+<file path=ppt/notesSlides/notesSlide1.xml><?xml version="1.0" encoding="utf-8"?>
+<p:notes xmlns:a="http://schemas.openxmlformats.org/drawingml/2006/main" xmlns:r="http://schemas.openxmlformats.org/officeDocument/2006/relationships" xmlns:p="http://schemas.openxmlformats.org/presentationml/2006/main">
   <p:cSld>
     <p:spTree>
       <p:nvGrpSpPr>
@@ -45,274 +520,122 @@
       </p:grpSpPr>
       <p:sp>
         <p:nvSpPr>
-          <p:cNvPr id="129" name="PlaceHolder 1"/>
+          <p:cNvPr id="167" name="PlaceHolder 1"/>
+          <p:cNvSpPr>
+            <a:spLocks noGrp="1" noRot="1" noChangeAspect="1"/>
+          </p:cNvSpPr>
+          <p:nvPr>
+            <p:ph type="sldImg"/>
+          </p:nvPr>
+        </p:nvSpPr>
+        <p:spPr>
+          <a:xfrm>
+            <a:off x="895320" y="746280"/>
+            <a:ext cx="4970160" cy="3728520"/>
+          </a:xfrm>
+          <a:prstGeom prst="rect">
+            <a:avLst/>
+          </a:prstGeom>
+          <a:ln w="0">
+            <a:noFill/>
+          </a:ln>
+        </p:spPr>
+      </p:sp>
+      <p:sp>
+        <p:nvSpPr>
+          <p:cNvPr id="168" name="PlaceHolder 2"/>
           <p:cNvSpPr>
             <a:spLocks noGrp="1"/>
           </p:cNvSpPr>
           <p:nvPr>
-            <p:ph type="sldImg"/>
-          </p:nvPr>
-        </p:nvSpPr>
-        <p:spPr>
-          <a:xfrm>
-            <a:off x="216000" y="812520"/>
-            <a:ext cx="7127280" cy="4008960"/>
-          </a:xfrm>
-          <a:prstGeom prst="rect">
-            <a:avLst/>
-          </a:prstGeom>
-          <a:noFill/>
-          <a:ln w="0">
-            <a:noFill/>
-          </a:ln>
-        </p:spPr>
-        <p:txBody>
-          <a:bodyPr lIns="0" rIns="0" tIns="0" bIns="0" anchor="ctr">
+            <p:ph type="body"/>
+          </p:nvPr>
+        </p:nvSpPr>
+        <p:spPr>
+          <a:xfrm>
+            <a:off x="676080" y="4722840"/>
+            <a:ext cx="5408640" cy="4473720"/>
+          </a:xfrm>
+          <a:prstGeom prst="rect">
+            <a:avLst/>
+          </a:prstGeom>
+          <a:noFill/>
+          <a:ln w="0">
+            <a:noFill/>
+          </a:ln>
+        </p:spPr>
+        <p:txBody>
+          <a:bodyPr lIns="92160" tIns="46080" rIns="92160" bIns="46080" anchor="t">
             <a:noAutofit/>
           </a:bodyPr>
-          <a:p>
-            <a:r>
-              <a:rPr b="0" lang="ru-RU" sz="1800" spc="-1" strike="noStrike">
+          <a:lstStyle/>
+          <a:p>
+            <a:endParaRPr lang="en-US" sz="2000" b="0" strike="noStrike" spc="-1">
+              <a:latin typeface="Arial"/>
+            </a:endParaRPr>
+          </a:p>
+        </p:txBody>
+      </p:sp>
+      <p:sp>
+        <p:nvSpPr>
+          <p:cNvPr id="169" name="PlaceHolder 3"/>
+          <p:cNvSpPr>
+            <a:spLocks noGrp="1"/>
+          </p:cNvSpPr>
+          <p:nvPr>
+            <p:ph type="sldNum" idx="4"/>
+          </p:nvPr>
+        </p:nvSpPr>
+        <p:spPr>
+          <a:xfrm>
+            <a:off x="3829680" y="9443520"/>
+            <a:ext cx="2929320" cy="496800"/>
+          </a:xfrm>
+          <a:prstGeom prst="rect">
+            <a:avLst/>
+          </a:prstGeom>
+          <a:noFill/>
+          <a:ln w="0">
+            <a:noFill/>
+          </a:ln>
+        </p:spPr>
+        <p:txBody>
+          <a:bodyPr lIns="92160" tIns="46080" rIns="92160" bIns="46080" anchor="b">
+            <a:noAutofit/>
+          </a:bodyPr>
+          <a:lstStyle>
+            <a:lvl1pPr algn="r">
+              <a:lnSpc>
+                <a:spcPct val="100000"/>
+              </a:lnSpc>
+              <a:buNone/>
+              <a:defRPr lang="ru-RU" sz="1200" b="0" strike="noStrike" spc="-1">
                 <a:solidFill>
                   <a:srgbClr val="000000"/>
                 </a:solidFill>
-                <a:latin typeface="Calibri"/>
-              </a:rPr>
-              <a:t>Click to move the slide</a:t>
-            </a:r>
-            <a:endParaRPr b="0" lang="ru-RU" sz="1800" spc="-1" strike="noStrike">
-              <a:solidFill>
-                <a:srgbClr val="000000"/>
-              </a:solidFill>
-              <a:latin typeface="Calibri"/>
-            </a:endParaRPr>
-          </a:p>
-        </p:txBody>
-      </p:sp>
-      <p:sp>
-        <p:nvSpPr>
-          <p:cNvPr id="130" name="PlaceHolder 2"/>
-          <p:cNvSpPr>
-            <a:spLocks noGrp="1"/>
-          </p:cNvSpPr>
-          <p:nvPr>
-            <p:ph type="body"/>
-          </p:nvPr>
-        </p:nvSpPr>
-        <p:spPr>
-          <a:xfrm>
-            <a:off x="756000" y="5078520"/>
-            <a:ext cx="6047640" cy="4811040"/>
-          </a:xfrm>
-          <a:prstGeom prst="rect">
-            <a:avLst/>
-          </a:prstGeom>
-          <a:noFill/>
-          <a:ln w="0">
-            <a:noFill/>
-          </a:ln>
-        </p:spPr>
-        <p:txBody>
-          <a:bodyPr lIns="0" rIns="0" tIns="0" bIns="0" anchor="t">
-            <a:noAutofit/>
-          </a:bodyPr>
-          <a:p>
-            <a:r>
-              <a:rPr b="0" lang="en-US" sz="2000" spc="-1" strike="noStrike">
-                <a:latin typeface="Arial"/>
-              </a:rPr>
-              <a:t>Click to edit the notes format</a:t>
-            </a:r>
-            <a:endParaRPr b="0" lang="en-US" sz="2000" spc="-1" strike="noStrike">
-              <a:latin typeface="Arial"/>
-            </a:endParaRPr>
-          </a:p>
-        </p:txBody>
-      </p:sp>
-      <p:sp>
-        <p:nvSpPr>
-          <p:cNvPr id="131" name="PlaceHolder 3"/>
-          <p:cNvSpPr>
-            <a:spLocks noGrp="1"/>
-          </p:cNvSpPr>
-          <p:nvPr>
-            <p:ph type="hdr"/>
-          </p:nvPr>
-        </p:nvSpPr>
-        <p:spPr>
-          <a:xfrm>
-            <a:off x="0" y="0"/>
-            <a:ext cx="3280680" cy="534240"/>
-          </a:xfrm>
-          <a:prstGeom prst="rect">
-            <a:avLst/>
-          </a:prstGeom>
-          <a:noFill/>
-          <a:ln w="0">
-            <a:noFill/>
-          </a:ln>
-        </p:spPr>
-        <p:txBody>
-          <a:bodyPr lIns="0" rIns="0" tIns="0" bIns="0" anchor="t">
-            <a:noAutofit/>
-          </a:bodyPr>
-          <a:p>
-            <a:r>
-              <a:rPr b="0" lang="en-US" sz="1400" spc="-1" strike="noStrike">
-                <a:latin typeface="Times New Roman"/>
-              </a:rPr>
-              <a:t>&lt;header&gt;</a:t>
-            </a:r>
-            <a:endParaRPr b="0" lang="en-US" sz="1400" spc="-1" strike="noStrike">
-              <a:latin typeface="Times New Roman"/>
-            </a:endParaRPr>
-          </a:p>
-        </p:txBody>
-      </p:sp>
-      <p:sp>
-        <p:nvSpPr>
-          <p:cNvPr id="132" name="PlaceHolder 4"/>
-          <p:cNvSpPr>
-            <a:spLocks noGrp="1"/>
-          </p:cNvSpPr>
-          <p:nvPr>
-            <p:ph type="dt" idx="1"/>
-          </p:nvPr>
-        </p:nvSpPr>
-        <p:spPr>
-          <a:xfrm>
-            <a:off x="4278960" y="0"/>
-            <a:ext cx="3280680" cy="534240"/>
-          </a:xfrm>
-          <a:prstGeom prst="rect">
-            <a:avLst/>
-          </a:prstGeom>
-          <a:noFill/>
-          <a:ln w="0">
-            <a:noFill/>
-          </a:ln>
-        </p:spPr>
-        <p:txBody>
-          <a:bodyPr lIns="0" rIns="0" tIns="0" bIns="0" anchor="t">
-            <a:noAutofit/>
-          </a:bodyPr>
-          <a:lstStyle>
-            <a:lvl1pPr algn="r">
-              <a:buNone/>
-              <a:defRPr b="0" lang="en-US" sz="1400" spc="-1" strike="noStrike">
-                <a:latin typeface="Times New Roman"/>
+                <a:latin typeface="+mn-lt"/>
+                <a:ea typeface="+mn-ea"/>
               </a:defRPr>
             </a:lvl1pPr>
           </a:lstStyle>
           <a:p>
             <a:pPr algn="r">
+              <a:lnSpc>
+                <a:spcPct val="100000"/>
+              </a:lnSpc>
               <a:buNone/>
             </a:pPr>
-            <a:r>
-              <a:rPr b="0" lang="en-US" sz="1400" spc="-1" strike="noStrike">
-                <a:latin typeface="Times New Roman"/>
+            <a:fld id="{DD4EC006-FF4F-4717-A8C6-B484FCEADD6B}" type="slidenum">
+              <a:rPr lang="ru-RU" sz="1200" b="0" strike="noStrike" spc="-1">
+                <a:solidFill>
+                  <a:srgbClr val="000000"/>
+                </a:solidFill>
+                <a:latin typeface="+mn-lt"/>
+                <a:ea typeface="+mn-ea"/>
               </a:rPr>
-              <a:t>&lt;date/time&gt;</a:t>
-            </a:r>
-            <a:endParaRPr b="0" lang="en-US" sz="1400" spc="-1" strike="noStrike">
-              <a:latin typeface="Times New Roman"/>
-            </a:endParaRPr>
-          </a:p>
-        </p:txBody>
-      </p:sp>
-      <p:sp>
-        <p:nvSpPr>
-          <p:cNvPr id="133" name="PlaceHolder 5"/>
-          <p:cNvSpPr>
-            <a:spLocks noGrp="1"/>
-          </p:cNvSpPr>
-          <p:nvPr>
-            <p:ph type="ftr" idx="2"/>
-          </p:nvPr>
-        </p:nvSpPr>
-        <p:spPr>
-          <a:xfrm>
-            <a:off x="0" y="10157400"/>
-            <a:ext cx="3280680" cy="534240"/>
-          </a:xfrm>
-          <a:prstGeom prst="rect">
-            <a:avLst/>
-          </a:prstGeom>
-          <a:noFill/>
-          <a:ln w="0">
-            <a:noFill/>
-          </a:ln>
-        </p:spPr>
-        <p:txBody>
-          <a:bodyPr lIns="0" rIns="0" tIns="0" bIns="0" anchor="b">
-            <a:noAutofit/>
-          </a:bodyPr>
-          <a:lstStyle>
-            <a:lvl1pPr>
-              <a:defRPr b="0" lang="en-US" sz="1400" spc="-1" strike="noStrike">
-                <a:latin typeface="Times New Roman"/>
-              </a:defRPr>
-            </a:lvl1pPr>
-          </a:lstStyle>
-          <a:p>
-            <a:r>
-              <a:rPr b="0" lang="en-US" sz="1400" spc="-1" strike="noStrike">
-                <a:latin typeface="Times New Roman"/>
-              </a:rPr>
-              <a:t>&lt;footer&gt;</a:t>
-            </a:r>
-            <a:endParaRPr b="0" lang="en-US" sz="1400" spc="-1" strike="noStrike">
-              <a:latin typeface="Times New Roman"/>
-            </a:endParaRPr>
-          </a:p>
-        </p:txBody>
-      </p:sp>
-      <p:sp>
-        <p:nvSpPr>
-          <p:cNvPr id="134" name="PlaceHolder 6"/>
-          <p:cNvSpPr>
-            <a:spLocks noGrp="1"/>
-          </p:cNvSpPr>
-          <p:nvPr>
-            <p:ph type="sldNum" idx="3"/>
-          </p:nvPr>
-        </p:nvSpPr>
-        <p:spPr>
-          <a:xfrm>
-            <a:off x="4278960" y="10157400"/>
-            <a:ext cx="3280680" cy="534240"/>
-          </a:xfrm>
-          <a:prstGeom prst="rect">
-            <a:avLst/>
-          </a:prstGeom>
-          <a:noFill/>
-          <a:ln w="0">
-            <a:noFill/>
-          </a:ln>
-        </p:spPr>
-        <p:txBody>
-          <a:bodyPr lIns="0" rIns="0" tIns="0" bIns="0" anchor="b">
-            <a:noAutofit/>
-          </a:bodyPr>
-          <a:lstStyle>
-            <a:lvl1pPr algn="r">
-              <a:buNone/>
-              <a:defRPr b="0" lang="en-US" sz="1400" spc="-1" strike="noStrike">
-                <a:latin typeface="Times New Roman"/>
-              </a:defRPr>
-            </a:lvl1pPr>
-          </a:lstStyle>
-          <a:p>
-            <a:pPr algn="r">
-              <a:buNone/>
-            </a:pPr>
-            <a:fld id="{19E8815D-D4CF-45FE-ABBA-684D4F04D1A2}" type="slidenum">
-              <a:rPr b="0" lang="en-US" sz="1400" spc="-1" strike="noStrike">
-                <a:latin typeface="Times New Roman"/>
-              </a:rPr>
-              <a:t>&lt;number&gt;</a:t>
+              <a:t>1</a:t>
             </a:fld>
-            <a:endParaRPr b="0" lang="en-US" sz="1400" spc="-1" strike="noStrike">
+            <a:endParaRPr lang="en-US" sz="1200" b="0" strike="noStrike" spc="-1">
               <a:latin typeface="Times New Roman"/>
             </a:endParaRPr>
           </a:p>
@@ -320,12 +643,14 @@
       </p:sp>
     </p:spTree>
   </p:cSld>
-  <p:clrMap bg1="lt1" bg2="lt2" tx1="dk1" tx2="dk2" accent1="accent1" accent2="accent2" accent3="accent3" accent4="accent4" accent5="accent5" accent6="accent6" hlink="hlink" folHlink="folHlink"/>
-</p:notesMaster>
+  <p:clrMapOvr>
+    <a:masterClrMapping/>
+  </p:clrMapOvr>
+</p:notes>
 </file>
 
-<file path=ppt/notesSlides/notesSlide1.xml><?xml version="1.0" encoding="utf-8"?>
-<p:notes xmlns:a="http://schemas.openxmlformats.org/drawingml/2006/main" xmlns:p="http://schemas.openxmlformats.org/presentationml/2006/main" xmlns:r="http://schemas.openxmlformats.org/officeDocument/2006/relationships" xmlns:p14="http://schemas.microsoft.com/office/powerpoint/2010/main" xmlns:p15="http://schemas.microsoft.com/office/powerpoint/2012/main" xmlns:mc="http://schemas.openxmlformats.org/markup-compatibility/2006">
+<file path=ppt/notesSlides/notesSlide2.xml><?xml version="1.0" encoding="utf-8"?>
+<p:notes xmlns:a="http://schemas.openxmlformats.org/drawingml/2006/main" xmlns:r="http://schemas.openxmlformats.org/officeDocument/2006/relationships" xmlns:p="http://schemas.openxmlformats.org/presentationml/2006/main">
   <p:cSld>
     <p:spTree>
       <p:nvGrpSpPr>
@@ -343,9 +668,9 @@
       </p:grpSpPr>
       <p:sp>
         <p:nvSpPr>
-          <p:cNvPr id="167" name="PlaceHolder 1"/>
-          <p:cNvSpPr>
-            <a:spLocks noGrp="1"/>
+          <p:cNvPr id="170" name="PlaceHolder 1"/>
+          <p:cNvSpPr>
+            <a:spLocks noGrp="1" noRot="1" noChangeAspect="1"/>
           </p:cNvSpPr>
           <p:nvPr>
             <p:ph type="sldImg"/>
@@ -353,20 +678,20 @@
         </p:nvSpPr>
         <p:spPr>
           <a:xfrm>
-            <a:off x="895320" y="746280"/>
-            <a:ext cx="4970160" cy="3728520"/>
-          </a:xfrm>
-          <a:prstGeom prst="rect">
-            <a:avLst/>
-          </a:prstGeom>
-          <a:ln w="0">
-            <a:noFill/>
-          </a:ln>
-        </p:spPr>
-      </p:sp>
-      <p:sp>
-        <p:nvSpPr>
-          <p:cNvPr id="168" name="PlaceHolder 2"/>
+            <a:off x="895350" y="746125"/>
+            <a:ext cx="4970463" cy="3729038"/>
+          </a:xfrm>
+          <a:prstGeom prst="rect">
+            <a:avLst/>
+          </a:prstGeom>
+          <a:ln w="0">
+            <a:noFill/>
+          </a:ln>
+        </p:spPr>
+      </p:sp>
+      <p:sp>
+        <p:nvSpPr>
+          <p:cNvPr id="171" name="PlaceHolder 2"/>
           <p:cNvSpPr>
             <a:spLocks noGrp="1"/>
           </p:cNvSpPr>
@@ -388,11 +713,12 @@
           </a:ln>
         </p:spPr>
         <p:txBody>
-          <a:bodyPr lIns="92160" rIns="92160" tIns="46080" bIns="46080" anchor="t">
+          <a:bodyPr lIns="92160" tIns="46080" rIns="92160" bIns="46080" anchor="t">
             <a:noAutofit/>
           </a:bodyPr>
-          <a:p>
-            <a:endParaRPr b="0" lang="en-US" sz="2000" spc="-1" strike="noStrike">
+          <a:lstStyle/>
+          <a:p>
+            <a:endParaRPr lang="en-US" sz="2000" b="0" strike="noStrike" spc="-1">
               <a:latin typeface="Arial"/>
             </a:endParaRPr>
           </a:p>
@@ -400,12 +726,12 @@
       </p:sp>
       <p:sp>
         <p:nvSpPr>
-          <p:cNvPr id="169" name="PlaceHolder 3"/>
+          <p:cNvPr id="172" name="PlaceHolder 3"/>
           <p:cNvSpPr>
             <a:spLocks noGrp="1"/>
           </p:cNvSpPr>
           <p:nvPr>
-            <p:ph type="sldNum" idx="4"/>
+            <p:ph type="sldNum" idx="5"/>
           </p:nvPr>
         </p:nvSpPr>
         <p:spPr>
@@ -422,7 +748,7 @@
           </a:ln>
         </p:spPr>
         <p:txBody>
-          <a:bodyPr lIns="92160" rIns="92160" tIns="46080" bIns="46080" anchor="b">
+          <a:bodyPr lIns="92160" tIns="46080" rIns="92160" bIns="46080" anchor="b">
             <a:noAutofit/>
           </a:bodyPr>
           <a:lstStyle>
@@ -431,9 +757,9 @@
                 <a:spcPct val="100000"/>
               </a:lnSpc>
               <a:buNone/>
-              <a:defRPr b="0" lang="ru-RU" sz="1200" spc="-1" strike="noStrike">
+              <a:defRPr lang="ru-RU" sz="1200" b="0" strike="noStrike" spc="-1">
                 <a:solidFill>
-                  <a:srgbClr val="000000"/>
+                  <a:srgbClr val="FFFFFF"/>
                 </a:solidFill>
                 <a:latin typeface="+mn-lt"/>
                 <a:ea typeface="+mn-ea"/>
@@ -447,17 +773,17 @@
               </a:lnSpc>
               <a:buNone/>
             </a:pPr>
-            <a:fld id="{DD4EC006-FF4F-4717-A8C6-B484FCEADD6B}" type="slidenum">
-              <a:rPr b="0" lang="ru-RU" sz="1200" spc="-1" strike="noStrike">
+            <a:fld id="{0C90EEDA-5B89-4D44-B1FB-91AF23C13287}" type="slidenum">
+              <a:rPr lang="ru-RU" sz="1200" b="0" strike="noStrike" spc="-1">
                 <a:solidFill>
-                  <a:srgbClr val="000000"/>
+                  <a:srgbClr val="FFFFFF"/>
                 </a:solidFill>
                 <a:latin typeface="+mn-lt"/>
                 <a:ea typeface="+mn-ea"/>
               </a:rPr>
-              <a:t>&lt;number&gt;</a:t>
+              <a:t>2</a:t>
             </a:fld>
-            <a:endParaRPr b="0" lang="en-US" sz="1200" spc="-1" strike="noStrike">
+            <a:endParaRPr lang="en-US" sz="1200" b="0" strike="noStrike" spc="-1">
               <a:latin typeface="Times New Roman"/>
             </a:endParaRPr>
           </a:p>
@@ -465,11 +791,14 @@
       </p:sp>
     </p:spTree>
   </p:cSld>
+  <p:clrMapOvr>
+    <a:masterClrMapping/>
+  </p:clrMapOvr>
 </p:notes>
 </file>
 
-<file path=ppt/notesSlides/notesSlide10.xml><?xml version="1.0" encoding="utf-8"?>
-<p:notes xmlns:a="http://schemas.openxmlformats.org/drawingml/2006/main" xmlns:p="http://schemas.openxmlformats.org/presentationml/2006/main" xmlns:r="http://schemas.openxmlformats.org/officeDocument/2006/relationships" xmlns:p14="http://schemas.microsoft.com/office/powerpoint/2010/main" xmlns:p15="http://schemas.microsoft.com/office/powerpoint/2012/main" xmlns:mc="http://schemas.openxmlformats.org/markup-compatibility/2006">
+<file path=ppt/notesSlides/notesSlide3.xml><?xml version="1.0" encoding="utf-8"?>
+<p:notes xmlns:a="http://schemas.openxmlformats.org/drawingml/2006/main" xmlns:r="http://schemas.openxmlformats.org/officeDocument/2006/relationships" xmlns:p="http://schemas.openxmlformats.org/presentationml/2006/main">
   <p:cSld>
     <p:spTree>
       <p:nvGrpSpPr>
@@ -489,7 +818,7 @@
         <p:nvSpPr>
           <p:cNvPr id="173" name="PlaceHolder 1"/>
           <p:cNvSpPr>
-            <a:spLocks noGrp="1"/>
+            <a:spLocks noGrp="1" noRot="1" noChangeAspect="1"/>
           </p:cNvSpPr>
           <p:nvPr>
             <p:ph type="sldImg"/>
@@ -497,8 +826,8 @@
         </p:nvSpPr>
         <p:spPr>
           <a:xfrm>
-            <a:off x="895320" y="746280"/>
-            <a:ext cx="4970160" cy="3728520"/>
+            <a:off x="895350" y="746125"/>
+            <a:ext cx="4970463" cy="3729038"/>
           </a:xfrm>
           <a:prstGeom prst="rect">
             <a:avLst/>
@@ -532,11 +861,12 @@
           </a:ln>
         </p:spPr>
         <p:txBody>
-          <a:bodyPr lIns="92160" rIns="92160" tIns="46080" bIns="46080" anchor="t">
+          <a:bodyPr lIns="92160" tIns="46080" rIns="92160" bIns="46080" anchor="t">
             <a:noAutofit/>
           </a:bodyPr>
-          <a:p>
-            <a:endParaRPr b="0" lang="en-US" sz="2000" spc="-1" strike="noStrike">
+          <a:lstStyle/>
+          <a:p>
+            <a:endParaRPr lang="en-US" sz="2000" b="0" strike="noStrike" spc="-1">
               <a:latin typeface="Arial"/>
             </a:endParaRPr>
           </a:p>
@@ -566,7 +896,7 @@
           </a:ln>
         </p:spPr>
         <p:txBody>
-          <a:bodyPr lIns="92160" rIns="92160" tIns="46080" bIns="46080" anchor="b">
+          <a:bodyPr lIns="92160" tIns="46080" rIns="92160" bIns="46080" anchor="b">
             <a:noAutofit/>
           </a:bodyPr>
           <a:lstStyle>
@@ -575,9 +905,9 @@
                 <a:spcPct val="100000"/>
               </a:lnSpc>
               <a:buNone/>
-              <a:defRPr b="0" lang="ru-RU" sz="1200" spc="-1" strike="noStrike">
+              <a:defRPr lang="ru-RU" sz="1200" b="0" strike="noStrike" spc="-1">
                 <a:solidFill>
-                  <a:srgbClr val="ffffff"/>
+                  <a:srgbClr val="FFFFFF"/>
                 </a:solidFill>
                 <a:latin typeface="+mn-lt"/>
                 <a:ea typeface="+mn-ea"/>
@@ -592,16 +922,16 @@
               <a:buNone/>
             </a:pPr>
             <a:fld id="{0FFDF394-AC76-4896-A383-D0ED5B7AA50B}" type="slidenum">
-              <a:rPr b="0" lang="ru-RU" sz="1200" spc="-1" strike="noStrike">
+              <a:rPr lang="ru-RU" sz="1200" b="0" strike="noStrike" spc="-1">
                 <a:solidFill>
-                  <a:srgbClr val="ffffff"/>
+                  <a:srgbClr val="FFFFFF"/>
                 </a:solidFill>
                 <a:latin typeface="+mn-lt"/>
                 <a:ea typeface="+mn-ea"/>
               </a:rPr>
-              <a:t>&lt;number&gt;</a:t>
+              <a:t>10</a:t>
             </a:fld>
-            <a:endParaRPr b="0" lang="en-US" sz="1200" spc="-1" strike="noStrike">
+            <a:endParaRPr lang="en-US" sz="1200" b="0" strike="noStrike" spc="-1">
               <a:latin typeface="Times New Roman"/>
             </a:endParaRPr>
           </a:p>
@@ -609,155 +939,14 @@
       </p:sp>
     </p:spTree>
   </p:cSld>
-</p:notes>
-</file>
-
-<file path=ppt/notesSlides/notesSlide2.xml><?xml version="1.0" encoding="utf-8"?>
-<p:notes xmlns:a="http://schemas.openxmlformats.org/drawingml/2006/main" xmlns:p="http://schemas.openxmlformats.org/presentationml/2006/main" xmlns:r="http://schemas.openxmlformats.org/officeDocument/2006/relationships" xmlns:p14="http://schemas.microsoft.com/office/powerpoint/2010/main" xmlns:p15="http://schemas.microsoft.com/office/powerpoint/2012/main" xmlns:mc="http://schemas.openxmlformats.org/markup-compatibility/2006">
-  <p:cSld>
-    <p:spTree>
-      <p:nvGrpSpPr>
-        <p:cNvPr id="1" name=""/>
-        <p:cNvGrpSpPr/>
-        <p:nvPr/>
-      </p:nvGrpSpPr>
-      <p:grpSpPr>
-        <a:xfrm>
-          <a:off x="0" y="0"/>
-          <a:ext cx="0" cy="0"/>
-          <a:chOff x="0" y="0"/>
-          <a:chExt cx="0" cy="0"/>
-        </a:xfrm>
-      </p:grpSpPr>
-      <p:sp>
-        <p:nvSpPr>
-          <p:cNvPr id="170" name="PlaceHolder 1"/>
-          <p:cNvSpPr>
-            <a:spLocks noGrp="1"/>
-          </p:cNvSpPr>
-          <p:nvPr>
-            <p:ph type="sldImg"/>
-          </p:nvPr>
-        </p:nvSpPr>
-        <p:spPr>
-          <a:xfrm>
-            <a:off x="895320" y="746280"/>
-            <a:ext cx="4970160" cy="3728520"/>
-          </a:xfrm>
-          <a:prstGeom prst="rect">
-            <a:avLst/>
-          </a:prstGeom>
-          <a:ln w="0">
-            <a:noFill/>
-          </a:ln>
-        </p:spPr>
-      </p:sp>
-      <p:sp>
-        <p:nvSpPr>
-          <p:cNvPr id="171" name="PlaceHolder 2"/>
-          <p:cNvSpPr>
-            <a:spLocks noGrp="1"/>
-          </p:cNvSpPr>
-          <p:nvPr>
-            <p:ph type="body"/>
-          </p:nvPr>
-        </p:nvSpPr>
-        <p:spPr>
-          <a:xfrm>
-            <a:off x="676080" y="4722840"/>
-            <a:ext cx="5408640" cy="4473720"/>
-          </a:xfrm>
-          <a:prstGeom prst="rect">
-            <a:avLst/>
-          </a:prstGeom>
-          <a:noFill/>
-          <a:ln w="0">
-            <a:noFill/>
-          </a:ln>
-        </p:spPr>
-        <p:txBody>
-          <a:bodyPr lIns="92160" rIns="92160" tIns="46080" bIns="46080" anchor="t">
-            <a:noAutofit/>
-          </a:bodyPr>
-          <a:p>
-            <a:endParaRPr b="0" lang="en-US" sz="2000" spc="-1" strike="noStrike">
-              <a:latin typeface="Arial"/>
-            </a:endParaRPr>
-          </a:p>
-        </p:txBody>
-      </p:sp>
-      <p:sp>
-        <p:nvSpPr>
-          <p:cNvPr id="172" name="PlaceHolder 3"/>
-          <p:cNvSpPr>
-            <a:spLocks noGrp="1"/>
-          </p:cNvSpPr>
-          <p:nvPr>
-            <p:ph type="sldNum" idx="5"/>
-          </p:nvPr>
-        </p:nvSpPr>
-        <p:spPr>
-          <a:xfrm>
-            <a:off x="3829680" y="9443520"/>
-            <a:ext cx="2929320" cy="496800"/>
-          </a:xfrm>
-          <a:prstGeom prst="rect">
-            <a:avLst/>
-          </a:prstGeom>
-          <a:noFill/>
-          <a:ln w="0">
-            <a:noFill/>
-          </a:ln>
-        </p:spPr>
-        <p:txBody>
-          <a:bodyPr lIns="92160" rIns="92160" tIns="46080" bIns="46080" anchor="b">
-            <a:noAutofit/>
-          </a:bodyPr>
-          <a:lstStyle>
-            <a:lvl1pPr algn="r">
-              <a:lnSpc>
-                <a:spcPct val="100000"/>
-              </a:lnSpc>
-              <a:buNone/>
-              <a:defRPr b="0" lang="ru-RU" sz="1200" spc="-1" strike="noStrike">
-                <a:solidFill>
-                  <a:srgbClr val="ffffff"/>
-                </a:solidFill>
-                <a:latin typeface="+mn-lt"/>
-                <a:ea typeface="+mn-ea"/>
-              </a:defRPr>
-            </a:lvl1pPr>
-          </a:lstStyle>
-          <a:p>
-            <a:pPr algn="r">
-              <a:lnSpc>
-                <a:spcPct val="100000"/>
-              </a:lnSpc>
-              <a:buNone/>
-            </a:pPr>
-            <a:fld id="{0C90EEDA-5B89-4D44-B1FB-91AF23C13287}" type="slidenum">
-              <a:rPr b="0" lang="ru-RU" sz="1200" spc="-1" strike="noStrike">
-                <a:solidFill>
-                  <a:srgbClr val="ffffff"/>
-                </a:solidFill>
-                <a:latin typeface="+mn-lt"/>
-                <a:ea typeface="+mn-ea"/>
-              </a:rPr>
-              <a:t>&lt;number&gt;</a:t>
-            </a:fld>
-            <a:endParaRPr b="0" lang="en-US" sz="1200" spc="-1" strike="noStrike">
-              <a:latin typeface="Times New Roman"/>
-            </a:endParaRPr>
-          </a:p>
-        </p:txBody>
-      </p:sp>
-    </p:spTree>
-  </p:cSld>
+  <p:clrMapOvr>
+    <a:masterClrMapping/>
+  </p:clrMapOvr>
 </p:notes>
 </file>
 
 <file path=ppt/slideLayouts/slideLayout1.xml><?xml version="1.0" encoding="utf-8"?>
-<p:sldLayout xmlns:a="http://schemas.openxmlformats.org/drawingml/2006/main" xmlns:p="http://schemas.openxmlformats.org/presentationml/2006/main" xmlns:r="http://schemas.openxmlformats.org/officeDocument/2006/relationships" xmlns:p14="http://schemas.microsoft.com/office/powerpoint/2010/main" xmlns:p15="http://schemas.microsoft.com/office/powerpoint/2012/main" xmlns:mc="http://schemas.openxmlformats.org/markup-compatibility/2006" type="blank" preserve="1">
+<p:sldLayout xmlns:a="http://schemas.openxmlformats.org/drawingml/2006/main" xmlns:r="http://schemas.openxmlformats.org/officeDocument/2006/relationships" xmlns:p="http://schemas.openxmlformats.org/presentationml/2006/main" type="blank" preserve="1">
   <p:cSld name="Blank Slide">
     <p:spTree>
       <p:nvGrpSpPr>
@@ -775,11 +964,14 @@
       </p:grpSpPr>
     </p:spTree>
   </p:cSld>
+  <p:clrMapOvr>
+    <a:masterClrMapping/>
+  </p:clrMapOvr>
 </p:sldLayout>
 </file>
 
 <file path=ppt/slideLayouts/slideLayout10.xml><?xml version="1.0" encoding="utf-8"?>
-<p:sldLayout xmlns:a="http://schemas.openxmlformats.org/drawingml/2006/main" xmlns:p="http://schemas.openxmlformats.org/presentationml/2006/main" xmlns:r="http://schemas.openxmlformats.org/officeDocument/2006/relationships" xmlns:p14="http://schemas.microsoft.com/office/powerpoint/2010/main" xmlns:p15="http://schemas.microsoft.com/office/powerpoint/2012/main" xmlns:mc="http://schemas.openxmlformats.org/markup-compatibility/2006" type="objOverTx" preserve="1">
+<p:sldLayout xmlns:a="http://schemas.openxmlformats.org/drawingml/2006/main" xmlns:r="http://schemas.openxmlformats.org/officeDocument/2006/relationships" xmlns:p="http://schemas.openxmlformats.org/presentationml/2006/main" type="objOverTx" preserve="1">
   <p:cSld name="Title, Content over Content">
     <p:spTree>
       <p:nvGrpSpPr>
@@ -819,11 +1011,12 @@
           </a:ln>
         </p:spPr>
         <p:txBody>
-          <a:bodyPr lIns="0" rIns="0" tIns="0" bIns="0" anchor="ctr">
+          <a:bodyPr lIns="0" tIns="0" rIns="0" bIns="0" anchor="ctr">
             <a:noAutofit/>
           </a:bodyPr>
-          <a:p>
-            <a:endParaRPr b="0" lang="ru-RU" sz="1800" spc="-1" strike="noStrike">
+          <a:lstStyle/>
+          <a:p>
+            <a:endParaRPr lang="ru-RU" sz="1800" b="0" strike="noStrike" spc="-1">
               <a:solidFill>
                 <a:srgbClr val="000000"/>
               </a:solidFill>
@@ -856,11 +1049,12 @@
           </a:ln>
         </p:spPr>
         <p:txBody>
-          <a:bodyPr lIns="0" rIns="0" tIns="0" bIns="0" anchor="t">
+          <a:bodyPr lIns="0" tIns="0" rIns="0" bIns="0" anchor="t">
             <a:normAutofit/>
           </a:bodyPr>
-          <a:p>
-            <a:endParaRPr b="0" lang="ru-RU" sz="3200" spc="-1" strike="noStrike">
+          <a:lstStyle/>
+          <a:p>
+            <a:endParaRPr lang="ru-RU" sz="3200" b="0" strike="noStrike" spc="-1">
               <a:solidFill>
                 <a:srgbClr val="000000"/>
               </a:solidFill>
@@ -893,11 +1087,12 @@
           </a:ln>
         </p:spPr>
         <p:txBody>
-          <a:bodyPr lIns="0" rIns="0" tIns="0" bIns="0" anchor="t">
+          <a:bodyPr lIns="0" tIns="0" rIns="0" bIns="0" anchor="t">
             <a:normAutofit/>
           </a:bodyPr>
-          <a:p>
-            <a:endParaRPr b="0" lang="ru-RU" sz="3200" spc="-1" strike="noStrike">
+          <a:lstStyle/>
+          <a:p>
+            <a:endParaRPr lang="ru-RU" sz="3200" b="0" strike="noStrike" spc="-1">
               <a:solidFill>
                 <a:srgbClr val="000000"/>
               </a:solidFill>
@@ -908,11 +1103,14 @@
       </p:sp>
     </p:spTree>
   </p:cSld>
+  <p:clrMapOvr>
+    <a:masterClrMapping/>
+  </p:clrMapOvr>
 </p:sldLayout>
 </file>
 
 <file path=ppt/slideLayouts/slideLayout11.xml><?xml version="1.0" encoding="utf-8"?>
-<p:sldLayout xmlns:a="http://schemas.openxmlformats.org/drawingml/2006/main" xmlns:p="http://schemas.openxmlformats.org/presentationml/2006/main" xmlns:r="http://schemas.openxmlformats.org/officeDocument/2006/relationships" xmlns:p14="http://schemas.microsoft.com/office/powerpoint/2010/main" xmlns:p15="http://schemas.microsoft.com/office/powerpoint/2012/main" xmlns:mc="http://schemas.openxmlformats.org/markup-compatibility/2006" type="fourObj" preserve="1">
+<p:sldLayout xmlns:a="http://schemas.openxmlformats.org/drawingml/2006/main" xmlns:r="http://schemas.openxmlformats.org/officeDocument/2006/relationships" xmlns:p="http://schemas.openxmlformats.org/presentationml/2006/main" type="fourObj" preserve="1">
   <p:cSld name="Title, 4 Content">
     <p:spTree>
       <p:nvGrpSpPr>
@@ -952,11 +1150,12 @@
           </a:ln>
         </p:spPr>
         <p:txBody>
-          <a:bodyPr lIns="0" rIns="0" tIns="0" bIns="0" anchor="ctr">
+          <a:bodyPr lIns="0" tIns="0" rIns="0" bIns="0" anchor="ctr">
             <a:noAutofit/>
           </a:bodyPr>
-          <a:p>
-            <a:endParaRPr b="0" lang="ru-RU" sz="1800" spc="-1" strike="noStrike">
+          <a:lstStyle/>
+          <a:p>
+            <a:endParaRPr lang="ru-RU" sz="1800" b="0" strike="noStrike" spc="-1">
               <a:solidFill>
                 <a:srgbClr val="000000"/>
               </a:solidFill>
@@ -989,11 +1188,12 @@
           </a:ln>
         </p:spPr>
         <p:txBody>
-          <a:bodyPr lIns="0" rIns="0" tIns="0" bIns="0" anchor="t">
+          <a:bodyPr lIns="0" tIns="0" rIns="0" bIns="0" anchor="t">
             <a:normAutofit/>
           </a:bodyPr>
-          <a:p>
-            <a:endParaRPr b="0" lang="ru-RU" sz="3200" spc="-1" strike="noStrike">
+          <a:lstStyle/>
+          <a:p>
+            <a:endParaRPr lang="ru-RU" sz="3200" b="0" strike="noStrike" spc="-1">
               <a:solidFill>
                 <a:srgbClr val="000000"/>
               </a:solidFill>
@@ -1026,11 +1226,12 @@
           </a:ln>
         </p:spPr>
         <p:txBody>
-          <a:bodyPr lIns="0" rIns="0" tIns="0" bIns="0" anchor="t">
+          <a:bodyPr lIns="0" tIns="0" rIns="0" bIns="0" anchor="t">
             <a:normAutofit/>
           </a:bodyPr>
-          <a:p>
-            <a:endParaRPr b="0" lang="ru-RU" sz="3200" spc="-1" strike="noStrike">
+          <a:lstStyle/>
+          <a:p>
+            <a:endParaRPr lang="ru-RU" sz="3200" b="0" strike="noStrike" spc="-1">
               <a:solidFill>
                 <a:srgbClr val="000000"/>
               </a:solidFill>
@@ -1063,11 +1264,12 @@
           </a:ln>
         </p:spPr>
         <p:txBody>
-          <a:bodyPr lIns="0" rIns="0" tIns="0" bIns="0" anchor="t">
+          <a:bodyPr lIns="0" tIns="0" rIns="0" bIns="0" anchor="t">
             <a:normAutofit/>
           </a:bodyPr>
-          <a:p>
-            <a:endParaRPr b="0" lang="ru-RU" sz="3200" spc="-1" strike="noStrike">
+          <a:lstStyle/>
+          <a:p>
+            <a:endParaRPr lang="ru-RU" sz="3200" b="0" strike="noStrike" spc="-1">
               <a:solidFill>
                 <a:srgbClr val="000000"/>
               </a:solidFill>
@@ -1100,11 +1302,12 @@
           </a:ln>
         </p:spPr>
         <p:txBody>
-          <a:bodyPr lIns="0" rIns="0" tIns="0" bIns="0" anchor="t">
+          <a:bodyPr lIns="0" tIns="0" rIns="0" bIns="0" anchor="t">
             <a:normAutofit/>
           </a:bodyPr>
-          <a:p>
-            <a:endParaRPr b="0" lang="ru-RU" sz="3200" spc="-1" strike="noStrike">
+          <a:lstStyle/>
+          <a:p>
+            <a:endParaRPr lang="ru-RU" sz="3200" b="0" strike="noStrike" spc="-1">
               <a:solidFill>
                 <a:srgbClr val="000000"/>
               </a:solidFill>
@@ -1115,11 +1318,14 @@
       </p:sp>
     </p:spTree>
   </p:cSld>
+  <p:clrMapOvr>
+    <a:masterClrMapping/>
+  </p:clrMapOvr>
 </p:sldLayout>
 </file>
 
 <file path=ppt/slideLayouts/slideLayout12.xml><?xml version="1.0" encoding="utf-8"?>
-<p:sldLayout xmlns:a="http://schemas.openxmlformats.org/drawingml/2006/main" xmlns:p="http://schemas.openxmlformats.org/presentationml/2006/main" xmlns:r="http://schemas.openxmlformats.org/officeDocument/2006/relationships" xmlns:p14="http://schemas.microsoft.com/office/powerpoint/2010/main" xmlns:p15="http://schemas.microsoft.com/office/powerpoint/2012/main" xmlns:mc="http://schemas.openxmlformats.org/markup-compatibility/2006" type="blank" preserve="1">
+<p:sldLayout xmlns:a="http://schemas.openxmlformats.org/drawingml/2006/main" xmlns:r="http://schemas.openxmlformats.org/officeDocument/2006/relationships" xmlns:p="http://schemas.openxmlformats.org/presentationml/2006/main" type="blank" preserve="1">
   <p:cSld name="Title, 6 Content">
     <p:spTree>
       <p:nvGrpSpPr>
@@ -1159,11 +1365,12 @@
           </a:ln>
         </p:spPr>
         <p:txBody>
-          <a:bodyPr lIns="0" rIns="0" tIns="0" bIns="0" anchor="ctr">
+          <a:bodyPr lIns="0" tIns="0" rIns="0" bIns="0" anchor="ctr">
             <a:noAutofit/>
           </a:bodyPr>
-          <a:p>
-            <a:endParaRPr b="0" lang="ru-RU" sz="1800" spc="-1" strike="noStrike">
+          <a:lstStyle/>
+          <a:p>
+            <a:endParaRPr lang="ru-RU" sz="1800" b="0" strike="noStrike" spc="-1">
               <a:solidFill>
                 <a:srgbClr val="000000"/>
               </a:solidFill>
@@ -1196,11 +1403,12 @@
           </a:ln>
         </p:spPr>
         <p:txBody>
-          <a:bodyPr lIns="0" rIns="0" tIns="0" bIns="0" anchor="t">
+          <a:bodyPr lIns="0" tIns="0" rIns="0" bIns="0" anchor="t">
             <a:normAutofit/>
           </a:bodyPr>
-          <a:p>
-            <a:endParaRPr b="0" lang="ru-RU" sz="3200" spc="-1" strike="noStrike">
+          <a:lstStyle/>
+          <a:p>
+            <a:endParaRPr lang="ru-RU" sz="3200" b="0" strike="noStrike" spc="-1">
               <a:solidFill>
                 <a:srgbClr val="000000"/>
               </a:solidFill>
@@ -1233,11 +1441,12 @@
           </a:ln>
         </p:spPr>
         <p:txBody>
-          <a:bodyPr lIns="0" rIns="0" tIns="0" bIns="0" anchor="t">
+          <a:bodyPr lIns="0" tIns="0" rIns="0" bIns="0" anchor="t">
             <a:normAutofit/>
           </a:bodyPr>
-          <a:p>
-            <a:endParaRPr b="0" lang="ru-RU" sz="3200" spc="-1" strike="noStrike">
+          <a:lstStyle/>
+          <a:p>
+            <a:endParaRPr lang="ru-RU" sz="3200" b="0" strike="noStrike" spc="-1">
               <a:solidFill>
                 <a:srgbClr val="000000"/>
               </a:solidFill>
@@ -1270,11 +1479,12 @@
           </a:ln>
         </p:spPr>
         <p:txBody>
-          <a:bodyPr lIns="0" rIns="0" tIns="0" bIns="0" anchor="t">
+          <a:bodyPr lIns="0" tIns="0" rIns="0" bIns="0" anchor="t">
             <a:normAutofit/>
           </a:bodyPr>
-          <a:p>
-            <a:endParaRPr b="0" lang="ru-RU" sz="3200" spc="-1" strike="noStrike">
+          <a:lstStyle/>
+          <a:p>
+            <a:endParaRPr lang="ru-RU" sz="3200" b="0" strike="noStrike" spc="-1">
               <a:solidFill>
                 <a:srgbClr val="000000"/>
               </a:solidFill>
@@ -1307,11 +1517,12 @@
           </a:ln>
         </p:spPr>
         <p:txBody>
-          <a:bodyPr lIns="0" rIns="0" tIns="0" bIns="0" anchor="t">
+          <a:bodyPr lIns="0" tIns="0" rIns="0" bIns="0" anchor="t">
             <a:normAutofit/>
           </a:bodyPr>
-          <a:p>
-            <a:endParaRPr b="0" lang="ru-RU" sz="3200" spc="-1" strike="noStrike">
+          <a:lstStyle/>
+          <a:p>
+            <a:endParaRPr lang="ru-RU" sz="3200" b="0" strike="noStrike" spc="-1">
               <a:solidFill>
                 <a:srgbClr val="000000"/>
               </a:solidFill>
@@ -1344,11 +1555,12 @@
           </a:ln>
         </p:spPr>
         <p:txBody>
-          <a:bodyPr lIns="0" rIns="0" tIns="0" bIns="0" anchor="t">
+          <a:bodyPr lIns="0" tIns="0" rIns="0" bIns="0" anchor="t">
             <a:normAutofit/>
           </a:bodyPr>
-          <a:p>
-            <a:endParaRPr b="0" lang="ru-RU" sz="3200" spc="-1" strike="noStrike">
+          <a:lstStyle/>
+          <a:p>
+            <a:endParaRPr lang="ru-RU" sz="3200" b="0" strike="noStrike" spc="-1">
               <a:solidFill>
                 <a:srgbClr val="000000"/>
               </a:solidFill>
@@ -1381,11 +1593,12 @@
           </a:ln>
         </p:spPr>
         <p:txBody>
-          <a:bodyPr lIns="0" rIns="0" tIns="0" bIns="0" anchor="t">
+          <a:bodyPr lIns="0" tIns="0" rIns="0" bIns="0" anchor="t">
             <a:normAutofit/>
           </a:bodyPr>
-          <a:p>
-            <a:endParaRPr b="0" lang="ru-RU" sz="3200" spc="-1" strike="noStrike">
+          <a:lstStyle/>
+          <a:p>
+            <a:endParaRPr lang="ru-RU" sz="3200" b="0" strike="noStrike" spc="-1">
               <a:solidFill>
                 <a:srgbClr val="000000"/>
               </a:solidFill>
@@ -1396,11 +1609,14 @@
       </p:sp>
     </p:spTree>
   </p:cSld>
+  <p:clrMapOvr>
+    <a:masterClrMapping/>
+  </p:clrMapOvr>
 </p:sldLayout>
 </file>
 
 <file path=ppt/slideLayouts/slideLayout13.xml><?xml version="1.0" encoding="utf-8"?>
-<p:sldLayout xmlns:a="http://schemas.openxmlformats.org/drawingml/2006/main" xmlns:p="http://schemas.openxmlformats.org/presentationml/2006/main" xmlns:r="http://schemas.openxmlformats.org/officeDocument/2006/relationships" xmlns:p14="http://schemas.microsoft.com/office/powerpoint/2010/main" xmlns:p15="http://schemas.microsoft.com/office/powerpoint/2012/main" xmlns:mc="http://schemas.openxmlformats.org/markup-compatibility/2006" type="blank" preserve="1">
+<p:sldLayout xmlns:a="http://schemas.openxmlformats.org/drawingml/2006/main" xmlns:r="http://schemas.openxmlformats.org/officeDocument/2006/relationships" xmlns:p="http://schemas.openxmlformats.org/presentationml/2006/main" type="blank" preserve="1">
   <p:cSld name="Blank Slide">
     <p:spTree>
       <p:nvGrpSpPr>
@@ -1418,11 +1634,14 @@
       </p:grpSpPr>
     </p:spTree>
   </p:cSld>
+  <p:clrMapOvr>
+    <a:masterClrMapping/>
+  </p:clrMapOvr>
 </p:sldLayout>
 </file>
 
 <file path=ppt/slideLayouts/slideLayout14.xml><?xml version="1.0" encoding="utf-8"?>
-<p:sldLayout xmlns:a="http://schemas.openxmlformats.org/drawingml/2006/main" xmlns:p="http://schemas.openxmlformats.org/presentationml/2006/main" xmlns:r="http://schemas.openxmlformats.org/officeDocument/2006/relationships" xmlns:p14="http://schemas.microsoft.com/office/powerpoint/2010/main" xmlns:p15="http://schemas.microsoft.com/office/powerpoint/2012/main" xmlns:mc="http://schemas.openxmlformats.org/markup-compatibility/2006" type="tx" preserve="1">
+<p:sldLayout xmlns:a="http://schemas.openxmlformats.org/drawingml/2006/main" xmlns:r="http://schemas.openxmlformats.org/officeDocument/2006/relationships" xmlns:p="http://schemas.openxmlformats.org/presentationml/2006/main" type="tx" preserve="1">
   <p:cSld name="Title Slide">
     <p:spTree>
       <p:nvGrpSpPr>
@@ -1462,11 +1681,12 @@
           </a:ln>
         </p:spPr>
         <p:txBody>
-          <a:bodyPr lIns="0" rIns="0" tIns="0" bIns="0" anchor="ctr">
+          <a:bodyPr lIns="0" tIns="0" rIns="0" bIns="0" anchor="ctr">
             <a:noAutofit/>
           </a:bodyPr>
-          <a:p>
-            <a:endParaRPr b="0" lang="ru-RU" sz="1800" spc="-1" strike="noStrike">
+          <a:lstStyle/>
+          <a:p>
+            <a:endParaRPr lang="ru-RU" sz="1800" b="0" strike="noStrike" spc="-1">
               <a:solidFill>
                 <a:srgbClr val="000000"/>
               </a:solidFill>
@@ -1499,14 +1719,15 @@
           </a:ln>
         </p:spPr>
         <p:txBody>
-          <a:bodyPr lIns="0" rIns="0" tIns="0" bIns="0" anchor="ctr">
+          <a:bodyPr lIns="0" tIns="0" rIns="0" bIns="0" anchor="ctr">
             <a:noAutofit/>
           </a:bodyPr>
+          <a:lstStyle/>
           <a:p>
             <a:pPr algn="ctr">
               <a:buNone/>
             </a:pPr>
-            <a:endParaRPr b="0" lang="en-US" sz="3200" spc="-1" strike="noStrike">
+            <a:endParaRPr lang="en-US" sz="3200" b="0" strike="noStrike" spc="-1">
               <a:latin typeface="Arial"/>
             </a:endParaRPr>
           </a:p>
@@ -1514,11 +1735,14 @@
       </p:sp>
     </p:spTree>
   </p:cSld>
+  <p:clrMapOvr>
+    <a:masterClrMapping/>
+  </p:clrMapOvr>
 </p:sldLayout>
 </file>
 
 <file path=ppt/slideLayouts/slideLayout15.xml><?xml version="1.0" encoding="utf-8"?>
-<p:sldLayout xmlns:a="http://schemas.openxmlformats.org/drawingml/2006/main" xmlns:p="http://schemas.openxmlformats.org/presentationml/2006/main" xmlns:r="http://schemas.openxmlformats.org/officeDocument/2006/relationships" xmlns:p14="http://schemas.microsoft.com/office/powerpoint/2010/main" xmlns:p15="http://schemas.microsoft.com/office/powerpoint/2012/main" xmlns:mc="http://schemas.openxmlformats.org/markup-compatibility/2006" type="obj" preserve="1">
+<p:sldLayout xmlns:a="http://schemas.openxmlformats.org/drawingml/2006/main" xmlns:r="http://schemas.openxmlformats.org/officeDocument/2006/relationships" xmlns:p="http://schemas.openxmlformats.org/presentationml/2006/main" type="obj" preserve="1">
   <p:cSld name="Title, Content">
     <p:spTree>
       <p:nvGrpSpPr>
@@ -1558,11 +1782,12 @@
           </a:ln>
         </p:spPr>
         <p:txBody>
-          <a:bodyPr lIns="0" rIns="0" tIns="0" bIns="0" anchor="ctr">
+          <a:bodyPr lIns="0" tIns="0" rIns="0" bIns="0" anchor="ctr">
             <a:noAutofit/>
           </a:bodyPr>
-          <a:p>
-            <a:endParaRPr b="0" lang="ru-RU" sz="1800" spc="-1" strike="noStrike">
+          <a:lstStyle/>
+          <a:p>
+            <a:endParaRPr lang="ru-RU" sz="1800" b="0" strike="noStrike" spc="-1">
               <a:solidFill>
                 <a:srgbClr val="000000"/>
               </a:solidFill>
@@ -1595,11 +1820,12 @@
           </a:ln>
         </p:spPr>
         <p:txBody>
-          <a:bodyPr lIns="0" rIns="0" tIns="0" bIns="0" anchor="t">
+          <a:bodyPr lIns="0" tIns="0" rIns="0" bIns="0" anchor="t">
             <a:normAutofit/>
           </a:bodyPr>
-          <a:p>
-            <a:endParaRPr b="0" lang="ru-RU" sz="3200" spc="-1" strike="noStrike">
+          <a:lstStyle/>
+          <a:p>
+            <a:endParaRPr lang="ru-RU" sz="3200" b="0" strike="noStrike" spc="-1">
               <a:solidFill>
                 <a:srgbClr val="000000"/>
               </a:solidFill>
@@ -1610,11 +1836,14 @@
       </p:sp>
     </p:spTree>
   </p:cSld>
+  <p:clrMapOvr>
+    <a:masterClrMapping/>
+  </p:clrMapOvr>
 </p:sldLayout>
 </file>
 
 <file path=ppt/slideLayouts/slideLayout16.xml><?xml version="1.0" encoding="utf-8"?>
-<p:sldLayout xmlns:a="http://schemas.openxmlformats.org/drawingml/2006/main" xmlns:p="http://schemas.openxmlformats.org/presentationml/2006/main" xmlns:r="http://schemas.openxmlformats.org/officeDocument/2006/relationships" xmlns:p14="http://schemas.microsoft.com/office/powerpoint/2010/main" xmlns:p15="http://schemas.microsoft.com/office/powerpoint/2012/main" xmlns:mc="http://schemas.openxmlformats.org/markup-compatibility/2006" type="twoObj" preserve="1">
+<p:sldLayout xmlns:a="http://schemas.openxmlformats.org/drawingml/2006/main" xmlns:r="http://schemas.openxmlformats.org/officeDocument/2006/relationships" xmlns:p="http://schemas.openxmlformats.org/presentationml/2006/main" type="twoObj" preserve="1">
   <p:cSld name="Title, 2 Content">
     <p:spTree>
       <p:nvGrpSpPr>
@@ -1654,11 +1883,12 @@
           </a:ln>
         </p:spPr>
         <p:txBody>
-          <a:bodyPr lIns="0" rIns="0" tIns="0" bIns="0" anchor="ctr">
+          <a:bodyPr lIns="0" tIns="0" rIns="0" bIns="0" anchor="ctr">
             <a:noAutofit/>
           </a:bodyPr>
-          <a:p>
-            <a:endParaRPr b="0" lang="ru-RU" sz="1800" spc="-1" strike="noStrike">
+          <a:lstStyle/>
+          <a:p>
+            <a:endParaRPr lang="ru-RU" sz="1800" b="0" strike="noStrike" spc="-1">
               <a:solidFill>
                 <a:srgbClr val="000000"/>
               </a:solidFill>
@@ -1691,11 +1921,12 @@
           </a:ln>
         </p:spPr>
         <p:txBody>
-          <a:bodyPr lIns="0" rIns="0" tIns="0" bIns="0" anchor="t">
+          <a:bodyPr lIns="0" tIns="0" rIns="0" bIns="0" anchor="t">
             <a:normAutofit/>
           </a:bodyPr>
-          <a:p>
-            <a:endParaRPr b="0" lang="ru-RU" sz="3200" spc="-1" strike="noStrike">
+          <a:lstStyle/>
+          <a:p>
+            <a:endParaRPr lang="ru-RU" sz="3200" b="0" strike="noStrike" spc="-1">
               <a:solidFill>
                 <a:srgbClr val="000000"/>
               </a:solidFill>
@@ -1728,11 +1959,12 @@
           </a:ln>
         </p:spPr>
         <p:txBody>
-          <a:bodyPr lIns="0" rIns="0" tIns="0" bIns="0" anchor="t">
+          <a:bodyPr lIns="0" tIns="0" rIns="0" bIns="0" anchor="t">
             <a:normAutofit/>
           </a:bodyPr>
-          <a:p>
-            <a:endParaRPr b="0" lang="ru-RU" sz="3200" spc="-1" strike="noStrike">
+          <a:lstStyle/>
+          <a:p>
+            <a:endParaRPr lang="ru-RU" sz="3200" b="0" strike="noStrike" spc="-1">
               <a:solidFill>
                 <a:srgbClr val="000000"/>
               </a:solidFill>
@@ -1743,11 +1975,14 @@
       </p:sp>
     </p:spTree>
   </p:cSld>
+  <p:clrMapOvr>
+    <a:masterClrMapping/>
+  </p:clrMapOvr>
 </p:sldLayout>
 </file>
 
 <file path=ppt/slideLayouts/slideLayout17.xml><?xml version="1.0" encoding="utf-8"?>
-<p:sldLayout xmlns:a="http://schemas.openxmlformats.org/drawingml/2006/main" xmlns:p="http://schemas.openxmlformats.org/presentationml/2006/main" xmlns:r="http://schemas.openxmlformats.org/officeDocument/2006/relationships" xmlns:p14="http://schemas.microsoft.com/office/powerpoint/2010/main" xmlns:p15="http://schemas.microsoft.com/office/powerpoint/2012/main" xmlns:mc="http://schemas.openxmlformats.org/markup-compatibility/2006" type="titleOnly" preserve="1">
+<p:sldLayout xmlns:a="http://schemas.openxmlformats.org/drawingml/2006/main" xmlns:r="http://schemas.openxmlformats.org/officeDocument/2006/relationships" xmlns:p="http://schemas.openxmlformats.org/presentationml/2006/main" type="titleOnly" preserve="1">
   <p:cSld name="Title Only">
     <p:spTree>
       <p:nvGrpSpPr>
@@ -1787,11 +2022,12 @@
           </a:ln>
         </p:spPr>
         <p:txBody>
-          <a:bodyPr lIns="0" rIns="0" tIns="0" bIns="0" anchor="ctr">
+          <a:bodyPr lIns="0" tIns="0" rIns="0" bIns="0" anchor="ctr">
             <a:noAutofit/>
           </a:bodyPr>
-          <a:p>
-            <a:endParaRPr b="0" lang="ru-RU" sz="1800" spc="-1" strike="noStrike">
+          <a:lstStyle/>
+          <a:p>
+            <a:endParaRPr lang="ru-RU" sz="1800" b="0" strike="noStrike" spc="-1">
               <a:solidFill>
                 <a:srgbClr val="000000"/>
               </a:solidFill>
@@ -1802,11 +2038,14 @@
       </p:sp>
     </p:spTree>
   </p:cSld>
+  <p:clrMapOvr>
+    <a:masterClrMapping/>
+  </p:clrMapOvr>
 </p:sldLayout>
 </file>
 
 <file path=ppt/slideLayouts/slideLayout18.xml><?xml version="1.0" encoding="utf-8"?>
-<p:sldLayout xmlns:a="http://schemas.openxmlformats.org/drawingml/2006/main" xmlns:p="http://schemas.openxmlformats.org/presentationml/2006/main" xmlns:r="http://schemas.openxmlformats.org/officeDocument/2006/relationships" xmlns:p14="http://schemas.microsoft.com/office/powerpoint/2010/main" xmlns:p15="http://schemas.microsoft.com/office/powerpoint/2012/main" xmlns:mc="http://schemas.openxmlformats.org/markup-compatibility/2006" type="objOnly" preserve="1">
+<p:sldLayout xmlns:a="http://schemas.openxmlformats.org/drawingml/2006/main" xmlns:r="http://schemas.openxmlformats.org/officeDocument/2006/relationships" xmlns:p="http://schemas.openxmlformats.org/presentationml/2006/main" type="objOnly" preserve="1">
   <p:cSld name="Centered Text">
     <p:spTree>
       <p:nvGrpSpPr>
@@ -1846,14 +2085,15 @@
           </a:ln>
         </p:spPr>
         <p:txBody>
-          <a:bodyPr lIns="0" rIns="0" tIns="0" bIns="0" anchor="ctr">
+          <a:bodyPr lIns="0" tIns="0" rIns="0" bIns="0" anchor="ctr">
             <a:noAutofit/>
           </a:bodyPr>
+          <a:lstStyle/>
           <a:p>
             <a:pPr algn="ctr">
               <a:buNone/>
             </a:pPr>
-            <a:endParaRPr b="0" lang="en-US" sz="3200" spc="-1" strike="noStrike">
+            <a:endParaRPr lang="en-US" sz="3200" b="0" strike="noStrike" spc="-1">
               <a:latin typeface="Arial"/>
             </a:endParaRPr>
           </a:p>
@@ -1861,11 +2101,14 @@
       </p:sp>
     </p:spTree>
   </p:cSld>
+  <p:clrMapOvr>
+    <a:masterClrMapping/>
+  </p:clrMapOvr>
 </p:sldLayout>
 </file>
 
 <file path=ppt/slideLayouts/slideLayout19.xml><?xml version="1.0" encoding="utf-8"?>
-<p:sldLayout xmlns:a="http://schemas.openxmlformats.org/drawingml/2006/main" xmlns:p="http://schemas.openxmlformats.org/presentationml/2006/main" xmlns:r="http://schemas.openxmlformats.org/officeDocument/2006/relationships" xmlns:p14="http://schemas.microsoft.com/office/powerpoint/2010/main" xmlns:p15="http://schemas.microsoft.com/office/powerpoint/2012/main" xmlns:mc="http://schemas.openxmlformats.org/markup-compatibility/2006" type="twoObjAndObj" preserve="1">
+<p:sldLayout xmlns:a="http://schemas.openxmlformats.org/drawingml/2006/main" xmlns:r="http://schemas.openxmlformats.org/officeDocument/2006/relationships" xmlns:p="http://schemas.openxmlformats.org/presentationml/2006/main" type="twoObjAndObj" preserve="1">
   <p:cSld name="Title, 2 Content and Content">
     <p:spTree>
       <p:nvGrpSpPr>
@@ -1905,11 +2148,12 @@
           </a:ln>
         </p:spPr>
         <p:txBody>
-          <a:bodyPr lIns="0" rIns="0" tIns="0" bIns="0" anchor="ctr">
+          <a:bodyPr lIns="0" tIns="0" rIns="0" bIns="0" anchor="ctr">
             <a:noAutofit/>
           </a:bodyPr>
-          <a:p>
-            <a:endParaRPr b="0" lang="ru-RU" sz="1800" spc="-1" strike="noStrike">
+          <a:lstStyle/>
+          <a:p>
+            <a:endParaRPr lang="ru-RU" sz="1800" b="0" strike="noStrike" spc="-1">
               <a:solidFill>
                 <a:srgbClr val="000000"/>
               </a:solidFill>
@@ -1942,11 +2186,12 @@
           </a:ln>
         </p:spPr>
         <p:txBody>
-          <a:bodyPr lIns="0" rIns="0" tIns="0" bIns="0" anchor="t">
+          <a:bodyPr lIns="0" tIns="0" rIns="0" bIns="0" anchor="t">
             <a:normAutofit/>
           </a:bodyPr>
-          <a:p>
-            <a:endParaRPr b="0" lang="ru-RU" sz="3200" spc="-1" strike="noStrike">
+          <a:lstStyle/>
+          <a:p>
+            <a:endParaRPr lang="ru-RU" sz="3200" b="0" strike="noStrike" spc="-1">
               <a:solidFill>
                 <a:srgbClr val="000000"/>
               </a:solidFill>
@@ -1979,11 +2224,12 @@
           </a:ln>
         </p:spPr>
         <p:txBody>
-          <a:bodyPr lIns="0" rIns="0" tIns="0" bIns="0" anchor="t">
+          <a:bodyPr lIns="0" tIns="0" rIns="0" bIns="0" anchor="t">
             <a:normAutofit/>
           </a:bodyPr>
-          <a:p>
-            <a:endParaRPr b="0" lang="ru-RU" sz="3200" spc="-1" strike="noStrike">
+          <a:lstStyle/>
+          <a:p>
+            <a:endParaRPr lang="ru-RU" sz="3200" b="0" strike="noStrike" spc="-1">
               <a:solidFill>
                 <a:srgbClr val="000000"/>
               </a:solidFill>
@@ -2016,11 +2262,12 @@
           </a:ln>
         </p:spPr>
         <p:txBody>
-          <a:bodyPr lIns="0" rIns="0" tIns="0" bIns="0" anchor="t">
+          <a:bodyPr lIns="0" tIns="0" rIns="0" bIns="0" anchor="t">
             <a:normAutofit/>
           </a:bodyPr>
-          <a:p>
-            <a:endParaRPr b="0" lang="ru-RU" sz="3200" spc="-1" strike="noStrike">
+          <a:lstStyle/>
+          <a:p>
+            <a:endParaRPr lang="ru-RU" sz="3200" b="0" strike="noStrike" spc="-1">
               <a:solidFill>
                 <a:srgbClr val="000000"/>
               </a:solidFill>
@@ -2031,11 +2278,14 @@
       </p:sp>
     </p:spTree>
   </p:cSld>
+  <p:clrMapOvr>
+    <a:masterClrMapping/>
+  </p:clrMapOvr>
 </p:sldLayout>
 </file>
 
 <file path=ppt/slideLayouts/slideLayout2.xml><?xml version="1.0" encoding="utf-8"?>
-<p:sldLayout xmlns:a="http://schemas.openxmlformats.org/drawingml/2006/main" xmlns:p="http://schemas.openxmlformats.org/presentationml/2006/main" xmlns:r="http://schemas.openxmlformats.org/officeDocument/2006/relationships" xmlns:p14="http://schemas.microsoft.com/office/powerpoint/2010/main" xmlns:p15="http://schemas.microsoft.com/office/powerpoint/2012/main" xmlns:mc="http://schemas.openxmlformats.org/markup-compatibility/2006" type="tx" preserve="1">
+<p:sldLayout xmlns:a="http://schemas.openxmlformats.org/drawingml/2006/main" xmlns:r="http://schemas.openxmlformats.org/officeDocument/2006/relationships" xmlns:p="http://schemas.openxmlformats.org/presentationml/2006/main" type="tx" preserve="1">
   <p:cSld name="Title Slide">
     <p:spTree>
       <p:nvGrpSpPr>
@@ -2075,11 +2325,12 @@
           </a:ln>
         </p:spPr>
         <p:txBody>
-          <a:bodyPr lIns="0" rIns="0" tIns="0" bIns="0" anchor="ctr">
+          <a:bodyPr lIns="0" tIns="0" rIns="0" bIns="0" anchor="ctr">
             <a:noAutofit/>
           </a:bodyPr>
-          <a:p>
-            <a:endParaRPr b="0" lang="ru-RU" sz="1800" spc="-1" strike="noStrike">
+          <a:lstStyle/>
+          <a:p>
+            <a:endParaRPr lang="ru-RU" sz="1800" b="0" strike="noStrike" spc="-1">
               <a:solidFill>
                 <a:srgbClr val="000000"/>
               </a:solidFill>
@@ -2112,14 +2363,15 @@
           </a:ln>
         </p:spPr>
         <p:txBody>
-          <a:bodyPr lIns="0" rIns="0" tIns="0" bIns="0" anchor="ctr">
+          <a:bodyPr lIns="0" tIns="0" rIns="0" bIns="0" anchor="ctr">
             <a:noAutofit/>
           </a:bodyPr>
+          <a:lstStyle/>
           <a:p>
             <a:pPr algn="ctr">
               <a:buNone/>
             </a:pPr>
-            <a:endParaRPr b="0" lang="en-US" sz="3200" spc="-1" strike="noStrike">
+            <a:endParaRPr lang="en-US" sz="3200" b="0" strike="noStrike" spc="-1">
               <a:latin typeface="Arial"/>
             </a:endParaRPr>
           </a:p>
@@ -2127,11 +2379,14 @@
       </p:sp>
     </p:spTree>
   </p:cSld>
+  <p:clrMapOvr>
+    <a:masterClrMapping/>
+  </p:clrMapOvr>
 </p:sldLayout>
 </file>
 
 <file path=ppt/slideLayouts/slideLayout20.xml><?xml version="1.0" encoding="utf-8"?>
-<p:sldLayout xmlns:a="http://schemas.openxmlformats.org/drawingml/2006/main" xmlns:p="http://schemas.openxmlformats.org/presentationml/2006/main" xmlns:r="http://schemas.openxmlformats.org/officeDocument/2006/relationships" xmlns:p14="http://schemas.microsoft.com/office/powerpoint/2010/main" xmlns:p15="http://schemas.microsoft.com/office/powerpoint/2012/main" xmlns:mc="http://schemas.openxmlformats.org/markup-compatibility/2006" type="objAndTwoObj" preserve="1">
+<p:sldLayout xmlns:a="http://schemas.openxmlformats.org/drawingml/2006/main" xmlns:r="http://schemas.openxmlformats.org/officeDocument/2006/relationships" xmlns:p="http://schemas.openxmlformats.org/presentationml/2006/main" type="objAndTwoObj" preserve="1">
   <p:cSld name="Title Content and 2 Content">
     <p:spTree>
       <p:nvGrpSpPr>
@@ -2171,11 +2426,12 @@
           </a:ln>
         </p:spPr>
         <p:txBody>
-          <a:bodyPr lIns="0" rIns="0" tIns="0" bIns="0" anchor="ctr">
+          <a:bodyPr lIns="0" tIns="0" rIns="0" bIns="0" anchor="ctr">
             <a:noAutofit/>
           </a:bodyPr>
-          <a:p>
-            <a:endParaRPr b="0" lang="ru-RU" sz="1800" spc="-1" strike="noStrike">
+          <a:lstStyle/>
+          <a:p>
+            <a:endParaRPr lang="ru-RU" sz="1800" b="0" strike="noStrike" spc="-1">
               <a:solidFill>
                 <a:srgbClr val="000000"/>
               </a:solidFill>
@@ -2208,11 +2464,12 @@
           </a:ln>
         </p:spPr>
         <p:txBody>
-          <a:bodyPr lIns="0" rIns="0" tIns="0" bIns="0" anchor="t">
+          <a:bodyPr lIns="0" tIns="0" rIns="0" bIns="0" anchor="t">
             <a:normAutofit/>
           </a:bodyPr>
-          <a:p>
-            <a:endParaRPr b="0" lang="ru-RU" sz="3200" spc="-1" strike="noStrike">
+          <a:lstStyle/>
+          <a:p>
+            <a:endParaRPr lang="ru-RU" sz="3200" b="0" strike="noStrike" spc="-1">
               <a:solidFill>
                 <a:srgbClr val="000000"/>
               </a:solidFill>
@@ -2245,11 +2502,12 @@
           </a:ln>
         </p:spPr>
         <p:txBody>
-          <a:bodyPr lIns="0" rIns="0" tIns="0" bIns="0" anchor="t">
+          <a:bodyPr lIns="0" tIns="0" rIns="0" bIns="0" anchor="t">
             <a:normAutofit/>
           </a:bodyPr>
-          <a:p>
-            <a:endParaRPr b="0" lang="ru-RU" sz="3200" spc="-1" strike="noStrike">
+          <a:lstStyle/>
+          <a:p>
+            <a:endParaRPr lang="ru-RU" sz="3200" b="0" strike="noStrike" spc="-1">
               <a:solidFill>
                 <a:srgbClr val="000000"/>
               </a:solidFill>
@@ -2282,11 +2540,12 @@
           </a:ln>
         </p:spPr>
         <p:txBody>
-          <a:bodyPr lIns="0" rIns="0" tIns="0" bIns="0" anchor="t">
+          <a:bodyPr lIns="0" tIns="0" rIns="0" bIns="0" anchor="t">
             <a:normAutofit/>
           </a:bodyPr>
-          <a:p>
-            <a:endParaRPr b="0" lang="ru-RU" sz="3200" spc="-1" strike="noStrike">
+          <a:lstStyle/>
+          <a:p>
+            <a:endParaRPr lang="ru-RU" sz="3200" b="0" strike="noStrike" spc="-1">
               <a:solidFill>
                 <a:srgbClr val="000000"/>
               </a:solidFill>
@@ -2297,11 +2556,14 @@
       </p:sp>
     </p:spTree>
   </p:cSld>
+  <p:clrMapOvr>
+    <a:masterClrMapping/>
+  </p:clrMapOvr>
 </p:sldLayout>
 </file>
 
 <file path=ppt/slideLayouts/slideLayout21.xml><?xml version="1.0" encoding="utf-8"?>
-<p:sldLayout xmlns:a="http://schemas.openxmlformats.org/drawingml/2006/main" xmlns:p="http://schemas.openxmlformats.org/presentationml/2006/main" xmlns:r="http://schemas.openxmlformats.org/officeDocument/2006/relationships" xmlns:p14="http://schemas.microsoft.com/office/powerpoint/2010/main" xmlns:p15="http://schemas.microsoft.com/office/powerpoint/2012/main" xmlns:mc="http://schemas.openxmlformats.org/markup-compatibility/2006" type="twoObjOverTx" preserve="1">
+<p:sldLayout xmlns:a="http://schemas.openxmlformats.org/drawingml/2006/main" xmlns:r="http://schemas.openxmlformats.org/officeDocument/2006/relationships" xmlns:p="http://schemas.openxmlformats.org/presentationml/2006/main" type="twoObjOverTx" preserve="1">
   <p:cSld name="Title, 2 Content over Content">
     <p:spTree>
       <p:nvGrpSpPr>
@@ -2341,11 +2603,12 @@
           </a:ln>
         </p:spPr>
         <p:txBody>
-          <a:bodyPr lIns="0" rIns="0" tIns="0" bIns="0" anchor="ctr">
+          <a:bodyPr lIns="0" tIns="0" rIns="0" bIns="0" anchor="ctr">
             <a:noAutofit/>
           </a:bodyPr>
-          <a:p>
-            <a:endParaRPr b="0" lang="ru-RU" sz="1800" spc="-1" strike="noStrike">
+          <a:lstStyle/>
+          <a:p>
+            <a:endParaRPr lang="ru-RU" sz="1800" b="0" strike="noStrike" spc="-1">
               <a:solidFill>
                 <a:srgbClr val="000000"/>
               </a:solidFill>
@@ -2378,11 +2641,12 @@
           </a:ln>
         </p:spPr>
         <p:txBody>
-          <a:bodyPr lIns="0" rIns="0" tIns="0" bIns="0" anchor="t">
+          <a:bodyPr lIns="0" tIns="0" rIns="0" bIns="0" anchor="t">
             <a:normAutofit/>
           </a:bodyPr>
-          <a:p>
-            <a:endParaRPr b="0" lang="ru-RU" sz="3200" spc="-1" strike="noStrike">
+          <a:lstStyle/>
+          <a:p>
+            <a:endParaRPr lang="ru-RU" sz="3200" b="0" strike="noStrike" spc="-1">
               <a:solidFill>
                 <a:srgbClr val="000000"/>
               </a:solidFill>
@@ -2415,11 +2679,12 @@
           </a:ln>
         </p:spPr>
         <p:txBody>
-          <a:bodyPr lIns="0" rIns="0" tIns="0" bIns="0" anchor="t">
+          <a:bodyPr lIns="0" tIns="0" rIns="0" bIns="0" anchor="t">
             <a:normAutofit/>
           </a:bodyPr>
-          <a:p>
-            <a:endParaRPr b="0" lang="ru-RU" sz="3200" spc="-1" strike="noStrike">
+          <a:lstStyle/>
+          <a:p>
+            <a:endParaRPr lang="ru-RU" sz="3200" b="0" strike="noStrike" spc="-1">
               <a:solidFill>
                 <a:srgbClr val="000000"/>
               </a:solidFill>
@@ -2452,11 +2717,12 @@
           </a:ln>
         </p:spPr>
         <p:txBody>
-          <a:bodyPr lIns="0" rIns="0" tIns="0" bIns="0" anchor="t">
+          <a:bodyPr lIns="0" tIns="0" rIns="0" bIns="0" anchor="t">
             <a:normAutofit/>
           </a:bodyPr>
-          <a:p>
-            <a:endParaRPr b="0" lang="ru-RU" sz="3200" spc="-1" strike="noStrike">
+          <a:lstStyle/>
+          <a:p>
+            <a:endParaRPr lang="ru-RU" sz="3200" b="0" strike="noStrike" spc="-1">
               <a:solidFill>
                 <a:srgbClr val="000000"/>
               </a:solidFill>
@@ -2467,11 +2733,14 @@
       </p:sp>
     </p:spTree>
   </p:cSld>
+  <p:clrMapOvr>
+    <a:masterClrMapping/>
+  </p:clrMapOvr>
 </p:sldLayout>
 </file>
 
 <file path=ppt/slideLayouts/slideLayout22.xml><?xml version="1.0" encoding="utf-8"?>
-<p:sldLayout xmlns:a="http://schemas.openxmlformats.org/drawingml/2006/main" xmlns:p="http://schemas.openxmlformats.org/presentationml/2006/main" xmlns:r="http://schemas.openxmlformats.org/officeDocument/2006/relationships" xmlns:p14="http://schemas.microsoft.com/office/powerpoint/2010/main" xmlns:p15="http://schemas.microsoft.com/office/powerpoint/2012/main" xmlns:mc="http://schemas.openxmlformats.org/markup-compatibility/2006" type="objOverTx" preserve="1">
+<p:sldLayout xmlns:a="http://schemas.openxmlformats.org/drawingml/2006/main" xmlns:r="http://schemas.openxmlformats.org/officeDocument/2006/relationships" xmlns:p="http://schemas.openxmlformats.org/presentationml/2006/main" type="objOverTx" preserve="1">
   <p:cSld name="Title, Content over Content">
     <p:spTree>
       <p:nvGrpSpPr>
@@ -2511,11 +2780,12 @@
           </a:ln>
         </p:spPr>
         <p:txBody>
-          <a:bodyPr lIns="0" rIns="0" tIns="0" bIns="0" anchor="ctr">
+          <a:bodyPr lIns="0" tIns="0" rIns="0" bIns="0" anchor="ctr">
             <a:noAutofit/>
           </a:bodyPr>
-          <a:p>
-            <a:endParaRPr b="0" lang="ru-RU" sz="1800" spc="-1" strike="noStrike">
+          <a:lstStyle/>
+          <a:p>
+            <a:endParaRPr lang="ru-RU" sz="1800" b="0" strike="noStrike" spc="-1">
               <a:solidFill>
                 <a:srgbClr val="000000"/>
               </a:solidFill>
@@ -2548,11 +2818,12 @@
           </a:ln>
         </p:spPr>
         <p:txBody>
-          <a:bodyPr lIns="0" rIns="0" tIns="0" bIns="0" anchor="t">
+          <a:bodyPr lIns="0" tIns="0" rIns="0" bIns="0" anchor="t">
             <a:normAutofit/>
           </a:bodyPr>
-          <a:p>
-            <a:endParaRPr b="0" lang="ru-RU" sz="3200" spc="-1" strike="noStrike">
+          <a:lstStyle/>
+          <a:p>
+            <a:endParaRPr lang="ru-RU" sz="3200" b="0" strike="noStrike" spc="-1">
               <a:solidFill>
                 <a:srgbClr val="000000"/>
               </a:solidFill>
@@ -2585,11 +2856,12 @@
           </a:ln>
         </p:spPr>
         <p:txBody>
-          <a:bodyPr lIns="0" rIns="0" tIns="0" bIns="0" anchor="t">
+          <a:bodyPr lIns="0" tIns="0" rIns="0" bIns="0" anchor="t">
             <a:normAutofit/>
           </a:bodyPr>
-          <a:p>
-            <a:endParaRPr b="0" lang="ru-RU" sz="3200" spc="-1" strike="noStrike">
+          <a:lstStyle/>
+          <a:p>
+            <a:endParaRPr lang="ru-RU" sz="3200" b="0" strike="noStrike" spc="-1">
               <a:solidFill>
                 <a:srgbClr val="000000"/>
               </a:solidFill>
@@ -2600,11 +2872,14 @@
       </p:sp>
     </p:spTree>
   </p:cSld>
+  <p:clrMapOvr>
+    <a:masterClrMapping/>
+  </p:clrMapOvr>
 </p:sldLayout>
 </file>
 
 <file path=ppt/slideLayouts/slideLayout23.xml><?xml version="1.0" encoding="utf-8"?>
-<p:sldLayout xmlns:a="http://schemas.openxmlformats.org/drawingml/2006/main" xmlns:p="http://schemas.openxmlformats.org/presentationml/2006/main" xmlns:r="http://schemas.openxmlformats.org/officeDocument/2006/relationships" xmlns:p14="http://schemas.microsoft.com/office/powerpoint/2010/main" xmlns:p15="http://schemas.microsoft.com/office/powerpoint/2012/main" xmlns:mc="http://schemas.openxmlformats.org/markup-compatibility/2006" type="fourObj" preserve="1">
+<p:sldLayout xmlns:a="http://schemas.openxmlformats.org/drawingml/2006/main" xmlns:r="http://schemas.openxmlformats.org/officeDocument/2006/relationships" xmlns:p="http://schemas.openxmlformats.org/presentationml/2006/main" type="fourObj" preserve="1">
   <p:cSld name="Title, 4 Content">
     <p:spTree>
       <p:nvGrpSpPr>
@@ -2644,11 +2919,12 @@
           </a:ln>
         </p:spPr>
         <p:txBody>
-          <a:bodyPr lIns="0" rIns="0" tIns="0" bIns="0" anchor="ctr">
+          <a:bodyPr lIns="0" tIns="0" rIns="0" bIns="0" anchor="ctr">
             <a:noAutofit/>
           </a:bodyPr>
-          <a:p>
-            <a:endParaRPr b="0" lang="ru-RU" sz="1800" spc="-1" strike="noStrike">
+          <a:lstStyle/>
+          <a:p>
+            <a:endParaRPr lang="ru-RU" sz="1800" b="0" strike="noStrike" spc="-1">
               <a:solidFill>
                 <a:srgbClr val="000000"/>
               </a:solidFill>
@@ -2681,11 +2957,12 @@
           </a:ln>
         </p:spPr>
         <p:txBody>
-          <a:bodyPr lIns="0" rIns="0" tIns="0" bIns="0" anchor="t">
+          <a:bodyPr lIns="0" tIns="0" rIns="0" bIns="0" anchor="t">
             <a:normAutofit/>
           </a:bodyPr>
-          <a:p>
-            <a:endParaRPr b="0" lang="ru-RU" sz="3200" spc="-1" strike="noStrike">
+          <a:lstStyle/>
+          <a:p>
+            <a:endParaRPr lang="ru-RU" sz="3200" b="0" strike="noStrike" spc="-1">
               <a:solidFill>
                 <a:srgbClr val="000000"/>
               </a:solidFill>
@@ -2718,11 +2995,12 @@
           </a:ln>
         </p:spPr>
         <p:txBody>
-          <a:bodyPr lIns="0" rIns="0" tIns="0" bIns="0" anchor="t">
+          <a:bodyPr lIns="0" tIns="0" rIns="0" bIns="0" anchor="t">
             <a:normAutofit/>
           </a:bodyPr>
-          <a:p>
-            <a:endParaRPr b="0" lang="ru-RU" sz="3200" spc="-1" strike="noStrike">
+          <a:lstStyle/>
+          <a:p>
+            <a:endParaRPr lang="ru-RU" sz="3200" b="0" strike="noStrike" spc="-1">
               <a:solidFill>
                 <a:srgbClr val="000000"/>
               </a:solidFill>
@@ -2755,11 +3033,12 @@
           </a:ln>
         </p:spPr>
         <p:txBody>
-          <a:bodyPr lIns="0" rIns="0" tIns="0" bIns="0" anchor="t">
+          <a:bodyPr lIns="0" tIns="0" rIns="0" bIns="0" anchor="t">
             <a:normAutofit/>
           </a:bodyPr>
-          <a:p>
-            <a:endParaRPr b="0" lang="ru-RU" sz="3200" spc="-1" strike="noStrike">
+          <a:lstStyle/>
+          <a:p>
+            <a:endParaRPr lang="ru-RU" sz="3200" b="0" strike="noStrike" spc="-1">
               <a:solidFill>
                 <a:srgbClr val="000000"/>
               </a:solidFill>
@@ -2792,11 +3071,12 @@
           </a:ln>
         </p:spPr>
         <p:txBody>
-          <a:bodyPr lIns="0" rIns="0" tIns="0" bIns="0" anchor="t">
+          <a:bodyPr lIns="0" tIns="0" rIns="0" bIns="0" anchor="t">
             <a:normAutofit/>
           </a:bodyPr>
-          <a:p>
-            <a:endParaRPr b="0" lang="ru-RU" sz="3200" spc="-1" strike="noStrike">
+          <a:lstStyle/>
+          <a:p>
+            <a:endParaRPr lang="ru-RU" sz="3200" b="0" strike="noStrike" spc="-1">
               <a:solidFill>
                 <a:srgbClr val="000000"/>
               </a:solidFill>
@@ -2807,11 +3087,14 @@
       </p:sp>
     </p:spTree>
   </p:cSld>
+  <p:clrMapOvr>
+    <a:masterClrMapping/>
+  </p:clrMapOvr>
 </p:sldLayout>
 </file>
 
 <file path=ppt/slideLayouts/slideLayout24.xml><?xml version="1.0" encoding="utf-8"?>
-<p:sldLayout xmlns:a="http://schemas.openxmlformats.org/drawingml/2006/main" xmlns:p="http://schemas.openxmlformats.org/presentationml/2006/main" xmlns:r="http://schemas.openxmlformats.org/officeDocument/2006/relationships" xmlns:p14="http://schemas.microsoft.com/office/powerpoint/2010/main" xmlns:p15="http://schemas.microsoft.com/office/powerpoint/2012/main" xmlns:mc="http://schemas.openxmlformats.org/markup-compatibility/2006" type="blank" preserve="1">
+<p:sldLayout xmlns:a="http://schemas.openxmlformats.org/drawingml/2006/main" xmlns:r="http://schemas.openxmlformats.org/officeDocument/2006/relationships" xmlns:p="http://schemas.openxmlformats.org/presentationml/2006/main" type="blank" preserve="1">
   <p:cSld name="Title, 6 Content">
     <p:spTree>
       <p:nvGrpSpPr>
@@ -2851,11 +3134,12 @@
           </a:ln>
         </p:spPr>
         <p:txBody>
-          <a:bodyPr lIns="0" rIns="0" tIns="0" bIns="0" anchor="ctr">
+          <a:bodyPr lIns="0" tIns="0" rIns="0" bIns="0" anchor="ctr">
             <a:noAutofit/>
           </a:bodyPr>
-          <a:p>
-            <a:endParaRPr b="0" lang="ru-RU" sz="1800" spc="-1" strike="noStrike">
+          <a:lstStyle/>
+          <a:p>
+            <a:endParaRPr lang="ru-RU" sz="1800" b="0" strike="noStrike" spc="-1">
               <a:solidFill>
                 <a:srgbClr val="000000"/>
               </a:solidFill>
@@ -2888,11 +3172,12 @@
           </a:ln>
         </p:spPr>
         <p:txBody>
-          <a:bodyPr lIns="0" rIns="0" tIns="0" bIns="0" anchor="t">
+          <a:bodyPr lIns="0" tIns="0" rIns="0" bIns="0" anchor="t">
             <a:normAutofit/>
           </a:bodyPr>
-          <a:p>
-            <a:endParaRPr b="0" lang="ru-RU" sz="3200" spc="-1" strike="noStrike">
+          <a:lstStyle/>
+          <a:p>
+            <a:endParaRPr lang="ru-RU" sz="3200" b="0" strike="noStrike" spc="-1">
               <a:solidFill>
                 <a:srgbClr val="000000"/>
               </a:solidFill>
@@ -2925,11 +3210,12 @@
           </a:ln>
         </p:spPr>
         <p:txBody>
-          <a:bodyPr lIns="0" rIns="0" tIns="0" bIns="0" anchor="t">
+          <a:bodyPr lIns="0" tIns="0" rIns="0" bIns="0" anchor="t">
             <a:normAutofit/>
           </a:bodyPr>
-          <a:p>
-            <a:endParaRPr b="0" lang="ru-RU" sz="3200" spc="-1" strike="noStrike">
+          <a:lstStyle/>
+          <a:p>
+            <a:endParaRPr lang="ru-RU" sz="3200" b="0" strike="noStrike" spc="-1">
               <a:solidFill>
                 <a:srgbClr val="000000"/>
               </a:solidFill>
@@ -2962,11 +3248,12 @@
           </a:ln>
         </p:spPr>
         <p:txBody>
-          <a:bodyPr lIns="0" rIns="0" tIns="0" bIns="0" anchor="t">
+          <a:bodyPr lIns="0" tIns="0" rIns="0" bIns="0" anchor="t">
             <a:normAutofit/>
           </a:bodyPr>
-          <a:p>
-            <a:endParaRPr b="0" lang="ru-RU" sz="3200" spc="-1" strike="noStrike">
+          <a:lstStyle/>
+          <a:p>
+            <a:endParaRPr lang="ru-RU" sz="3200" b="0" strike="noStrike" spc="-1">
               <a:solidFill>
                 <a:srgbClr val="000000"/>
               </a:solidFill>
@@ -2999,11 +3286,12 @@
           </a:ln>
         </p:spPr>
         <p:txBody>
-          <a:bodyPr lIns="0" rIns="0" tIns="0" bIns="0" anchor="t">
+          <a:bodyPr lIns="0" tIns="0" rIns="0" bIns="0" anchor="t">
             <a:normAutofit/>
           </a:bodyPr>
-          <a:p>
-            <a:endParaRPr b="0" lang="ru-RU" sz="3200" spc="-1" strike="noStrike">
+          <a:lstStyle/>
+          <a:p>
+            <a:endParaRPr lang="ru-RU" sz="3200" b="0" strike="noStrike" spc="-1">
               <a:solidFill>
                 <a:srgbClr val="000000"/>
               </a:solidFill>
@@ -3036,11 +3324,12 @@
           </a:ln>
         </p:spPr>
         <p:txBody>
-          <a:bodyPr lIns="0" rIns="0" tIns="0" bIns="0" anchor="t">
+          <a:bodyPr lIns="0" tIns="0" rIns="0" bIns="0" anchor="t">
             <a:normAutofit/>
           </a:bodyPr>
-          <a:p>
-            <a:endParaRPr b="0" lang="ru-RU" sz="3200" spc="-1" strike="noStrike">
+          <a:lstStyle/>
+          <a:p>
+            <a:endParaRPr lang="ru-RU" sz="3200" b="0" strike="noStrike" spc="-1">
               <a:solidFill>
                 <a:srgbClr val="000000"/>
               </a:solidFill>
@@ -3073,11 +3362,12 @@
           </a:ln>
         </p:spPr>
         <p:txBody>
-          <a:bodyPr lIns="0" rIns="0" tIns="0" bIns="0" anchor="t">
+          <a:bodyPr lIns="0" tIns="0" rIns="0" bIns="0" anchor="t">
             <a:normAutofit/>
           </a:bodyPr>
-          <a:p>
-            <a:endParaRPr b="0" lang="ru-RU" sz="3200" spc="-1" strike="noStrike">
+          <a:lstStyle/>
+          <a:p>
+            <a:endParaRPr lang="ru-RU" sz="3200" b="0" strike="noStrike" spc="-1">
               <a:solidFill>
                 <a:srgbClr val="000000"/>
               </a:solidFill>
@@ -3088,11 +3378,14 @@
       </p:sp>
     </p:spTree>
   </p:cSld>
+  <p:clrMapOvr>
+    <a:masterClrMapping/>
+  </p:clrMapOvr>
 </p:sldLayout>
 </file>
 
 <file path=ppt/slideLayouts/slideLayout25.xml><?xml version="1.0" encoding="utf-8"?>
-<p:sldLayout xmlns:a="http://schemas.openxmlformats.org/drawingml/2006/main" xmlns:p="http://schemas.openxmlformats.org/presentationml/2006/main" xmlns:r="http://schemas.openxmlformats.org/officeDocument/2006/relationships" xmlns:p14="http://schemas.microsoft.com/office/powerpoint/2010/main" xmlns:p15="http://schemas.microsoft.com/office/powerpoint/2012/main" xmlns:mc="http://schemas.openxmlformats.org/markup-compatibility/2006" type="blank" preserve="1">
+<p:sldLayout xmlns:a="http://schemas.openxmlformats.org/drawingml/2006/main" xmlns:r="http://schemas.openxmlformats.org/officeDocument/2006/relationships" xmlns:p="http://schemas.openxmlformats.org/presentationml/2006/main" type="blank" preserve="1">
   <p:cSld name="Blank Slide">
     <p:spTree>
       <p:nvGrpSpPr>
@@ -3110,11 +3403,14 @@
       </p:grpSpPr>
     </p:spTree>
   </p:cSld>
+  <p:clrMapOvr>
+    <a:masterClrMapping/>
+  </p:clrMapOvr>
 </p:sldLayout>
 </file>
 
 <file path=ppt/slideLayouts/slideLayout26.xml><?xml version="1.0" encoding="utf-8"?>
-<p:sldLayout xmlns:a="http://schemas.openxmlformats.org/drawingml/2006/main" xmlns:p="http://schemas.openxmlformats.org/presentationml/2006/main" xmlns:r="http://schemas.openxmlformats.org/officeDocument/2006/relationships" xmlns:p14="http://schemas.microsoft.com/office/powerpoint/2010/main" xmlns:p15="http://schemas.microsoft.com/office/powerpoint/2012/main" xmlns:mc="http://schemas.openxmlformats.org/markup-compatibility/2006" type="tx" preserve="1">
+<p:sldLayout xmlns:a="http://schemas.openxmlformats.org/drawingml/2006/main" xmlns:r="http://schemas.openxmlformats.org/officeDocument/2006/relationships" xmlns:p="http://schemas.openxmlformats.org/presentationml/2006/main" type="tx" preserve="1">
   <p:cSld name="Title Slide">
     <p:spTree>
       <p:nvGrpSpPr>
@@ -3154,11 +3450,12 @@
           </a:ln>
         </p:spPr>
         <p:txBody>
-          <a:bodyPr lIns="0" rIns="0" tIns="0" bIns="0" anchor="ctr">
+          <a:bodyPr lIns="0" tIns="0" rIns="0" bIns="0" anchor="ctr">
             <a:noAutofit/>
           </a:bodyPr>
-          <a:p>
-            <a:endParaRPr b="0" lang="ru-RU" sz="1800" spc="-1" strike="noStrike">
+          <a:lstStyle/>
+          <a:p>
+            <a:endParaRPr lang="ru-RU" sz="1800" b="0" strike="noStrike" spc="-1">
               <a:solidFill>
                 <a:srgbClr val="000000"/>
               </a:solidFill>
@@ -3191,14 +3488,15 @@
           </a:ln>
         </p:spPr>
         <p:txBody>
-          <a:bodyPr lIns="0" rIns="0" tIns="0" bIns="0" anchor="ctr">
+          <a:bodyPr lIns="0" tIns="0" rIns="0" bIns="0" anchor="ctr">
             <a:noAutofit/>
           </a:bodyPr>
+          <a:lstStyle/>
           <a:p>
             <a:pPr algn="ctr">
               <a:buNone/>
             </a:pPr>
-            <a:endParaRPr b="0" lang="en-US" sz="3200" spc="-1" strike="noStrike">
+            <a:endParaRPr lang="en-US" sz="3200" b="0" strike="noStrike" spc="-1">
               <a:latin typeface="Arial"/>
             </a:endParaRPr>
           </a:p>
@@ -3206,11 +3504,14 @@
       </p:sp>
     </p:spTree>
   </p:cSld>
+  <p:clrMapOvr>
+    <a:masterClrMapping/>
+  </p:clrMapOvr>
 </p:sldLayout>
 </file>
 
 <file path=ppt/slideLayouts/slideLayout27.xml><?xml version="1.0" encoding="utf-8"?>
-<p:sldLayout xmlns:a="http://schemas.openxmlformats.org/drawingml/2006/main" xmlns:p="http://schemas.openxmlformats.org/presentationml/2006/main" xmlns:r="http://schemas.openxmlformats.org/officeDocument/2006/relationships" xmlns:p14="http://schemas.microsoft.com/office/powerpoint/2010/main" xmlns:p15="http://schemas.microsoft.com/office/powerpoint/2012/main" xmlns:mc="http://schemas.openxmlformats.org/markup-compatibility/2006" type="obj" preserve="1">
+<p:sldLayout xmlns:a="http://schemas.openxmlformats.org/drawingml/2006/main" xmlns:r="http://schemas.openxmlformats.org/officeDocument/2006/relationships" xmlns:p="http://schemas.openxmlformats.org/presentationml/2006/main" type="obj" preserve="1">
   <p:cSld name="Title, Content">
     <p:spTree>
       <p:nvGrpSpPr>
@@ -3250,11 +3551,12 @@
           </a:ln>
         </p:spPr>
         <p:txBody>
-          <a:bodyPr lIns="0" rIns="0" tIns="0" bIns="0" anchor="ctr">
+          <a:bodyPr lIns="0" tIns="0" rIns="0" bIns="0" anchor="ctr">
             <a:noAutofit/>
           </a:bodyPr>
-          <a:p>
-            <a:endParaRPr b="0" lang="ru-RU" sz="1800" spc="-1" strike="noStrike">
+          <a:lstStyle/>
+          <a:p>
+            <a:endParaRPr lang="ru-RU" sz="1800" b="0" strike="noStrike" spc="-1">
               <a:solidFill>
                 <a:srgbClr val="000000"/>
               </a:solidFill>
@@ -3287,11 +3589,12 @@
           </a:ln>
         </p:spPr>
         <p:txBody>
-          <a:bodyPr lIns="0" rIns="0" tIns="0" bIns="0" anchor="t">
+          <a:bodyPr lIns="0" tIns="0" rIns="0" bIns="0" anchor="t">
             <a:normAutofit/>
           </a:bodyPr>
-          <a:p>
-            <a:endParaRPr b="0" lang="ru-RU" sz="3200" spc="-1" strike="noStrike">
+          <a:lstStyle/>
+          <a:p>
+            <a:endParaRPr lang="ru-RU" sz="3200" b="0" strike="noStrike" spc="-1">
               <a:solidFill>
                 <a:srgbClr val="000000"/>
               </a:solidFill>
@@ -3302,11 +3605,14 @@
       </p:sp>
     </p:spTree>
   </p:cSld>
+  <p:clrMapOvr>
+    <a:masterClrMapping/>
+  </p:clrMapOvr>
 </p:sldLayout>
 </file>
 
 <file path=ppt/slideLayouts/slideLayout28.xml><?xml version="1.0" encoding="utf-8"?>
-<p:sldLayout xmlns:a="http://schemas.openxmlformats.org/drawingml/2006/main" xmlns:p="http://schemas.openxmlformats.org/presentationml/2006/main" xmlns:r="http://schemas.openxmlformats.org/officeDocument/2006/relationships" xmlns:p14="http://schemas.microsoft.com/office/powerpoint/2010/main" xmlns:p15="http://schemas.microsoft.com/office/powerpoint/2012/main" xmlns:mc="http://schemas.openxmlformats.org/markup-compatibility/2006" type="twoObj" preserve="1">
+<p:sldLayout xmlns:a="http://schemas.openxmlformats.org/drawingml/2006/main" xmlns:r="http://schemas.openxmlformats.org/officeDocument/2006/relationships" xmlns:p="http://schemas.openxmlformats.org/presentationml/2006/main" type="twoObj" preserve="1">
   <p:cSld name="Title, 2 Content">
     <p:spTree>
       <p:nvGrpSpPr>
@@ -3346,11 +3652,12 @@
           </a:ln>
         </p:spPr>
         <p:txBody>
-          <a:bodyPr lIns="0" rIns="0" tIns="0" bIns="0" anchor="ctr">
+          <a:bodyPr lIns="0" tIns="0" rIns="0" bIns="0" anchor="ctr">
             <a:noAutofit/>
           </a:bodyPr>
-          <a:p>
-            <a:endParaRPr b="0" lang="ru-RU" sz="1800" spc="-1" strike="noStrike">
+          <a:lstStyle/>
+          <a:p>
+            <a:endParaRPr lang="ru-RU" sz="1800" b="0" strike="noStrike" spc="-1">
               <a:solidFill>
                 <a:srgbClr val="000000"/>
               </a:solidFill>
@@ -3383,11 +3690,12 @@
           </a:ln>
         </p:spPr>
         <p:txBody>
-          <a:bodyPr lIns="0" rIns="0" tIns="0" bIns="0" anchor="t">
+          <a:bodyPr lIns="0" tIns="0" rIns="0" bIns="0" anchor="t">
             <a:normAutofit/>
           </a:bodyPr>
-          <a:p>
-            <a:endParaRPr b="0" lang="ru-RU" sz="3200" spc="-1" strike="noStrike">
+          <a:lstStyle/>
+          <a:p>
+            <a:endParaRPr lang="ru-RU" sz="3200" b="0" strike="noStrike" spc="-1">
               <a:solidFill>
                 <a:srgbClr val="000000"/>
               </a:solidFill>
@@ -3420,11 +3728,12 @@
           </a:ln>
         </p:spPr>
         <p:txBody>
-          <a:bodyPr lIns="0" rIns="0" tIns="0" bIns="0" anchor="t">
+          <a:bodyPr lIns="0" tIns="0" rIns="0" bIns="0" anchor="t">
             <a:normAutofit/>
           </a:bodyPr>
-          <a:p>
-            <a:endParaRPr b="0" lang="ru-RU" sz="3200" spc="-1" strike="noStrike">
+          <a:lstStyle/>
+          <a:p>
+            <a:endParaRPr lang="ru-RU" sz="3200" b="0" strike="noStrike" spc="-1">
               <a:solidFill>
                 <a:srgbClr val="000000"/>
               </a:solidFill>
@@ -3435,11 +3744,14 @@
       </p:sp>
     </p:spTree>
   </p:cSld>
+  <p:clrMapOvr>
+    <a:masterClrMapping/>
+  </p:clrMapOvr>
 </p:sldLayout>
 </file>
 
 <file path=ppt/slideLayouts/slideLayout29.xml><?xml version="1.0" encoding="utf-8"?>
-<p:sldLayout xmlns:a="http://schemas.openxmlformats.org/drawingml/2006/main" xmlns:p="http://schemas.openxmlformats.org/presentationml/2006/main" xmlns:r="http://schemas.openxmlformats.org/officeDocument/2006/relationships" xmlns:p14="http://schemas.microsoft.com/office/powerpoint/2010/main" xmlns:p15="http://schemas.microsoft.com/office/powerpoint/2012/main" xmlns:mc="http://schemas.openxmlformats.org/markup-compatibility/2006" type="titleOnly" preserve="1">
+<p:sldLayout xmlns:a="http://schemas.openxmlformats.org/drawingml/2006/main" xmlns:r="http://schemas.openxmlformats.org/officeDocument/2006/relationships" xmlns:p="http://schemas.openxmlformats.org/presentationml/2006/main" type="titleOnly" preserve="1">
   <p:cSld name="Title Only">
     <p:spTree>
       <p:nvGrpSpPr>
@@ -3479,11 +3791,12 @@
           </a:ln>
         </p:spPr>
         <p:txBody>
-          <a:bodyPr lIns="0" rIns="0" tIns="0" bIns="0" anchor="ctr">
+          <a:bodyPr lIns="0" tIns="0" rIns="0" bIns="0" anchor="ctr">
             <a:noAutofit/>
           </a:bodyPr>
-          <a:p>
-            <a:endParaRPr b="0" lang="ru-RU" sz="1800" spc="-1" strike="noStrike">
+          <a:lstStyle/>
+          <a:p>
+            <a:endParaRPr lang="ru-RU" sz="1800" b="0" strike="noStrike" spc="-1">
               <a:solidFill>
                 <a:srgbClr val="000000"/>
               </a:solidFill>
@@ -3494,11 +3807,14 @@
       </p:sp>
     </p:spTree>
   </p:cSld>
+  <p:clrMapOvr>
+    <a:masterClrMapping/>
+  </p:clrMapOvr>
 </p:sldLayout>
 </file>
 
 <file path=ppt/slideLayouts/slideLayout3.xml><?xml version="1.0" encoding="utf-8"?>
-<p:sldLayout xmlns:a="http://schemas.openxmlformats.org/drawingml/2006/main" xmlns:p="http://schemas.openxmlformats.org/presentationml/2006/main" xmlns:r="http://schemas.openxmlformats.org/officeDocument/2006/relationships" xmlns:p14="http://schemas.microsoft.com/office/powerpoint/2010/main" xmlns:p15="http://schemas.microsoft.com/office/powerpoint/2012/main" xmlns:mc="http://schemas.openxmlformats.org/markup-compatibility/2006" type="obj" preserve="1">
+<p:sldLayout xmlns:a="http://schemas.openxmlformats.org/drawingml/2006/main" xmlns:r="http://schemas.openxmlformats.org/officeDocument/2006/relationships" xmlns:p="http://schemas.openxmlformats.org/presentationml/2006/main" type="obj" preserve="1">
   <p:cSld name="Title, Content">
     <p:spTree>
       <p:nvGrpSpPr>
@@ -3538,11 +3854,12 @@
           </a:ln>
         </p:spPr>
         <p:txBody>
-          <a:bodyPr lIns="0" rIns="0" tIns="0" bIns="0" anchor="ctr">
+          <a:bodyPr lIns="0" tIns="0" rIns="0" bIns="0" anchor="ctr">
             <a:noAutofit/>
           </a:bodyPr>
-          <a:p>
-            <a:endParaRPr b="0" lang="ru-RU" sz="1800" spc="-1" strike="noStrike">
+          <a:lstStyle/>
+          <a:p>
+            <a:endParaRPr lang="ru-RU" sz="1800" b="0" strike="noStrike" spc="-1">
               <a:solidFill>
                 <a:srgbClr val="000000"/>
               </a:solidFill>
@@ -3575,11 +3892,12 @@
           </a:ln>
         </p:spPr>
         <p:txBody>
-          <a:bodyPr lIns="0" rIns="0" tIns="0" bIns="0" anchor="t">
+          <a:bodyPr lIns="0" tIns="0" rIns="0" bIns="0" anchor="t">
             <a:normAutofit/>
           </a:bodyPr>
-          <a:p>
-            <a:endParaRPr b="0" lang="ru-RU" sz="3200" spc="-1" strike="noStrike">
+          <a:lstStyle/>
+          <a:p>
+            <a:endParaRPr lang="ru-RU" sz="3200" b="0" strike="noStrike" spc="-1">
               <a:solidFill>
                 <a:srgbClr val="000000"/>
               </a:solidFill>
@@ -3590,11 +3908,14 @@
       </p:sp>
     </p:spTree>
   </p:cSld>
+  <p:clrMapOvr>
+    <a:masterClrMapping/>
+  </p:clrMapOvr>
 </p:sldLayout>
 </file>
 
 <file path=ppt/slideLayouts/slideLayout30.xml><?xml version="1.0" encoding="utf-8"?>
-<p:sldLayout xmlns:a="http://schemas.openxmlformats.org/drawingml/2006/main" xmlns:p="http://schemas.openxmlformats.org/presentationml/2006/main" xmlns:r="http://schemas.openxmlformats.org/officeDocument/2006/relationships" xmlns:p14="http://schemas.microsoft.com/office/powerpoint/2010/main" xmlns:p15="http://schemas.microsoft.com/office/powerpoint/2012/main" xmlns:mc="http://schemas.openxmlformats.org/markup-compatibility/2006" type="objOnly" preserve="1">
+<p:sldLayout xmlns:a="http://schemas.openxmlformats.org/drawingml/2006/main" xmlns:r="http://schemas.openxmlformats.org/officeDocument/2006/relationships" xmlns:p="http://schemas.openxmlformats.org/presentationml/2006/main" type="objOnly" preserve="1">
   <p:cSld name="Centered Text">
     <p:spTree>
       <p:nvGrpSpPr>
@@ -3634,14 +3955,15 @@
           </a:ln>
         </p:spPr>
         <p:txBody>
-          <a:bodyPr lIns="0" rIns="0" tIns="0" bIns="0" anchor="ctr">
+          <a:bodyPr lIns="0" tIns="0" rIns="0" bIns="0" anchor="ctr">
             <a:noAutofit/>
           </a:bodyPr>
+          <a:lstStyle/>
           <a:p>
             <a:pPr algn="ctr">
               <a:buNone/>
             </a:pPr>
-            <a:endParaRPr b="0" lang="en-US" sz="3200" spc="-1" strike="noStrike">
+            <a:endParaRPr lang="en-US" sz="3200" b="0" strike="noStrike" spc="-1">
               <a:latin typeface="Arial"/>
             </a:endParaRPr>
           </a:p>
@@ -3649,11 +3971,14 @@
       </p:sp>
     </p:spTree>
   </p:cSld>
+  <p:clrMapOvr>
+    <a:masterClrMapping/>
+  </p:clrMapOvr>
 </p:sldLayout>
 </file>
 
 <file path=ppt/slideLayouts/slideLayout31.xml><?xml version="1.0" encoding="utf-8"?>
-<p:sldLayout xmlns:a="http://schemas.openxmlformats.org/drawingml/2006/main" xmlns:p="http://schemas.openxmlformats.org/presentationml/2006/main" xmlns:r="http://schemas.openxmlformats.org/officeDocument/2006/relationships" xmlns:p14="http://schemas.microsoft.com/office/powerpoint/2010/main" xmlns:p15="http://schemas.microsoft.com/office/powerpoint/2012/main" xmlns:mc="http://schemas.openxmlformats.org/markup-compatibility/2006" type="twoObjAndObj" preserve="1">
+<p:sldLayout xmlns:a="http://schemas.openxmlformats.org/drawingml/2006/main" xmlns:r="http://schemas.openxmlformats.org/officeDocument/2006/relationships" xmlns:p="http://schemas.openxmlformats.org/presentationml/2006/main" type="twoObjAndObj" preserve="1">
   <p:cSld name="Title, 2 Content and Content">
     <p:spTree>
       <p:nvGrpSpPr>
@@ -3693,11 +4018,12 @@
           </a:ln>
         </p:spPr>
         <p:txBody>
-          <a:bodyPr lIns="0" rIns="0" tIns="0" bIns="0" anchor="ctr">
+          <a:bodyPr lIns="0" tIns="0" rIns="0" bIns="0" anchor="ctr">
             <a:noAutofit/>
           </a:bodyPr>
-          <a:p>
-            <a:endParaRPr b="0" lang="ru-RU" sz="1800" spc="-1" strike="noStrike">
+          <a:lstStyle/>
+          <a:p>
+            <a:endParaRPr lang="ru-RU" sz="1800" b="0" strike="noStrike" spc="-1">
               <a:solidFill>
                 <a:srgbClr val="000000"/>
               </a:solidFill>
@@ -3730,11 +4056,12 @@
           </a:ln>
         </p:spPr>
         <p:txBody>
-          <a:bodyPr lIns="0" rIns="0" tIns="0" bIns="0" anchor="t">
+          <a:bodyPr lIns="0" tIns="0" rIns="0" bIns="0" anchor="t">
             <a:normAutofit/>
           </a:bodyPr>
-          <a:p>
-            <a:endParaRPr b="0" lang="ru-RU" sz="3200" spc="-1" strike="noStrike">
+          <a:lstStyle/>
+          <a:p>
+            <a:endParaRPr lang="ru-RU" sz="3200" b="0" strike="noStrike" spc="-1">
               <a:solidFill>
                 <a:srgbClr val="000000"/>
               </a:solidFill>
@@ -3767,11 +4094,12 @@
           </a:ln>
         </p:spPr>
         <p:txBody>
-          <a:bodyPr lIns="0" rIns="0" tIns="0" bIns="0" anchor="t">
+          <a:bodyPr lIns="0" tIns="0" rIns="0" bIns="0" anchor="t">
             <a:normAutofit/>
           </a:bodyPr>
-          <a:p>
-            <a:endParaRPr b="0" lang="ru-RU" sz="3200" spc="-1" strike="noStrike">
+          <a:lstStyle/>
+          <a:p>
+            <a:endParaRPr lang="ru-RU" sz="3200" b="0" strike="noStrike" spc="-1">
               <a:solidFill>
                 <a:srgbClr val="000000"/>
               </a:solidFill>
@@ -3804,11 +4132,12 @@
           </a:ln>
         </p:spPr>
         <p:txBody>
-          <a:bodyPr lIns="0" rIns="0" tIns="0" bIns="0" anchor="t">
+          <a:bodyPr lIns="0" tIns="0" rIns="0" bIns="0" anchor="t">
             <a:normAutofit/>
           </a:bodyPr>
-          <a:p>
-            <a:endParaRPr b="0" lang="ru-RU" sz="3200" spc="-1" strike="noStrike">
+          <a:lstStyle/>
+          <a:p>
+            <a:endParaRPr lang="ru-RU" sz="3200" b="0" strike="noStrike" spc="-1">
               <a:solidFill>
                 <a:srgbClr val="000000"/>
               </a:solidFill>
@@ -3819,11 +4148,14 @@
       </p:sp>
     </p:spTree>
   </p:cSld>
+  <p:clrMapOvr>
+    <a:masterClrMapping/>
+  </p:clrMapOvr>
 </p:sldLayout>
 </file>
 
 <file path=ppt/slideLayouts/slideLayout32.xml><?xml version="1.0" encoding="utf-8"?>
-<p:sldLayout xmlns:a="http://schemas.openxmlformats.org/drawingml/2006/main" xmlns:p="http://schemas.openxmlformats.org/presentationml/2006/main" xmlns:r="http://schemas.openxmlformats.org/officeDocument/2006/relationships" xmlns:p14="http://schemas.microsoft.com/office/powerpoint/2010/main" xmlns:p15="http://schemas.microsoft.com/office/powerpoint/2012/main" xmlns:mc="http://schemas.openxmlformats.org/markup-compatibility/2006" type="objAndTwoObj" preserve="1">
+<p:sldLayout xmlns:a="http://schemas.openxmlformats.org/drawingml/2006/main" xmlns:r="http://schemas.openxmlformats.org/officeDocument/2006/relationships" xmlns:p="http://schemas.openxmlformats.org/presentationml/2006/main" type="objAndTwoObj" preserve="1">
   <p:cSld name="Title Content and 2 Content">
     <p:spTree>
       <p:nvGrpSpPr>
@@ -3863,11 +4195,12 @@
           </a:ln>
         </p:spPr>
         <p:txBody>
-          <a:bodyPr lIns="0" rIns="0" tIns="0" bIns="0" anchor="ctr">
+          <a:bodyPr lIns="0" tIns="0" rIns="0" bIns="0" anchor="ctr">
             <a:noAutofit/>
           </a:bodyPr>
-          <a:p>
-            <a:endParaRPr b="0" lang="ru-RU" sz="1800" spc="-1" strike="noStrike">
+          <a:lstStyle/>
+          <a:p>
+            <a:endParaRPr lang="ru-RU" sz="1800" b="0" strike="noStrike" spc="-1">
               <a:solidFill>
                 <a:srgbClr val="000000"/>
               </a:solidFill>
@@ -3900,11 +4233,12 @@
           </a:ln>
         </p:spPr>
         <p:txBody>
-          <a:bodyPr lIns="0" rIns="0" tIns="0" bIns="0" anchor="t">
+          <a:bodyPr lIns="0" tIns="0" rIns="0" bIns="0" anchor="t">
             <a:normAutofit/>
           </a:bodyPr>
-          <a:p>
-            <a:endParaRPr b="0" lang="ru-RU" sz="3200" spc="-1" strike="noStrike">
+          <a:lstStyle/>
+          <a:p>
+            <a:endParaRPr lang="ru-RU" sz="3200" b="0" strike="noStrike" spc="-1">
               <a:solidFill>
                 <a:srgbClr val="000000"/>
               </a:solidFill>
@@ -3937,11 +4271,12 @@
           </a:ln>
         </p:spPr>
         <p:txBody>
-          <a:bodyPr lIns="0" rIns="0" tIns="0" bIns="0" anchor="t">
+          <a:bodyPr lIns="0" tIns="0" rIns="0" bIns="0" anchor="t">
             <a:normAutofit/>
           </a:bodyPr>
-          <a:p>
-            <a:endParaRPr b="0" lang="ru-RU" sz="3200" spc="-1" strike="noStrike">
+          <a:lstStyle/>
+          <a:p>
+            <a:endParaRPr lang="ru-RU" sz="3200" b="0" strike="noStrike" spc="-1">
               <a:solidFill>
                 <a:srgbClr val="000000"/>
               </a:solidFill>
@@ -3974,11 +4309,12 @@
           </a:ln>
         </p:spPr>
         <p:txBody>
-          <a:bodyPr lIns="0" rIns="0" tIns="0" bIns="0" anchor="t">
+          <a:bodyPr lIns="0" tIns="0" rIns="0" bIns="0" anchor="t">
             <a:normAutofit/>
           </a:bodyPr>
-          <a:p>
-            <a:endParaRPr b="0" lang="ru-RU" sz="3200" spc="-1" strike="noStrike">
+          <a:lstStyle/>
+          <a:p>
+            <a:endParaRPr lang="ru-RU" sz="3200" b="0" strike="noStrike" spc="-1">
               <a:solidFill>
                 <a:srgbClr val="000000"/>
               </a:solidFill>
@@ -3989,11 +4325,14 @@
       </p:sp>
     </p:spTree>
   </p:cSld>
+  <p:clrMapOvr>
+    <a:masterClrMapping/>
+  </p:clrMapOvr>
 </p:sldLayout>
 </file>
 
 <file path=ppt/slideLayouts/slideLayout33.xml><?xml version="1.0" encoding="utf-8"?>
-<p:sldLayout xmlns:a="http://schemas.openxmlformats.org/drawingml/2006/main" xmlns:p="http://schemas.openxmlformats.org/presentationml/2006/main" xmlns:r="http://schemas.openxmlformats.org/officeDocument/2006/relationships" xmlns:p14="http://schemas.microsoft.com/office/powerpoint/2010/main" xmlns:p15="http://schemas.microsoft.com/office/powerpoint/2012/main" xmlns:mc="http://schemas.openxmlformats.org/markup-compatibility/2006" type="twoObjOverTx" preserve="1">
+<p:sldLayout xmlns:a="http://schemas.openxmlformats.org/drawingml/2006/main" xmlns:r="http://schemas.openxmlformats.org/officeDocument/2006/relationships" xmlns:p="http://schemas.openxmlformats.org/presentationml/2006/main" type="twoObjOverTx" preserve="1">
   <p:cSld name="Title, 2 Content over Content">
     <p:spTree>
       <p:nvGrpSpPr>
@@ -4033,11 +4372,12 @@
           </a:ln>
         </p:spPr>
         <p:txBody>
-          <a:bodyPr lIns="0" rIns="0" tIns="0" bIns="0" anchor="ctr">
+          <a:bodyPr lIns="0" tIns="0" rIns="0" bIns="0" anchor="ctr">
             <a:noAutofit/>
           </a:bodyPr>
-          <a:p>
-            <a:endParaRPr b="0" lang="ru-RU" sz="1800" spc="-1" strike="noStrike">
+          <a:lstStyle/>
+          <a:p>
+            <a:endParaRPr lang="ru-RU" sz="1800" b="0" strike="noStrike" spc="-1">
               <a:solidFill>
                 <a:srgbClr val="000000"/>
               </a:solidFill>
@@ -4070,11 +4410,12 @@
           </a:ln>
         </p:spPr>
         <p:txBody>
-          <a:bodyPr lIns="0" rIns="0" tIns="0" bIns="0" anchor="t">
+          <a:bodyPr lIns="0" tIns="0" rIns="0" bIns="0" anchor="t">
             <a:normAutofit/>
           </a:bodyPr>
-          <a:p>
-            <a:endParaRPr b="0" lang="ru-RU" sz="3200" spc="-1" strike="noStrike">
+          <a:lstStyle/>
+          <a:p>
+            <a:endParaRPr lang="ru-RU" sz="3200" b="0" strike="noStrike" spc="-1">
               <a:solidFill>
                 <a:srgbClr val="000000"/>
               </a:solidFill>
@@ -4107,11 +4448,12 @@
           </a:ln>
         </p:spPr>
         <p:txBody>
-          <a:bodyPr lIns="0" rIns="0" tIns="0" bIns="0" anchor="t">
+          <a:bodyPr lIns="0" tIns="0" rIns="0" bIns="0" anchor="t">
             <a:normAutofit/>
           </a:bodyPr>
-          <a:p>
-            <a:endParaRPr b="0" lang="ru-RU" sz="3200" spc="-1" strike="noStrike">
+          <a:lstStyle/>
+          <a:p>
+            <a:endParaRPr lang="ru-RU" sz="3200" b="0" strike="noStrike" spc="-1">
               <a:solidFill>
                 <a:srgbClr val="000000"/>
               </a:solidFill>
@@ -4144,11 +4486,12 @@
           </a:ln>
         </p:spPr>
         <p:txBody>
-          <a:bodyPr lIns="0" rIns="0" tIns="0" bIns="0" anchor="t">
+          <a:bodyPr lIns="0" tIns="0" rIns="0" bIns="0" anchor="t">
             <a:normAutofit/>
           </a:bodyPr>
-          <a:p>
-            <a:endParaRPr b="0" lang="ru-RU" sz="3200" spc="-1" strike="noStrike">
+          <a:lstStyle/>
+          <a:p>
+            <a:endParaRPr lang="ru-RU" sz="3200" b="0" strike="noStrike" spc="-1">
               <a:solidFill>
                 <a:srgbClr val="000000"/>
               </a:solidFill>
@@ -4159,11 +4502,14 @@
       </p:sp>
     </p:spTree>
   </p:cSld>
+  <p:clrMapOvr>
+    <a:masterClrMapping/>
+  </p:clrMapOvr>
 </p:sldLayout>
 </file>
 
 <file path=ppt/slideLayouts/slideLayout34.xml><?xml version="1.0" encoding="utf-8"?>
-<p:sldLayout xmlns:a="http://schemas.openxmlformats.org/drawingml/2006/main" xmlns:p="http://schemas.openxmlformats.org/presentationml/2006/main" xmlns:r="http://schemas.openxmlformats.org/officeDocument/2006/relationships" xmlns:p14="http://schemas.microsoft.com/office/powerpoint/2010/main" xmlns:p15="http://schemas.microsoft.com/office/powerpoint/2012/main" xmlns:mc="http://schemas.openxmlformats.org/markup-compatibility/2006" type="objOverTx" preserve="1">
+<p:sldLayout xmlns:a="http://schemas.openxmlformats.org/drawingml/2006/main" xmlns:r="http://schemas.openxmlformats.org/officeDocument/2006/relationships" xmlns:p="http://schemas.openxmlformats.org/presentationml/2006/main" type="objOverTx" preserve="1">
   <p:cSld name="Title, Content over Content">
     <p:spTree>
       <p:nvGrpSpPr>
@@ -4203,11 +4549,12 @@
           </a:ln>
         </p:spPr>
         <p:txBody>
-          <a:bodyPr lIns="0" rIns="0" tIns="0" bIns="0" anchor="ctr">
+          <a:bodyPr lIns="0" tIns="0" rIns="0" bIns="0" anchor="ctr">
             <a:noAutofit/>
           </a:bodyPr>
-          <a:p>
-            <a:endParaRPr b="0" lang="ru-RU" sz="1800" spc="-1" strike="noStrike">
+          <a:lstStyle/>
+          <a:p>
+            <a:endParaRPr lang="ru-RU" sz="1800" b="0" strike="noStrike" spc="-1">
               <a:solidFill>
                 <a:srgbClr val="000000"/>
               </a:solidFill>
@@ -4240,11 +4587,12 @@
           </a:ln>
         </p:spPr>
         <p:txBody>
-          <a:bodyPr lIns="0" rIns="0" tIns="0" bIns="0" anchor="t">
+          <a:bodyPr lIns="0" tIns="0" rIns="0" bIns="0" anchor="t">
             <a:normAutofit/>
           </a:bodyPr>
-          <a:p>
-            <a:endParaRPr b="0" lang="ru-RU" sz="3200" spc="-1" strike="noStrike">
+          <a:lstStyle/>
+          <a:p>
+            <a:endParaRPr lang="ru-RU" sz="3200" b="0" strike="noStrike" spc="-1">
               <a:solidFill>
                 <a:srgbClr val="000000"/>
               </a:solidFill>
@@ -4277,11 +4625,12 @@
           </a:ln>
         </p:spPr>
         <p:txBody>
-          <a:bodyPr lIns="0" rIns="0" tIns="0" bIns="0" anchor="t">
+          <a:bodyPr lIns="0" tIns="0" rIns="0" bIns="0" anchor="t">
             <a:normAutofit/>
           </a:bodyPr>
-          <a:p>
-            <a:endParaRPr b="0" lang="ru-RU" sz="3200" spc="-1" strike="noStrike">
+          <a:lstStyle/>
+          <a:p>
+            <a:endParaRPr lang="ru-RU" sz="3200" b="0" strike="noStrike" spc="-1">
               <a:solidFill>
                 <a:srgbClr val="000000"/>
               </a:solidFill>
@@ -4292,11 +4641,14 @@
       </p:sp>
     </p:spTree>
   </p:cSld>
+  <p:clrMapOvr>
+    <a:masterClrMapping/>
+  </p:clrMapOvr>
 </p:sldLayout>
 </file>
 
 <file path=ppt/slideLayouts/slideLayout35.xml><?xml version="1.0" encoding="utf-8"?>
-<p:sldLayout xmlns:a="http://schemas.openxmlformats.org/drawingml/2006/main" xmlns:p="http://schemas.openxmlformats.org/presentationml/2006/main" xmlns:r="http://schemas.openxmlformats.org/officeDocument/2006/relationships" xmlns:p14="http://schemas.microsoft.com/office/powerpoint/2010/main" xmlns:p15="http://schemas.microsoft.com/office/powerpoint/2012/main" xmlns:mc="http://schemas.openxmlformats.org/markup-compatibility/2006" type="fourObj" preserve="1">
+<p:sldLayout xmlns:a="http://schemas.openxmlformats.org/drawingml/2006/main" xmlns:r="http://schemas.openxmlformats.org/officeDocument/2006/relationships" xmlns:p="http://schemas.openxmlformats.org/presentationml/2006/main" type="fourObj" preserve="1">
   <p:cSld name="Title, 4 Content">
     <p:spTree>
       <p:nvGrpSpPr>
@@ -4336,11 +4688,12 @@
           </a:ln>
         </p:spPr>
         <p:txBody>
-          <a:bodyPr lIns="0" rIns="0" tIns="0" bIns="0" anchor="ctr">
+          <a:bodyPr lIns="0" tIns="0" rIns="0" bIns="0" anchor="ctr">
             <a:noAutofit/>
           </a:bodyPr>
-          <a:p>
-            <a:endParaRPr b="0" lang="ru-RU" sz="1800" spc="-1" strike="noStrike">
+          <a:lstStyle/>
+          <a:p>
+            <a:endParaRPr lang="ru-RU" sz="1800" b="0" strike="noStrike" spc="-1">
               <a:solidFill>
                 <a:srgbClr val="000000"/>
               </a:solidFill>
@@ -4373,11 +4726,12 @@
           </a:ln>
         </p:spPr>
         <p:txBody>
-          <a:bodyPr lIns="0" rIns="0" tIns="0" bIns="0" anchor="t">
+          <a:bodyPr lIns="0" tIns="0" rIns="0" bIns="0" anchor="t">
             <a:normAutofit/>
           </a:bodyPr>
-          <a:p>
-            <a:endParaRPr b="0" lang="ru-RU" sz="3200" spc="-1" strike="noStrike">
+          <a:lstStyle/>
+          <a:p>
+            <a:endParaRPr lang="ru-RU" sz="3200" b="0" strike="noStrike" spc="-1">
               <a:solidFill>
                 <a:srgbClr val="000000"/>
               </a:solidFill>
@@ -4410,11 +4764,12 @@
           </a:ln>
         </p:spPr>
         <p:txBody>
-          <a:bodyPr lIns="0" rIns="0" tIns="0" bIns="0" anchor="t">
+          <a:bodyPr lIns="0" tIns="0" rIns="0" bIns="0" anchor="t">
             <a:normAutofit/>
           </a:bodyPr>
-          <a:p>
-            <a:endParaRPr b="0" lang="ru-RU" sz="3200" spc="-1" strike="noStrike">
+          <a:lstStyle/>
+          <a:p>
+            <a:endParaRPr lang="ru-RU" sz="3200" b="0" strike="noStrike" spc="-1">
               <a:solidFill>
                 <a:srgbClr val="000000"/>
               </a:solidFill>
@@ -4447,11 +4802,12 @@
           </a:ln>
         </p:spPr>
         <p:txBody>
-          <a:bodyPr lIns="0" rIns="0" tIns="0" bIns="0" anchor="t">
+          <a:bodyPr lIns="0" tIns="0" rIns="0" bIns="0" anchor="t">
             <a:normAutofit/>
           </a:bodyPr>
-          <a:p>
-            <a:endParaRPr b="0" lang="ru-RU" sz="3200" spc="-1" strike="noStrike">
+          <a:lstStyle/>
+          <a:p>
+            <a:endParaRPr lang="ru-RU" sz="3200" b="0" strike="noStrike" spc="-1">
               <a:solidFill>
                 <a:srgbClr val="000000"/>
               </a:solidFill>
@@ -4484,11 +4840,12 @@
           </a:ln>
         </p:spPr>
         <p:txBody>
-          <a:bodyPr lIns="0" rIns="0" tIns="0" bIns="0" anchor="t">
+          <a:bodyPr lIns="0" tIns="0" rIns="0" bIns="0" anchor="t">
             <a:normAutofit/>
           </a:bodyPr>
-          <a:p>
-            <a:endParaRPr b="0" lang="ru-RU" sz="3200" spc="-1" strike="noStrike">
+          <a:lstStyle/>
+          <a:p>
+            <a:endParaRPr lang="ru-RU" sz="3200" b="0" strike="noStrike" spc="-1">
               <a:solidFill>
                 <a:srgbClr val="000000"/>
               </a:solidFill>
@@ -4499,11 +4856,14 @@
       </p:sp>
     </p:spTree>
   </p:cSld>
+  <p:clrMapOvr>
+    <a:masterClrMapping/>
+  </p:clrMapOvr>
 </p:sldLayout>
 </file>
 
 <file path=ppt/slideLayouts/slideLayout36.xml><?xml version="1.0" encoding="utf-8"?>
-<p:sldLayout xmlns:a="http://schemas.openxmlformats.org/drawingml/2006/main" xmlns:p="http://schemas.openxmlformats.org/presentationml/2006/main" xmlns:r="http://schemas.openxmlformats.org/officeDocument/2006/relationships" xmlns:p14="http://schemas.microsoft.com/office/powerpoint/2010/main" xmlns:p15="http://schemas.microsoft.com/office/powerpoint/2012/main" xmlns:mc="http://schemas.openxmlformats.org/markup-compatibility/2006" type="blank" preserve="1">
+<p:sldLayout xmlns:a="http://schemas.openxmlformats.org/drawingml/2006/main" xmlns:r="http://schemas.openxmlformats.org/officeDocument/2006/relationships" xmlns:p="http://schemas.openxmlformats.org/presentationml/2006/main" type="blank" preserve="1">
   <p:cSld name="Title, 6 Content">
     <p:spTree>
       <p:nvGrpSpPr>
@@ -4543,11 +4903,12 @@
           </a:ln>
         </p:spPr>
         <p:txBody>
-          <a:bodyPr lIns="0" rIns="0" tIns="0" bIns="0" anchor="ctr">
+          <a:bodyPr lIns="0" tIns="0" rIns="0" bIns="0" anchor="ctr">
             <a:noAutofit/>
           </a:bodyPr>
-          <a:p>
-            <a:endParaRPr b="0" lang="ru-RU" sz="1800" spc="-1" strike="noStrike">
+          <a:lstStyle/>
+          <a:p>
+            <a:endParaRPr lang="ru-RU" sz="1800" b="0" strike="noStrike" spc="-1">
               <a:solidFill>
                 <a:srgbClr val="000000"/>
               </a:solidFill>
@@ -4580,11 +4941,12 @@
           </a:ln>
         </p:spPr>
         <p:txBody>
-          <a:bodyPr lIns="0" rIns="0" tIns="0" bIns="0" anchor="t">
+          <a:bodyPr lIns="0" tIns="0" rIns="0" bIns="0" anchor="t">
             <a:normAutofit/>
           </a:bodyPr>
-          <a:p>
-            <a:endParaRPr b="0" lang="ru-RU" sz="3200" spc="-1" strike="noStrike">
+          <a:lstStyle/>
+          <a:p>
+            <a:endParaRPr lang="ru-RU" sz="3200" b="0" strike="noStrike" spc="-1">
               <a:solidFill>
                 <a:srgbClr val="000000"/>
               </a:solidFill>
@@ -4617,11 +4979,12 @@
           </a:ln>
         </p:spPr>
         <p:txBody>
-          <a:bodyPr lIns="0" rIns="0" tIns="0" bIns="0" anchor="t">
+          <a:bodyPr lIns="0" tIns="0" rIns="0" bIns="0" anchor="t">
             <a:normAutofit/>
           </a:bodyPr>
-          <a:p>
-            <a:endParaRPr b="0" lang="ru-RU" sz="3200" spc="-1" strike="noStrike">
+          <a:lstStyle/>
+          <a:p>
+            <a:endParaRPr lang="ru-RU" sz="3200" b="0" strike="noStrike" spc="-1">
               <a:solidFill>
                 <a:srgbClr val="000000"/>
               </a:solidFill>
@@ -4654,11 +5017,12 @@
           </a:ln>
         </p:spPr>
         <p:txBody>
-          <a:bodyPr lIns="0" rIns="0" tIns="0" bIns="0" anchor="t">
+          <a:bodyPr lIns="0" tIns="0" rIns="0" bIns="0" anchor="t">
             <a:normAutofit/>
           </a:bodyPr>
-          <a:p>
-            <a:endParaRPr b="0" lang="ru-RU" sz="3200" spc="-1" strike="noStrike">
+          <a:lstStyle/>
+          <a:p>
+            <a:endParaRPr lang="ru-RU" sz="3200" b="0" strike="noStrike" spc="-1">
               <a:solidFill>
                 <a:srgbClr val="000000"/>
               </a:solidFill>
@@ -4691,11 +5055,12 @@
           </a:ln>
         </p:spPr>
         <p:txBody>
-          <a:bodyPr lIns="0" rIns="0" tIns="0" bIns="0" anchor="t">
+          <a:bodyPr lIns="0" tIns="0" rIns="0" bIns="0" anchor="t">
             <a:normAutofit/>
           </a:bodyPr>
-          <a:p>
-            <a:endParaRPr b="0" lang="ru-RU" sz="3200" spc="-1" strike="noStrike">
+          <a:lstStyle/>
+          <a:p>
+            <a:endParaRPr lang="ru-RU" sz="3200" b="0" strike="noStrike" spc="-1">
               <a:solidFill>
                 <a:srgbClr val="000000"/>
               </a:solidFill>
@@ -4728,11 +5093,12 @@
           </a:ln>
         </p:spPr>
         <p:txBody>
-          <a:bodyPr lIns="0" rIns="0" tIns="0" bIns="0" anchor="t">
+          <a:bodyPr lIns="0" tIns="0" rIns="0" bIns="0" anchor="t">
             <a:normAutofit/>
           </a:bodyPr>
-          <a:p>
-            <a:endParaRPr b="0" lang="ru-RU" sz="3200" spc="-1" strike="noStrike">
+          <a:lstStyle/>
+          <a:p>
+            <a:endParaRPr lang="ru-RU" sz="3200" b="0" strike="noStrike" spc="-1">
               <a:solidFill>
                 <a:srgbClr val="000000"/>
               </a:solidFill>
@@ -4765,11 +5131,12 @@
           </a:ln>
         </p:spPr>
         <p:txBody>
-          <a:bodyPr lIns="0" rIns="0" tIns="0" bIns="0" anchor="t">
+          <a:bodyPr lIns="0" tIns="0" rIns="0" bIns="0" anchor="t">
             <a:normAutofit/>
           </a:bodyPr>
-          <a:p>
-            <a:endParaRPr b="0" lang="ru-RU" sz="3200" spc="-1" strike="noStrike">
+          <a:lstStyle/>
+          <a:p>
+            <a:endParaRPr lang="ru-RU" sz="3200" b="0" strike="noStrike" spc="-1">
               <a:solidFill>
                 <a:srgbClr val="000000"/>
               </a:solidFill>
@@ -4780,11 +5147,14 @@
       </p:sp>
     </p:spTree>
   </p:cSld>
+  <p:clrMapOvr>
+    <a:masterClrMapping/>
+  </p:clrMapOvr>
 </p:sldLayout>
 </file>
 
 <file path=ppt/slideLayouts/slideLayout4.xml><?xml version="1.0" encoding="utf-8"?>
-<p:sldLayout xmlns:a="http://schemas.openxmlformats.org/drawingml/2006/main" xmlns:p="http://schemas.openxmlformats.org/presentationml/2006/main" xmlns:r="http://schemas.openxmlformats.org/officeDocument/2006/relationships" xmlns:p14="http://schemas.microsoft.com/office/powerpoint/2010/main" xmlns:p15="http://schemas.microsoft.com/office/powerpoint/2012/main" xmlns:mc="http://schemas.openxmlformats.org/markup-compatibility/2006" type="twoObj" preserve="1">
+<p:sldLayout xmlns:a="http://schemas.openxmlformats.org/drawingml/2006/main" xmlns:r="http://schemas.openxmlformats.org/officeDocument/2006/relationships" xmlns:p="http://schemas.openxmlformats.org/presentationml/2006/main" type="twoObj" preserve="1">
   <p:cSld name="Title, 2 Content">
     <p:spTree>
       <p:nvGrpSpPr>
@@ -4824,11 +5194,12 @@
           </a:ln>
         </p:spPr>
         <p:txBody>
-          <a:bodyPr lIns="0" rIns="0" tIns="0" bIns="0" anchor="ctr">
+          <a:bodyPr lIns="0" tIns="0" rIns="0" bIns="0" anchor="ctr">
             <a:noAutofit/>
           </a:bodyPr>
-          <a:p>
-            <a:endParaRPr b="0" lang="ru-RU" sz="1800" spc="-1" strike="noStrike">
+          <a:lstStyle/>
+          <a:p>
+            <a:endParaRPr lang="ru-RU" sz="1800" b="0" strike="noStrike" spc="-1">
               <a:solidFill>
                 <a:srgbClr val="000000"/>
               </a:solidFill>
@@ -4861,11 +5232,12 @@
           </a:ln>
         </p:spPr>
         <p:txBody>
-          <a:bodyPr lIns="0" rIns="0" tIns="0" bIns="0" anchor="t">
+          <a:bodyPr lIns="0" tIns="0" rIns="0" bIns="0" anchor="t">
             <a:normAutofit/>
           </a:bodyPr>
-          <a:p>
-            <a:endParaRPr b="0" lang="ru-RU" sz="3200" spc="-1" strike="noStrike">
+          <a:lstStyle/>
+          <a:p>
+            <a:endParaRPr lang="ru-RU" sz="3200" b="0" strike="noStrike" spc="-1">
               <a:solidFill>
                 <a:srgbClr val="000000"/>
               </a:solidFill>
@@ -4898,11 +5270,12 @@
           </a:ln>
         </p:spPr>
         <p:txBody>
-          <a:bodyPr lIns="0" rIns="0" tIns="0" bIns="0" anchor="t">
+          <a:bodyPr lIns="0" tIns="0" rIns="0" bIns="0" anchor="t">
             <a:normAutofit/>
           </a:bodyPr>
-          <a:p>
-            <a:endParaRPr b="0" lang="ru-RU" sz="3200" spc="-1" strike="noStrike">
+          <a:lstStyle/>
+          <a:p>
+            <a:endParaRPr lang="ru-RU" sz="3200" b="0" strike="noStrike" spc="-1">
               <a:solidFill>
                 <a:srgbClr val="000000"/>
               </a:solidFill>
@@ -4913,11 +5286,14 @@
       </p:sp>
     </p:spTree>
   </p:cSld>
+  <p:clrMapOvr>
+    <a:masterClrMapping/>
+  </p:clrMapOvr>
 </p:sldLayout>
 </file>
 
 <file path=ppt/slideLayouts/slideLayout5.xml><?xml version="1.0" encoding="utf-8"?>
-<p:sldLayout xmlns:a="http://schemas.openxmlformats.org/drawingml/2006/main" xmlns:p="http://schemas.openxmlformats.org/presentationml/2006/main" xmlns:r="http://schemas.openxmlformats.org/officeDocument/2006/relationships" xmlns:p14="http://schemas.microsoft.com/office/powerpoint/2010/main" xmlns:p15="http://schemas.microsoft.com/office/powerpoint/2012/main" xmlns:mc="http://schemas.openxmlformats.org/markup-compatibility/2006" type="titleOnly" preserve="1">
+<p:sldLayout xmlns:a="http://schemas.openxmlformats.org/drawingml/2006/main" xmlns:r="http://schemas.openxmlformats.org/officeDocument/2006/relationships" xmlns:p="http://schemas.openxmlformats.org/presentationml/2006/main" type="titleOnly" preserve="1">
   <p:cSld name="Title Only">
     <p:spTree>
       <p:nvGrpSpPr>
@@ -4957,11 +5333,12 @@
           </a:ln>
         </p:spPr>
         <p:txBody>
-          <a:bodyPr lIns="0" rIns="0" tIns="0" bIns="0" anchor="ctr">
+          <a:bodyPr lIns="0" tIns="0" rIns="0" bIns="0" anchor="ctr">
             <a:noAutofit/>
           </a:bodyPr>
-          <a:p>
-            <a:endParaRPr b="0" lang="ru-RU" sz="1800" spc="-1" strike="noStrike">
+          <a:lstStyle/>
+          <a:p>
+            <a:endParaRPr lang="ru-RU" sz="1800" b="0" strike="noStrike" spc="-1">
               <a:solidFill>
                 <a:srgbClr val="000000"/>
               </a:solidFill>
@@ -4972,11 +5349,14 @@
       </p:sp>
     </p:spTree>
   </p:cSld>
+  <p:clrMapOvr>
+    <a:masterClrMapping/>
+  </p:clrMapOvr>
 </p:sldLayout>
 </file>
 
 <file path=ppt/slideLayouts/slideLayout6.xml><?xml version="1.0" encoding="utf-8"?>
-<p:sldLayout xmlns:a="http://schemas.openxmlformats.org/drawingml/2006/main" xmlns:p="http://schemas.openxmlformats.org/presentationml/2006/main" xmlns:r="http://schemas.openxmlformats.org/officeDocument/2006/relationships" xmlns:p14="http://schemas.microsoft.com/office/powerpoint/2010/main" xmlns:p15="http://schemas.microsoft.com/office/powerpoint/2012/main" xmlns:mc="http://schemas.openxmlformats.org/markup-compatibility/2006" type="objOnly" preserve="1">
+<p:sldLayout xmlns:a="http://schemas.openxmlformats.org/drawingml/2006/main" xmlns:r="http://schemas.openxmlformats.org/officeDocument/2006/relationships" xmlns:p="http://schemas.openxmlformats.org/presentationml/2006/main" type="objOnly" preserve="1">
   <p:cSld name="Centered Text">
     <p:spTree>
       <p:nvGrpSpPr>
@@ -5016,14 +5396,15 @@
           </a:ln>
         </p:spPr>
         <p:txBody>
-          <a:bodyPr lIns="0" rIns="0" tIns="0" bIns="0" anchor="ctr">
+          <a:bodyPr lIns="0" tIns="0" rIns="0" bIns="0" anchor="ctr">
             <a:noAutofit/>
           </a:bodyPr>
+          <a:lstStyle/>
           <a:p>
             <a:pPr algn="ctr">
               <a:buNone/>
             </a:pPr>
-            <a:endParaRPr b="0" lang="en-US" sz="3200" spc="-1" strike="noStrike">
+            <a:endParaRPr lang="en-US" sz="3200" b="0" strike="noStrike" spc="-1">
               <a:latin typeface="Arial"/>
             </a:endParaRPr>
           </a:p>
@@ -5031,11 +5412,14 @@
       </p:sp>
     </p:spTree>
   </p:cSld>
+  <p:clrMapOvr>
+    <a:masterClrMapping/>
+  </p:clrMapOvr>
 </p:sldLayout>
 </file>
 
 <file path=ppt/slideLayouts/slideLayout7.xml><?xml version="1.0" encoding="utf-8"?>
-<p:sldLayout xmlns:a="http://schemas.openxmlformats.org/drawingml/2006/main" xmlns:p="http://schemas.openxmlformats.org/presentationml/2006/main" xmlns:r="http://schemas.openxmlformats.org/officeDocument/2006/relationships" xmlns:p14="http://schemas.microsoft.com/office/powerpoint/2010/main" xmlns:p15="http://schemas.microsoft.com/office/powerpoint/2012/main" xmlns:mc="http://schemas.openxmlformats.org/markup-compatibility/2006" type="twoObjAndObj" preserve="1">
+<p:sldLayout xmlns:a="http://schemas.openxmlformats.org/drawingml/2006/main" xmlns:r="http://schemas.openxmlformats.org/officeDocument/2006/relationships" xmlns:p="http://schemas.openxmlformats.org/presentationml/2006/main" type="twoObjAndObj" preserve="1">
   <p:cSld name="Title, 2 Content and Content">
     <p:spTree>
       <p:nvGrpSpPr>
@@ -5075,11 +5459,12 @@
           </a:ln>
         </p:spPr>
         <p:txBody>
-          <a:bodyPr lIns="0" rIns="0" tIns="0" bIns="0" anchor="ctr">
+          <a:bodyPr lIns="0" tIns="0" rIns="0" bIns="0" anchor="ctr">
             <a:noAutofit/>
           </a:bodyPr>
-          <a:p>
-            <a:endParaRPr b="0" lang="ru-RU" sz="1800" spc="-1" strike="noStrike">
+          <a:lstStyle/>
+          <a:p>
+            <a:endParaRPr lang="ru-RU" sz="1800" b="0" strike="noStrike" spc="-1">
               <a:solidFill>
                 <a:srgbClr val="000000"/>
               </a:solidFill>
@@ -5112,11 +5497,12 @@
           </a:ln>
         </p:spPr>
         <p:txBody>
-          <a:bodyPr lIns="0" rIns="0" tIns="0" bIns="0" anchor="t">
+          <a:bodyPr lIns="0" tIns="0" rIns="0" bIns="0" anchor="t">
             <a:normAutofit/>
           </a:bodyPr>
-          <a:p>
-            <a:endParaRPr b="0" lang="ru-RU" sz="3200" spc="-1" strike="noStrike">
+          <a:lstStyle/>
+          <a:p>
+            <a:endParaRPr lang="ru-RU" sz="3200" b="0" strike="noStrike" spc="-1">
               <a:solidFill>
                 <a:srgbClr val="000000"/>
               </a:solidFill>
@@ -5149,11 +5535,12 @@
           </a:ln>
         </p:spPr>
         <p:txBody>
-          <a:bodyPr lIns="0" rIns="0" tIns="0" bIns="0" anchor="t">
+          <a:bodyPr lIns="0" tIns="0" rIns="0" bIns="0" anchor="t">
             <a:normAutofit/>
           </a:bodyPr>
-          <a:p>
-            <a:endParaRPr b="0" lang="ru-RU" sz="3200" spc="-1" strike="noStrike">
+          <a:lstStyle/>
+          <a:p>
+            <a:endParaRPr lang="ru-RU" sz="3200" b="0" strike="noStrike" spc="-1">
               <a:solidFill>
                 <a:srgbClr val="000000"/>
               </a:solidFill>
@@ -5186,11 +5573,12 @@
           </a:ln>
         </p:spPr>
         <p:txBody>
-          <a:bodyPr lIns="0" rIns="0" tIns="0" bIns="0" anchor="t">
+          <a:bodyPr lIns="0" tIns="0" rIns="0" bIns="0" anchor="t">
             <a:normAutofit/>
           </a:bodyPr>
-          <a:p>
-            <a:endParaRPr b="0" lang="ru-RU" sz="3200" spc="-1" strike="noStrike">
+          <a:lstStyle/>
+          <a:p>
+            <a:endParaRPr lang="ru-RU" sz="3200" b="0" strike="noStrike" spc="-1">
               <a:solidFill>
                 <a:srgbClr val="000000"/>
               </a:solidFill>
@@ -5201,11 +5589,14 @@
       </p:sp>
     </p:spTree>
   </p:cSld>
+  <p:clrMapOvr>
+    <a:masterClrMapping/>
+  </p:clrMapOvr>
 </p:sldLayout>
 </file>
 
 <file path=ppt/slideLayouts/slideLayout8.xml><?xml version="1.0" encoding="utf-8"?>
-<p:sldLayout xmlns:a="http://schemas.openxmlformats.org/drawingml/2006/main" xmlns:p="http://schemas.openxmlformats.org/presentationml/2006/main" xmlns:r="http://schemas.openxmlformats.org/officeDocument/2006/relationships" xmlns:p14="http://schemas.microsoft.com/office/powerpoint/2010/main" xmlns:p15="http://schemas.microsoft.com/office/powerpoint/2012/main" xmlns:mc="http://schemas.openxmlformats.org/markup-compatibility/2006" type="objAndTwoObj" preserve="1">
+<p:sldLayout xmlns:a="http://schemas.openxmlformats.org/drawingml/2006/main" xmlns:r="http://schemas.openxmlformats.org/officeDocument/2006/relationships" xmlns:p="http://schemas.openxmlformats.org/presentationml/2006/main" type="objAndTwoObj" preserve="1">
   <p:cSld name="Title Content and 2 Content">
     <p:spTree>
       <p:nvGrpSpPr>
@@ -5245,11 +5636,12 @@
           </a:ln>
         </p:spPr>
         <p:txBody>
-          <a:bodyPr lIns="0" rIns="0" tIns="0" bIns="0" anchor="ctr">
+          <a:bodyPr lIns="0" tIns="0" rIns="0" bIns="0" anchor="ctr">
             <a:noAutofit/>
           </a:bodyPr>
-          <a:p>
-            <a:endParaRPr b="0" lang="ru-RU" sz="1800" spc="-1" strike="noStrike">
+          <a:lstStyle/>
+          <a:p>
+            <a:endParaRPr lang="ru-RU" sz="1800" b="0" strike="noStrike" spc="-1">
               <a:solidFill>
                 <a:srgbClr val="000000"/>
               </a:solidFill>
@@ -5282,11 +5674,12 @@
           </a:ln>
         </p:spPr>
         <p:txBody>
-          <a:bodyPr lIns="0" rIns="0" tIns="0" bIns="0" anchor="t">
+          <a:bodyPr lIns="0" tIns="0" rIns="0" bIns="0" anchor="t">
             <a:normAutofit/>
           </a:bodyPr>
-          <a:p>
-            <a:endParaRPr b="0" lang="ru-RU" sz="3200" spc="-1" strike="noStrike">
+          <a:lstStyle/>
+          <a:p>
+            <a:endParaRPr lang="ru-RU" sz="3200" b="0" strike="noStrike" spc="-1">
               <a:solidFill>
                 <a:srgbClr val="000000"/>
               </a:solidFill>
@@ -5319,11 +5712,12 @@
           </a:ln>
         </p:spPr>
         <p:txBody>
-          <a:bodyPr lIns="0" rIns="0" tIns="0" bIns="0" anchor="t">
+          <a:bodyPr lIns="0" tIns="0" rIns="0" bIns="0" anchor="t">
             <a:normAutofit/>
           </a:bodyPr>
-          <a:p>
-            <a:endParaRPr b="0" lang="ru-RU" sz="3200" spc="-1" strike="noStrike">
+          <a:lstStyle/>
+          <a:p>
+            <a:endParaRPr lang="ru-RU" sz="3200" b="0" strike="noStrike" spc="-1">
               <a:solidFill>
                 <a:srgbClr val="000000"/>
               </a:solidFill>
@@ -5356,11 +5750,12 @@
           </a:ln>
         </p:spPr>
         <p:txBody>
-          <a:bodyPr lIns="0" rIns="0" tIns="0" bIns="0" anchor="t">
+          <a:bodyPr lIns="0" tIns="0" rIns="0" bIns="0" anchor="t">
             <a:normAutofit/>
           </a:bodyPr>
-          <a:p>
-            <a:endParaRPr b="0" lang="ru-RU" sz="3200" spc="-1" strike="noStrike">
+          <a:lstStyle/>
+          <a:p>
+            <a:endParaRPr lang="ru-RU" sz="3200" b="0" strike="noStrike" spc="-1">
               <a:solidFill>
                 <a:srgbClr val="000000"/>
               </a:solidFill>
@@ -5371,11 +5766,14 @@
       </p:sp>
     </p:spTree>
   </p:cSld>
+  <p:clrMapOvr>
+    <a:masterClrMapping/>
+  </p:clrMapOvr>
 </p:sldLayout>
 </file>
 
 <file path=ppt/slideLayouts/slideLayout9.xml><?xml version="1.0" encoding="utf-8"?>
-<p:sldLayout xmlns:a="http://schemas.openxmlformats.org/drawingml/2006/main" xmlns:p="http://schemas.openxmlformats.org/presentationml/2006/main" xmlns:r="http://schemas.openxmlformats.org/officeDocument/2006/relationships" xmlns:p14="http://schemas.microsoft.com/office/powerpoint/2010/main" xmlns:p15="http://schemas.microsoft.com/office/powerpoint/2012/main" xmlns:mc="http://schemas.openxmlformats.org/markup-compatibility/2006" type="twoObjOverTx" preserve="1">
+<p:sldLayout xmlns:a="http://schemas.openxmlformats.org/drawingml/2006/main" xmlns:r="http://schemas.openxmlformats.org/officeDocument/2006/relationships" xmlns:p="http://schemas.openxmlformats.org/presentationml/2006/main" type="twoObjOverTx" preserve="1">
   <p:cSld name="Title, 2 Content over Content">
     <p:spTree>
       <p:nvGrpSpPr>
@@ -5415,11 +5813,12 @@
           </a:ln>
         </p:spPr>
         <p:txBody>
-          <a:bodyPr lIns="0" rIns="0" tIns="0" bIns="0" anchor="ctr">
+          <a:bodyPr lIns="0" tIns="0" rIns="0" bIns="0" anchor="ctr">
             <a:noAutofit/>
           </a:bodyPr>
-          <a:p>
-            <a:endParaRPr b="0" lang="ru-RU" sz="1800" spc="-1" strike="noStrike">
+          <a:lstStyle/>
+          <a:p>
+            <a:endParaRPr lang="ru-RU" sz="1800" b="0" strike="noStrike" spc="-1">
               <a:solidFill>
                 <a:srgbClr val="000000"/>
               </a:solidFill>
@@ -5452,11 +5851,12 @@
           </a:ln>
         </p:spPr>
         <p:txBody>
-          <a:bodyPr lIns="0" rIns="0" tIns="0" bIns="0" anchor="t">
+          <a:bodyPr lIns="0" tIns="0" rIns="0" bIns="0" anchor="t">
             <a:normAutofit/>
           </a:bodyPr>
-          <a:p>
-            <a:endParaRPr b="0" lang="ru-RU" sz="3200" spc="-1" strike="noStrike">
+          <a:lstStyle/>
+          <a:p>
+            <a:endParaRPr lang="ru-RU" sz="3200" b="0" strike="noStrike" spc="-1">
               <a:solidFill>
                 <a:srgbClr val="000000"/>
               </a:solidFill>
@@ -5489,11 +5889,12 @@
           </a:ln>
         </p:spPr>
         <p:txBody>
-          <a:bodyPr lIns="0" rIns="0" tIns="0" bIns="0" anchor="t">
+          <a:bodyPr lIns="0" tIns="0" rIns="0" bIns="0" anchor="t">
             <a:normAutofit/>
           </a:bodyPr>
-          <a:p>
-            <a:endParaRPr b="0" lang="ru-RU" sz="3200" spc="-1" strike="noStrike">
+          <a:lstStyle/>
+          <a:p>
+            <a:endParaRPr lang="ru-RU" sz="3200" b="0" strike="noStrike" spc="-1">
               <a:solidFill>
                 <a:srgbClr val="000000"/>
               </a:solidFill>
@@ -5526,11 +5927,12 @@
           </a:ln>
         </p:spPr>
         <p:txBody>
-          <a:bodyPr lIns="0" rIns="0" tIns="0" bIns="0" anchor="t">
+          <a:bodyPr lIns="0" tIns="0" rIns="0" bIns="0" anchor="t">
             <a:normAutofit/>
           </a:bodyPr>
-          <a:p>
-            <a:endParaRPr b="0" lang="ru-RU" sz="3200" spc="-1" strike="noStrike">
+          <a:lstStyle/>
+          <a:p>
+            <a:endParaRPr lang="ru-RU" sz="3200" b="0" strike="noStrike" spc="-1">
               <a:solidFill>
                 <a:srgbClr val="000000"/>
               </a:solidFill>
@@ -5541,17 +5943,21 @@
       </p:sp>
     </p:spTree>
   </p:cSld>
+  <p:clrMapOvr>
+    <a:masterClrMapping/>
+  </p:clrMapOvr>
 </p:sldLayout>
 </file>
 
 <file path=ppt/slideMasters/slideMaster1.xml><?xml version="1.0" encoding="utf-8"?>
-<p:sldMaster xmlns:a="http://schemas.openxmlformats.org/drawingml/2006/main" xmlns:p="http://schemas.openxmlformats.org/presentationml/2006/main" xmlns:r="http://schemas.openxmlformats.org/officeDocument/2006/relationships" xmlns:p14="http://schemas.microsoft.com/office/powerpoint/2010/main" xmlns:p15="http://schemas.microsoft.com/office/powerpoint/2012/main" xmlns:mc="http://schemas.openxmlformats.org/markup-compatibility/2006">
+<p:sldMaster xmlns:a="http://schemas.openxmlformats.org/drawingml/2006/main" xmlns:r="http://schemas.openxmlformats.org/officeDocument/2006/relationships" xmlns:p="http://schemas.openxmlformats.org/presentationml/2006/main">
   <p:cSld>
     <p:bg>
       <p:bgPr>
         <a:solidFill>
-          <a:srgbClr val="ffffff"/>
+          <a:srgbClr val="FFFFFF"/>
         </a:solidFill>
+        <a:effectLst/>
       </p:bgPr>
     </p:bg>
     <p:spTree>
@@ -5570,7 +5976,7 @@
       </p:grpSpPr>
       <p:sp>
         <p:nvSpPr>
-          <p:cNvPr id="0" name="Прямоугольник 6"/>
+          <p:cNvPr id="7" name="Прямоугольник 6"/>
           <p:cNvSpPr/>
           <p:nvPr/>
         </p:nvSpPr>
@@ -5583,7 +5989,7 @@
             <a:avLst/>
           </a:prstGeom>
           <a:solidFill>
-            <a:srgbClr val="0066cc"/>
+            <a:srgbClr val="0066CC"/>
           </a:solidFill>
           <a:ln>
             <a:noFill/>
@@ -5606,7 +6012,7 @@
       </p:sp>
       <p:sp>
         <p:nvSpPr>
-          <p:cNvPr id="1" name="Прямоугольник 8"/>
+          <p:cNvPr id="8" name="Прямоугольник 8"/>
           <p:cNvSpPr/>
           <p:nvPr/>
         </p:nvSpPr>
@@ -5655,7 +6061,7 @@
             <a:avLst/>
           </a:prstGeom>
           <a:solidFill>
-            <a:srgbClr val="0066cc"/>
+            <a:srgbClr val="0066CC"/>
           </a:solidFill>
           <a:ln>
             <a:noFill/>
@@ -5691,7 +6097,7 @@
             <a:avLst/>
           </a:prstGeom>
           <a:solidFill>
-            <a:srgbClr val="3399ff"/>
+            <a:srgbClr val="3399FF"/>
           </a:solidFill>
           <a:ln>
             <a:noFill/>
@@ -5719,7 +6125,7 @@
           <p:nvPr/>
         </p:nvPicPr>
         <p:blipFill>
-          <a:blip r:embed="rId2"/>
+          <a:blip r:embed="rId14"/>
           <a:stretch/>
         </p:blipFill>
         <p:spPr>
@@ -5759,12 +6165,13 @@
           </a:ln>
         </p:spPr>
         <p:txBody>
-          <a:bodyPr lIns="0" rIns="0" tIns="0" bIns="0" anchor="ctr">
+          <a:bodyPr lIns="0" tIns="0" rIns="0" bIns="0" anchor="ctr">
             <a:noAutofit/>
           </a:bodyPr>
+          <a:lstStyle/>
           <a:p>
             <a:r>
-              <a:rPr b="0" lang="ru-RU" sz="1800" spc="-1" strike="noStrike">
+              <a:rPr lang="ru-RU" sz="1800" b="0" strike="noStrike" spc="-1">
                 <a:solidFill>
                   <a:srgbClr val="000000"/>
                 </a:solidFill>
@@ -5772,12 +6179,6 @@
               </a:rPr>
               <a:t>Click to edit the title text format</a:t>
             </a:r>
-            <a:endParaRPr b="0" lang="ru-RU" sz="1800" spc="-1" strike="noStrike">
-              <a:solidFill>
-                <a:srgbClr val="000000"/>
-              </a:solidFill>
-              <a:latin typeface="Calibri"/>
-            </a:endParaRPr>
           </a:p>
         </p:txBody>
       </p:sp>
@@ -5805,9 +6206,10 @@
           </a:ln>
         </p:spPr>
         <p:txBody>
-          <a:bodyPr lIns="0" rIns="0" tIns="0" bIns="0" anchor="t">
+          <a:bodyPr lIns="0" tIns="0" rIns="0" bIns="0" anchor="t">
             <a:normAutofit/>
           </a:bodyPr>
+          <a:lstStyle/>
           <a:p>
             <a:pPr marL="432000" indent="-324000">
               <a:spcBef>
@@ -5821,7 +6223,7 @@
               <a:buChar char=""/>
             </a:pPr>
             <a:r>
-              <a:rPr b="0" lang="ru-RU" sz="3200" spc="-1" strike="noStrike">
+              <a:rPr lang="ru-RU" sz="3200" b="0" strike="noStrike" spc="-1">
                 <a:solidFill>
                   <a:srgbClr val="000000"/>
                 </a:solidFill>
@@ -5829,15 +6231,9 @@
               </a:rPr>
               <a:t>Click to edit the outline text format</a:t>
             </a:r>
-            <a:endParaRPr b="0" lang="ru-RU" sz="3200" spc="-1" strike="noStrike">
-              <a:solidFill>
-                <a:srgbClr val="000000"/>
-              </a:solidFill>
-              <a:latin typeface="Calibri"/>
-            </a:endParaRPr>
-          </a:p>
-          <a:p>
-            <a:pPr lvl="1" marL="864000" indent="-324000">
+          </a:p>
+          <a:p>
+            <a:pPr marL="864000" lvl="1" indent="-324000">
               <a:spcBef>
                 <a:spcPts val="1134"/>
               </a:spcBef>
@@ -5849,7 +6245,7 @@
               <a:buChar char=""/>
             </a:pPr>
             <a:r>
-              <a:rPr b="0" lang="ru-RU" sz="2400" spc="-1" strike="noStrike">
+              <a:rPr lang="ru-RU" sz="2400" b="0" strike="noStrike" spc="-1">
                 <a:solidFill>
                   <a:srgbClr val="000000"/>
                 </a:solidFill>
@@ -5857,15 +6253,9 @@
               </a:rPr>
               <a:t>Second Outline Level</a:t>
             </a:r>
-            <a:endParaRPr b="0" lang="ru-RU" sz="2400" spc="-1" strike="noStrike">
-              <a:solidFill>
-                <a:srgbClr val="000000"/>
-              </a:solidFill>
-              <a:latin typeface="Calibri"/>
-            </a:endParaRPr>
-          </a:p>
-          <a:p>
-            <a:pPr lvl="2" marL="1296000" indent="-288000">
+          </a:p>
+          <a:p>
+            <a:pPr marL="1296000" lvl="2" indent="-288000">
               <a:spcBef>
                 <a:spcPts val="850"/>
               </a:spcBef>
@@ -5877,7 +6267,7 @@
               <a:buChar char=""/>
             </a:pPr>
             <a:r>
-              <a:rPr b="0" lang="ru-RU" sz="2000" spc="-1" strike="noStrike">
+              <a:rPr lang="ru-RU" sz="2000" b="0" strike="noStrike" spc="-1">
                 <a:solidFill>
                   <a:srgbClr val="000000"/>
                 </a:solidFill>
@@ -5885,15 +6275,9 @@
               </a:rPr>
               <a:t>Third Outline Level</a:t>
             </a:r>
-            <a:endParaRPr b="0" lang="ru-RU" sz="2000" spc="-1" strike="noStrike">
-              <a:solidFill>
-                <a:srgbClr val="000000"/>
-              </a:solidFill>
-              <a:latin typeface="Calibri"/>
-            </a:endParaRPr>
-          </a:p>
-          <a:p>
-            <a:pPr lvl="3" marL="1728000" indent="-216000">
+          </a:p>
+          <a:p>
+            <a:pPr marL="1728000" lvl="3" indent="-216000">
               <a:spcBef>
                 <a:spcPts val="567"/>
               </a:spcBef>
@@ -5905,7 +6289,7 @@
               <a:buChar char=""/>
             </a:pPr>
             <a:r>
-              <a:rPr b="0" lang="ru-RU" sz="2000" spc="-1" strike="noStrike">
+              <a:rPr lang="ru-RU" sz="2000" b="0" strike="noStrike" spc="-1">
                 <a:solidFill>
                   <a:srgbClr val="000000"/>
                 </a:solidFill>
@@ -5913,15 +6297,9 @@
               </a:rPr>
               <a:t>Fourth Outline Level</a:t>
             </a:r>
-            <a:endParaRPr b="0" lang="ru-RU" sz="2000" spc="-1" strike="noStrike">
-              <a:solidFill>
-                <a:srgbClr val="000000"/>
-              </a:solidFill>
-              <a:latin typeface="Calibri"/>
-            </a:endParaRPr>
-          </a:p>
-          <a:p>
-            <a:pPr lvl="4" marL="2160000" indent="-216000">
+          </a:p>
+          <a:p>
+            <a:pPr marL="2160000" lvl="4" indent="-216000">
               <a:spcBef>
                 <a:spcPts val="283"/>
               </a:spcBef>
@@ -5933,7 +6311,7 @@
               <a:buChar char=""/>
             </a:pPr>
             <a:r>
-              <a:rPr b="0" lang="ru-RU" sz="2000" spc="-1" strike="noStrike">
+              <a:rPr lang="ru-RU" sz="2000" b="0" strike="noStrike" spc="-1">
                 <a:solidFill>
                   <a:srgbClr val="000000"/>
                 </a:solidFill>
@@ -5941,15 +6319,9 @@
               </a:rPr>
               <a:t>Fifth Outline Level</a:t>
             </a:r>
-            <a:endParaRPr b="0" lang="ru-RU" sz="2000" spc="-1" strike="noStrike">
-              <a:solidFill>
-                <a:srgbClr val="000000"/>
-              </a:solidFill>
-              <a:latin typeface="Calibri"/>
-            </a:endParaRPr>
-          </a:p>
-          <a:p>
-            <a:pPr lvl="5" marL="2592000" indent="-216000">
+          </a:p>
+          <a:p>
+            <a:pPr marL="2592000" lvl="5" indent="-216000">
               <a:spcBef>
                 <a:spcPts val="283"/>
               </a:spcBef>
@@ -5961,7 +6333,7 @@
               <a:buChar char=""/>
             </a:pPr>
             <a:r>
-              <a:rPr b="0" lang="ru-RU" sz="2000" spc="-1" strike="noStrike">
+              <a:rPr lang="ru-RU" sz="2000" b="0" strike="noStrike" spc="-1">
                 <a:solidFill>
                   <a:srgbClr val="000000"/>
                 </a:solidFill>
@@ -5969,15 +6341,9 @@
               </a:rPr>
               <a:t>Sixth Outline Level</a:t>
             </a:r>
-            <a:endParaRPr b="0" lang="ru-RU" sz="2000" spc="-1" strike="noStrike">
-              <a:solidFill>
-                <a:srgbClr val="000000"/>
-              </a:solidFill>
-              <a:latin typeface="Calibri"/>
-            </a:endParaRPr>
-          </a:p>
-          <a:p>
-            <a:pPr lvl="6" marL="3024000" indent="-216000">
+          </a:p>
+          <a:p>
+            <a:pPr marL="3024000" lvl="6" indent="-216000">
               <a:spcBef>
                 <a:spcPts val="283"/>
               </a:spcBef>
@@ -5989,7 +6355,7 @@
               <a:buChar char=""/>
             </a:pPr>
             <a:r>
-              <a:rPr b="0" lang="ru-RU" sz="2000" spc="-1" strike="noStrike">
+              <a:rPr lang="ru-RU" sz="2000" b="0" strike="noStrike" spc="-1">
                 <a:solidFill>
                   <a:srgbClr val="000000"/>
                 </a:solidFill>
@@ -5997,43 +6363,318 @@
               </a:rPr>
               <a:t>Seventh Outline Level</a:t>
             </a:r>
-            <a:endParaRPr b="0" lang="ru-RU" sz="2000" spc="-1" strike="noStrike">
-              <a:solidFill>
-                <a:srgbClr val="000000"/>
-              </a:solidFill>
-              <a:latin typeface="Calibri"/>
-            </a:endParaRPr>
           </a:p>
         </p:txBody>
       </p:sp>
     </p:spTree>
   </p:cSld>
-  <p:clrMap bg1="lt1" bg2="lt2" tx1="dk1" tx2="dk2" accent1="accent1" accent2="accent2" accent3="accent3" accent4="accent4" accent5="accent5" accent6="accent6" hlink="hlink" folHlink="folHlink"/>
+  <p:clrMap bg1="lt1" tx1="dk1" bg2="lt2" tx2="dk2" accent1="accent1" accent2="accent2" accent3="accent3" accent4="accent4" accent5="accent5" accent6="accent6" hlink="hlink" folHlink="folHlink"/>
   <p:sldLayoutIdLst>
-    <p:sldLayoutId id="2147483649" r:id="rId3"/>
-    <p:sldLayoutId id="2147483650" r:id="rId4"/>
-    <p:sldLayoutId id="2147483651" r:id="rId5"/>
-    <p:sldLayoutId id="2147483652" r:id="rId6"/>
-    <p:sldLayoutId id="2147483653" r:id="rId7"/>
-    <p:sldLayoutId id="2147483654" r:id="rId8"/>
-    <p:sldLayoutId id="2147483655" r:id="rId9"/>
-    <p:sldLayoutId id="2147483656" r:id="rId10"/>
-    <p:sldLayoutId id="2147483657" r:id="rId11"/>
-    <p:sldLayoutId id="2147483658" r:id="rId12"/>
-    <p:sldLayoutId id="2147483659" r:id="rId13"/>
-    <p:sldLayoutId id="2147483660" r:id="rId14"/>
+    <p:sldLayoutId id="2147483649" r:id="rId1"/>
+    <p:sldLayoutId id="2147483650" r:id="rId2"/>
+    <p:sldLayoutId id="2147483651" r:id="rId3"/>
+    <p:sldLayoutId id="2147483652" r:id="rId4"/>
+    <p:sldLayoutId id="2147483653" r:id="rId5"/>
+    <p:sldLayoutId id="2147483654" r:id="rId6"/>
+    <p:sldLayoutId id="2147483655" r:id="rId7"/>
+    <p:sldLayoutId id="2147483656" r:id="rId8"/>
+    <p:sldLayoutId id="2147483657" r:id="rId9"/>
+    <p:sldLayoutId id="2147483658" r:id="rId10"/>
+    <p:sldLayoutId id="2147483659" r:id="rId11"/>
+    <p:sldLayoutId id="2147483660" r:id="rId12"/>
   </p:sldLayoutIdLst>
+  <p:txStyles>
+    <p:titleStyle>
+      <a:lvl1pPr algn="l" defTabSz="914400" rtl="0" eaLnBrk="1" latinLnBrk="0" hangingPunct="1">
+        <a:lnSpc>
+          <a:spcPct val="90000"/>
+        </a:lnSpc>
+        <a:spcBef>
+          <a:spcPct val="0"/>
+        </a:spcBef>
+        <a:buNone/>
+        <a:defRPr sz="4400" kern="1200">
+          <a:solidFill>
+            <a:schemeClr val="tx1"/>
+          </a:solidFill>
+          <a:latin typeface="+mj-lt"/>
+          <a:ea typeface="+mj-ea"/>
+          <a:cs typeface="+mj-cs"/>
+        </a:defRPr>
+      </a:lvl1pPr>
+    </p:titleStyle>
+    <p:bodyStyle>
+      <a:lvl1pPr marL="228600" indent="-228600" algn="l" defTabSz="914400" rtl="0" eaLnBrk="1" latinLnBrk="0" hangingPunct="1">
+        <a:lnSpc>
+          <a:spcPct val="90000"/>
+        </a:lnSpc>
+        <a:spcBef>
+          <a:spcPts val="1000"/>
+        </a:spcBef>
+        <a:buFont typeface="Arial" panose="020B0604020202020204" pitchFamily="34" charset="0"/>
+        <a:buChar char="•"/>
+        <a:defRPr sz="2800" kern="1200">
+          <a:solidFill>
+            <a:schemeClr val="tx1"/>
+          </a:solidFill>
+          <a:latin typeface="+mn-lt"/>
+          <a:ea typeface="+mn-ea"/>
+          <a:cs typeface="+mn-cs"/>
+        </a:defRPr>
+      </a:lvl1pPr>
+      <a:lvl2pPr marL="685800" indent="-228600" algn="l" defTabSz="914400" rtl="0" eaLnBrk="1" latinLnBrk="0" hangingPunct="1">
+        <a:lnSpc>
+          <a:spcPct val="90000"/>
+        </a:lnSpc>
+        <a:spcBef>
+          <a:spcPts val="500"/>
+        </a:spcBef>
+        <a:buFont typeface="Arial" panose="020B0604020202020204" pitchFamily="34" charset="0"/>
+        <a:buChar char="•"/>
+        <a:defRPr sz="2400" kern="1200">
+          <a:solidFill>
+            <a:schemeClr val="tx1"/>
+          </a:solidFill>
+          <a:latin typeface="+mn-lt"/>
+          <a:ea typeface="+mn-ea"/>
+          <a:cs typeface="+mn-cs"/>
+        </a:defRPr>
+      </a:lvl2pPr>
+      <a:lvl3pPr marL="1143000" indent="-228600" algn="l" defTabSz="914400" rtl="0" eaLnBrk="1" latinLnBrk="0" hangingPunct="1">
+        <a:lnSpc>
+          <a:spcPct val="90000"/>
+        </a:lnSpc>
+        <a:spcBef>
+          <a:spcPts val="500"/>
+        </a:spcBef>
+        <a:buFont typeface="Arial" panose="020B0604020202020204" pitchFamily="34" charset="0"/>
+        <a:buChar char="•"/>
+        <a:defRPr sz="2000" kern="1200">
+          <a:solidFill>
+            <a:schemeClr val="tx1"/>
+          </a:solidFill>
+          <a:latin typeface="+mn-lt"/>
+          <a:ea typeface="+mn-ea"/>
+          <a:cs typeface="+mn-cs"/>
+        </a:defRPr>
+      </a:lvl3pPr>
+      <a:lvl4pPr marL="1600200" indent="-228600" algn="l" defTabSz="914400" rtl="0" eaLnBrk="1" latinLnBrk="0" hangingPunct="1">
+        <a:lnSpc>
+          <a:spcPct val="90000"/>
+        </a:lnSpc>
+        <a:spcBef>
+          <a:spcPts val="500"/>
+        </a:spcBef>
+        <a:buFont typeface="Arial" panose="020B0604020202020204" pitchFamily="34" charset="0"/>
+        <a:buChar char="•"/>
+        <a:defRPr sz="1800" kern="1200">
+          <a:solidFill>
+            <a:schemeClr val="tx1"/>
+          </a:solidFill>
+          <a:latin typeface="+mn-lt"/>
+          <a:ea typeface="+mn-ea"/>
+          <a:cs typeface="+mn-cs"/>
+        </a:defRPr>
+      </a:lvl4pPr>
+      <a:lvl5pPr marL="2057400" indent="-228600" algn="l" defTabSz="914400" rtl="0" eaLnBrk="1" latinLnBrk="0" hangingPunct="1">
+        <a:lnSpc>
+          <a:spcPct val="90000"/>
+        </a:lnSpc>
+        <a:spcBef>
+          <a:spcPts val="500"/>
+        </a:spcBef>
+        <a:buFont typeface="Arial" panose="020B0604020202020204" pitchFamily="34" charset="0"/>
+        <a:buChar char="•"/>
+        <a:defRPr sz="1800" kern="1200">
+          <a:solidFill>
+            <a:schemeClr val="tx1"/>
+          </a:solidFill>
+          <a:latin typeface="+mn-lt"/>
+          <a:ea typeface="+mn-ea"/>
+          <a:cs typeface="+mn-cs"/>
+        </a:defRPr>
+      </a:lvl5pPr>
+      <a:lvl6pPr marL="2514600" indent="-228600" algn="l" defTabSz="914400" rtl="0" eaLnBrk="1" latinLnBrk="0" hangingPunct="1">
+        <a:lnSpc>
+          <a:spcPct val="90000"/>
+        </a:lnSpc>
+        <a:spcBef>
+          <a:spcPts val="500"/>
+        </a:spcBef>
+        <a:buFont typeface="Arial" panose="020B0604020202020204" pitchFamily="34" charset="0"/>
+        <a:buChar char="•"/>
+        <a:defRPr sz="1800" kern="1200">
+          <a:solidFill>
+            <a:schemeClr val="tx1"/>
+          </a:solidFill>
+          <a:latin typeface="+mn-lt"/>
+          <a:ea typeface="+mn-ea"/>
+          <a:cs typeface="+mn-cs"/>
+        </a:defRPr>
+      </a:lvl6pPr>
+      <a:lvl7pPr marL="2971800" indent="-228600" algn="l" defTabSz="914400" rtl="0" eaLnBrk="1" latinLnBrk="0" hangingPunct="1">
+        <a:lnSpc>
+          <a:spcPct val="90000"/>
+        </a:lnSpc>
+        <a:spcBef>
+          <a:spcPts val="500"/>
+        </a:spcBef>
+        <a:buFont typeface="Arial" panose="020B0604020202020204" pitchFamily="34" charset="0"/>
+        <a:buChar char="•"/>
+        <a:defRPr sz="1800" kern="1200">
+          <a:solidFill>
+            <a:schemeClr val="tx1"/>
+          </a:solidFill>
+          <a:latin typeface="+mn-lt"/>
+          <a:ea typeface="+mn-ea"/>
+          <a:cs typeface="+mn-cs"/>
+        </a:defRPr>
+      </a:lvl7pPr>
+      <a:lvl8pPr marL="3429000" indent="-228600" algn="l" defTabSz="914400" rtl="0" eaLnBrk="1" latinLnBrk="0" hangingPunct="1">
+        <a:lnSpc>
+          <a:spcPct val="90000"/>
+        </a:lnSpc>
+        <a:spcBef>
+          <a:spcPts val="500"/>
+        </a:spcBef>
+        <a:buFont typeface="Arial" panose="020B0604020202020204" pitchFamily="34" charset="0"/>
+        <a:buChar char="•"/>
+        <a:defRPr sz="1800" kern="1200">
+          <a:solidFill>
+            <a:schemeClr val="tx1"/>
+          </a:solidFill>
+          <a:latin typeface="+mn-lt"/>
+          <a:ea typeface="+mn-ea"/>
+          <a:cs typeface="+mn-cs"/>
+        </a:defRPr>
+      </a:lvl8pPr>
+      <a:lvl9pPr marL="3886200" indent="-228600" algn="l" defTabSz="914400" rtl="0" eaLnBrk="1" latinLnBrk="0" hangingPunct="1">
+        <a:lnSpc>
+          <a:spcPct val="90000"/>
+        </a:lnSpc>
+        <a:spcBef>
+          <a:spcPts val="500"/>
+        </a:spcBef>
+        <a:buFont typeface="Arial" panose="020B0604020202020204" pitchFamily="34" charset="0"/>
+        <a:buChar char="•"/>
+        <a:defRPr sz="1800" kern="1200">
+          <a:solidFill>
+            <a:schemeClr val="tx1"/>
+          </a:solidFill>
+          <a:latin typeface="+mn-lt"/>
+          <a:ea typeface="+mn-ea"/>
+          <a:cs typeface="+mn-cs"/>
+        </a:defRPr>
+      </a:lvl9pPr>
+    </p:bodyStyle>
+    <p:otherStyle>
+      <a:defPPr>
+        <a:defRPr lang="en-US"/>
+      </a:defPPr>
+      <a:lvl1pPr marL="0" algn="l" defTabSz="914400" rtl="0" eaLnBrk="1" latinLnBrk="0" hangingPunct="1">
+        <a:defRPr sz="1800" kern="1200">
+          <a:solidFill>
+            <a:schemeClr val="tx1"/>
+          </a:solidFill>
+          <a:latin typeface="+mn-lt"/>
+          <a:ea typeface="+mn-ea"/>
+          <a:cs typeface="+mn-cs"/>
+        </a:defRPr>
+      </a:lvl1pPr>
+      <a:lvl2pPr marL="457200" algn="l" defTabSz="914400" rtl="0" eaLnBrk="1" latinLnBrk="0" hangingPunct="1">
+        <a:defRPr sz="1800" kern="1200">
+          <a:solidFill>
+            <a:schemeClr val="tx1"/>
+          </a:solidFill>
+          <a:latin typeface="+mn-lt"/>
+          <a:ea typeface="+mn-ea"/>
+          <a:cs typeface="+mn-cs"/>
+        </a:defRPr>
+      </a:lvl2pPr>
+      <a:lvl3pPr marL="914400" algn="l" defTabSz="914400" rtl="0" eaLnBrk="1" latinLnBrk="0" hangingPunct="1">
+        <a:defRPr sz="1800" kern="1200">
+          <a:solidFill>
+            <a:schemeClr val="tx1"/>
+          </a:solidFill>
+          <a:latin typeface="+mn-lt"/>
+          <a:ea typeface="+mn-ea"/>
+          <a:cs typeface="+mn-cs"/>
+        </a:defRPr>
+      </a:lvl3pPr>
+      <a:lvl4pPr marL="1371600" algn="l" defTabSz="914400" rtl="0" eaLnBrk="1" latinLnBrk="0" hangingPunct="1">
+        <a:defRPr sz="1800" kern="1200">
+          <a:solidFill>
+            <a:schemeClr val="tx1"/>
+          </a:solidFill>
+          <a:latin typeface="+mn-lt"/>
+          <a:ea typeface="+mn-ea"/>
+          <a:cs typeface="+mn-cs"/>
+        </a:defRPr>
+      </a:lvl4pPr>
+      <a:lvl5pPr marL="1828800" algn="l" defTabSz="914400" rtl="0" eaLnBrk="1" latinLnBrk="0" hangingPunct="1">
+        <a:defRPr sz="1800" kern="1200">
+          <a:solidFill>
+            <a:schemeClr val="tx1"/>
+          </a:solidFill>
+          <a:latin typeface="+mn-lt"/>
+          <a:ea typeface="+mn-ea"/>
+          <a:cs typeface="+mn-cs"/>
+        </a:defRPr>
+      </a:lvl5pPr>
+      <a:lvl6pPr marL="2286000" algn="l" defTabSz="914400" rtl="0" eaLnBrk="1" latinLnBrk="0" hangingPunct="1">
+        <a:defRPr sz="1800" kern="1200">
+          <a:solidFill>
+            <a:schemeClr val="tx1"/>
+          </a:solidFill>
+          <a:latin typeface="+mn-lt"/>
+          <a:ea typeface="+mn-ea"/>
+          <a:cs typeface="+mn-cs"/>
+        </a:defRPr>
+      </a:lvl6pPr>
+      <a:lvl7pPr marL="2743200" algn="l" defTabSz="914400" rtl="0" eaLnBrk="1" latinLnBrk="0" hangingPunct="1">
+        <a:defRPr sz="1800" kern="1200">
+          <a:solidFill>
+            <a:schemeClr val="tx1"/>
+          </a:solidFill>
+          <a:latin typeface="+mn-lt"/>
+          <a:ea typeface="+mn-ea"/>
+          <a:cs typeface="+mn-cs"/>
+        </a:defRPr>
+      </a:lvl7pPr>
+      <a:lvl8pPr marL="3200400" algn="l" defTabSz="914400" rtl="0" eaLnBrk="1" latinLnBrk="0" hangingPunct="1">
+        <a:defRPr sz="1800" kern="1200">
+          <a:solidFill>
+            <a:schemeClr val="tx1"/>
+          </a:solidFill>
+          <a:latin typeface="+mn-lt"/>
+          <a:ea typeface="+mn-ea"/>
+          <a:cs typeface="+mn-cs"/>
+        </a:defRPr>
+      </a:lvl8pPr>
+      <a:lvl9pPr marL="3657600" algn="l" defTabSz="914400" rtl="0" eaLnBrk="1" latinLnBrk="0" hangingPunct="1">
+        <a:defRPr sz="1800" kern="1200">
+          <a:solidFill>
+            <a:schemeClr val="tx1"/>
+          </a:solidFill>
+          <a:latin typeface="+mn-lt"/>
+          <a:ea typeface="+mn-ea"/>
+          <a:cs typeface="+mn-cs"/>
+        </a:defRPr>
+      </a:lvl9pPr>
+    </p:otherStyle>
+  </p:txStyles>
 </p:sldMaster>
 </file>
 
 <file path=ppt/slideMasters/slideMaster2.xml><?xml version="1.0" encoding="utf-8"?>
-<p:sldMaster xmlns:a="http://schemas.openxmlformats.org/drawingml/2006/main" xmlns:p="http://schemas.openxmlformats.org/presentationml/2006/main" xmlns:r="http://schemas.openxmlformats.org/officeDocument/2006/relationships" xmlns:p14="http://schemas.microsoft.com/office/powerpoint/2010/main" xmlns:p15="http://schemas.microsoft.com/office/powerpoint/2012/main" xmlns:mc="http://schemas.openxmlformats.org/markup-compatibility/2006">
+<p:sldMaster xmlns:a="http://schemas.openxmlformats.org/drawingml/2006/main" xmlns:r="http://schemas.openxmlformats.org/officeDocument/2006/relationships" xmlns:p="http://schemas.openxmlformats.org/presentationml/2006/main">
   <p:cSld>
     <p:bg>
       <p:bgPr>
         <a:solidFill>
-          <a:srgbClr val="ffffff"/>
+          <a:srgbClr val="FFFFFF"/>
         </a:solidFill>
+        <a:effectLst/>
       </p:bgPr>
     </p:bg>
     <p:spTree>
@@ -6101,7 +6742,7 @@
             <a:avLst/>
           </a:prstGeom>
           <a:solidFill>
-            <a:srgbClr val="3399ff"/>
+            <a:srgbClr val="3399FF"/>
           </a:solidFill>
           <a:ln>
             <a:noFill/>
@@ -6129,7 +6770,7 @@
           <p:nvPr/>
         </p:nvPicPr>
         <p:blipFill>
-          <a:blip r:embed="rId2"/>
+          <a:blip r:embed="rId14"/>
           <a:stretch/>
         </p:blipFill>
         <p:spPr>
@@ -6160,7 +6801,7 @@
             <a:avLst/>
           </a:prstGeom>
           <a:solidFill>
-            <a:srgbClr val="0066cc"/>
+            <a:srgbClr val="0066CC"/>
           </a:solidFill>
           <a:ln>
             <a:noFill/>
@@ -6201,15 +6842,22 @@
           </a:ln>
         </p:spPr>
         <p:style>
-          <a:lnRef idx="0"/>
-          <a:fillRef idx="0"/>
-          <a:effectRef idx="0"/>
+          <a:lnRef idx="0">
+            <a:scrgbClr r="0" g="0" b="0"/>
+          </a:lnRef>
+          <a:fillRef idx="0">
+            <a:scrgbClr r="0" g="0" b="0"/>
+          </a:fillRef>
+          <a:effectRef idx="0">
+            <a:scrgbClr r="0" g="0" b="0"/>
+          </a:effectRef>
           <a:fontRef idx="minor"/>
         </p:style>
         <p:txBody>
           <a:bodyPr anchor="ctr">
             <a:noAutofit/>
           </a:bodyPr>
+          <a:lstStyle/>
           <a:p>
             <a:pPr algn="ctr">
               <a:lnSpc>
@@ -6218,15 +6866,15 @@
               <a:buNone/>
             </a:pPr>
             <a:fld id="{EA360006-CEEA-47CC-B1B4-B96AAA88C393}" type="slidenum">
-              <a:rPr b="0" lang="ru-RU" sz="2000" spc="-1" strike="noStrike">
+              <a:rPr lang="ru-RU" sz="2000" b="0" strike="noStrike" spc="-1">
                 <a:solidFill>
-                  <a:srgbClr val="ffffff"/>
+                  <a:srgbClr val="FFFFFF"/>
                 </a:solidFill>
                 <a:latin typeface="Arial Narrow"/>
               </a:rPr>
-              <a:t>&lt;number&gt;</a:t>
+              <a:t>‹#›</a:t>
             </a:fld>
-            <a:endParaRPr b="0" lang="en-US" sz="2000" spc="-1" strike="noStrike">
+            <a:endParaRPr lang="en-US" sz="2000" b="0" strike="noStrike" spc="-1">
               <a:latin typeface="Arial"/>
             </a:endParaRPr>
           </a:p>
@@ -6256,12 +6904,13 @@
           </a:ln>
         </p:spPr>
         <p:txBody>
-          <a:bodyPr lIns="0" rIns="0" tIns="0" bIns="0" anchor="ctr">
+          <a:bodyPr lIns="0" tIns="0" rIns="0" bIns="0" anchor="ctr">
             <a:noAutofit/>
           </a:bodyPr>
+          <a:lstStyle/>
           <a:p>
             <a:r>
-              <a:rPr b="0" lang="ru-RU" sz="1800" spc="-1" strike="noStrike">
+              <a:rPr lang="ru-RU" sz="1800" b="0" strike="noStrike" spc="-1">
                 <a:solidFill>
                   <a:srgbClr val="000000"/>
                 </a:solidFill>
@@ -6269,12 +6918,6 @@
               </a:rPr>
               <a:t>Click to edit the title text format</a:t>
             </a:r>
-            <a:endParaRPr b="0" lang="ru-RU" sz="1800" spc="-1" strike="noStrike">
-              <a:solidFill>
-                <a:srgbClr val="000000"/>
-              </a:solidFill>
-              <a:latin typeface="Calibri"/>
-            </a:endParaRPr>
           </a:p>
         </p:txBody>
       </p:sp>
@@ -6302,9 +6945,10 @@
           </a:ln>
         </p:spPr>
         <p:txBody>
-          <a:bodyPr lIns="0" rIns="0" tIns="0" bIns="0" anchor="t">
+          <a:bodyPr lIns="0" tIns="0" rIns="0" bIns="0" anchor="t">
             <a:normAutofit/>
           </a:bodyPr>
+          <a:lstStyle/>
           <a:p>
             <a:pPr marL="432000" indent="-324000">
               <a:spcBef>
@@ -6318,7 +6962,7 @@
               <a:buChar char=""/>
             </a:pPr>
             <a:r>
-              <a:rPr b="0" lang="ru-RU" sz="3200" spc="-1" strike="noStrike">
+              <a:rPr lang="ru-RU" sz="3200" b="0" strike="noStrike" spc="-1">
                 <a:solidFill>
                   <a:srgbClr val="000000"/>
                 </a:solidFill>
@@ -6326,15 +6970,9 @@
               </a:rPr>
               <a:t>Click to edit the outline text format</a:t>
             </a:r>
-            <a:endParaRPr b="0" lang="ru-RU" sz="3200" spc="-1" strike="noStrike">
-              <a:solidFill>
-                <a:srgbClr val="000000"/>
-              </a:solidFill>
-              <a:latin typeface="Calibri"/>
-            </a:endParaRPr>
-          </a:p>
-          <a:p>
-            <a:pPr lvl="1" marL="864000" indent="-324000">
+          </a:p>
+          <a:p>
+            <a:pPr marL="864000" lvl="1" indent="-324000">
               <a:spcBef>
                 <a:spcPts val="1134"/>
               </a:spcBef>
@@ -6346,7 +6984,7 @@
               <a:buChar char=""/>
             </a:pPr>
             <a:r>
-              <a:rPr b="0" lang="ru-RU" sz="2400" spc="-1" strike="noStrike">
+              <a:rPr lang="ru-RU" sz="2400" b="0" strike="noStrike" spc="-1">
                 <a:solidFill>
                   <a:srgbClr val="000000"/>
                 </a:solidFill>
@@ -6354,15 +6992,9 @@
               </a:rPr>
               <a:t>Second Outline Level</a:t>
             </a:r>
-            <a:endParaRPr b="0" lang="ru-RU" sz="2400" spc="-1" strike="noStrike">
-              <a:solidFill>
-                <a:srgbClr val="000000"/>
-              </a:solidFill>
-              <a:latin typeface="Calibri"/>
-            </a:endParaRPr>
-          </a:p>
-          <a:p>
-            <a:pPr lvl="2" marL="1296000" indent="-288000">
+          </a:p>
+          <a:p>
+            <a:pPr marL="1296000" lvl="2" indent="-288000">
               <a:spcBef>
                 <a:spcPts val="850"/>
               </a:spcBef>
@@ -6374,7 +7006,7 @@
               <a:buChar char=""/>
             </a:pPr>
             <a:r>
-              <a:rPr b="0" lang="ru-RU" sz="2000" spc="-1" strike="noStrike">
+              <a:rPr lang="ru-RU" sz="2000" b="0" strike="noStrike" spc="-1">
                 <a:solidFill>
                   <a:srgbClr val="000000"/>
                 </a:solidFill>
@@ -6382,15 +7014,9 @@
               </a:rPr>
               <a:t>Third Outline Level</a:t>
             </a:r>
-            <a:endParaRPr b="0" lang="ru-RU" sz="2000" spc="-1" strike="noStrike">
-              <a:solidFill>
-                <a:srgbClr val="000000"/>
-              </a:solidFill>
-              <a:latin typeface="Calibri"/>
-            </a:endParaRPr>
-          </a:p>
-          <a:p>
-            <a:pPr lvl="3" marL="1728000" indent="-216000">
+          </a:p>
+          <a:p>
+            <a:pPr marL="1728000" lvl="3" indent="-216000">
               <a:spcBef>
                 <a:spcPts val="567"/>
               </a:spcBef>
@@ -6402,7 +7028,7 @@
               <a:buChar char=""/>
             </a:pPr>
             <a:r>
-              <a:rPr b="0" lang="ru-RU" sz="2000" spc="-1" strike="noStrike">
+              <a:rPr lang="ru-RU" sz="2000" b="0" strike="noStrike" spc="-1">
                 <a:solidFill>
                   <a:srgbClr val="000000"/>
                 </a:solidFill>
@@ -6410,15 +7036,9 @@
               </a:rPr>
               <a:t>Fourth Outline Level</a:t>
             </a:r>
-            <a:endParaRPr b="0" lang="ru-RU" sz="2000" spc="-1" strike="noStrike">
-              <a:solidFill>
-                <a:srgbClr val="000000"/>
-              </a:solidFill>
-              <a:latin typeface="Calibri"/>
-            </a:endParaRPr>
-          </a:p>
-          <a:p>
-            <a:pPr lvl="4" marL="2160000" indent="-216000">
+          </a:p>
+          <a:p>
+            <a:pPr marL="2160000" lvl="4" indent="-216000">
               <a:spcBef>
                 <a:spcPts val="283"/>
               </a:spcBef>
@@ -6430,7 +7050,7 @@
               <a:buChar char=""/>
             </a:pPr>
             <a:r>
-              <a:rPr b="0" lang="ru-RU" sz="2000" spc="-1" strike="noStrike">
+              <a:rPr lang="ru-RU" sz="2000" b="0" strike="noStrike" spc="-1">
                 <a:solidFill>
                   <a:srgbClr val="000000"/>
                 </a:solidFill>
@@ -6438,15 +7058,9 @@
               </a:rPr>
               <a:t>Fifth Outline Level</a:t>
             </a:r>
-            <a:endParaRPr b="0" lang="ru-RU" sz="2000" spc="-1" strike="noStrike">
-              <a:solidFill>
-                <a:srgbClr val="000000"/>
-              </a:solidFill>
-              <a:latin typeface="Calibri"/>
-            </a:endParaRPr>
-          </a:p>
-          <a:p>
-            <a:pPr lvl="5" marL="2592000" indent="-216000">
+          </a:p>
+          <a:p>
+            <a:pPr marL="2592000" lvl="5" indent="-216000">
               <a:spcBef>
                 <a:spcPts val="283"/>
               </a:spcBef>
@@ -6458,7 +7072,7 @@
               <a:buChar char=""/>
             </a:pPr>
             <a:r>
-              <a:rPr b="0" lang="ru-RU" sz="2000" spc="-1" strike="noStrike">
+              <a:rPr lang="ru-RU" sz="2000" b="0" strike="noStrike" spc="-1">
                 <a:solidFill>
                   <a:srgbClr val="000000"/>
                 </a:solidFill>
@@ -6466,15 +7080,9 @@
               </a:rPr>
               <a:t>Sixth Outline Level</a:t>
             </a:r>
-            <a:endParaRPr b="0" lang="ru-RU" sz="2000" spc="-1" strike="noStrike">
-              <a:solidFill>
-                <a:srgbClr val="000000"/>
-              </a:solidFill>
-              <a:latin typeface="Calibri"/>
-            </a:endParaRPr>
-          </a:p>
-          <a:p>
-            <a:pPr lvl="6" marL="3024000" indent="-216000">
+          </a:p>
+          <a:p>
+            <a:pPr marL="3024000" lvl="6" indent="-216000">
               <a:spcBef>
                 <a:spcPts val="283"/>
               </a:spcBef>
@@ -6486,7 +7094,7 @@
               <a:buChar char=""/>
             </a:pPr>
             <a:r>
-              <a:rPr b="0" lang="ru-RU" sz="2000" spc="-1" strike="noStrike">
+              <a:rPr lang="ru-RU" sz="2000" b="0" strike="noStrike" spc="-1">
                 <a:solidFill>
                   <a:srgbClr val="000000"/>
                 </a:solidFill>
@@ -6494,43 +7102,318 @@
               </a:rPr>
               <a:t>Seventh Outline Level</a:t>
             </a:r>
-            <a:endParaRPr b="0" lang="ru-RU" sz="2000" spc="-1" strike="noStrike">
-              <a:solidFill>
-                <a:srgbClr val="000000"/>
-              </a:solidFill>
-              <a:latin typeface="Calibri"/>
-            </a:endParaRPr>
           </a:p>
         </p:txBody>
       </p:sp>
     </p:spTree>
   </p:cSld>
-  <p:clrMap bg1="lt1" bg2="lt2" tx1="dk1" tx2="dk2" accent1="accent1" accent2="accent2" accent3="accent3" accent4="accent4" accent5="accent5" accent6="accent6" hlink="hlink" folHlink="folHlink"/>
+  <p:clrMap bg1="lt1" tx1="dk1" bg2="lt2" tx2="dk2" accent1="accent1" accent2="accent2" accent3="accent3" accent4="accent4" accent5="accent5" accent6="accent6" hlink="hlink" folHlink="folHlink"/>
   <p:sldLayoutIdLst>
-    <p:sldLayoutId id="2147483662" r:id="rId3"/>
-    <p:sldLayoutId id="2147483663" r:id="rId4"/>
-    <p:sldLayoutId id="2147483664" r:id="rId5"/>
-    <p:sldLayoutId id="2147483665" r:id="rId6"/>
-    <p:sldLayoutId id="2147483666" r:id="rId7"/>
-    <p:sldLayoutId id="2147483667" r:id="rId8"/>
-    <p:sldLayoutId id="2147483668" r:id="rId9"/>
-    <p:sldLayoutId id="2147483669" r:id="rId10"/>
-    <p:sldLayoutId id="2147483670" r:id="rId11"/>
-    <p:sldLayoutId id="2147483671" r:id="rId12"/>
-    <p:sldLayoutId id="2147483672" r:id="rId13"/>
-    <p:sldLayoutId id="2147483673" r:id="rId14"/>
+    <p:sldLayoutId id="2147483662" r:id="rId1"/>
+    <p:sldLayoutId id="2147483663" r:id="rId2"/>
+    <p:sldLayoutId id="2147483664" r:id="rId3"/>
+    <p:sldLayoutId id="2147483665" r:id="rId4"/>
+    <p:sldLayoutId id="2147483666" r:id="rId5"/>
+    <p:sldLayoutId id="2147483667" r:id="rId6"/>
+    <p:sldLayoutId id="2147483668" r:id="rId7"/>
+    <p:sldLayoutId id="2147483669" r:id="rId8"/>
+    <p:sldLayoutId id="2147483670" r:id="rId9"/>
+    <p:sldLayoutId id="2147483671" r:id="rId10"/>
+    <p:sldLayoutId id="2147483672" r:id="rId11"/>
+    <p:sldLayoutId id="2147483673" r:id="rId12"/>
   </p:sldLayoutIdLst>
+  <p:txStyles>
+    <p:titleStyle>
+      <a:lvl1pPr algn="l" defTabSz="914400" rtl="0" eaLnBrk="1" latinLnBrk="0" hangingPunct="1">
+        <a:lnSpc>
+          <a:spcPct val="90000"/>
+        </a:lnSpc>
+        <a:spcBef>
+          <a:spcPct val="0"/>
+        </a:spcBef>
+        <a:buNone/>
+        <a:defRPr sz="4400" kern="1200">
+          <a:solidFill>
+            <a:schemeClr val="tx1"/>
+          </a:solidFill>
+          <a:latin typeface="+mj-lt"/>
+          <a:ea typeface="+mj-ea"/>
+          <a:cs typeface="+mj-cs"/>
+        </a:defRPr>
+      </a:lvl1pPr>
+    </p:titleStyle>
+    <p:bodyStyle>
+      <a:lvl1pPr marL="228600" indent="-228600" algn="l" defTabSz="914400" rtl="0" eaLnBrk="1" latinLnBrk="0" hangingPunct="1">
+        <a:lnSpc>
+          <a:spcPct val="90000"/>
+        </a:lnSpc>
+        <a:spcBef>
+          <a:spcPts val="1000"/>
+        </a:spcBef>
+        <a:buFont typeface="Arial" panose="020B0604020202020204" pitchFamily="34" charset="0"/>
+        <a:buChar char="•"/>
+        <a:defRPr sz="2800" kern="1200">
+          <a:solidFill>
+            <a:schemeClr val="tx1"/>
+          </a:solidFill>
+          <a:latin typeface="+mn-lt"/>
+          <a:ea typeface="+mn-ea"/>
+          <a:cs typeface="+mn-cs"/>
+        </a:defRPr>
+      </a:lvl1pPr>
+      <a:lvl2pPr marL="685800" indent="-228600" algn="l" defTabSz="914400" rtl="0" eaLnBrk="1" latinLnBrk="0" hangingPunct="1">
+        <a:lnSpc>
+          <a:spcPct val="90000"/>
+        </a:lnSpc>
+        <a:spcBef>
+          <a:spcPts val="500"/>
+        </a:spcBef>
+        <a:buFont typeface="Arial" panose="020B0604020202020204" pitchFamily="34" charset="0"/>
+        <a:buChar char="•"/>
+        <a:defRPr sz="2400" kern="1200">
+          <a:solidFill>
+            <a:schemeClr val="tx1"/>
+          </a:solidFill>
+          <a:latin typeface="+mn-lt"/>
+          <a:ea typeface="+mn-ea"/>
+          <a:cs typeface="+mn-cs"/>
+        </a:defRPr>
+      </a:lvl2pPr>
+      <a:lvl3pPr marL="1143000" indent="-228600" algn="l" defTabSz="914400" rtl="0" eaLnBrk="1" latinLnBrk="0" hangingPunct="1">
+        <a:lnSpc>
+          <a:spcPct val="90000"/>
+        </a:lnSpc>
+        <a:spcBef>
+          <a:spcPts val="500"/>
+        </a:spcBef>
+        <a:buFont typeface="Arial" panose="020B0604020202020204" pitchFamily="34" charset="0"/>
+        <a:buChar char="•"/>
+        <a:defRPr sz="2000" kern="1200">
+          <a:solidFill>
+            <a:schemeClr val="tx1"/>
+          </a:solidFill>
+          <a:latin typeface="+mn-lt"/>
+          <a:ea typeface="+mn-ea"/>
+          <a:cs typeface="+mn-cs"/>
+        </a:defRPr>
+      </a:lvl3pPr>
+      <a:lvl4pPr marL="1600200" indent="-228600" algn="l" defTabSz="914400" rtl="0" eaLnBrk="1" latinLnBrk="0" hangingPunct="1">
+        <a:lnSpc>
+          <a:spcPct val="90000"/>
+        </a:lnSpc>
+        <a:spcBef>
+          <a:spcPts val="500"/>
+        </a:spcBef>
+        <a:buFont typeface="Arial" panose="020B0604020202020204" pitchFamily="34" charset="0"/>
+        <a:buChar char="•"/>
+        <a:defRPr sz="1800" kern="1200">
+          <a:solidFill>
+            <a:schemeClr val="tx1"/>
+          </a:solidFill>
+          <a:latin typeface="+mn-lt"/>
+          <a:ea typeface="+mn-ea"/>
+          <a:cs typeface="+mn-cs"/>
+        </a:defRPr>
+      </a:lvl4pPr>
+      <a:lvl5pPr marL="2057400" indent="-228600" algn="l" defTabSz="914400" rtl="0" eaLnBrk="1" latinLnBrk="0" hangingPunct="1">
+        <a:lnSpc>
+          <a:spcPct val="90000"/>
+        </a:lnSpc>
+        <a:spcBef>
+          <a:spcPts val="500"/>
+        </a:spcBef>
+        <a:buFont typeface="Arial" panose="020B0604020202020204" pitchFamily="34" charset="0"/>
+        <a:buChar char="•"/>
+        <a:defRPr sz="1800" kern="1200">
+          <a:solidFill>
+            <a:schemeClr val="tx1"/>
+          </a:solidFill>
+          <a:latin typeface="+mn-lt"/>
+          <a:ea typeface="+mn-ea"/>
+          <a:cs typeface="+mn-cs"/>
+        </a:defRPr>
+      </a:lvl5pPr>
+      <a:lvl6pPr marL="2514600" indent="-228600" algn="l" defTabSz="914400" rtl="0" eaLnBrk="1" latinLnBrk="0" hangingPunct="1">
+        <a:lnSpc>
+          <a:spcPct val="90000"/>
+        </a:lnSpc>
+        <a:spcBef>
+          <a:spcPts val="500"/>
+        </a:spcBef>
+        <a:buFont typeface="Arial" panose="020B0604020202020204" pitchFamily="34" charset="0"/>
+        <a:buChar char="•"/>
+        <a:defRPr sz="1800" kern="1200">
+          <a:solidFill>
+            <a:schemeClr val="tx1"/>
+          </a:solidFill>
+          <a:latin typeface="+mn-lt"/>
+          <a:ea typeface="+mn-ea"/>
+          <a:cs typeface="+mn-cs"/>
+        </a:defRPr>
+      </a:lvl6pPr>
+      <a:lvl7pPr marL="2971800" indent="-228600" algn="l" defTabSz="914400" rtl="0" eaLnBrk="1" latinLnBrk="0" hangingPunct="1">
+        <a:lnSpc>
+          <a:spcPct val="90000"/>
+        </a:lnSpc>
+        <a:spcBef>
+          <a:spcPts val="500"/>
+        </a:spcBef>
+        <a:buFont typeface="Arial" panose="020B0604020202020204" pitchFamily="34" charset="0"/>
+        <a:buChar char="•"/>
+        <a:defRPr sz="1800" kern="1200">
+          <a:solidFill>
+            <a:schemeClr val="tx1"/>
+          </a:solidFill>
+          <a:latin typeface="+mn-lt"/>
+          <a:ea typeface="+mn-ea"/>
+          <a:cs typeface="+mn-cs"/>
+        </a:defRPr>
+      </a:lvl7pPr>
+      <a:lvl8pPr marL="3429000" indent="-228600" algn="l" defTabSz="914400" rtl="0" eaLnBrk="1" latinLnBrk="0" hangingPunct="1">
+        <a:lnSpc>
+          <a:spcPct val="90000"/>
+        </a:lnSpc>
+        <a:spcBef>
+          <a:spcPts val="500"/>
+        </a:spcBef>
+        <a:buFont typeface="Arial" panose="020B0604020202020204" pitchFamily="34" charset="0"/>
+        <a:buChar char="•"/>
+        <a:defRPr sz="1800" kern="1200">
+          <a:solidFill>
+            <a:schemeClr val="tx1"/>
+          </a:solidFill>
+          <a:latin typeface="+mn-lt"/>
+          <a:ea typeface="+mn-ea"/>
+          <a:cs typeface="+mn-cs"/>
+        </a:defRPr>
+      </a:lvl8pPr>
+      <a:lvl9pPr marL="3886200" indent="-228600" algn="l" defTabSz="914400" rtl="0" eaLnBrk="1" latinLnBrk="0" hangingPunct="1">
+        <a:lnSpc>
+          <a:spcPct val="90000"/>
+        </a:lnSpc>
+        <a:spcBef>
+          <a:spcPts val="500"/>
+        </a:spcBef>
+        <a:buFont typeface="Arial" panose="020B0604020202020204" pitchFamily="34" charset="0"/>
+        <a:buChar char="•"/>
+        <a:defRPr sz="1800" kern="1200">
+          <a:solidFill>
+            <a:schemeClr val="tx1"/>
+          </a:solidFill>
+          <a:latin typeface="+mn-lt"/>
+          <a:ea typeface="+mn-ea"/>
+          <a:cs typeface="+mn-cs"/>
+        </a:defRPr>
+      </a:lvl9pPr>
+    </p:bodyStyle>
+    <p:otherStyle>
+      <a:defPPr>
+        <a:defRPr lang="en-US"/>
+      </a:defPPr>
+      <a:lvl1pPr marL="0" algn="l" defTabSz="914400" rtl="0" eaLnBrk="1" latinLnBrk="0" hangingPunct="1">
+        <a:defRPr sz="1800" kern="1200">
+          <a:solidFill>
+            <a:schemeClr val="tx1"/>
+          </a:solidFill>
+          <a:latin typeface="+mn-lt"/>
+          <a:ea typeface="+mn-ea"/>
+          <a:cs typeface="+mn-cs"/>
+        </a:defRPr>
+      </a:lvl1pPr>
+      <a:lvl2pPr marL="457200" algn="l" defTabSz="914400" rtl="0" eaLnBrk="1" latinLnBrk="0" hangingPunct="1">
+        <a:defRPr sz="1800" kern="1200">
+          <a:solidFill>
+            <a:schemeClr val="tx1"/>
+          </a:solidFill>
+          <a:latin typeface="+mn-lt"/>
+          <a:ea typeface="+mn-ea"/>
+          <a:cs typeface="+mn-cs"/>
+        </a:defRPr>
+      </a:lvl2pPr>
+      <a:lvl3pPr marL="914400" algn="l" defTabSz="914400" rtl="0" eaLnBrk="1" latinLnBrk="0" hangingPunct="1">
+        <a:defRPr sz="1800" kern="1200">
+          <a:solidFill>
+            <a:schemeClr val="tx1"/>
+          </a:solidFill>
+          <a:latin typeface="+mn-lt"/>
+          <a:ea typeface="+mn-ea"/>
+          <a:cs typeface="+mn-cs"/>
+        </a:defRPr>
+      </a:lvl3pPr>
+      <a:lvl4pPr marL="1371600" algn="l" defTabSz="914400" rtl="0" eaLnBrk="1" latinLnBrk="0" hangingPunct="1">
+        <a:defRPr sz="1800" kern="1200">
+          <a:solidFill>
+            <a:schemeClr val="tx1"/>
+          </a:solidFill>
+          <a:latin typeface="+mn-lt"/>
+          <a:ea typeface="+mn-ea"/>
+          <a:cs typeface="+mn-cs"/>
+        </a:defRPr>
+      </a:lvl4pPr>
+      <a:lvl5pPr marL="1828800" algn="l" defTabSz="914400" rtl="0" eaLnBrk="1" latinLnBrk="0" hangingPunct="1">
+        <a:defRPr sz="1800" kern="1200">
+          <a:solidFill>
+            <a:schemeClr val="tx1"/>
+          </a:solidFill>
+          <a:latin typeface="+mn-lt"/>
+          <a:ea typeface="+mn-ea"/>
+          <a:cs typeface="+mn-cs"/>
+        </a:defRPr>
+      </a:lvl5pPr>
+      <a:lvl6pPr marL="2286000" algn="l" defTabSz="914400" rtl="0" eaLnBrk="1" latinLnBrk="0" hangingPunct="1">
+        <a:defRPr sz="1800" kern="1200">
+          <a:solidFill>
+            <a:schemeClr val="tx1"/>
+          </a:solidFill>
+          <a:latin typeface="+mn-lt"/>
+          <a:ea typeface="+mn-ea"/>
+          <a:cs typeface="+mn-cs"/>
+        </a:defRPr>
+      </a:lvl6pPr>
+      <a:lvl7pPr marL="2743200" algn="l" defTabSz="914400" rtl="0" eaLnBrk="1" latinLnBrk="0" hangingPunct="1">
+        <a:defRPr sz="1800" kern="1200">
+          <a:solidFill>
+            <a:schemeClr val="tx1"/>
+          </a:solidFill>
+          <a:latin typeface="+mn-lt"/>
+          <a:ea typeface="+mn-ea"/>
+          <a:cs typeface="+mn-cs"/>
+        </a:defRPr>
+      </a:lvl7pPr>
+      <a:lvl8pPr marL="3200400" algn="l" defTabSz="914400" rtl="0" eaLnBrk="1" latinLnBrk="0" hangingPunct="1">
+        <a:defRPr sz="1800" kern="1200">
+          <a:solidFill>
+            <a:schemeClr val="tx1"/>
+          </a:solidFill>
+          <a:latin typeface="+mn-lt"/>
+          <a:ea typeface="+mn-ea"/>
+          <a:cs typeface="+mn-cs"/>
+        </a:defRPr>
+      </a:lvl8pPr>
+      <a:lvl9pPr marL="3657600" algn="l" defTabSz="914400" rtl="0" eaLnBrk="1" latinLnBrk="0" hangingPunct="1">
+        <a:defRPr sz="1800" kern="1200">
+          <a:solidFill>
+            <a:schemeClr val="tx1"/>
+          </a:solidFill>
+          <a:latin typeface="+mn-lt"/>
+          <a:ea typeface="+mn-ea"/>
+          <a:cs typeface="+mn-cs"/>
+        </a:defRPr>
+      </a:lvl9pPr>
+    </p:otherStyle>
+  </p:txStyles>
 </p:sldMaster>
 </file>
 
 <file path=ppt/slideMasters/slideMaster3.xml><?xml version="1.0" encoding="utf-8"?>
-<p:sldMaster xmlns:a="http://schemas.openxmlformats.org/drawingml/2006/main" xmlns:p="http://schemas.openxmlformats.org/presentationml/2006/main" xmlns:r="http://schemas.openxmlformats.org/officeDocument/2006/relationships" xmlns:p14="http://schemas.microsoft.com/office/powerpoint/2010/main" xmlns:p15="http://schemas.microsoft.com/office/powerpoint/2012/main" xmlns:mc="http://schemas.openxmlformats.org/markup-compatibility/2006">
+<p:sldMaster xmlns:a="http://schemas.openxmlformats.org/drawingml/2006/main" xmlns:r="http://schemas.openxmlformats.org/officeDocument/2006/relationships" xmlns:p="http://schemas.openxmlformats.org/presentationml/2006/main">
   <p:cSld>
     <p:bg>
       <p:bgPr>
         <a:solidFill>
-          <a:srgbClr val="ffffff"/>
+          <a:srgbClr val="FFFFFF"/>
         </a:solidFill>
+        <a:effectLst/>
       </p:bgPr>
     </p:bg>
     <p:spTree>
@@ -6598,7 +7481,7 @@
             <a:avLst/>
           </a:prstGeom>
           <a:solidFill>
-            <a:srgbClr val="3399ff"/>
+            <a:srgbClr val="3399FF"/>
           </a:solidFill>
           <a:ln>
             <a:noFill/>
@@ -6626,7 +7509,7 @@
           <p:nvPr/>
         </p:nvPicPr>
         <p:blipFill>
-          <a:blip r:embed="rId2"/>
+          <a:blip r:embed="rId14"/>
           <a:stretch/>
         </p:blipFill>
         <p:spPr>
@@ -6657,7 +7540,7 @@
             <a:avLst/>
           </a:prstGeom>
           <a:solidFill>
-            <a:srgbClr val="0066cc"/>
+            <a:srgbClr val="0066CC"/>
           </a:solidFill>
           <a:ln>
             <a:noFill/>
@@ -6698,15 +7581,22 @@
           </a:ln>
         </p:spPr>
         <p:style>
-          <a:lnRef idx="0"/>
-          <a:fillRef idx="0"/>
-          <a:effectRef idx="0"/>
+          <a:lnRef idx="0">
+            <a:scrgbClr r="0" g="0" b="0"/>
+          </a:lnRef>
+          <a:fillRef idx="0">
+            <a:scrgbClr r="0" g="0" b="0"/>
+          </a:fillRef>
+          <a:effectRef idx="0">
+            <a:scrgbClr r="0" g="0" b="0"/>
+          </a:effectRef>
           <a:fontRef idx="minor"/>
         </p:style>
         <p:txBody>
           <a:bodyPr anchor="ctr">
             <a:noAutofit/>
           </a:bodyPr>
+          <a:lstStyle/>
           <a:p>
             <a:pPr algn="ctr">
               <a:lnSpc>
@@ -6715,15 +7605,15 @@
               <a:buNone/>
             </a:pPr>
             <a:fld id="{FCD6E967-95B7-4254-8852-DB39FB121424}" type="slidenum">
-              <a:rPr b="0" lang="ru-RU" sz="2000" spc="-1" strike="noStrike">
+              <a:rPr lang="ru-RU" sz="2000" b="0" strike="noStrike" spc="-1">
                 <a:solidFill>
-                  <a:srgbClr val="ffffff"/>
+                  <a:srgbClr val="FFFFFF"/>
                 </a:solidFill>
                 <a:latin typeface="Arial Narrow"/>
               </a:rPr>
-              <a:t>&lt;number&gt;</a:t>
+              <a:t>‹#›</a:t>
             </a:fld>
-            <a:endParaRPr b="0" lang="en-US" sz="2000" spc="-1" strike="noStrike">
+            <a:endParaRPr lang="en-US" sz="2000" b="0" strike="noStrike" spc="-1">
               <a:latin typeface="Arial"/>
             </a:endParaRPr>
           </a:p>
@@ -6753,12 +7643,13 @@
           </a:ln>
         </p:spPr>
         <p:txBody>
-          <a:bodyPr lIns="0" rIns="0" tIns="0" bIns="0" anchor="ctr">
+          <a:bodyPr lIns="0" tIns="0" rIns="0" bIns="0" anchor="ctr">
             <a:noAutofit/>
           </a:bodyPr>
+          <a:lstStyle/>
           <a:p>
             <a:r>
-              <a:rPr b="0" lang="ru-RU" sz="1800" spc="-1" strike="noStrike">
+              <a:rPr lang="ru-RU" sz="1800" b="0" strike="noStrike" spc="-1">
                 <a:solidFill>
                   <a:srgbClr val="000000"/>
                 </a:solidFill>
@@ -6766,12 +7657,6 @@
               </a:rPr>
               <a:t>Click to edit the title text format</a:t>
             </a:r>
-            <a:endParaRPr b="0" lang="ru-RU" sz="1800" spc="-1" strike="noStrike">
-              <a:solidFill>
-                <a:srgbClr val="000000"/>
-              </a:solidFill>
-              <a:latin typeface="Calibri"/>
-            </a:endParaRPr>
           </a:p>
         </p:txBody>
       </p:sp>
@@ -6799,9 +7684,10 @@
           </a:ln>
         </p:spPr>
         <p:txBody>
-          <a:bodyPr lIns="0" rIns="0" tIns="0" bIns="0" anchor="t">
+          <a:bodyPr lIns="0" tIns="0" rIns="0" bIns="0" anchor="t">
             <a:normAutofit/>
           </a:bodyPr>
+          <a:lstStyle/>
           <a:p>
             <a:pPr marL="432000" indent="-324000">
               <a:spcBef>
@@ -6815,7 +7701,7 @@
               <a:buChar char=""/>
             </a:pPr>
             <a:r>
-              <a:rPr b="0" lang="ru-RU" sz="3200" spc="-1" strike="noStrike">
+              <a:rPr lang="ru-RU" sz="3200" b="0" strike="noStrike" spc="-1">
                 <a:solidFill>
                   <a:srgbClr val="000000"/>
                 </a:solidFill>
@@ -6823,15 +7709,9 @@
               </a:rPr>
               <a:t>Click to edit the outline text format</a:t>
             </a:r>
-            <a:endParaRPr b="0" lang="ru-RU" sz="3200" spc="-1" strike="noStrike">
-              <a:solidFill>
-                <a:srgbClr val="000000"/>
-              </a:solidFill>
-              <a:latin typeface="Calibri"/>
-            </a:endParaRPr>
-          </a:p>
-          <a:p>
-            <a:pPr lvl="1" marL="864000" indent="-324000">
+          </a:p>
+          <a:p>
+            <a:pPr marL="864000" lvl="1" indent="-324000">
               <a:spcBef>
                 <a:spcPts val="1134"/>
               </a:spcBef>
@@ -6843,7 +7723,7 @@
               <a:buChar char=""/>
             </a:pPr>
             <a:r>
-              <a:rPr b="0" lang="ru-RU" sz="2400" spc="-1" strike="noStrike">
+              <a:rPr lang="ru-RU" sz="2400" b="0" strike="noStrike" spc="-1">
                 <a:solidFill>
                   <a:srgbClr val="000000"/>
                 </a:solidFill>
@@ -6851,15 +7731,9 @@
               </a:rPr>
               <a:t>Second Outline Level</a:t>
             </a:r>
-            <a:endParaRPr b="0" lang="ru-RU" sz="2400" spc="-1" strike="noStrike">
-              <a:solidFill>
-                <a:srgbClr val="000000"/>
-              </a:solidFill>
-              <a:latin typeface="Calibri"/>
-            </a:endParaRPr>
-          </a:p>
-          <a:p>
-            <a:pPr lvl="2" marL="1296000" indent="-288000">
+          </a:p>
+          <a:p>
+            <a:pPr marL="1296000" lvl="2" indent="-288000">
               <a:spcBef>
                 <a:spcPts val="850"/>
               </a:spcBef>
@@ -6871,7 +7745,7 @@
               <a:buChar char=""/>
             </a:pPr>
             <a:r>
-              <a:rPr b="0" lang="ru-RU" sz="2000" spc="-1" strike="noStrike">
+              <a:rPr lang="ru-RU" sz="2000" b="0" strike="noStrike" spc="-1">
                 <a:solidFill>
                   <a:srgbClr val="000000"/>
                 </a:solidFill>
@@ -6879,15 +7753,9 @@
               </a:rPr>
               <a:t>Third Outline Level</a:t>
             </a:r>
-            <a:endParaRPr b="0" lang="ru-RU" sz="2000" spc="-1" strike="noStrike">
-              <a:solidFill>
-                <a:srgbClr val="000000"/>
-              </a:solidFill>
-              <a:latin typeface="Calibri"/>
-            </a:endParaRPr>
-          </a:p>
-          <a:p>
-            <a:pPr lvl="3" marL="1728000" indent="-216000">
+          </a:p>
+          <a:p>
+            <a:pPr marL="1728000" lvl="3" indent="-216000">
               <a:spcBef>
                 <a:spcPts val="567"/>
               </a:spcBef>
@@ -6899,7 +7767,7 @@
               <a:buChar char=""/>
             </a:pPr>
             <a:r>
-              <a:rPr b="0" lang="ru-RU" sz="2000" spc="-1" strike="noStrike">
+              <a:rPr lang="ru-RU" sz="2000" b="0" strike="noStrike" spc="-1">
                 <a:solidFill>
                   <a:srgbClr val="000000"/>
                 </a:solidFill>
@@ -6907,15 +7775,9 @@
               </a:rPr>
               <a:t>Fourth Outline Level</a:t>
             </a:r>
-            <a:endParaRPr b="0" lang="ru-RU" sz="2000" spc="-1" strike="noStrike">
-              <a:solidFill>
-                <a:srgbClr val="000000"/>
-              </a:solidFill>
-              <a:latin typeface="Calibri"/>
-            </a:endParaRPr>
-          </a:p>
-          <a:p>
-            <a:pPr lvl="4" marL="2160000" indent="-216000">
+          </a:p>
+          <a:p>
+            <a:pPr marL="2160000" lvl="4" indent="-216000">
               <a:spcBef>
                 <a:spcPts val="283"/>
               </a:spcBef>
@@ -6927,7 +7789,7 @@
               <a:buChar char=""/>
             </a:pPr>
             <a:r>
-              <a:rPr b="0" lang="ru-RU" sz="2000" spc="-1" strike="noStrike">
+              <a:rPr lang="ru-RU" sz="2000" b="0" strike="noStrike" spc="-1">
                 <a:solidFill>
                   <a:srgbClr val="000000"/>
                 </a:solidFill>
@@ -6935,15 +7797,9 @@
               </a:rPr>
               <a:t>Fifth Outline Level</a:t>
             </a:r>
-            <a:endParaRPr b="0" lang="ru-RU" sz="2000" spc="-1" strike="noStrike">
-              <a:solidFill>
-                <a:srgbClr val="000000"/>
-              </a:solidFill>
-              <a:latin typeface="Calibri"/>
-            </a:endParaRPr>
-          </a:p>
-          <a:p>
-            <a:pPr lvl="5" marL="2592000" indent="-216000">
+          </a:p>
+          <a:p>
+            <a:pPr marL="2592000" lvl="5" indent="-216000">
               <a:spcBef>
                 <a:spcPts val="283"/>
               </a:spcBef>
@@ -6955,7 +7811,7 @@
               <a:buChar char=""/>
             </a:pPr>
             <a:r>
-              <a:rPr b="0" lang="ru-RU" sz="2000" spc="-1" strike="noStrike">
+              <a:rPr lang="ru-RU" sz="2000" b="0" strike="noStrike" spc="-1">
                 <a:solidFill>
                   <a:srgbClr val="000000"/>
                 </a:solidFill>
@@ -6963,15 +7819,9 @@
               </a:rPr>
               <a:t>Sixth Outline Level</a:t>
             </a:r>
-            <a:endParaRPr b="0" lang="ru-RU" sz="2000" spc="-1" strike="noStrike">
-              <a:solidFill>
-                <a:srgbClr val="000000"/>
-              </a:solidFill>
-              <a:latin typeface="Calibri"/>
-            </a:endParaRPr>
-          </a:p>
-          <a:p>
-            <a:pPr lvl="6" marL="3024000" indent="-216000">
+          </a:p>
+          <a:p>
+            <a:pPr marL="3024000" lvl="6" indent="-216000">
               <a:spcBef>
                 <a:spcPts val="283"/>
               </a:spcBef>
@@ -6983,7 +7833,7 @@
               <a:buChar char=""/>
             </a:pPr>
             <a:r>
-              <a:rPr b="0" lang="ru-RU" sz="2000" spc="-1" strike="noStrike">
+              <a:rPr lang="ru-RU" sz="2000" b="0" strike="noStrike" spc="-1">
                 <a:solidFill>
                   <a:srgbClr val="000000"/>
                 </a:solidFill>
@@ -6991,37 +7841,311 @@
               </a:rPr>
               <a:t>Seventh Outline Level</a:t>
             </a:r>
-            <a:endParaRPr b="0" lang="ru-RU" sz="2000" spc="-1" strike="noStrike">
-              <a:solidFill>
-                <a:srgbClr val="000000"/>
-              </a:solidFill>
-              <a:latin typeface="Calibri"/>
-            </a:endParaRPr>
           </a:p>
         </p:txBody>
       </p:sp>
     </p:spTree>
   </p:cSld>
-  <p:clrMap bg1="lt1" bg2="lt2" tx1="dk1" tx2="dk2" accent1="accent1" accent2="accent2" accent3="accent3" accent4="accent4" accent5="accent5" accent6="accent6" hlink="hlink" folHlink="folHlink"/>
+  <p:clrMap bg1="lt1" tx1="dk1" bg2="lt2" tx2="dk2" accent1="accent1" accent2="accent2" accent3="accent3" accent4="accent4" accent5="accent5" accent6="accent6" hlink="hlink" folHlink="folHlink"/>
   <p:sldLayoutIdLst>
-    <p:sldLayoutId id="2147483675" r:id="rId3"/>
-    <p:sldLayoutId id="2147483676" r:id="rId4"/>
-    <p:sldLayoutId id="2147483677" r:id="rId5"/>
-    <p:sldLayoutId id="2147483678" r:id="rId6"/>
-    <p:sldLayoutId id="2147483679" r:id="rId7"/>
-    <p:sldLayoutId id="2147483680" r:id="rId8"/>
-    <p:sldLayoutId id="2147483681" r:id="rId9"/>
-    <p:sldLayoutId id="2147483682" r:id="rId10"/>
-    <p:sldLayoutId id="2147483683" r:id="rId11"/>
-    <p:sldLayoutId id="2147483684" r:id="rId12"/>
-    <p:sldLayoutId id="2147483685" r:id="rId13"/>
-    <p:sldLayoutId id="2147483686" r:id="rId14"/>
+    <p:sldLayoutId id="2147483675" r:id="rId1"/>
+    <p:sldLayoutId id="2147483676" r:id="rId2"/>
+    <p:sldLayoutId id="2147483677" r:id="rId3"/>
+    <p:sldLayoutId id="2147483678" r:id="rId4"/>
+    <p:sldLayoutId id="2147483679" r:id="rId5"/>
+    <p:sldLayoutId id="2147483680" r:id="rId6"/>
+    <p:sldLayoutId id="2147483681" r:id="rId7"/>
+    <p:sldLayoutId id="2147483682" r:id="rId8"/>
+    <p:sldLayoutId id="2147483683" r:id="rId9"/>
+    <p:sldLayoutId id="2147483684" r:id="rId10"/>
+    <p:sldLayoutId id="2147483685" r:id="rId11"/>
+    <p:sldLayoutId id="2147483686" r:id="rId12"/>
   </p:sldLayoutIdLst>
+  <p:txStyles>
+    <p:titleStyle>
+      <a:lvl1pPr algn="l" defTabSz="914400" rtl="0" eaLnBrk="1" latinLnBrk="0" hangingPunct="1">
+        <a:lnSpc>
+          <a:spcPct val="90000"/>
+        </a:lnSpc>
+        <a:spcBef>
+          <a:spcPct val="0"/>
+        </a:spcBef>
+        <a:buNone/>
+        <a:defRPr sz="4400" kern="1200">
+          <a:solidFill>
+            <a:schemeClr val="tx1"/>
+          </a:solidFill>
+          <a:latin typeface="+mj-lt"/>
+          <a:ea typeface="+mj-ea"/>
+          <a:cs typeface="+mj-cs"/>
+        </a:defRPr>
+      </a:lvl1pPr>
+    </p:titleStyle>
+    <p:bodyStyle>
+      <a:lvl1pPr marL="228600" indent="-228600" algn="l" defTabSz="914400" rtl="0" eaLnBrk="1" latinLnBrk="0" hangingPunct="1">
+        <a:lnSpc>
+          <a:spcPct val="90000"/>
+        </a:lnSpc>
+        <a:spcBef>
+          <a:spcPts val="1000"/>
+        </a:spcBef>
+        <a:buFont typeface="Arial" panose="020B0604020202020204" pitchFamily="34" charset="0"/>
+        <a:buChar char="•"/>
+        <a:defRPr sz="2800" kern="1200">
+          <a:solidFill>
+            <a:schemeClr val="tx1"/>
+          </a:solidFill>
+          <a:latin typeface="+mn-lt"/>
+          <a:ea typeface="+mn-ea"/>
+          <a:cs typeface="+mn-cs"/>
+        </a:defRPr>
+      </a:lvl1pPr>
+      <a:lvl2pPr marL="685800" indent="-228600" algn="l" defTabSz="914400" rtl="0" eaLnBrk="1" latinLnBrk="0" hangingPunct="1">
+        <a:lnSpc>
+          <a:spcPct val="90000"/>
+        </a:lnSpc>
+        <a:spcBef>
+          <a:spcPts val="500"/>
+        </a:spcBef>
+        <a:buFont typeface="Arial" panose="020B0604020202020204" pitchFamily="34" charset="0"/>
+        <a:buChar char="•"/>
+        <a:defRPr sz="2400" kern="1200">
+          <a:solidFill>
+            <a:schemeClr val="tx1"/>
+          </a:solidFill>
+          <a:latin typeface="+mn-lt"/>
+          <a:ea typeface="+mn-ea"/>
+          <a:cs typeface="+mn-cs"/>
+        </a:defRPr>
+      </a:lvl2pPr>
+      <a:lvl3pPr marL="1143000" indent="-228600" algn="l" defTabSz="914400" rtl="0" eaLnBrk="1" latinLnBrk="0" hangingPunct="1">
+        <a:lnSpc>
+          <a:spcPct val="90000"/>
+        </a:lnSpc>
+        <a:spcBef>
+          <a:spcPts val="500"/>
+        </a:spcBef>
+        <a:buFont typeface="Arial" panose="020B0604020202020204" pitchFamily="34" charset="0"/>
+        <a:buChar char="•"/>
+        <a:defRPr sz="2000" kern="1200">
+          <a:solidFill>
+            <a:schemeClr val="tx1"/>
+          </a:solidFill>
+          <a:latin typeface="+mn-lt"/>
+          <a:ea typeface="+mn-ea"/>
+          <a:cs typeface="+mn-cs"/>
+        </a:defRPr>
+      </a:lvl3pPr>
+      <a:lvl4pPr marL="1600200" indent="-228600" algn="l" defTabSz="914400" rtl="0" eaLnBrk="1" latinLnBrk="0" hangingPunct="1">
+        <a:lnSpc>
+          <a:spcPct val="90000"/>
+        </a:lnSpc>
+        <a:spcBef>
+          <a:spcPts val="500"/>
+        </a:spcBef>
+        <a:buFont typeface="Arial" panose="020B0604020202020204" pitchFamily="34" charset="0"/>
+        <a:buChar char="•"/>
+        <a:defRPr sz="1800" kern="1200">
+          <a:solidFill>
+            <a:schemeClr val="tx1"/>
+          </a:solidFill>
+          <a:latin typeface="+mn-lt"/>
+          <a:ea typeface="+mn-ea"/>
+          <a:cs typeface="+mn-cs"/>
+        </a:defRPr>
+      </a:lvl4pPr>
+      <a:lvl5pPr marL="2057400" indent="-228600" algn="l" defTabSz="914400" rtl="0" eaLnBrk="1" latinLnBrk="0" hangingPunct="1">
+        <a:lnSpc>
+          <a:spcPct val="90000"/>
+        </a:lnSpc>
+        <a:spcBef>
+          <a:spcPts val="500"/>
+        </a:spcBef>
+        <a:buFont typeface="Arial" panose="020B0604020202020204" pitchFamily="34" charset="0"/>
+        <a:buChar char="•"/>
+        <a:defRPr sz="1800" kern="1200">
+          <a:solidFill>
+            <a:schemeClr val="tx1"/>
+          </a:solidFill>
+          <a:latin typeface="+mn-lt"/>
+          <a:ea typeface="+mn-ea"/>
+          <a:cs typeface="+mn-cs"/>
+        </a:defRPr>
+      </a:lvl5pPr>
+      <a:lvl6pPr marL="2514600" indent="-228600" algn="l" defTabSz="914400" rtl="0" eaLnBrk="1" latinLnBrk="0" hangingPunct="1">
+        <a:lnSpc>
+          <a:spcPct val="90000"/>
+        </a:lnSpc>
+        <a:spcBef>
+          <a:spcPts val="500"/>
+        </a:spcBef>
+        <a:buFont typeface="Arial" panose="020B0604020202020204" pitchFamily="34" charset="0"/>
+        <a:buChar char="•"/>
+        <a:defRPr sz="1800" kern="1200">
+          <a:solidFill>
+            <a:schemeClr val="tx1"/>
+          </a:solidFill>
+          <a:latin typeface="+mn-lt"/>
+          <a:ea typeface="+mn-ea"/>
+          <a:cs typeface="+mn-cs"/>
+        </a:defRPr>
+      </a:lvl6pPr>
+      <a:lvl7pPr marL="2971800" indent="-228600" algn="l" defTabSz="914400" rtl="0" eaLnBrk="1" latinLnBrk="0" hangingPunct="1">
+        <a:lnSpc>
+          <a:spcPct val="90000"/>
+        </a:lnSpc>
+        <a:spcBef>
+          <a:spcPts val="500"/>
+        </a:spcBef>
+        <a:buFont typeface="Arial" panose="020B0604020202020204" pitchFamily="34" charset="0"/>
+        <a:buChar char="•"/>
+        <a:defRPr sz="1800" kern="1200">
+          <a:solidFill>
+            <a:schemeClr val="tx1"/>
+          </a:solidFill>
+          <a:latin typeface="+mn-lt"/>
+          <a:ea typeface="+mn-ea"/>
+          <a:cs typeface="+mn-cs"/>
+        </a:defRPr>
+      </a:lvl7pPr>
+      <a:lvl8pPr marL="3429000" indent="-228600" algn="l" defTabSz="914400" rtl="0" eaLnBrk="1" latinLnBrk="0" hangingPunct="1">
+        <a:lnSpc>
+          <a:spcPct val="90000"/>
+        </a:lnSpc>
+        <a:spcBef>
+          <a:spcPts val="500"/>
+        </a:spcBef>
+        <a:buFont typeface="Arial" panose="020B0604020202020204" pitchFamily="34" charset="0"/>
+        <a:buChar char="•"/>
+        <a:defRPr sz="1800" kern="1200">
+          <a:solidFill>
+            <a:schemeClr val="tx1"/>
+          </a:solidFill>
+          <a:latin typeface="+mn-lt"/>
+          <a:ea typeface="+mn-ea"/>
+          <a:cs typeface="+mn-cs"/>
+        </a:defRPr>
+      </a:lvl8pPr>
+      <a:lvl9pPr marL="3886200" indent="-228600" algn="l" defTabSz="914400" rtl="0" eaLnBrk="1" latinLnBrk="0" hangingPunct="1">
+        <a:lnSpc>
+          <a:spcPct val="90000"/>
+        </a:lnSpc>
+        <a:spcBef>
+          <a:spcPts val="500"/>
+        </a:spcBef>
+        <a:buFont typeface="Arial" panose="020B0604020202020204" pitchFamily="34" charset="0"/>
+        <a:buChar char="•"/>
+        <a:defRPr sz="1800" kern="1200">
+          <a:solidFill>
+            <a:schemeClr val="tx1"/>
+          </a:solidFill>
+          <a:latin typeface="+mn-lt"/>
+          <a:ea typeface="+mn-ea"/>
+          <a:cs typeface="+mn-cs"/>
+        </a:defRPr>
+      </a:lvl9pPr>
+    </p:bodyStyle>
+    <p:otherStyle>
+      <a:defPPr>
+        <a:defRPr lang="en-US"/>
+      </a:defPPr>
+      <a:lvl1pPr marL="0" algn="l" defTabSz="914400" rtl="0" eaLnBrk="1" latinLnBrk="0" hangingPunct="1">
+        <a:defRPr sz="1800" kern="1200">
+          <a:solidFill>
+            <a:schemeClr val="tx1"/>
+          </a:solidFill>
+          <a:latin typeface="+mn-lt"/>
+          <a:ea typeface="+mn-ea"/>
+          <a:cs typeface="+mn-cs"/>
+        </a:defRPr>
+      </a:lvl1pPr>
+      <a:lvl2pPr marL="457200" algn="l" defTabSz="914400" rtl="0" eaLnBrk="1" latinLnBrk="0" hangingPunct="1">
+        <a:defRPr sz="1800" kern="1200">
+          <a:solidFill>
+            <a:schemeClr val="tx1"/>
+          </a:solidFill>
+          <a:latin typeface="+mn-lt"/>
+          <a:ea typeface="+mn-ea"/>
+          <a:cs typeface="+mn-cs"/>
+        </a:defRPr>
+      </a:lvl2pPr>
+      <a:lvl3pPr marL="914400" algn="l" defTabSz="914400" rtl="0" eaLnBrk="1" latinLnBrk="0" hangingPunct="1">
+        <a:defRPr sz="1800" kern="1200">
+          <a:solidFill>
+            <a:schemeClr val="tx1"/>
+          </a:solidFill>
+          <a:latin typeface="+mn-lt"/>
+          <a:ea typeface="+mn-ea"/>
+          <a:cs typeface="+mn-cs"/>
+        </a:defRPr>
+      </a:lvl3pPr>
+      <a:lvl4pPr marL="1371600" algn="l" defTabSz="914400" rtl="0" eaLnBrk="1" latinLnBrk="0" hangingPunct="1">
+        <a:defRPr sz="1800" kern="1200">
+          <a:solidFill>
+            <a:schemeClr val="tx1"/>
+          </a:solidFill>
+          <a:latin typeface="+mn-lt"/>
+          <a:ea typeface="+mn-ea"/>
+          <a:cs typeface="+mn-cs"/>
+        </a:defRPr>
+      </a:lvl4pPr>
+      <a:lvl5pPr marL="1828800" algn="l" defTabSz="914400" rtl="0" eaLnBrk="1" latinLnBrk="0" hangingPunct="1">
+        <a:defRPr sz="1800" kern="1200">
+          <a:solidFill>
+            <a:schemeClr val="tx1"/>
+          </a:solidFill>
+          <a:latin typeface="+mn-lt"/>
+          <a:ea typeface="+mn-ea"/>
+          <a:cs typeface="+mn-cs"/>
+        </a:defRPr>
+      </a:lvl5pPr>
+      <a:lvl6pPr marL="2286000" algn="l" defTabSz="914400" rtl="0" eaLnBrk="1" latinLnBrk="0" hangingPunct="1">
+        <a:defRPr sz="1800" kern="1200">
+          <a:solidFill>
+            <a:schemeClr val="tx1"/>
+          </a:solidFill>
+          <a:latin typeface="+mn-lt"/>
+          <a:ea typeface="+mn-ea"/>
+          <a:cs typeface="+mn-cs"/>
+        </a:defRPr>
+      </a:lvl6pPr>
+      <a:lvl7pPr marL="2743200" algn="l" defTabSz="914400" rtl="0" eaLnBrk="1" latinLnBrk="0" hangingPunct="1">
+        <a:defRPr sz="1800" kern="1200">
+          <a:solidFill>
+            <a:schemeClr val="tx1"/>
+          </a:solidFill>
+          <a:latin typeface="+mn-lt"/>
+          <a:ea typeface="+mn-ea"/>
+          <a:cs typeface="+mn-cs"/>
+        </a:defRPr>
+      </a:lvl7pPr>
+      <a:lvl8pPr marL="3200400" algn="l" defTabSz="914400" rtl="0" eaLnBrk="1" latinLnBrk="0" hangingPunct="1">
+        <a:defRPr sz="1800" kern="1200">
+          <a:solidFill>
+            <a:schemeClr val="tx1"/>
+          </a:solidFill>
+          <a:latin typeface="+mn-lt"/>
+          <a:ea typeface="+mn-ea"/>
+          <a:cs typeface="+mn-cs"/>
+        </a:defRPr>
+      </a:lvl8pPr>
+      <a:lvl9pPr marL="3657600" algn="l" defTabSz="914400" rtl="0" eaLnBrk="1" latinLnBrk="0" hangingPunct="1">
+        <a:defRPr sz="1800" kern="1200">
+          <a:solidFill>
+            <a:schemeClr val="tx1"/>
+          </a:solidFill>
+          <a:latin typeface="+mn-lt"/>
+          <a:ea typeface="+mn-ea"/>
+          <a:cs typeface="+mn-cs"/>
+        </a:defRPr>
+      </a:lvl9pPr>
+    </p:otherStyle>
+  </p:txStyles>
 </p:sldMaster>
 </file>
 
 <file path=ppt/slides/slide1.xml><?xml version="1.0" encoding="utf-8"?>
-<p:sld xmlns:a="http://schemas.openxmlformats.org/drawingml/2006/main" xmlns:p="http://schemas.openxmlformats.org/presentationml/2006/main" xmlns:r="http://schemas.openxmlformats.org/officeDocument/2006/relationships" xmlns:p14="http://schemas.microsoft.com/office/powerpoint/2010/main" xmlns:p15="http://schemas.microsoft.com/office/powerpoint/2012/main" xmlns:mc="http://schemas.openxmlformats.org/markup-compatibility/2006">
+<p:sld xmlns:a="http://schemas.openxmlformats.org/drawingml/2006/main" xmlns:r="http://schemas.openxmlformats.org/officeDocument/2006/relationships" xmlns:p="http://schemas.openxmlformats.org/presentationml/2006/main">
   <p:cSld>
     <p:spTree>
       <p:nvGrpSpPr>
@@ -7057,15 +8181,22 @@
           </a:ln>
         </p:spPr>
         <p:style>
-          <a:lnRef idx="0"/>
-          <a:fillRef idx="0"/>
-          <a:effectRef idx="0"/>
+          <a:lnRef idx="0">
+            <a:scrgbClr r="0" g="0" b="0"/>
+          </a:lnRef>
+          <a:fillRef idx="0">
+            <a:scrgbClr r="0" g="0" b="0"/>
+          </a:fillRef>
+          <a:effectRef idx="0">
+            <a:scrgbClr r="0" g="0" b="0"/>
+          </a:effectRef>
           <a:fontRef idx="minor"/>
         </p:style>
         <p:txBody>
-          <a:bodyPr lIns="0" rIns="0" tIns="0" bIns="0" anchor="ctr">
+          <a:bodyPr lIns="0" tIns="0" rIns="0" bIns="0" anchor="ctr">
             <a:noAutofit/>
           </a:bodyPr>
+          <a:lstStyle/>
           <a:p>
             <a:pPr marL="406440" indent="-406440">
               <a:lnSpc>
@@ -7076,46 +8207,46 @@
               </a:spcBef>
               <a:buNone/>
               <a:tabLst>
-                <a:tab algn="l" pos="0"/>
+                <a:tab pos="0" algn="l"/>
               </a:tabLst>
             </a:pPr>
             <a:r>
-              <a:rPr b="0" lang="en-US" sz="2000" spc="-1" strike="noStrike">
+              <a:rPr lang="en-US" sz="2000" b="0" strike="noStrike" spc="-1">
                 <a:solidFill>
-                  <a:srgbClr val="ffffff"/>
+                  <a:srgbClr val="FFFFFF"/>
                 </a:solidFill>
                 <a:latin typeface="Arial Narrow"/>
               </a:rPr>
               <a:t>II </a:t>
             </a:r>
             <a:r>
-              <a:rPr b="0" lang="ru-RU" sz="2000" spc="-1" strike="noStrike">
+              <a:rPr lang="ru-RU" sz="2000" b="0" strike="noStrike" spc="-1">
                 <a:solidFill>
-                  <a:srgbClr val="ffffff"/>
+                  <a:srgbClr val="FFFFFF"/>
                 </a:solidFill>
                 <a:latin typeface="Arial Narrow"/>
               </a:rPr>
               <a:t>Научно-практическая конференция «</a:t>
             </a:r>
             <a:r>
-              <a:rPr b="0" lang="en-US" sz="2000" spc="-1" strike="noStrike">
+              <a:rPr lang="en-US" sz="2000" b="0" strike="noStrike" spc="-1">
                 <a:solidFill>
-                  <a:srgbClr val="ffffff"/>
+                  <a:srgbClr val="FFFFFF"/>
                 </a:solidFill>
                 <a:latin typeface="Arial Narrow"/>
               </a:rPr>
               <a:t>PRO</a:t>
             </a:r>
             <a:r>
-              <a:rPr b="0" lang="ru-RU" sz="2000" spc="-1" strike="noStrike">
+              <a:rPr lang="ru-RU" sz="2000" b="0" strike="noStrike" spc="-1">
                 <a:solidFill>
-                  <a:srgbClr val="ffffff"/>
+                  <a:srgbClr val="FFFFFF"/>
                 </a:solidFill>
                 <a:latin typeface="Arial Narrow"/>
               </a:rPr>
               <a:t>движение»</a:t>
             </a:r>
-            <a:endParaRPr b="0" lang="en-US" sz="2000" spc="-1" strike="noStrike">
+            <a:endParaRPr lang="en-US" sz="2000" b="0" strike="noStrike" spc="-1">
               <a:latin typeface="Arial"/>
             </a:endParaRPr>
           </a:p>
@@ -7141,15 +8272,22 @@
           </a:ln>
         </p:spPr>
         <p:style>
-          <a:lnRef idx="0"/>
-          <a:fillRef idx="0"/>
-          <a:effectRef idx="0"/>
+          <a:lnRef idx="0">
+            <a:scrgbClr r="0" g="0" b="0"/>
+          </a:lnRef>
+          <a:fillRef idx="0">
+            <a:scrgbClr r="0" g="0" b="0"/>
+          </a:fillRef>
+          <a:effectRef idx="0">
+            <a:scrgbClr r="0" g="0" b="0"/>
+          </a:effectRef>
           <a:fontRef idx="minor"/>
         </p:style>
         <p:txBody>
-          <a:bodyPr wrap="none" lIns="90000" rIns="90000" tIns="45000" bIns="45000" anchor="t">
+          <a:bodyPr wrap="none" lIns="90000" tIns="45000" rIns="90000" bIns="45000" anchor="t">
             <a:spAutoFit/>
           </a:bodyPr>
+          <a:lstStyle/>
           <a:p>
             <a:pPr>
               <a:lnSpc>
@@ -7158,33 +8296,33 @@
               <a:buNone/>
             </a:pPr>
             <a:r>
-              <a:rPr b="0" lang="ru-RU" sz="4000" spc="-1" strike="noStrike">
+              <a:rPr lang="ru-RU" sz="4000" b="0" strike="noStrike" spc="-1">
                 <a:solidFill>
-                  <a:srgbClr val="ffffff"/>
+                  <a:srgbClr val="FFFFFF"/>
                 </a:solidFill>
                 <a:latin typeface="Calibri"/>
               </a:rPr>
               <a:t>Проект по теме</a:t>
             </a:r>
             <a:r>
-              <a:rPr b="0" lang="en-US" sz="4000" spc="-1" strike="noStrike">
+              <a:rPr lang="en-US" sz="4000" b="0" strike="noStrike" spc="-1">
                 <a:solidFill>
-                  <a:srgbClr val="ffffff"/>
+                  <a:srgbClr val="FFFFFF"/>
                 </a:solidFill>
                 <a:latin typeface="Calibri"/>
               </a:rPr>
               <a:t>: </a:t>
             </a:r>
             <a:r>
-              <a:rPr b="0" lang="ru-RU" sz="4000" spc="-1" strike="noStrike">
+              <a:rPr lang="ru-RU" sz="4000" b="0" strike="noStrike" spc="-1">
                 <a:solidFill>
-                  <a:srgbClr val="ffffff"/>
+                  <a:srgbClr val="FFFFFF"/>
                 </a:solidFill>
                 <a:latin typeface="Calibri"/>
               </a:rPr>
               <a:t>Калькулятор ЕГЭ</a:t>
             </a:r>
-            <a:endParaRPr b="0" lang="en-US" sz="4000" spc="-1" strike="noStrike">
+            <a:endParaRPr lang="en-US" sz="4000" b="0" strike="noStrike" spc="-1">
               <a:latin typeface="Arial"/>
             </a:endParaRPr>
           </a:p>
@@ -7210,15 +8348,22 @@
           </a:ln>
         </p:spPr>
         <p:style>
-          <a:lnRef idx="0"/>
-          <a:fillRef idx="0"/>
-          <a:effectRef idx="0"/>
+          <a:lnRef idx="0">
+            <a:scrgbClr r="0" g="0" b="0"/>
+          </a:lnRef>
+          <a:fillRef idx="0">
+            <a:scrgbClr r="0" g="0" b="0"/>
+          </a:fillRef>
+          <a:effectRef idx="0">
+            <a:scrgbClr r="0" g="0" b="0"/>
+          </a:effectRef>
           <a:fontRef idx="minor"/>
         </p:style>
         <p:txBody>
-          <a:bodyPr lIns="90000" rIns="90000" tIns="45000" bIns="45000" anchor="t">
+          <a:bodyPr lIns="90000" tIns="45000" rIns="90000" bIns="45000" anchor="t">
             <a:spAutoFit/>
           </a:bodyPr>
+          <a:lstStyle/>
           <a:p>
             <a:pPr>
               <a:lnSpc>
@@ -7227,15 +8372,15 @@
               <a:buNone/>
             </a:pPr>
             <a:r>
-              <a:rPr b="0" lang="ru-RU" sz="1800" spc="-1" strike="noStrike">
+              <a:rPr lang="ru-RU" sz="1800" b="0" strike="noStrike" spc="-1">
                 <a:solidFill>
-                  <a:srgbClr val="ffffff"/>
+                  <a:srgbClr val="FFFFFF"/>
                 </a:solidFill>
                 <a:latin typeface="Times New Roman"/>
               </a:rPr>
               <a:t>Автор проекта: Гриб Кирилл Тарасович</a:t>
             </a:r>
-            <a:endParaRPr b="0" lang="en-US" sz="1800" spc="-1" strike="noStrike">
+            <a:endParaRPr lang="en-US" sz="1800" b="0" strike="noStrike" spc="-1">
               <a:latin typeface="Arial"/>
             </a:endParaRPr>
           </a:p>
@@ -7247,15 +8392,15 @@
               <a:buNone/>
             </a:pPr>
             <a:r>
-              <a:rPr b="0" lang="ru-RU" sz="1800" spc="-1" strike="noStrike">
+              <a:rPr lang="ru-RU" sz="1800" b="0" strike="noStrike" spc="-1">
                 <a:solidFill>
-                  <a:srgbClr val="ffffff"/>
+                  <a:srgbClr val="FFFFFF"/>
                 </a:solidFill>
                 <a:latin typeface="Times New Roman"/>
               </a:rPr>
               <a:t>11А класс, МАОУ "СОШ №3 г. Белоярский"</a:t>
             </a:r>
-            <a:endParaRPr b="0" lang="en-US" sz="1800" spc="-1" strike="noStrike">
+            <a:endParaRPr lang="en-US" sz="1800" b="0" strike="noStrike" spc="-1">
               <a:latin typeface="Arial"/>
             </a:endParaRPr>
           </a:p>
@@ -7267,15 +8412,15 @@
               <a:buNone/>
             </a:pPr>
             <a:r>
-              <a:rPr b="0" lang="ru-RU" sz="1800" spc="-1" strike="noStrike">
+              <a:rPr lang="ru-RU" sz="1800" b="0" strike="noStrike" spc="-1">
                 <a:solidFill>
-                  <a:srgbClr val="ffffff"/>
+                  <a:srgbClr val="FFFFFF"/>
                 </a:solidFill>
                 <a:latin typeface="Times New Roman"/>
               </a:rPr>
               <a:t>Куратор проекта: Терехов А.В.</a:t>
             </a:r>
-            <a:endParaRPr b="0" lang="en-US" sz="1800" spc="-1" strike="noStrike">
+            <a:endParaRPr lang="en-US" sz="1800" b="0" strike="noStrike" spc="-1">
               <a:latin typeface="Arial"/>
             </a:endParaRPr>
           </a:p>
@@ -7283,19 +8428,14 @@
       </p:sp>
     </p:spTree>
   </p:cSld>
-  <mc:AlternateContent>
-    <mc:Choice Requires="p14">
-      <p:transition spd="slow" p14:dur="2000"/>
-    </mc:Choice>
-    <mc:Fallback>
-      <p:transition spd="slow"/>
-    </mc:Fallback>
-  </mc:AlternateContent>
+  <p:clrMapOvr>
+    <a:masterClrMapping/>
+  </p:clrMapOvr>
 </p:sld>
 </file>
 
 <file path=ppt/slides/slide10.xml><?xml version="1.0" encoding="utf-8"?>
-<p:sld xmlns:a="http://schemas.openxmlformats.org/drawingml/2006/main" xmlns:p="http://schemas.openxmlformats.org/presentationml/2006/main" xmlns:r="http://schemas.openxmlformats.org/officeDocument/2006/relationships" xmlns:p14="http://schemas.microsoft.com/office/powerpoint/2010/main" xmlns:p15="http://schemas.microsoft.com/office/powerpoint/2012/main" xmlns:mc="http://schemas.openxmlformats.org/markup-compatibility/2006">
+<p:sld xmlns:a="http://schemas.openxmlformats.org/drawingml/2006/main" xmlns:r="http://schemas.openxmlformats.org/officeDocument/2006/relationships" xmlns:p="http://schemas.openxmlformats.org/presentationml/2006/main">
   <p:cSld>
     <p:spTree>
       <p:nvGrpSpPr>
@@ -7326,7 +8466,7 @@
             <a:avLst/>
           </a:prstGeom>
           <a:solidFill>
-            <a:srgbClr val="0070c0"/>
+            <a:srgbClr val="0070C0"/>
           </a:solidFill>
           <a:ln>
             <a:noFill/>
@@ -7374,15 +8514,22 @@
           </a:effectLst>
         </p:spPr>
         <p:style>
-          <a:lnRef idx="0"/>
-          <a:fillRef idx="0"/>
-          <a:effectRef idx="0"/>
+          <a:lnRef idx="0">
+            <a:scrgbClr r="0" g="0" b="0"/>
+          </a:lnRef>
+          <a:fillRef idx="0">
+            <a:scrgbClr r="0" g="0" b="0"/>
+          </a:fillRef>
+          <a:effectRef idx="0">
+            <a:scrgbClr r="0" g="0" b="0"/>
+          </a:effectRef>
           <a:fontRef idx="minor"/>
         </p:style>
         <p:txBody>
-          <a:bodyPr lIns="77040" rIns="77040" tIns="38520" bIns="38520" anchor="t">
+          <a:bodyPr lIns="77040" tIns="38520" rIns="77040" bIns="38520" anchor="t">
             <a:spAutoFit/>
           </a:bodyPr>
+          <a:lstStyle/>
           <a:p>
             <a:pPr>
               <a:lnSpc>
@@ -7394,7 +8541,7 @@
               <a:buNone/>
             </a:pPr>
             <a:r>
-              <a:rPr b="1" lang="ru-RU" sz="4000" spc="-1" strike="noStrike">
+              <a:rPr lang="ru-RU" sz="4000" b="1" strike="noStrike" spc="-1">
                 <a:solidFill>
                   <a:srgbClr val="003366"/>
                 </a:solidFill>
@@ -7402,7 +8549,7 @@
               </a:rPr>
               <a:t>Спасибо за внимание!</a:t>
             </a:r>
-            <a:endParaRPr b="0" lang="en-US" sz="4000" spc="-1" strike="noStrike">
+            <a:endParaRPr lang="en-US" sz="4000" b="0" strike="noStrike" spc="-1">
               <a:latin typeface="Arial"/>
             </a:endParaRPr>
           </a:p>
@@ -7428,15 +8575,22 @@
           </a:ln>
         </p:spPr>
         <p:style>
-          <a:lnRef idx="0"/>
-          <a:fillRef idx="0"/>
-          <a:effectRef idx="0"/>
+          <a:lnRef idx="0">
+            <a:scrgbClr r="0" g="0" b="0"/>
+          </a:lnRef>
+          <a:fillRef idx="0">
+            <a:scrgbClr r="0" g="0" b="0"/>
+          </a:fillRef>
+          <a:effectRef idx="0">
+            <a:scrgbClr r="0" g="0" b="0"/>
+          </a:effectRef>
           <a:fontRef idx="minor"/>
         </p:style>
         <p:txBody>
-          <a:bodyPr lIns="0" rIns="0" tIns="0" bIns="0" anchor="ctr">
+          <a:bodyPr lIns="0" tIns="0" rIns="0" bIns="0" anchor="ctr">
             <a:noAutofit/>
           </a:bodyPr>
+          <a:lstStyle/>
           <a:p>
             <a:pPr marL="406440" indent="-406440">
               <a:lnSpc>
@@ -7447,46 +8601,110 @@
               </a:spcBef>
               <a:buNone/>
               <a:tabLst>
-                <a:tab algn="l" pos="0"/>
+                <a:tab pos="0" algn="l"/>
               </a:tabLst>
             </a:pPr>
             <a:r>
-              <a:rPr b="0" lang="en-US" sz="2000" spc="-1" strike="noStrike">
+              <a:rPr lang="en-US" sz="2000" b="0" strike="noStrike" spc="-1">
                 <a:solidFill>
-                  <a:srgbClr val="ffffff"/>
+                  <a:srgbClr val="FFFFFF"/>
                 </a:solidFill>
                 <a:latin typeface="Arial Narrow"/>
               </a:rPr>
               <a:t>II </a:t>
             </a:r>
             <a:r>
-              <a:rPr b="0" lang="ru-RU" sz="2000" spc="-1" strike="noStrike">
+              <a:rPr lang="ru-RU" sz="2000" b="0" strike="noStrike" spc="-1">
                 <a:solidFill>
-                  <a:srgbClr val="ffffff"/>
+                  <a:srgbClr val="FFFFFF"/>
                 </a:solidFill>
                 <a:latin typeface="Arial Narrow"/>
               </a:rPr>
               <a:t>Научно-практическая конференция «</a:t>
             </a:r>
             <a:r>
-              <a:rPr b="0" lang="en-US" sz="2000" spc="-1" strike="noStrike">
+              <a:rPr lang="en-US" sz="2000" b="0" strike="noStrike" spc="-1">
                 <a:solidFill>
-                  <a:srgbClr val="ffffff"/>
+                  <a:srgbClr val="FFFFFF"/>
                 </a:solidFill>
                 <a:latin typeface="Arial Narrow"/>
               </a:rPr>
               <a:t>PRO</a:t>
             </a:r>
             <a:r>
-              <a:rPr b="0" lang="ru-RU" sz="2000" spc="-1" strike="noStrike">
+              <a:rPr lang="ru-RU" sz="2000" b="0" strike="noStrike" spc="-1">
                 <a:solidFill>
-                  <a:srgbClr val="ffffff"/>
+                  <a:srgbClr val="FFFFFF"/>
                 </a:solidFill>
                 <a:latin typeface="Arial Narrow"/>
               </a:rPr>
               <a:t>движение»</a:t>
             </a:r>
-            <a:endParaRPr b="0" lang="en-US" sz="2000" spc="-1" strike="noStrike">
+            <a:endParaRPr lang="en-US" sz="2000" b="0" strike="noStrike" spc="-1">
+              <a:latin typeface="Arial"/>
+            </a:endParaRPr>
+          </a:p>
+        </p:txBody>
+      </p:sp>
+      <p:sp>
+        <p:nvSpPr>
+          <p:cNvPr id="5" name="TextBox 6">
+            <a:extLst>
+              <a:ext uri="{FF2B5EF4-FFF2-40B4-BE49-F238E27FC236}">
+                <a16:creationId xmlns:a16="http://schemas.microsoft.com/office/drawing/2014/main" id="{48A203D9-3CFA-462C-99FD-EF9BB33279E5}"/>
+              </a:ext>
+            </a:extLst>
+          </p:cNvPr>
+          <p:cNvSpPr/>
+          <p:nvPr/>
+        </p:nvSpPr>
+        <p:spPr>
+          <a:xfrm>
+            <a:off x="2555640" y="210600"/>
+            <a:ext cx="6048360" cy="546480"/>
+          </a:xfrm>
+          <a:prstGeom prst="rect">
+            <a:avLst/>
+          </a:prstGeom>
+          <a:noFill/>
+          <a:ln w="0">
+            <a:noFill/>
+          </a:ln>
+        </p:spPr>
+        <p:style>
+          <a:lnRef idx="0">
+            <a:scrgbClr r="0" g="0" b="0"/>
+          </a:lnRef>
+          <a:fillRef idx="0">
+            <a:scrgbClr r="0" g="0" b="0"/>
+          </a:fillRef>
+          <a:effectRef idx="0">
+            <a:scrgbClr r="0" g="0" b="0"/>
+          </a:effectRef>
+          <a:fontRef idx="minor"/>
+        </p:style>
+        <p:txBody>
+          <a:bodyPr lIns="90000" tIns="45000" rIns="90000" bIns="45000" anchor="t">
+            <a:spAutoFit/>
+          </a:bodyPr>
+          <a:lstStyle/>
+          <a:p>
+            <a:pPr algn="ctr">
+              <a:lnSpc>
+                <a:spcPct val="100000"/>
+              </a:lnSpc>
+              <a:buNone/>
+            </a:pPr>
+            <a:r>
+              <a:rPr lang="ru-RU" sz="3000" b="0" strike="noStrike" spc="-1" dirty="0">
+                <a:solidFill>
+                  <a:srgbClr val="FFFFFF"/>
+                </a:solidFill>
+                <a:latin typeface="Calibri"/>
+              </a:rPr>
+              <a:t>Калькулятор ЕГЭ</a:t>
+            </a:r>
+            <a:endParaRPr lang="en-US" sz="3000" b="0" strike="noStrike" spc="-1" dirty="0">
               <a:latin typeface="Arial"/>
             </a:endParaRPr>
           </a:p>
@@ -7494,19 +8712,17 @@
       </p:sp>
     </p:spTree>
   </p:cSld>
-  <mc:AlternateContent>
-    <mc:Choice Requires="p14">
-      <p:transition spd="slow" p14:dur="2000"/>
-    </mc:Choice>
-    <mc:Fallback>
-      <p:transition spd="slow"/>
-    </mc:Fallback>
-  </mc:AlternateContent>
+  <p:clrMapOvr>
+    <a:masterClrMapping/>
+  </p:clrMapOvr>
+  <p:transition spd="slow">
+    <p:wipe dir="d"/>
+  </p:transition>
 </p:sld>
 </file>
 
 <file path=ppt/slides/slide2.xml><?xml version="1.0" encoding="utf-8"?>
-<p:sld xmlns:a="http://schemas.openxmlformats.org/drawingml/2006/main" xmlns:p="http://schemas.openxmlformats.org/presentationml/2006/main" xmlns:r="http://schemas.openxmlformats.org/officeDocument/2006/relationships" xmlns:p14="http://schemas.microsoft.com/office/powerpoint/2010/main" xmlns:p15="http://schemas.microsoft.com/office/powerpoint/2012/main" xmlns:mc="http://schemas.openxmlformats.org/markup-compatibility/2006">
+<p:sld xmlns:a="http://schemas.openxmlformats.org/drawingml/2006/main" xmlns:r="http://schemas.openxmlformats.org/officeDocument/2006/relationships" xmlns:p="http://schemas.openxmlformats.org/presentationml/2006/main">
   <p:cSld>
     <p:spTree>
       <p:nvGrpSpPr>
@@ -7542,15 +8758,22 @@
           </a:ln>
         </p:spPr>
         <p:style>
-          <a:lnRef idx="0"/>
-          <a:fillRef idx="0"/>
-          <a:effectRef idx="0"/>
+          <a:lnRef idx="0">
+            <a:scrgbClr r="0" g="0" b="0"/>
+          </a:lnRef>
+          <a:fillRef idx="0">
+            <a:scrgbClr r="0" g="0" b="0"/>
+          </a:fillRef>
+          <a:effectRef idx="0">
+            <a:scrgbClr r="0" g="0" b="0"/>
+          </a:effectRef>
           <a:fontRef idx="minor"/>
         </p:style>
         <p:txBody>
-          <a:bodyPr lIns="0" rIns="0" tIns="0" bIns="0" anchor="ctr">
+          <a:bodyPr lIns="0" tIns="0" rIns="0" bIns="0" anchor="ctr">
             <a:noAutofit/>
           </a:bodyPr>
+          <a:lstStyle/>
           <a:p>
             <a:pPr marL="406440" indent="-406440">
               <a:lnSpc>
@@ -7561,46 +8784,46 @@
               </a:spcBef>
               <a:buNone/>
               <a:tabLst>
-                <a:tab algn="l" pos="0"/>
+                <a:tab pos="0" algn="l"/>
               </a:tabLst>
             </a:pPr>
             <a:r>
-              <a:rPr b="0" lang="en-US" sz="2000" spc="-1" strike="noStrike">
+              <a:rPr lang="en-US" sz="2000" b="0" strike="noStrike" spc="-1">
                 <a:solidFill>
-                  <a:srgbClr val="ffffff"/>
+                  <a:srgbClr val="FFFFFF"/>
                 </a:solidFill>
                 <a:latin typeface="Arial Narrow"/>
               </a:rPr>
               <a:t>II </a:t>
             </a:r>
             <a:r>
-              <a:rPr b="0" lang="ru-RU" sz="2000" spc="-1" strike="noStrike">
+              <a:rPr lang="ru-RU" sz="2000" b="0" strike="noStrike" spc="-1">
                 <a:solidFill>
-                  <a:srgbClr val="ffffff"/>
+                  <a:srgbClr val="FFFFFF"/>
                 </a:solidFill>
                 <a:latin typeface="Arial Narrow"/>
               </a:rPr>
               <a:t>Научно-практическая конференция «</a:t>
             </a:r>
             <a:r>
-              <a:rPr b="0" lang="en-US" sz="2000" spc="-1" strike="noStrike">
+              <a:rPr lang="en-US" sz="2000" b="0" strike="noStrike" spc="-1">
                 <a:solidFill>
-                  <a:srgbClr val="ffffff"/>
+                  <a:srgbClr val="FFFFFF"/>
                 </a:solidFill>
                 <a:latin typeface="Arial Narrow"/>
               </a:rPr>
               <a:t>PRO</a:t>
             </a:r>
             <a:r>
-              <a:rPr b="0" lang="ru-RU" sz="2000" spc="-1" strike="noStrike">
+              <a:rPr lang="ru-RU" sz="2000" b="0" strike="noStrike" spc="-1">
                 <a:solidFill>
-                  <a:srgbClr val="ffffff"/>
+                  <a:srgbClr val="FFFFFF"/>
                 </a:solidFill>
                 <a:latin typeface="Arial Narrow"/>
               </a:rPr>
               <a:t>движение»</a:t>
             </a:r>
-            <a:endParaRPr b="0" lang="en-US" sz="2000" spc="-1" strike="noStrike">
+            <a:endParaRPr lang="en-US" sz="2000" b="0" strike="noStrike" spc="-1">
               <a:latin typeface="Arial"/>
             </a:endParaRPr>
           </a:p>
@@ -7626,15 +8849,22 @@
           </a:ln>
         </p:spPr>
         <p:style>
-          <a:lnRef idx="0"/>
-          <a:fillRef idx="0"/>
-          <a:effectRef idx="0"/>
+          <a:lnRef idx="0">
+            <a:scrgbClr r="0" g="0" b="0"/>
+          </a:lnRef>
+          <a:fillRef idx="0">
+            <a:scrgbClr r="0" g="0" b="0"/>
+          </a:fillRef>
+          <a:effectRef idx="0">
+            <a:scrgbClr r="0" g="0" b="0"/>
+          </a:effectRef>
           <a:fontRef idx="minor"/>
         </p:style>
         <p:txBody>
-          <a:bodyPr lIns="90000" rIns="90000" tIns="45000" bIns="45000" anchor="t">
+          <a:bodyPr lIns="90000" tIns="45000" rIns="90000" bIns="45000" anchor="t">
             <a:spAutoFit/>
           </a:bodyPr>
+          <a:lstStyle/>
           <a:p>
             <a:pPr algn="ctr">
               <a:lnSpc>
@@ -7643,15 +8873,15 @@
               <a:buNone/>
             </a:pPr>
             <a:r>
-              <a:rPr b="0" lang="ru-RU" sz="3000" spc="-1" strike="noStrike">
+              <a:rPr lang="ru-RU" sz="3000" b="0" strike="noStrike" spc="-1">
                 <a:solidFill>
-                  <a:srgbClr val="ffffff"/>
+                  <a:srgbClr val="FFFFFF"/>
                 </a:solidFill>
                 <a:latin typeface="Calibri"/>
               </a:rPr>
               <a:t>Калькулятор ЕГЭ</a:t>
             </a:r>
-            <a:endParaRPr b="0" lang="en-US" sz="3000" spc="-1" strike="noStrike">
+            <a:endParaRPr lang="en-US" sz="3000" b="0" strike="noStrike" spc="-1">
               <a:latin typeface="Arial"/>
             </a:endParaRPr>
           </a:p>
@@ -7666,7 +8896,7 @@
         <p:spPr>
           <a:xfrm>
             <a:off x="251640" y="1700640"/>
-            <a:ext cx="8568720" cy="3381480"/>
+            <a:ext cx="8568720" cy="1198875"/>
           </a:xfrm>
           <a:prstGeom prst="rect">
             <a:avLst/>
@@ -7677,15 +8907,22 @@
           </a:ln>
         </p:spPr>
         <p:style>
-          <a:lnRef idx="0"/>
-          <a:fillRef idx="0"/>
-          <a:effectRef idx="0"/>
+          <a:lnRef idx="0">
+            <a:scrgbClr r="0" g="0" b="0"/>
+          </a:lnRef>
+          <a:fillRef idx="0">
+            <a:scrgbClr r="0" g="0" b="0"/>
+          </a:fillRef>
+          <a:effectRef idx="0">
+            <a:scrgbClr r="0" g="0" b="0"/>
+          </a:effectRef>
           <a:fontRef idx="minor"/>
         </p:style>
         <p:txBody>
-          <a:bodyPr lIns="90000" rIns="90000" tIns="45000" bIns="45000" anchor="t">
+          <a:bodyPr lIns="90000" tIns="45000" rIns="90000" bIns="45000" anchor="t">
             <a:spAutoFit/>
           </a:bodyPr>
+          <a:lstStyle/>
           <a:p>
             <a:pPr algn="just">
               <a:lnSpc>
@@ -7694,7 +8931,7 @@
               <a:buNone/>
             </a:pPr>
             <a:r>
-              <a:rPr b="1" lang="ru-RU" sz="2400" spc="-1" strike="noStrike">
+              <a:rPr lang="ru-RU" sz="2400" b="1" strike="noStrike" spc="-1" dirty="0">
                 <a:solidFill>
                   <a:srgbClr val="000000"/>
                 </a:solidFill>
@@ -7703,7 +8940,7 @@
               <a:t>Цель проекта</a:t>
             </a:r>
             <a:r>
-              <a:rPr b="0" lang="ru-RU" sz="2400" spc="-1" strike="noStrike">
+              <a:rPr lang="ru-RU" sz="2400" b="0" strike="noStrike" spc="-1" dirty="0">
                 <a:solidFill>
                   <a:srgbClr val="000000"/>
                 </a:solidFill>
@@ -7711,21 +8948,39 @@
               </a:rPr>
               <a:t>: помочь абитуриентам определиться с дальнейшей траекторией обучения на основе полученных баллов на ЕГЭ.</a:t>
             </a:r>
-            <a:endParaRPr b="0" lang="en-US" sz="2400" spc="-1" strike="noStrike">
+            <a:endParaRPr lang="en-US" sz="2400" b="0" strike="noStrike" spc="-1" dirty="0">
               <a:latin typeface="Arial"/>
             </a:endParaRPr>
           </a:p>
-          <a:p>
-            <a:pPr algn="just">
-              <a:lnSpc>
-                <a:spcPct val="100000"/>
-              </a:lnSpc>
-              <a:buNone/>
-            </a:pPr>
-            <a:endParaRPr b="0" lang="en-US" sz="2400" spc="-1" strike="noStrike">
-              <a:latin typeface="Arial"/>
-            </a:endParaRPr>
-          </a:p>
+        </p:txBody>
+      </p:sp>
+      <p:sp>
+        <p:nvSpPr>
+          <p:cNvPr id="8" name="TextBox 7">
+            <a:extLst>
+              <a:ext uri="{FF2B5EF4-FFF2-40B4-BE49-F238E27FC236}">
+                <a16:creationId xmlns:a16="http://schemas.microsoft.com/office/drawing/2014/main" id="{4F218274-AC70-4063-9A48-9026061A5927}"/>
+              </a:ext>
+            </a:extLst>
+          </p:cNvPr>
+          <p:cNvSpPr txBox="1"/>
+          <p:nvPr/>
+        </p:nvSpPr>
+        <p:spPr>
+          <a:xfrm>
+            <a:off x="251640" y="3429000"/>
+            <a:ext cx="8568720" cy="1938992"/>
+          </a:xfrm>
+          <a:prstGeom prst="rect">
+            <a:avLst/>
+          </a:prstGeom>
+          <a:noFill/>
+        </p:spPr>
+        <p:txBody>
+          <a:bodyPr wrap="square">
+            <a:spAutoFit/>
+          </a:bodyPr>
+          <a:lstStyle/>
           <a:p>
             <a:pPr algn="just">
               <a:lnSpc>
@@ -7734,25 +8989,19 @@
               <a:buNone/>
             </a:pPr>
             <a:r>
-              <a:rPr b="1" lang="ru-RU" sz="2400" spc="-1" strike="noStrike">
+              <a:rPr lang="ru-RU" sz="2400" b="1" spc="-1" dirty="0">
                 <a:solidFill>
                   <a:srgbClr val="000000"/>
                 </a:solidFill>
                 <a:latin typeface="Calibri"/>
               </a:rPr>
-              <a:t>Задачи проекта</a:t>
+              <a:t>Задачи проекта:</a:t>
             </a:r>
-            <a:r>
-              <a:rPr b="0" lang="ru-RU" sz="2400" spc="-1" strike="noStrike">
-                <a:solidFill>
-                  <a:srgbClr val="000000"/>
-                </a:solidFill>
-                <a:latin typeface="Calibri"/>
-              </a:rPr>
-              <a:t>:</a:t>
-            </a:r>
-            <a:endParaRPr b="0" lang="en-US" sz="2400" spc="-1" strike="noStrike">
-              <a:latin typeface="Arial"/>
+            <a:endParaRPr lang="en-US" sz="2400" b="1" spc="-1" dirty="0">
+              <a:solidFill>
+                <a:srgbClr val="000000"/>
+              </a:solidFill>
+              <a:latin typeface="Calibri"/>
             </a:endParaRPr>
           </a:p>
           <a:p>
@@ -7767,7 +9016,7 @@
               <a:buAutoNum type="arabicPeriod"/>
             </a:pPr>
             <a:r>
-              <a:rPr b="0" lang="ru-RU" sz="2400" spc="-1" strike="noStrike">
+              <a:rPr lang="ru-RU" sz="2400" spc="-1" dirty="0">
                 <a:solidFill>
                   <a:srgbClr val="000000"/>
                 </a:solidFill>
@@ -7775,8 +9024,11 @@
               </a:rPr>
               <a:t>Выявить проблемы выпускников, связанных с выбором профессии.</a:t>
             </a:r>
-            <a:endParaRPr b="0" lang="en-US" sz="2400" spc="-1" strike="noStrike">
-              <a:latin typeface="Arial"/>
+            <a:endParaRPr lang="en-US" sz="2400" spc="-1" dirty="0">
+              <a:solidFill>
+                <a:srgbClr val="000000"/>
+              </a:solidFill>
+              <a:latin typeface="Calibri"/>
             </a:endParaRPr>
           </a:p>
           <a:p>
@@ -7791,7 +9043,7 @@
               <a:buAutoNum type="arabicPeriod"/>
             </a:pPr>
             <a:r>
-              <a:rPr b="0" lang="ru-RU" sz="2400" spc="-1" strike="noStrike">
+              <a:rPr lang="ru-RU" sz="2400" spc="-1" dirty="0">
                 <a:solidFill>
                   <a:srgbClr val="000000"/>
                 </a:solidFill>
@@ -7799,27 +9051,66 @@
               </a:rPr>
               <a:t>Создать чат-бот, позволяющий определиться со специальностью.</a:t>
             </a:r>
-            <a:endParaRPr b="0" lang="en-US" sz="2400" spc="-1" strike="noStrike">
-              <a:latin typeface="Arial"/>
-            </a:endParaRPr>
-          </a:p>
-        </p:txBody>
-      </p:sp>
+            <a:endParaRPr lang="en-US" sz="2400" spc="-1" dirty="0">
+              <a:solidFill>
+                <a:srgbClr val="000000"/>
+              </a:solidFill>
+              <a:latin typeface="Calibri"/>
+            </a:endParaRPr>
+          </a:p>
+        </p:txBody>
+      </p:sp>
+      <p:pic>
+        <p:nvPicPr>
+          <p:cNvPr id="10" name="Рисунок 5">
+            <a:extLst>
+              <a:ext uri="{FF2B5EF4-FFF2-40B4-BE49-F238E27FC236}">
+                <a16:creationId xmlns:a16="http://schemas.microsoft.com/office/drawing/2014/main" id="{E1A86248-CD25-41B3-B8C3-F594AB841A7B}"/>
+              </a:ext>
+            </a:extLst>
+          </p:cNvPr>
+          <p:cNvPicPr/>
+          <p:nvPr/>
+        </p:nvPicPr>
+        <p:blipFill>
+          <a:blip r:embed="rId3"/>
+          <a:stretch/>
+        </p:blipFill>
+        <p:spPr>
+          <a:xfrm>
+            <a:off x="431640" y="7116677"/>
+            <a:ext cx="8280720" cy="4977000"/>
+          </a:xfrm>
+          <a:prstGeom prst="rect">
+            <a:avLst/>
+          </a:prstGeom>
+          <a:ln w="0">
+            <a:noFill/>
+          </a:ln>
+        </p:spPr>
+      </p:pic>
     </p:spTree>
   </p:cSld>
-  <mc:AlternateContent>
-    <mc:Choice Requires="p14">
-      <p:transition spd="slow" p14:dur="2000"/>
+  <p:clrMapOvr>
+    <a:masterClrMapping/>
+  </p:clrMapOvr>
+  <mc:AlternateContent xmlns:mc="http://schemas.openxmlformats.org/markup-compatibility/2006">
+    <mc:Choice xmlns:p14="http://schemas.microsoft.com/office/powerpoint/2010/main" Requires="p14">
+      <p:transition spd="med" p14:dur="700">
+        <p:fade/>
+      </p:transition>
     </mc:Choice>
     <mc:Fallback>
-      <p:transition spd="slow"/>
+      <p:transition spd="med">
+        <p:fade/>
+      </p:transition>
     </mc:Fallback>
   </mc:AlternateContent>
 </p:sld>
 </file>
 
 <file path=ppt/slides/slide3.xml><?xml version="1.0" encoding="utf-8"?>
-<p:sld xmlns:a="http://schemas.openxmlformats.org/drawingml/2006/main" xmlns:p="http://schemas.openxmlformats.org/presentationml/2006/main" xmlns:r="http://schemas.openxmlformats.org/officeDocument/2006/relationships" xmlns:p14="http://schemas.microsoft.com/office/powerpoint/2010/main" xmlns:p15="http://schemas.microsoft.com/office/powerpoint/2012/main" xmlns:mc="http://schemas.openxmlformats.org/markup-compatibility/2006">
+<p:sld xmlns:a="http://schemas.openxmlformats.org/drawingml/2006/main" xmlns:r="http://schemas.openxmlformats.org/officeDocument/2006/relationships" xmlns:p="http://schemas.openxmlformats.org/presentationml/2006/main">
   <p:cSld>
     <p:spTree>
       <p:nvGrpSpPr>
@@ -7855,15 +9146,22 @@
           </a:ln>
         </p:spPr>
         <p:style>
-          <a:lnRef idx="0"/>
-          <a:fillRef idx="0"/>
-          <a:effectRef idx="0"/>
+          <a:lnRef idx="0">
+            <a:scrgbClr r="0" g="0" b="0"/>
+          </a:lnRef>
+          <a:fillRef idx="0">
+            <a:scrgbClr r="0" g="0" b="0"/>
+          </a:fillRef>
+          <a:effectRef idx="0">
+            <a:scrgbClr r="0" g="0" b="0"/>
+          </a:effectRef>
           <a:fontRef idx="minor"/>
         </p:style>
         <p:txBody>
-          <a:bodyPr lIns="90000" rIns="90000" tIns="45000" bIns="45000" anchor="t">
+          <a:bodyPr lIns="90000" tIns="45000" rIns="90000" bIns="45000" anchor="t">
             <a:spAutoFit/>
           </a:bodyPr>
+          <a:lstStyle/>
           <a:p>
             <a:pPr algn="ctr">
               <a:lnSpc>
@@ -7872,15 +9170,15 @@
               <a:buNone/>
             </a:pPr>
             <a:r>
-              <a:rPr b="0" lang="ru-RU" sz="3000" spc="-1" strike="noStrike">
+              <a:rPr lang="ru-RU" sz="3000" b="0" strike="noStrike" spc="-1">
                 <a:solidFill>
-                  <a:srgbClr val="ffffff"/>
+                  <a:srgbClr val="FFFFFF"/>
                 </a:solidFill>
                 <a:latin typeface="Calibri"/>
               </a:rPr>
               <a:t>Калькулятор ЕГЭ</a:t>
             </a:r>
-            <a:endParaRPr b="0" lang="en-US" sz="3000" spc="-1" strike="noStrike">
+            <a:endParaRPr lang="en-US" sz="3000" b="0" strike="noStrike" spc="-1">
               <a:latin typeface="Arial"/>
             </a:endParaRPr>
           </a:p>
@@ -7888,17 +9186,17 @@
       </p:sp>
       <p:pic>
         <p:nvPicPr>
-          <p:cNvPr id="142" name="Рисунок 5" descr=""/>
+          <p:cNvPr id="142" name="Рисунок 5"/>
           <p:cNvPicPr/>
           <p:nvPr/>
         </p:nvPicPr>
         <p:blipFill>
-          <a:blip r:embed="rId1"/>
+          <a:blip r:embed="rId2"/>
           <a:stretch/>
         </p:blipFill>
         <p:spPr>
           <a:xfrm>
-            <a:off x="539640" y="1196640"/>
+            <a:off x="431640" y="1247440"/>
             <a:ext cx="8280720" cy="4977000"/>
           </a:xfrm>
           <a:prstGeom prst="rect">
@@ -7911,19 +9209,26 @@
       </p:pic>
     </p:spTree>
   </p:cSld>
-  <mc:AlternateContent>
-    <mc:Choice Requires="p14">
-      <p:transition spd="slow" p14:dur="2000"/>
+  <p:clrMapOvr>
+    <a:masterClrMapping/>
+  </p:clrMapOvr>
+  <mc:AlternateContent xmlns:mc="http://schemas.openxmlformats.org/markup-compatibility/2006">
+    <mc:Choice xmlns:p159="http://schemas.microsoft.com/office/powerpoint/2015/09/main" Requires="p159">
+      <p:transition xmlns:p14="http://schemas.microsoft.com/office/powerpoint/2010/main" spd="slow" p14:dur="2000">
+        <p159:morph option="byObject"/>
+      </p:transition>
     </mc:Choice>
     <mc:Fallback>
-      <p:transition spd="slow"/>
+      <p:transition spd="slow">
+        <p:fade/>
+      </p:transition>
     </mc:Fallback>
   </mc:AlternateContent>
 </p:sld>
 </file>
 
 <file path=ppt/slides/slide4.xml><?xml version="1.0" encoding="utf-8"?>
-<p:sld xmlns:a="http://schemas.openxmlformats.org/drawingml/2006/main" xmlns:p="http://schemas.openxmlformats.org/presentationml/2006/main" xmlns:r="http://schemas.openxmlformats.org/officeDocument/2006/relationships" xmlns:p14="http://schemas.microsoft.com/office/powerpoint/2010/main" xmlns:p15="http://schemas.microsoft.com/office/powerpoint/2012/main" xmlns:mc="http://schemas.openxmlformats.org/markup-compatibility/2006">
+<p:sld xmlns:a="http://schemas.openxmlformats.org/drawingml/2006/main" xmlns:r="http://schemas.openxmlformats.org/officeDocument/2006/relationships" xmlns:p="http://schemas.openxmlformats.org/presentationml/2006/main">
   <p:cSld>
     <p:spTree>
       <p:nvGrpSpPr>
@@ -7959,15 +9264,22 @@
           </a:ln>
         </p:spPr>
         <p:style>
-          <a:lnRef idx="0"/>
-          <a:fillRef idx="0"/>
-          <a:effectRef idx="0"/>
+          <a:lnRef idx="0">
+            <a:scrgbClr r="0" g="0" b="0"/>
+          </a:lnRef>
+          <a:fillRef idx="0">
+            <a:scrgbClr r="0" g="0" b="0"/>
+          </a:fillRef>
+          <a:effectRef idx="0">
+            <a:scrgbClr r="0" g="0" b="0"/>
+          </a:effectRef>
           <a:fontRef idx="minor"/>
         </p:style>
         <p:txBody>
-          <a:bodyPr lIns="90000" rIns="90000" tIns="45000" bIns="45000" anchor="t">
+          <a:bodyPr lIns="90000" tIns="45000" rIns="90000" bIns="45000" anchor="t">
             <a:spAutoFit/>
           </a:bodyPr>
+          <a:lstStyle/>
           <a:p>
             <a:pPr algn="ctr">
               <a:lnSpc>
@@ -7976,15 +9288,15 @@
               <a:buNone/>
             </a:pPr>
             <a:r>
-              <a:rPr b="0" lang="ru-RU" sz="3000" spc="-1" strike="noStrike">
+              <a:rPr lang="ru-RU" sz="3000" b="0" strike="noStrike" spc="-1">
                 <a:solidFill>
-                  <a:srgbClr val="ffffff"/>
+                  <a:srgbClr val="FFFFFF"/>
                 </a:solidFill>
                 <a:latin typeface="Calibri"/>
               </a:rPr>
               <a:t>Калькулятор ЕГЭ</a:t>
             </a:r>
-            <a:endParaRPr b="0" lang="en-US" sz="3000" spc="-1" strike="noStrike">
+            <a:endParaRPr lang="en-US" sz="3000" b="0" strike="noStrike" spc="-1">
               <a:latin typeface="Arial"/>
             </a:endParaRPr>
           </a:p>
@@ -7998,8 +9310,8 @@
         </p:nvSpPr>
         <p:spPr>
           <a:xfrm>
-            <a:off x="251640" y="1340640"/>
-            <a:ext cx="8568720" cy="3381480"/>
+            <a:off x="175440" y="1235865"/>
+            <a:ext cx="8568720" cy="3045534"/>
           </a:xfrm>
           <a:prstGeom prst="rect">
             <a:avLst/>
@@ -8010,15 +9322,22 @@
           </a:ln>
         </p:spPr>
         <p:style>
-          <a:lnRef idx="0"/>
-          <a:fillRef idx="0"/>
-          <a:effectRef idx="0"/>
+          <a:lnRef idx="0">
+            <a:scrgbClr r="0" g="0" b="0"/>
+          </a:lnRef>
+          <a:fillRef idx="0">
+            <a:scrgbClr r="0" g="0" b="0"/>
+          </a:fillRef>
+          <a:effectRef idx="0">
+            <a:scrgbClr r="0" g="0" b="0"/>
+          </a:effectRef>
           <a:fontRef idx="minor"/>
         </p:style>
         <p:txBody>
-          <a:bodyPr lIns="90000" rIns="90000" tIns="45000" bIns="45000" anchor="t">
+          <a:bodyPr lIns="90000" tIns="45000" rIns="90000" bIns="45000" anchor="t">
             <a:spAutoFit/>
           </a:bodyPr>
+          <a:lstStyle/>
           <a:p>
             <a:pPr algn="just">
               <a:lnSpc>
@@ -8027,7 +9346,7 @@
               <a:buNone/>
             </a:pPr>
             <a:r>
-              <a:rPr b="1" lang="ru-RU" sz="2400" spc="-1" strike="noStrike">
+              <a:rPr lang="ru-RU" sz="2400" b="1" strike="noStrike" spc="-1" dirty="0">
                 <a:solidFill>
                   <a:srgbClr val="000000"/>
                 </a:solidFill>
@@ -8035,7 +9354,7 @@
               </a:rPr>
               <a:t>Изученные технологии, позволяющие реализовать поставленные задачи:</a:t>
             </a:r>
-            <a:endParaRPr b="0" lang="en-US" sz="2400" spc="-1" strike="noStrike">
+            <a:endParaRPr lang="en-US" sz="2400" b="0" strike="noStrike" spc="-1" dirty="0">
               <a:latin typeface="Arial"/>
             </a:endParaRPr>
           </a:p>
@@ -8051,7 +9370,7 @@
               <a:buAutoNum type="arabicPeriod"/>
             </a:pPr>
             <a:r>
-              <a:rPr b="0" lang="ru-RU" sz="2400" spc="-1" strike="noStrike">
+              <a:rPr lang="ru-RU" sz="2400" b="0" strike="noStrike" spc="-1" dirty="0">
                 <a:solidFill>
                   <a:srgbClr val="000000"/>
                 </a:solidFill>
@@ -8060,7 +9379,7 @@
               <a:t>Язык программирования </a:t>
             </a:r>
             <a:r>
-              <a:rPr b="0" lang="en-US" sz="2400" spc="-1" strike="noStrike">
+              <a:rPr lang="en-US" sz="2400" b="0" strike="noStrike" spc="-1" dirty="0">
                 <a:solidFill>
                   <a:srgbClr val="000000"/>
                 </a:solidFill>
@@ -8068,7 +9387,7 @@
               </a:rPr>
               <a:t>Python</a:t>
             </a:r>
-            <a:endParaRPr b="0" lang="en-US" sz="2400" spc="-1" strike="noStrike">
+            <a:endParaRPr lang="en-US" sz="2400" b="0" strike="noStrike" spc="-1" dirty="0">
               <a:latin typeface="Arial"/>
             </a:endParaRPr>
           </a:p>
@@ -8084,7 +9403,7 @@
               <a:buAutoNum type="arabicPeriod"/>
             </a:pPr>
             <a:r>
-              <a:rPr b="0" lang="ru-RU" sz="2400" spc="-1" strike="noStrike">
+              <a:rPr lang="ru-RU" sz="2400" b="0" strike="noStrike" spc="-1" dirty="0">
                 <a:solidFill>
                   <a:srgbClr val="000000"/>
                 </a:solidFill>
@@ -8092,7 +9411,7 @@
               </a:rPr>
               <a:t>Библиотеки </a:t>
             </a:r>
-            <a:endParaRPr b="0" lang="en-US" sz="2400" spc="-1" strike="noStrike">
+            <a:endParaRPr lang="en-US" sz="2400" b="0" strike="noStrike" spc="-1" dirty="0">
               <a:latin typeface="Arial"/>
             </a:endParaRPr>
           </a:p>
@@ -8108,7 +9427,7 @@
               <a:buChar char="•"/>
             </a:pPr>
             <a:r>
-              <a:rPr b="0" lang="en-US" sz="2400" spc="-1" strike="noStrike">
+              <a:rPr lang="en-US" sz="2400" b="0" strike="noStrike" spc="-1" dirty="0">
                 <a:solidFill>
                   <a:srgbClr val="000000"/>
                 </a:solidFill>
@@ -8116,7 +9435,7 @@
               </a:rPr>
               <a:t>python-telegram-bot</a:t>
             </a:r>
-            <a:endParaRPr b="0" lang="en-US" sz="2400" spc="-1" strike="noStrike">
+            <a:endParaRPr lang="en-US" sz="2400" b="0" strike="noStrike" spc="-1" dirty="0">
               <a:latin typeface="Arial"/>
             </a:endParaRPr>
           </a:p>
@@ -8132,7 +9451,7 @@
               <a:buChar char="•"/>
             </a:pPr>
             <a:r>
-              <a:rPr b="0" lang="en-US" sz="2400" spc="-1" strike="noStrike">
+              <a:rPr lang="en-US" sz="2400" b="0" strike="noStrike" spc="-1" dirty="0">
                 <a:solidFill>
                   <a:srgbClr val="000000"/>
                 </a:solidFill>
@@ -8140,7 +9459,7 @@
               </a:rPr>
               <a:t>SQLite</a:t>
             </a:r>
-            <a:endParaRPr b="0" lang="en-US" sz="2400" spc="-1" strike="noStrike">
+            <a:endParaRPr lang="en-US" sz="2400" b="0" strike="noStrike" spc="-1" dirty="0">
               <a:latin typeface="Arial"/>
             </a:endParaRPr>
           </a:p>
@@ -8156,7 +9475,7 @@
               <a:buChar char="•"/>
             </a:pPr>
             <a:r>
-              <a:rPr b="0" lang="en-US" sz="2400" spc="-1" strike="noStrike">
+              <a:rPr lang="en-US" sz="2400" b="0" strike="noStrike" spc="-1" dirty="0">
                 <a:solidFill>
                   <a:srgbClr val="000000"/>
                 </a:solidFill>
@@ -8164,7 +9483,7 @@
               </a:rPr>
               <a:t>logging</a:t>
             </a:r>
-            <a:endParaRPr b="0" lang="en-US" sz="2400" spc="-1" strike="noStrike">
+            <a:endParaRPr lang="en-US" sz="2400" b="0" strike="noStrike" spc="-1" dirty="0">
               <a:latin typeface="Arial"/>
             </a:endParaRPr>
           </a:p>
@@ -8180,7 +9499,7 @@
               <a:buChar char="•"/>
             </a:pPr>
             <a:r>
-              <a:rPr b="0" lang="en-US" sz="2400" spc="-1" strike="noStrike">
+              <a:rPr lang="en-US" sz="2400" b="0" strike="noStrike" spc="-1" dirty="0">
                 <a:solidFill>
                   <a:srgbClr val="000000"/>
                 </a:solidFill>
@@ -8188,31 +9507,7 @@
               </a:rPr>
               <a:t>re</a:t>
             </a:r>
-            <a:endParaRPr b="0" lang="en-US" sz="2400" spc="-1" strike="noStrike">
-              <a:latin typeface="Arial"/>
-            </a:endParaRPr>
-          </a:p>
-          <a:p>
-            <a:pPr marL="623880" indent="-260280" algn="just">
-              <a:lnSpc>
-                <a:spcPct val="100000"/>
-              </a:lnSpc>
-              <a:buClr>
-                <a:srgbClr val="000000"/>
-              </a:buClr>
-              <a:buFont typeface="Arial"/>
-              <a:buChar char="•"/>
-            </a:pPr>
-            <a:r>
-              <a:rPr b="0" lang="en-US" sz="2400" spc="-1" strike="noStrike">
-                <a:solidFill>
-                  <a:srgbClr val="000000"/>
-                </a:solidFill>
-                <a:latin typeface="Calibri"/>
-              </a:rPr>
-              <a:t>pprint</a:t>
-            </a:r>
-            <a:endParaRPr b="0" lang="en-US" sz="2400" spc="-1" strike="noStrike">
+            <a:endParaRPr lang="en-US" sz="2400" b="0" strike="noStrike" spc="-1" dirty="0">
               <a:latin typeface="Arial"/>
             </a:endParaRPr>
           </a:p>
@@ -8220,30 +9515,7 @@
       </p:sp>
       <p:pic>
         <p:nvPicPr>
-          <p:cNvPr id="145" name="Рисунок 4" descr=""/>
-          <p:cNvPicPr/>
-          <p:nvPr/>
-        </p:nvPicPr>
-        <p:blipFill>
-          <a:blip r:embed="rId1"/>
-          <a:stretch/>
-        </p:blipFill>
-        <p:spPr>
-          <a:xfrm>
-            <a:off x="5921640" y="4797000"/>
-            <a:ext cx="2898720" cy="1439640"/>
-          </a:xfrm>
-          <a:prstGeom prst="rect">
-            <a:avLst/>
-          </a:prstGeom>
-          <a:ln w="0">
-            <a:noFill/>
-          </a:ln>
-        </p:spPr>
-      </p:pic>
-      <p:pic>
-        <p:nvPicPr>
-          <p:cNvPr id="146" name="Рисунок 5" descr=""/>
+          <p:cNvPr id="145" name="Рисунок 4"/>
           <p:cNvPicPr/>
           <p:nvPr/>
         </p:nvPicPr>
@@ -8253,8 +9525,8 @@
         </p:blipFill>
         <p:spPr>
           <a:xfrm>
-            <a:off x="395640" y="4797000"/>
-            <a:ext cx="1439640" cy="1439640"/>
+            <a:off x="9305625" y="3424855"/>
+            <a:ext cx="2682360" cy="1332185"/>
           </a:xfrm>
           <a:prstGeom prst="rect">
             <a:avLst/>
@@ -8266,7 +9538,7 @@
       </p:pic>
       <p:pic>
         <p:nvPicPr>
-          <p:cNvPr id="147" name="Рисунок 6" descr=""/>
+          <p:cNvPr id="146" name="Рисунок 5"/>
           <p:cNvPicPr/>
           <p:nvPr/>
         </p:nvPicPr>
@@ -8276,7 +9548,30 @@
         </p:blipFill>
         <p:spPr>
           <a:xfrm>
-            <a:off x="2771640" y="4757040"/>
+            <a:off x="9926985" y="1845520"/>
+            <a:ext cx="1439640" cy="1439640"/>
+          </a:xfrm>
+          <a:prstGeom prst="rect">
+            <a:avLst/>
+          </a:prstGeom>
+          <a:ln w="0">
+            <a:noFill/>
+          </a:ln>
+        </p:spPr>
+      </p:pic>
+      <p:pic>
+        <p:nvPicPr>
+          <p:cNvPr id="147" name="Рисунок 6"/>
+          <p:cNvPicPr/>
+          <p:nvPr/>
+        </p:nvPicPr>
+        <p:blipFill>
+          <a:blip r:embed="rId4"/>
+          <a:stretch/>
+        </p:blipFill>
+        <p:spPr>
+          <a:xfrm>
+            <a:off x="9420090" y="4692750"/>
             <a:ext cx="2644200" cy="1439640"/>
           </a:xfrm>
           <a:prstGeom prst="rect">
@@ -8285,178 +9580,194 @@
           <a:ln w="0">
             <a:noFill/>
           </a:ln>
+        </p:spPr>
+      </p:pic>
+      <p:pic>
+        <p:nvPicPr>
+          <p:cNvPr id="8" name="Рисунок 7">
+            <a:extLst>
+              <a:ext uri="{FF2B5EF4-FFF2-40B4-BE49-F238E27FC236}">
+                <a16:creationId xmlns:a16="http://schemas.microsoft.com/office/drawing/2014/main" id="{A4A8B295-A17F-4E7B-9C74-8347D21AE154}"/>
+              </a:ext>
+            </a:extLst>
+          </p:cNvPr>
+          <p:cNvPicPr>
+            <a:picLocks noChangeAspect="1"/>
+          </p:cNvPicPr>
+          <p:nvPr/>
+        </p:nvPicPr>
+        <p:blipFill rotWithShape="1">
+          <a:blip r:embed="rId5"/>
+          <a:srcRect l="22813" t="38333" r="22014" b="28194"/>
+          <a:stretch/>
+        </p:blipFill>
+        <p:spPr>
+          <a:xfrm>
+            <a:off x="-2092028" y="1119765"/>
+            <a:ext cx="1986735" cy="2313059"/>
+          </a:xfrm>
+          <a:prstGeom prst="rect">
+            <a:avLst/>
+          </a:prstGeom>
         </p:spPr>
       </p:pic>
     </p:spTree>
   </p:cSld>
-  <mc:AlternateContent>
-    <mc:Choice Requires="p14">
-      <p:transition spd="slow" p14:dur="2000"/>
+  <p:clrMapOvr>
+    <a:masterClrMapping/>
+  </p:clrMapOvr>
+  <mc:AlternateContent xmlns:mc="http://schemas.openxmlformats.org/markup-compatibility/2006">
+    <mc:Choice xmlns:p14="http://schemas.microsoft.com/office/powerpoint/2010/main" Requires="p14">
+      <p:transition spd="med" p14:dur="700">
+        <p:fade/>
+      </p:transition>
     </mc:Choice>
     <mc:Fallback>
-      <p:transition spd="slow"/>
+      <p:transition spd="med">
+        <p:fade/>
+      </p:transition>
     </mc:Fallback>
   </mc:AlternateContent>
+  <p:timing>
+    <p:tnLst>
+      <p:par>
+        <p:cTn id="1" dur="indefinite" restart="never" nodeType="tmRoot">
+          <p:childTnLst>
+            <p:seq concurrent="1" nextAc="seek">
+              <p:cTn id="2" dur="indefinite" nodeType="mainSeq">
+                <p:childTnLst>
+                  <p:par>
+                    <p:cTn id="3" fill="hold">
+                      <p:stCondLst>
+                        <p:cond delay="indefinite"/>
+                        <p:cond evt="onBegin" delay="0">
+                          <p:tn val="2"/>
+                        </p:cond>
+                      </p:stCondLst>
+                      <p:childTnLst>
+                        <p:par>
+                          <p:cTn id="4" fill="hold">
+                            <p:stCondLst>
+                              <p:cond delay="0"/>
+                            </p:stCondLst>
+                            <p:childTnLst>
+                              <p:par>
+                                <p:cTn id="5" presetID="42" presetClass="path" presetSubtype="0" accel="50000" decel="50000" fill="hold" nodeType="afterEffect">
+                                  <p:stCondLst>
+                                    <p:cond delay="3250"/>
+                                  </p:stCondLst>
+                                  <p:childTnLst>
+                                    <p:animMotion origin="layout" path="M -0.00608 -0.00277 L -0.3224 -0.00463 " pathEditMode="relative" rAng="0" ptsTypes="AA">
+                                      <p:cBhvr>
+                                        <p:cTn id="6" dur="1000" fill="hold"/>
+                                        <p:tgtEl>
+                                          <p:spTgt spid="146"/>
+                                        </p:tgtEl>
+                                        <p:attrNameLst>
+                                          <p:attrName>ppt_x</p:attrName>
+                                          <p:attrName>ppt_y</p:attrName>
+                                        </p:attrNameLst>
+                                      </p:cBhvr>
+                                      <p:rCtr x="-15816" y="-93"/>
+                                    </p:animMotion>
+                                  </p:childTnLst>
+                                </p:cTn>
+                              </p:par>
+                            </p:childTnLst>
+                          </p:cTn>
+                        </p:par>
+                        <p:par>
+                          <p:cTn id="7" fill="hold">
+                            <p:stCondLst>
+                              <p:cond delay="4250"/>
+                            </p:stCondLst>
+                            <p:childTnLst>
+                              <p:par>
+                                <p:cTn id="8" presetID="42" presetClass="path" presetSubtype="0" accel="50000" decel="50000" fill="hold" nodeType="afterEffect">
+                                  <p:stCondLst>
+                                    <p:cond delay="1500"/>
+                                  </p:stCondLst>
+                                  <p:childTnLst>
+                                    <p:animMotion origin="layout" path="M -0.00608 -0.00277 L -0.3224 -0.00463 " pathEditMode="relative" rAng="0" ptsTypes="AA">
+                                      <p:cBhvr>
+                                        <p:cTn id="9" dur="1000" fill="hold"/>
+                                        <p:tgtEl>
+                                          <p:spTgt spid="145"/>
+                                        </p:tgtEl>
+                                        <p:attrNameLst>
+                                          <p:attrName>ppt_x</p:attrName>
+                                          <p:attrName>ppt_y</p:attrName>
+                                        </p:attrNameLst>
+                                      </p:cBhvr>
+                                      <p:rCtr x="-15816" y="-93"/>
+                                    </p:animMotion>
+                                  </p:childTnLst>
+                                </p:cTn>
+                              </p:par>
+                            </p:childTnLst>
+                          </p:cTn>
+                        </p:par>
+                        <p:par>
+                          <p:cTn id="10" fill="hold">
+                            <p:stCondLst>
+                              <p:cond delay="6750"/>
+                            </p:stCondLst>
+                            <p:childTnLst>
+                              <p:par>
+                                <p:cTn id="11" presetID="42" presetClass="path" presetSubtype="0" accel="50000" decel="50000" fill="hold" nodeType="afterEffect">
+                                  <p:stCondLst>
+                                    <p:cond delay="250"/>
+                                  </p:stCondLst>
+                                  <p:childTnLst>
+                                    <p:animMotion origin="layout" path="M -0.00608 -0.00277 L -0.3224 -0.00463 " pathEditMode="relative" rAng="0" ptsTypes="AA">
+                                      <p:cBhvr>
+                                        <p:cTn id="12" dur="1000" fill="hold"/>
+                                        <p:tgtEl>
+                                          <p:spTgt spid="147"/>
+                                        </p:tgtEl>
+                                        <p:attrNameLst>
+                                          <p:attrName>ppt_x</p:attrName>
+                                          <p:attrName>ppt_y</p:attrName>
+                                        </p:attrNameLst>
+                                      </p:cBhvr>
+                                      <p:rCtr x="-15816" y="-93"/>
+                                    </p:animMotion>
+                                  </p:childTnLst>
+                                </p:cTn>
+                              </p:par>
+                            </p:childTnLst>
+                          </p:cTn>
+                        </p:par>
+                      </p:childTnLst>
+                    </p:cTn>
+                  </p:par>
+                </p:childTnLst>
+              </p:cTn>
+              <p:prevCondLst>
+                <p:cond evt="onPrev" delay="0">
+                  <p:tgtEl>
+                    <p:sldTgt/>
+                  </p:tgtEl>
+                </p:cond>
+              </p:prevCondLst>
+              <p:nextCondLst>
+                <p:cond evt="onNext" delay="0">
+                  <p:tgtEl>
+                    <p:sldTgt/>
+                  </p:tgtEl>
+                </p:cond>
+              </p:nextCondLst>
+            </p:seq>
+          </p:childTnLst>
+        </p:cTn>
+      </p:par>
+    </p:tnLst>
+  </p:timing>
 </p:sld>
 </file>
 
 <file path=ppt/slides/slide5.xml><?xml version="1.0" encoding="utf-8"?>
-<p:sld xmlns:a="http://schemas.openxmlformats.org/drawingml/2006/main" xmlns:p="http://schemas.openxmlformats.org/presentationml/2006/main" xmlns:r="http://schemas.openxmlformats.org/officeDocument/2006/relationships" xmlns:p14="http://schemas.microsoft.com/office/powerpoint/2010/main" xmlns:p15="http://schemas.microsoft.com/office/powerpoint/2012/main" xmlns:mc="http://schemas.openxmlformats.org/markup-compatibility/2006">
-  <p:cSld>
-    <p:spTree>
-      <p:nvGrpSpPr>
-        <p:cNvPr id="1" name=""/>
-        <p:cNvGrpSpPr/>
-        <p:nvPr/>
-      </p:nvGrpSpPr>
-      <p:grpSpPr>
-        <a:xfrm>
-          <a:off x="0" y="0"/>
-          <a:ext cx="0" cy="0"/>
-          <a:chOff x="0" y="0"/>
-          <a:chExt cx="0" cy="0"/>
-        </a:xfrm>
-      </p:grpSpPr>
-      <p:sp>
-        <p:nvSpPr>
-          <p:cNvPr id="148" name="TextBox 1"/>
-          <p:cNvSpPr/>
-          <p:nvPr/>
-        </p:nvSpPr>
-        <p:spPr>
-          <a:xfrm>
-            <a:off x="2555640" y="210600"/>
-            <a:ext cx="6048360" cy="546480"/>
-          </a:xfrm>
-          <a:prstGeom prst="rect">
-            <a:avLst/>
-          </a:prstGeom>
-          <a:noFill/>
-          <a:ln w="0">
-            <a:noFill/>
-          </a:ln>
-        </p:spPr>
-        <p:style>
-          <a:lnRef idx="0"/>
-          <a:fillRef idx="0"/>
-          <a:effectRef idx="0"/>
-          <a:fontRef idx="minor"/>
-        </p:style>
-        <p:txBody>
-          <a:bodyPr lIns="90000" rIns="90000" tIns="45000" bIns="45000" anchor="t">
-            <a:spAutoFit/>
-          </a:bodyPr>
-          <a:p>
-            <a:pPr algn="ctr">
-              <a:lnSpc>
-                <a:spcPct val="100000"/>
-              </a:lnSpc>
-              <a:buNone/>
-            </a:pPr>
-            <a:r>
-              <a:rPr b="0" lang="ru-RU" sz="3000" spc="-1" strike="noStrike">
-                <a:solidFill>
-                  <a:srgbClr val="ffffff"/>
-                </a:solidFill>
-                <a:latin typeface="Calibri"/>
-              </a:rPr>
-              <a:t>Калькулятор ЕГЭ</a:t>
-            </a:r>
-            <a:endParaRPr b="0" lang="en-US" sz="3000" spc="-1" strike="noStrike">
-              <a:latin typeface="Arial"/>
-            </a:endParaRPr>
-          </a:p>
-        </p:txBody>
-      </p:sp>
-      <p:pic>
-        <p:nvPicPr>
-          <p:cNvPr id="149" name="Google Shape;405;p55" descr=""/>
-          <p:cNvPicPr/>
-          <p:nvPr/>
-        </p:nvPicPr>
-        <p:blipFill>
-          <a:blip r:embed="rId1"/>
-          <a:stretch/>
-        </p:blipFill>
-        <p:spPr>
-          <a:xfrm>
-            <a:off x="810360" y="2493000"/>
-            <a:ext cx="7865640" cy="2664000"/>
-          </a:xfrm>
-          <a:prstGeom prst="rect">
-            <a:avLst/>
-          </a:prstGeom>
-          <a:ln w="0">
-            <a:noFill/>
-          </a:ln>
-        </p:spPr>
-      </p:pic>
-      <p:sp>
-        <p:nvSpPr>
-          <p:cNvPr id="150" name="TextBox 3"/>
-          <p:cNvSpPr/>
-          <p:nvPr/>
-        </p:nvSpPr>
-        <p:spPr>
-          <a:xfrm>
-            <a:off x="251640" y="1340640"/>
-            <a:ext cx="8568720" cy="455400"/>
-          </a:xfrm>
-          <a:prstGeom prst="rect">
-            <a:avLst/>
-          </a:prstGeom>
-          <a:noFill/>
-          <a:ln w="0">
-            <a:noFill/>
-          </a:ln>
-        </p:spPr>
-        <p:style>
-          <a:lnRef idx="0"/>
-          <a:fillRef idx="0"/>
-          <a:effectRef idx="0"/>
-          <a:fontRef idx="minor"/>
-        </p:style>
-        <p:txBody>
-          <a:bodyPr lIns="90000" rIns="90000" tIns="45000" bIns="45000" anchor="t">
-            <a:spAutoFit/>
-          </a:bodyPr>
-          <a:p>
-            <a:pPr algn="ctr">
-              <a:lnSpc>
-                <a:spcPct val="100000"/>
-              </a:lnSpc>
-              <a:buNone/>
-            </a:pPr>
-            <a:r>
-              <a:rPr b="1" lang="ru-RU" sz="2400" spc="-1" strike="noStrike">
-                <a:solidFill>
-                  <a:srgbClr val="000000"/>
-                </a:solidFill>
-                <a:latin typeface="Calibri"/>
-              </a:rPr>
-              <a:t>Приветственное окно чат-бота</a:t>
-            </a:r>
-            <a:endParaRPr b="0" lang="en-US" sz="2400" spc="-1" strike="noStrike">
-              <a:latin typeface="Arial"/>
-            </a:endParaRPr>
-          </a:p>
-        </p:txBody>
-      </p:sp>
-    </p:spTree>
-  </p:cSld>
-  <mc:AlternateContent>
-    <mc:Choice Requires="p14">
-      <p:transition spd="slow" p14:dur="2000"/>
-    </mc:Choice>
-    <mc:Fallback>
-      <p:transition spd="slow"/>
-    </mc:Fallback>
-  </mc:AlternateContent>
-</p:sld>
-</file>
-
-<file path=ppt/slides/slide6.xml><?xml version="1.0" encoding="utf-8"?>
-<p:sld xmlns:a="http://schemas.openxmlformats.org/drawingml/2006/main" xmlns:p="http://schemas.openxmlformats.org/presentationml/2006/main" xmlns:r="http://schemas.openxmlformats.org/officeDocument/2006/relationships" xmlns:p14="http://schemas.microsoft.com/office/powerpoint/2010/main" xmlns:p15="http://schemas.microsoft.com/office/powerpoint/2012/main" xmlns:mc="http://schemas.openxmlformats.org/markup-compatibility/2006">
+<p:sld xmlns:a="http://schemas.openxmlformats.org/drawingml/2006/main" xmlns:r="http://schemas.openxmlformats.org/officeDocument/2006/relationships" xmlns:p="http://schemas.openxmlformats.org/presentationml/2006/main">
   <p:cSld>
     <p:spTree>
       <p:nvGrpSpPr>
@@ -8474,60 +9785,72 @@
       </p:grpSpPr>
       <p:pic>
         <p:nvPicPr>
-          <p:cNvPr id="151" name="Google Shape;412;p56" descr=""/>
-          <p:cNvPicPr/>
+          <p:cNvPr id="13" name="Рисунок 12">
+            <a:extLst>
+              <a:ext uri="{FF2B5EF4-FFF2-40B4-BE49-F238E27FC236}">
+                <a16:creationId xmlns:a16="http://schemas.microsoft.com/office/drawing/2014/main" id="{72804D8F-476E-44FB-9F52-F70DB016502C}"/>
+              </a:ext>
+            </a:extLst>
+          </p:cNvPr>
+          <p:cNvPicPr>
+            <a:picLocks noChangeAspect="1"/>
+          </p:cNvPicPr>
           <p:nvPr/>
         </p:nvPicPr>
-        <p:blipFill>
-          <a:blip r:embed="rId1"/>
+        <p:blipFill rotWithShape="1">
+          <a:blip r:embed="rId2"/>
+          <a:srcRect l="11690" t="44188" b="-1"/>
           <a:stretch/>
         </p:blipFill>
         <p:spPr>
           <a:xfrm>
-            <a:off x="4487400" y="2073960"/>
-            <a:ext cx="4068720" cy="1583640"/>
-          </a:xfrm>
-          <a:prstGeom prst="rect">
-            <a:avLst/>
-          </a:prstGeom>
-          <a:ln w="0">
-            <a:noFill/>
-          </a:ln>
+            <a:off x="1945481" y="1942661"/>
+            <a:ext cx="5253038" cy="3397220"/>
+          </a:xfrm>
+          <a:prstGeom prst="rect">
+            <a:avLst/>
+          </a:prstGeom>
         </p:spPr>
       </p:pic>
       <p:pic>
         <p:nvPicPr>
-          <p:cNvPr id="152" name="Google Shape;413;p56" descr=""/>
-          <p:cNvPicPr/>
+          <p:cNvPr id="9" name="Рисунок 8">
+            <a:extLst>
+              <a:ext uri="{FF2B5EF4-FFF2-40B4-BE49-F238E27FC236}">
+                <a16:creationId xmlns:a16="http://schemas.microsoft.com/office/drawing/2014/main" id="{DA76E4F0-A462-443E-A477-97193CD560E9}"/>
+              </a:ext>
+            </a:extLst>
+          </p:cNvPr>
+          <p:cNvPicPr>
+            <a:picLocks noChangeAspect="1"/>
+          </p:cNvPicPr>
           <p:nvPr/>
         </p:nvPicPr>
-        <p:blipFill>
-          <a:blip r:embed="rId2"/>
+        <p:blipFill rotWithShape="1">
+          <a:blip r:embed="rId3"/>
+          <a:srcRect l="11690" t="44186"/>
           <a:stretch/>
         </p:blipFill>
         <p:spPr>
           <a:xfrm>
-            <a:off x="457200" y="2017800"/>
-            <a:ext cx="3528000" cy="4310640"/>
-          </a:xfrm>
-          <a:prstGeom prst="rect">
-            <a:avLst/>
-          </a:prstGeom>
-          <a:ln w="0">
-            <a:noFill/>
-          </a:ln>
+            <a:off x="1945481" y="1942661"/>
+            <a:ext cx="5253037" cy="3397220"/>
+          </a:xfrm>
+          <a:prstGeom prst="rect">
+            <a:avLst/>
+          </a:prstGeom>
         </p:spPr>
       </p:pic>
       <p:sp>
         <p:nvSpPr>
-          <p:cNvPr id="153" name="TextBox 3"/>
+          <p:cNvPr id="148" name="TextBox 1"/>
           <p:cNvSpPr/>
           <p:nvPr/>
         </p:nvSpPr>
         <p:spPr>
           <a:xfrm>
-            <a:off x="683640" y="1196640"/>
-            <a:ext cx="8568720" cy="821160"/>
+            <a:off x="2555640" y="210600"/>
+            <a:ext cx="6048360" cy="546480"/>
           </a:xfrm>
           <a:prstGeom prst="rect">
             <a:avLst/>
@@ -8538,15 +9861,22 @@
           </a:ln>
         </p:spPr>
         <p:style>
-          <a:lnRef idx="0"/>
-          <a:fillRef idx="0"/>
-          <a:effectRef idx="0"/>
+          <a:lnRef idx="0">
+            <a:scrgbClr r="0" g="0" b="0"/>
+          </a:lnRef>
+          <a:fillRef idx="0">
+            <a:scrgbClr r="0" g="0" b="0"/>
+          </a:fillRef>
+          <a:effectRef idx="0">
+            <a:scrgbClr r="0" g="0" b="0"/>
+          </a:effectRef>
           <a:fontRef idx="minor"/>
         </p:style>
         <p:txBody>
-          <a:bodyPr lIns="90000" rIns="90000" tIns="45000" bIns="45000" anchor="t">
+          <a:bodyPr lIns="90000" tIns="45000" rIns="90000" bIns="45000" anchor="t">
             <a:spAutoFit/>
           </a:bodyPr>
+          <a:lstStyle/>
           <a:p>
             <a:pPr algn="ctr">
               <a:lnSpc>
@@ -8555,15 +9885,15 @@
               <a:buNone/>
             </a:pPr>
             <a:r>
-              <a:rPr b="1" lang="ru-RU" sz="2400" spc="-1" strike="noStrike">
+              <a:rPr lang="ru-RU" sz="3000" b="0" strike="noStrike" spc="-1">
                 <a:solidFill>
-                  <a:srgbClr val="000000"/>
+                  <a:srgbClr val="FFFFFF"/>
                 </a:solidFill>
                 <a:latin typeface="Calibri"/>
               </a:rPr>
-              <a:t>Инструменты для сохранения / редактирования баллов ЕГЭ</a:t>
+              <a:t>Калькулятор ЕГЭ</a:t>
             </a:r>
-            <a:endParaRPr b="0" lang="en-US" sz="2400" spc="-1" strike="noStrike">
+            <a:endParaRPr lang="en-US" sz="3000" b="0" strike="noStrike" spc="-1">
               <a:latin typeface="Arial"/>
             </a:endParaRPr>
           </a:p>
@@ -8571,14 +9901,14 @@
       </p:sp>
       <p:sp>
         <p:nvSpPr>
-          <p:cNvPr id="154" name="TextBox 4"/>
+          <p:cNvPr id="150" name="TextBox 3"/>
           <p:cNvSpPr/>
           <p:nvPr/>
         </p:nvSpPr>
         <p:spPr>
           <a:xfrm>
-            <a:off x="2555640" y="210600"/>
-            <a:ext cx="6048360" cy="546480"/>
+            <a:off x="2467560" y="1119765"/>
+            <a:ext cx="4284360" cy="460211"/>
           </a:xfrm>
           <a:prstGeom prst="rect">
             <a:avLst/>
@@ -8589,15 +9919,22 @@
           </a:ln>
         </p:spPr>
         <p:style>
-          <a:lnRef idx="0"/>
-          <a:fillRef idx="0"/>
-          <a:effectRef idx="0"/>
+          <a:lnRef idx="0">
+            <a:scrgbClr r="0" g="0" b="0"/>
+          </a:lnRef>
+          <a:fillRef idx="0">
+            <a:scrgbClr r="0" g="0" b="0"/>
+          </a:fillRef>
+          <a:effectRef idx="0">
+            <a:scrgbClr r="0" g="0" b="0"/>
+          </a:effectRef>
           <a:fontRef idx="minor"/>
         </p:style>
         <p:txBody>
-          <a:bodyPr lIns="90000" rIns="90000" tIns="45000" bIns="45000" anchor="t">
+          <a:bodyPr wrap="square" lIns="90000" tIns="45000" rIns="90000" bIns="45000" anchor="t">
             <a:spAutoFit/>
           </a:bodyPr>
+          <a:lstStyle/>
           <a:p>
             <a:pPr algn="ctr">
               <a:lnSpc>
@@ -8606,15 +9943,15 @@
               <a:buNone/>
             </a:pPr>
             <a:r>
-              <a:rPr b="0" lang="ru-RU" sz="3000" spc="-1" strike="noStrike">
+              <a:rPr lang="ru-RU" sz="2400" b="1" strike="noStrike" spc="-1" dirty="0">
                 <a:solidFill>
-                  <a:srgbClr val="ffffff"/>
+                  <a:srgbClr val="000000"/>
                 </a:solidFill>
                 <a:latin typeface="Calibri"/>
               </a:rPr>
-              <a:t>Калькулятор ЕГЭ</a:t>
+              <a:t>Приветственное окно чат-бота</a:t>
             </a:r>
-            <a:endParaRPr b="0" lang="en-US" sz="3000" spc="-1" strike="noStrike">
+            <a:endParaRPr lang="en-US" sz="2400" b="0" strike="noStrike" spc="-1" dirty="0">
               <a:latin typeface="Arial"/>
             </a:endParaRPr>
           </a:p>
@@ -8622,42 +9959,186 @@
       </p:sp>
       <p:pic>
         <p:nvPicPr>
-          <p:cNvPr id="155" name="" descr=""/>
-          <p:cNvPicPr/>
+          <p:cNvPr id="5" name="Рисунок 4">
+            <a:extLst>
+              <a:ext uri="{FF2B5EF4-FFF2-40B4-BE49-F238E27FC236}">
+                <a16:creationId xmlns:a16="http://schemas.microsoft.com/office/drawing/2014/main" id="{6941127F-2CC6-4B39-9A20-6DC041E4C06F}"/>
+              </a:ext>
+            </a:extLst>
+          </p:cNvPr>
+          <p:cNvPicPr>
+            <a:picLocks noChangeAspect="1"/>
+          </p:cNvPicPr>
           <p:nvPr/>
         </p:nvPicPr>
-        <p:blipFill>
-          <a:blip r:embed="rId3"/>
+        <p:blipFill rotWithShape="1">
+          <a:blip r:embed="rId4"/>
+          <a:srcRect l="22813" t="38333" r="22014" b="28194"/>
           <a:stretch/>
         </p:blipFill>
         <p:spPr>
           <a:xfrm>
-            <a:off x="4343400" y="4545720"/>
-            <a:ext cx="4343400" cy="940680"/>
-          </a:xfrm>
-          <a:prstGeom prst="rect">
-            <a:avLst/>
-          </a:prstGeom>
-          <a:ln w="0">
-            <a:noFill/>
-          </a:ln>
+            <a:off x="99240" y="1119765"/>
+            <a:ext cx="1986735" cy="2313059"/>
+          </a:xfrm>
+          <a:prstGeom prst="rect">
+            <a:avLst/>
+          </a:prstGeom>
         </p:spPr>
       </p:pic>
     </p:spTree>
   </p:cSld>
-  <mc:AlternateContent>
-    <mc:Choice Requires="p14">
-      <p:transition spd="slow" p14:dur="2000"/>
+  <p:clrMapOvr>
+    <a:masterClrMapping/>
+  </p:clrMapOvr>
+  <mc:AlternateContent xmlns:mc="http://schemas.openxmlformats.org/markup-compatibility/2006">
+    <mc:Choice xmlns:p159="http://schemas.microsoft.com/office/powerpoint/2015/09/main" Requires="p159">
+      <p:transition xmlns:p14="http://schemas.microsoft.com/office/powerpoint/2010/main" spd="slow" p14:dur="2000">
+        <p159:morph option="byObject"/>
+      </p:transition>
     </mc:Choice>
     <mc:Fallback>
-      <p:transition spd="slow"/>
+      <p:transition spd="slow">
+        <p:fade/>
+      </p:transition>
     </mc:Fallback>
   </mc:AlternateContent>
+  <p:timing>
+    <p:tnLst>
+      <p:par>
+        <p:cTn id="1" dur="indefinite" restart="never" nodeType="tmRoot">
+          <p:childTnLst>
+            <p:seq concurrent="1" nextAc="seek">
+              <p:cTn id="2" dur="indefinite" nodeType="mainSeq">
+                <p:childTnLst>
+                  <p:par>
+                    <p:cTn id="3" fill="hold">
+                      <p:stCondLst>
+                        <p:cond delay="indefinite"/>
+                        <p:cond evt="onBegin" delay="0">
+                          <p:tn val="2"/>
+                        </p:cond>
+                      </p:stCondLst>
+                      <p:childTnLst>
+                        <p:par>
+                          <p:cTn id="4" fill="hold">
+                            <p:stCondLst>
+                              <p:cond delay="0"/>
+                            </p:stCondLst>
+                            <p:childTnLst>
+                              <p:par>
+                                <p:cTn id="5" presetID="1" presetClass="entr" presetSubtype="0" fill="hold" nodeType="afterEffect">
+                                  <p:stCondLst>
+                                    <p:cond delay="0"/>
+                                  </p:stCondLst>
+                                  <p:childTnLst>
+                                    <p:set>
+                                      <p:cBhvr>
+                                        <p:cTn id="6" dur="1" fill="hold">
+                                          <p:stCondLst>
+                                            <p:cond delay="0"/>
+                                          </p:stCondLst>
+                                        </p:cTn>
+                                        <p:tgtEl>
+                                          <p:spTgt spid="13"/>
+                                        </p:tgtEl>
+                                        <p:attrNameLst>
+                                          <p:attrName>style.visibility</p:attrName>
+                                        </p:attrNameLst>
+                                      </p:cBhvr>
+                                      <p:to>
+                                        <p:strVal val="visible"/>
+                                      </p:to>
+                                    </p:set>
+                                  </p:childTnLst>
+                                </p:cTn>
+                              </p:par>
+                            </p:childTnLst>
+                          </p:cTn>
+                        </p:par>
+                      </p:childTnLst>
+                    </p:cTn>
+                  </p:par>
+                  <p:par>
+                    <p:cTn id="7" fill="hold">
+                      <p:stCondLst>
+                        <p:cond delay="indefinite"/>
+                      </p:stCondLst>
+                      <p:childTnLst>
+                        <p:par>
+                          <p:cTn id="8" fill="hold">
+                            <p:stCondLst>
+                              <p:cond delay="0"/>
+                            </p:stCondLst>
+                            <p:childTnLst>
+                              <p:par>
+                                <p:cTn id="9" presetID="22" presetClass="exit" presetSubtype="4" fill="hold" nodeType="clickEffect">
+                                  <p:stCondLst>
+                                    <p:cond delay="0"/>
+                                  </p:stCondLst>
+                                  <p:childTnLst>
+                                    <p:animEffect transition="out" filter="wipe(down)">
+                                      <p:cBhvr>
+                                        <p:cTn id="10" dur="1000"/>
+                                        <p:tgtEl>
+                                          <p:spTgt spid="9"/>
+                                        </p:tgtEl>
+                                      </p:cBhvr>
+                                    </p:animEffect>
+                                    <p:set>
+                                      <p:cBhvr>
+                                        <p:cTn id="11" dur="1" fill="hold">
+                                          <p:stCondLst>
+                                            <p:cond delay="999"/>
+                                          </p:stCondLst>
+                                        </p:cTn>
+                                        <p:tgtEl>
+                                          <p:spTgt spid="9"/>
+                                        </p:tgtEl>
+                                        <p:attrNameLst>
+                                          <p:attrName>style.visibility</p:attrName>
+                                        </p:attrNameLst>
+                                      </p:cBhvr>
+                                      <p:to>
+                                        <p:strVal val="hidden"/>
+                                      </p:to>
+                                    </p:set>
+                                  </p:childTnLst>
+                                </p:cTn>
+                              </p:par>
+                            </p:childTnLst>
+                          </p:cTn>
+                        </p:par>
+                      </p:childTnLst>
+                    </p:cTn>
+                  </p:par>
+                </p:childTnLst>
+              </p:cTn>
+              <p:prevCondLst>
+                <p:cond evt="onPrev" delay="0">
+                  <p:tgtEl>
+                    <p:sldTgt/>
+                  </p:tgtEl>
+                </p:cond>
+              </p:prevCondLst>
+              <p:nextCondLst>
+                <p:cond evt="onNext" delay="0">
+                  <p:tgtEl>
+                    <p:sldTgt/>
+                  </p:tgtEl>
+                </p:cond>
+              </p:nextCondLst>
+            </p:seq>
+          </p:childTnLst>
+        </p:cTn>
+      </p:par>
+    </p:tnLst>
+  </p:timing>
 </p:sld>
 </file>
 
-<file path=ppt/slides/slide7.xml><?xml version="1.0" encoding="utf-8"?>
-<p:sld xmlns:a="http://schemas.openxmlformats.org/drawingml/2006/main" xmlns:p="http://schemas.openxmlformats.org/presentationml/2006/main" xmlns:r="http://schemas.openxmlformats.org/officeDocument/2006/relationships" xmlns:p14="http://schemas.microsoft.com/office/powerpoint/2010/main" xmlns:p15="http://schemas.microsoft.com/office/powerpoint/2012/main" xmlns:mc="http://schemas.openxmlformats.org/markup-compatibility/2006">
+<file path=ppt/slides/slide6.xml><?xml version="1.0" encoding="utf-8"?>
+<p:sld xmlns:a="http://schemas.openxmlformats.org/drawingml/2006/main" xmlns:r="http://schemas.openxmlformats.org/officeDocument/2006/relationships" xmlns:p="http://schemas.openxmlformats.org/presentationml/2006/main">
   <p:cSld>
     <p:spTree>
       <p:nvGrpSpPr>
@@ -8673,16 +10154,74 @@
           <a:chExt cx="0" cy="0"/>
         </a:xfrm>
       </p:grpSpPr>
-      <p:sp>
-        <p:nvSpPr>
-          <p:cNvPr id="156" name="TextBox 1"/>
+      <p:pic>
+        <p:nvPicPr>
+          <p:cNvPr id="20" name="Рисунок 19">
+            <a:extLst>
+              <a:ext uri="{FF2B5EF4-FFF2-40B4-BE49-F238E27FC236}">
+                <a16:creationId xmlns:a16="http://schemas.microsoft.com/office/drawing/2014/main" id="{E3293CDB-6969-44C4-BDD9-FDA1B280205F}"/>
+              </a:ext>
+            </a:extLst>
+          </p:cNvPr>
+          <p:cNvPicPr>
+            <a:picLocks noChangeAspect="1"/>
+          </p:cNvPicPr>
+          <p:nvPr/>
+        </p:nvPicPr>
+        <p:blipFill rotWithShape="1">
+          <a:blip r:embed="rId2"/>
+          <a:srcRect l="11028" t="75462" r="44339" b="7090"/>
+          <a:stretch/>
+        </p:blipFill>
+        <p:spPr>
+          <a:xfrm>
+            <a:off x="230935" y="3332910"/>
+            <a:ext cx="2905126" cy="1162050"/>
+          </a:xfrm>
+          <a:prstGeom prst="rect">
+            <a:avLst/>
+          </a:prstGeom>
+        </p:spPr>
+      </p:pic>
+      <p:pic>
+        <p:nvPicPr>
+          <p:cNvPr id="24" name="Рисунок 23">
+            <a:extLst>
+              <a:ext uri="{FF2B5EF4-FFF2-40B4-BE49-F238E27FC236}">
+                <a16:creationId xmlns:a16="http://schemas.microsoft.com/office/drawing/2014/main" id="{FB13CEA0-934B-4DC7-B61E-28A86B19DF39}"/>
+              </a:ext>
+            </a:extLst>
+          </p:cNvPr>
+          <p:cNvPicPr>
+            <a:picLocks noChangeAspect="1"/>
+          </p:cNvPicPr>
+          <p:nvPr/>
+        </p:nvPicPr>
+        <p:blipFill rotWithShape="1">
+          <a:blip r:embed="rId3"/>
+          <a:srcRect l="11306" t="80804" r="34867" b="7440"/>
+          <a:stretch/>
+        </p:blipFill>
+        <p:spPr>
+          <a:xfrm>
+            <a:off x="5631793" y="3537697"/>
+            <a:ext cx="3366998" cy="752476"/>
+          </a:xfrm>
+          <a:prstGeom prst="rect">
+            <a:avLst/>
+          </a:prstGeom>
+        </p:spPr>
+      </p:pic>
+      <p:sp>
+        <p:nvSpPr>
+          <p:cNvPr id="148" name="TextBox 1"/>
           <p:cNvSpPr/>
           <p:nvPr/>
         </p:nvSpPr>
         <p:spPr>
           <a:xfrm>
-            <a:off x="683640" y="1196640"/>
-            <a:ext cx="8568720" cy="455400"/>
+            <a:off x="2555640" y="210600"/>
+            <a:ext cx="6048360" cy="546480"/>
           </a:xfrm>
           <a:prstGeom prst="rect">
             <a:avLst/>
@@ -8693,15 +10232,22 @@
           </a:ln>
         </p:spPr>
         <p:style>
-          <a:lnRef idx="0"/>
-          <a:fillRef idx="0"/>
-          <a:effectRef idx="0"/>
+          <a:lnRef idx="0">
+            <a:scrgbClr r="0" g="0" b="0"/>
+          </a:lnRef>
+          <a:fillRef idx="0">
+            <a:scrgbClr r="0" g="0" b="0"/>
+          </a:fillRef>
+          <a:effectRef idx="0">
+            <a:scrgbClr r="0" g="0" b="0"/>
+          </a:effectRef>
           <a:fontRef idx="minor"/>
         </p:style>
         <p:txBody>
-          <a:bodyPr lIns="90000" rIns="90000" tIns="45000" bIns="45000" anchor="t">
+          <a:bodyPr lIns="90000" tIns="45000" rIns="90000" bIns="45000" anchor="t">
             <a:spAutoFit/>
           </a:bodyPr>
+          <a:lstStyle/>
           <a:p>
             <a:pPr algn="ctr">
               <a:lnSpc>
@@ -8710,30 +10256,65 @@
               <a:buNone/>
             </a:pPr>
             <a:r>
-              <a:rPr b="1" lang="ru-RU" sz="2400" spc="-1" strike="noStrike">
+              <a:rPr lang="ru-RU" sz="3000" b="0" strike="noStrike" spc="-1">
                 <a:solidFill>
-                  <a:srgbClr val="000000"/>
+                  <a:srgbClr val="FFFFFF"/>
                 </a:solidFill>
                 <a:latin typeface="Calibri"/>
               </a:rPr>
-              <a:t>Окно поиска специальностей в ВУЗах</a:t>
+              <a:t>Калькулятор ЕГЭ</a:t>
             </a:r>
-            <a:endParaRPr b="0" lang="en-US" sz="2400" spc="-1" strike="noStrike">
+            <a:endParaRPr lang="en-US" sz="3000" b="0" strike="noStrike" spc="-1">
               <a:latin typeface="Arial"/>
             </a:endParaRPr>
           </a:p>
         </p:txBody>
       </p:sp>
-      <p:sp>
-        <p:nvSpPr>
-          <p:cNvPr id="157" name="TextBox 2"/>
+      <p:pic>
+        <p:nvPicPr>
+          <p:cNvPr id="5" name="Рисунок 4">
+            <a:extLst>
+              <a:ext uri="{FF2B5EF4-FFF2-40B4-BE49-F238E27FC236}">
+                <a16:creationId xmlns:a16="http://schemas.microsoft.com/office/drawing/2014/main" id="{6941127F-2CC6-4B39-9A20-6DC041E4C06F}"/>
+              </a:ext>
+            </a:extLst>
+          </p:cNvPr>
+          <p:cNvPicPr>
+            <a:picLocks noChangeAspect="1"/>
+          </p:cNvPicPr>
+          <p:nvPr/>
+        </p:nvPicPr>
+        <p:blipFill rotWithShape="1">
+          <a:blip r:embed="rId4"/>
+          <a:srcRect l="22813" t="38333" r="22014" b="28194"/>
+          <a:stretch/>
+        </p:blipFill>
+        <p:spPr>
+          <a:xfrm>
+            <a:off x="-2224860" y="1119765"/>
+            <a:ext cx="1986735" cy="2313059"/>
+          </a:xfrm>
+          <a:prstGeom prst="rect">
+            <a:avLst/>
+          </a:prstGeom>
+        </p:spPr>
+      </p:pic>
+      <p:sp>
+        <p:nvSpPr>
+          <p:cNvPr id="7" name="TextBox 3">
+            <a:extLst>
+              <a:ext uri="{FF2B5EF4-FFF2-40B4-BE49-F238E27FC236}">
+                <a16:creationId xmlns:a16="http://schemas.microsoft.com/office/drawing/2014/main" id="{278AF086-ABC9-4E03-82EB-0CB285CA43B2}"/>
+              </a:ext>
+            </a:extLst>
+          </p:cNvPr>
           <p:cNvSpPr/>
           <p:nvPr/>
         </p:nvSpPr>
         <p:spPr>
           <a:xfrm>
-            <a:off x="2555640" y="210600"/>
-            <a:ext cx="6048360" cy="546480"/>
+            <a:off x="287640" y="1119765"/>
+            <a:ext cx="8568720" cy="821160"/>
           </a:xfrm>
           <a:prstGeom prst="rect">
             <a:avLst/>
@@ -8744,15 +10325,22 @@
           </a:ln>
         </p:spPr>
         <p:style>
-          <a:lnRef idx="0"/>
-          <a:fillRef idx="0"/>
-          <a:effectRef idx="0"/>
+          <a:lnRef idx="0">
+            <a:scrgbClr r="0" g="0" b="0"/>
+          </a:lnRef>
+          <a:fillRef idx="0">
+            <a:scrgbClr r="0" g="0" b="0"/>
+          </a:fillRef>
+          <a:effectRef idx="0">
+            <a:scrgbClr r="0" g="0" b="0"/>
+          </a:effectRef>
           <a:fontRef idx="minor"/>
         </p:style>
         <p:txBody>
-          <a:bodyPr lIns="90000" rIns="90000" tIns="45000" bIns="45000" anchor="t">
+          <a:bodyPr lIns="90000" tIns="45000" rIns="90000" bIns="45000" anchor="t">
             <a:spAutoFit/>
           </a:bodyPr>
+          <a:lstStyle/>
           <a:p>
             <a:pPr algn="ctr">
               <a:lnSpc>
@@ -8761,15 +10349,15 @@
               <a:buNone/>
             </a:pPr>
             <a:r>
-              <a:rPr b="0" lang="ru-RU" sz="3000" spc="-1" strike="noStrike">
+              <a:rPr lang="ru-RU" sz="2400" b="1" strike="noStrike" spc="-1" dirty="0">
                 <a:solidFill>
-                  <a:srgbClr val="ffffff"/>
+                  <a:srgbClr val="000000"/>
                 </a:solidFill>
                 <a:latin typeface="Calibri"/>
               </a:rPr>
-              <a:t>Калькулятор ЕГЭ</a:t>
+              <a:t>Инструменты для сохранения / редактирования баллов ЕГЭ</a:t>
             </a:r>
-            <a:endParaRPr b="0" lang="en-US" sz="3000" spc="-1" strike="noStrike">
+            <a:endParaRPr lang="en-US" sz="2400" b="0" strike="noStrike" spc="-1" dirty="0">
               <a:latin typeface="Arial"/>
             </a:endParaRPr>
           </a:p>
@@ -8777,42 +10365,300 @@
       </p:sp>
       <p:pic>
         <p:nvPicPr>
-          <p:cNvPr id="158" name="" descr=""/>
-          <p:cNvPicPr/>
+          <p:cNvPr id="15" name="Рисунок 14">
+            <a:extLst>
+              <a:ext uri="{FF2B5EF4-FFF2-40B4-BE49-F238E27FC236}">
+                <a16:creationId xmlns:a16="http://schemas.microsoft.com/office/drawing/2014/main" id="{38D5A038-3BE5-4D3B-9E6E-20887A308433}"/>
+              </a:ext>
+            </a:extLst>
+          </p:cNvPr>
+          <p:cNvPicPr>
+            <a:picLocks noChangeAspect="1"/>
+          </p:cNvPicPr>
           <p:nvPr/>
         </p:nvPicPr>
-        <p:blipFill>
-          <a:blip r:embed="rId1"/>
+        <p:blipFill rotWithShape="1">
+          <a:blip r:embed="rId5"/>
+          <a:srcRect l="10633" t="32095" r="31812" b="6954"/>
           <a:stretch/>
         </p:blipFill>
         <p:spPr>
           <a:xfrm>
-            <a:off x="2743200" y="2030040"/>
-            <a:ext cx="3927600" cy="3684960"/>
-          </a:xfrm>
-          <a:prstGeom prst="rect">
-            <a:avLst/>
-          </a:prstGeom>
-          <a:ln w="0">
-            <a:noFill/>
-          </a:ln>
+            <a:off x="0" y="2089637"/>
+            <a:ext cx="3366997" cy="3648599"/>
+          </a:xfrm>
+          <a:prstGeom prst="rect">
+            <a:avLst/>
+          </a:prstGeom>
+        </p:spPr>
+      </p:pic>
+      <p:pic>
+        <p:nvPicPr>
+          <p:cNvPr id="22" name="Рисунок 21">
+            <a:extLst>
+              <a:ext uri="{FF2B5EF4-FFF2-40B4-BE49-F238E27FC236}">
+                <a16:creationId xmlns:a16="http://schemas.microsoft.com/office/drawing/2014/main" id="{22D8CFBB-99D3-46C4-974B-7CE29E6A3C52}"/>
+              </a:ext>
+            </a:extLst>
+          </p:cNvPr>
+          <p:cNvPicPr>
+            <a:picLocks noChangeAspect="1"/>
+          </p:cNvPicPr>
+          <p:nvPr/>
+        </p:nvPicPr>
+        <p:blipFill rotWithShape="1">
+          <a:blip r:embed="rId5"/>
+          <a:srcRect l="10633" t="32095" r="31812" b="6954"/>
+          <a:stretch/>
+        </p:blipFill>
+        <p:spPr>
+          <a:xfrm>
+            <a:off x="5624605" y="2089636"/>
+            <a:ext cx="3366997" cy="3648599"/>
+          </a:xfrm>
+          <a:prstGeom prst="rect">
+            <a:avLst/>
+          </a:prstGeom>
         </p:spPr>
       </p:pic>
     </p:spTree>
+    <p:extLst>
+      <p:ext uri="{BB962C8B-B14F-4D97-AF65-F5344CB8AC3E}">
+        <p14:creationId xmlns:p14="http://schemas.microsoft.com/office/powerpoint/2010/main" val="944646027"/>
+      </p:ext>
+    </p:extLst>
   </p:cSld>
-  <mc:AlternateContent>
-    <mc:Choice Requires="p14">
-      <p:transition spd="slow" p14:dur="2000"/>
+  <p:clrMapOvr>
+    <a:masterClrMapping/>
+  </p:clrMapOvr>
+  <mc:AlternateContent xmlns:mc="http://schemas.openxmlformats.org/markup-compatibility/2006">
+    <mc:Choice xmlns:p159="http://schemas.microsoft.com/office/powerpoint/2015/09/main" Requires="p159">
+      <p:transition xmlns:p14="http://schemas.microsoft.com/office/powerpoint/2010/main" spd="slow" p14:dur="2000">
+        <p159:morph option="byObject"/>
+      </p:transition>
     </mc:Choice>
     <mc:Fallback>
-      <p:transition spd="slow"/>
+      <p:transition spd="slow">
+        <p:fade/>
+      </p:transition>
     </mc:Fallback>
   </mc:AlternateContent>
+  <p:timing>
+    <p:tnLst>
+      <p:par>
+        <p:cTn id="1" dur="indefinite" restart="never" nodeType="tmRoot">
+          <p:childTnLst>
+            <p:seq concurrent="1" nextAc="seek">
+              <p:cTn id="2" dur="indefinite" nodeType="mainSeq">
+                <p:childTnLst>
+                  <p:par>
+                    <p:cTn id="3" fill="hold">
+                      <p:stCondLst>
+                        <p:cond delay="indefinite"/>
+                        <p:cond evt="onBegin" delay="0">
+                          <p:tn val="2"/>
+                        </p:cond>
+                      </p:stCondLst>
+                      <p:childTnLst>
+                        <p:par>
+                          <p:cTn id="4" fill="hold">
+                            <p:stCondLst>
+                              <p:cond delay="0"/>
+                            </p:stCondLst>
+                            <p:childTnLst>
+                              <p:par>
+                                <p:cTn id="5" presetID="1" presetClass="entr" presetSubtype="0" fill="hold" nodeType="afterEffect">
+                                  <p:stCondLst>
+                                    <p:cond delay="0"/>
+                                  </p:stCondLst>
+                                  <p:childTnLst>
+                                    <p:set>
+                                      <p:cBhvr>
+                                        <p:cTn id="6" dur="1" fill="hold">
+                                          <p:stCondLst>
+                                            <p:cond delay="0"/>
+                                          </p:stCondLst>
+                                        </p:cTn>
+                                        <p:tgtEl>
+                                          <p:spTgt spid="20"/>
+                                        </p:tgtEl>
+                                        <p:attrNameLst>
+                                          <p:attrName>style.visibility</p:attrName>
+                                        </p:attrNameLst>
+                                      </p:cBhvr>
+                                      <p:to>
+                                        <p:strVal val="visible"/>
+                                      </p:to>
+                                    </p:set>
+                                  </p:childTnLst>
+                                </p:cTn>
+                              </p:par>
+                              <p:par>
+                                <p:cTn id="7" presetID="1" presetClass="entr" presetSubtype="0" fill="hold" nodeType="withEffect">
+                                  <p:stCondLst>
+                                    <p:cond delay="250"/>
+                                  </p:stCondLst>
+                                  <p:childTnLst>
+                                    <p:set>
+                                      <p:cBhvr>
+                                        <p:cTn id="8" dur="1" fill="hold">
+                                          <p:stCondLst>
+                                            <p:cond delay="0"/>
+                                          </p:stCondLst>
+                                        </p:cTn>
+                                        <p:tgtEl>
+                                          <p:spTgt spid="24"/>
+                                        </p:tgtEl>
+                                        <p:attrNameLst>
+                                          <p:attrName>style.visibility</p:attrName>
+                                        </p:attrNameLst>
+                                      </p:cBhvr>
+                                      <p:to>
+                                        <p:strVal val="visible"/>
+                                      </p:to>
+                                    </p:set>
+                                  </p:childTnLst>
+                                </p:cTn>
+                              </p:par>
+                            </p:childTnLst>
+                          </p:cTn>
+                        </p:par>
+                      </p:childTnLst>
+                    </p:cTn>
+                  </p:par>
+                  <p:par>
+                    <p:cTn id="9" fill="hold">
+                      <p:stCondLst>
+                        <p:cond delay="indefinite"/>
+                      </p:stCondLst>
+                      <p:childTnLst>
+                        <p:par>
+                          <p:cTn id="10" fill="hold">
+                            <p:stCondLst>
+                              <p:cond delay="0"/>
+                            </p:stCondLst>
+                            <p:childTnLst>
+                              <p:par>
+                                <p:cTn id="11" presetID="10" presetClass="exit" presetSubtype="0" fill="hold" nodeType="clickEffect">
+                                  <p:stCondLst>
+                                    <p:cond delay="0"/>
+                                  </p:stCondLst>
+                                  <p:childTnLst>
+                                    <p:animEffect transition="out" filter="fade">
+                                      <p:cBhvr>
+                                        <p:cTn id="12" dur="500"/>
+                                        <p:tgtEl>
+                                          <p:spTgt spid="15"/>
+                                        </p:tgtEl>
+                                      </p:cBhvr>
+                                    </p:animEffect>
+                                    <p:set>
+                                      <p:cBhvr>
+                                        <p:cTn id="13" dur="1" fill="hold">
+                                          <p:stCondLst>
+                                            <p:cond delay="499"/>
+                                          </p:stCondLst>
+                                        </p:cTn>
+                                        <p:tgtEl>
+                                          <p:spTgt spid="15"/>
+                                        </p:tgtEl>
+                                        <p:attrNameLst>
+                                          <p:attrName>style.visibility</p:attrName>
+                                        </p:attrNameLst>
+                                      </p:cBhvr>
+                                      <p:to>
+                                        <p:strVal val="hidden"/>
+                                      </p:to>
+                                    </p:set>
+                                  </p:childTnLst>
+                                </p:cTn>
+                              </p:par>
+                            </p:childTnLst>
+                          </p:cTn>
+                        </p:par>
+                      </p:childTnLst>
+                    </p:cTn>
+                  </p:par>
+                  <p:par>
+                    <p:cTn id="14" fill="hold">
+                      <p:stCondLst>
+                        <p:cond delay="indefinite"/>
+                      </p:stCondLst>
+                      <p:childTnLst>
+                        <p:par>
+                          <p:cTn id="15" fill="hold">
+                            <p:stCondLst>
+                              <p:cond delay="0"/>
+                            </p:stCondLst>
+                            <p:childTnLst>
+                              <p:par>
+                                <p:cTn id="16" presetID="10" presetClass="exit" presetSubtype="0" fill="hold" nodeType="clickEffect">
+                                  <p:stCondLst>
+                                    <p:cond delay="0"/>
+                                  </p:stCondLst>
+                                  <p:childTnLst>
+                                    <p:animEffect transition="out" filter="fade">
+                                      <p:cBhvr>
+                                        <p:cTn id="17" dur="500"/>
+                                        <p:tgtEl>
+                                          <p:spTgt spid="22"/>
+                                        </p:tgtEl>
+                                      </p:cBhvr>
+                                    </p:animEffect>
+                                    <p:set>
+                                      <p:cBhvr>
+                                        <p:cTn id="18" dur="1" fill="hold">
+                                          <p:stCondLst>
+                                            <p:cond delay="499"/>
+                                          </p:stCondLst>
+                                        </p:cTn>
+                                        <p:tgtEl>
+                                          <p:spTgt spid="22"/>
+                                        </p:tgtEl>
+                                        <p:attrNameLst>
+                                          <p:attrName>style.visibility</p:attrName>
+                                        </p:attrNameLst>
+                                      </p:cBhvr>
+                                      <p:to>
+                                        <p:strVal val="hidden"/>
+                                      </p:to>
+                                    </p:set>
+                                  </p:childTnLst>
+                                </p:cTn>
+                              </p:par>
+                            </p:childTnLst>
+                          </p:cTn>
+                        </p:par>
+                      </p:childTnLst>
+                    </p:cTn>
+                  </p:par>
+                </p:childTnLst>
+              </p:cTn>
+              <p:prevCondLst>
+                <p:cond evt="onPrev" delay="0">
+                  <p:tgtEl>
+                    <p:sldTgt/>
+                  </p:tgtEl>
+                </p:cond>
+              </p:prevCondLst>
+              <p:nextCondLst>
+                <p:cond evt="onNext" delay="0">
+                  <p:tgtEl>
+                    <p:sldTgt/>
+                  </p:tgtEl>
+                </p:cond>
+              </p:nextCondLst>
+            </p:seq>
+          </p:childTnLst>
+        </p:cTn>
+      </p:par>
+    </p:tnLst>
+  </p:timing>
 </p:sld>
 </file>
 
-<file path=ppt/slides/slide8.xml><?xml version="1.0" encoding="utf-8"?>
-<p:sld xmlns:a="http://schemas.openxmlformats.org/drawingml/2006/main" xmlns:p="http://schemas.openxmlformats.org/presentationml/2006/main" xmlns:r="http://schemas.openxmlformats.org/officeDocument/2006/relationships" xmlns:p14="http://schemas.microsoft.com/office/powerpoint/2010/main" xmlns:p15="http://schemas.microsoft.com/office/powerpoint/2012/main" xmlns:mc="http://schemas.openxmlformats.org/markup-compatibility/2006">
+<file path=ppt/slides/slide7.xml><?xml version="1.0" encoding="utf-8"?>
+<p:sld xmlns:a="http://schemas.openxmlformats.org/drawingml/2006/main" xmlns:r="http://schemas.openxmlformats.org/officeDocument/2006/relationships" xmlns:p="http://schemas.openxmlformats.org/presentationml/2006/main">
   <p:cSld>
     <p:spTree>
       <p:nvGrpSpPr>
@@ -8828,6 +10674,390 @@
           <a:chExt cx="0" cy="0"/>
         </a:xfrm>
       </p:grpSpPr>
+      <p:pic>
+        <p:nvPicPr>
+          <p:cNvPr id="3" name="Рисунок 2">
+            <a:extLst>
+              <a:ext uri="{FF2B5EF4-FFF2-40B4-BE49-F238E27FC236}">
+                <a16:creationId xmlns:a16="http://schemas.microsoft.com/office/drawing/2014/main" id="{AAB7F0B0-AF2C-4398-839C-366C86E660D1}"/>
+              </a:ext>
+            </a:extLst>
+          </p:cNvPr>
+          <p:cNvPicPr>
+            <a:picLocks noChangeAspect="1"/>
+          </p:cNvPicPr>
+          <p:nvPr/>
+        </p:nvPicPr>
+        <p:blipFill>
+          <a:blip r:embed="rId2"/>
+          <a:stretch>
+            <a:fillRect/>
+          </a:stretch>
+        </p:blipFill>
+        <p:spPr>
+          <a:xfrm>
+            <a:off x="3341947" y="3016461"/>
+            <a:ext cx="2460105" cy="1304925"/>
+          </a:xfrm>
+          <a:prstGeom prst="rect">
+            <a:avLst/>
+          </a:prstGeom>
+        </p:spPr>
+      </p:pic>
+      <p:pic>
+        <p:nvPicPr>
+          <p:cNvPr id="5" name="Рисунок 4">
+            <a:extLst>
+              <a:ext uri="{FF2B5EF4-FFF2-40B4-BE49-F238E27FC236}">
+                <a16:creationId xmlns:a16="http://schemas.microsoft.com/office/drawing/2014/main" id="{CA484A9F-7962-45A0-9586-30C46C55CD62}"/>
+              </a:ext>
+            </a:extLst>
+          </p:cNvPr>
+          <p:cNvPicPr>
+            <a:picLocks noChangeAspect="1"/>
+          </p:cNvPicPr>
+          <p:nvPr/>
+        </p:nvPicPr>
+        <p:blipFill>
+          <a:blip r:embed="rId3">
+            <a:extLst>
+              <a:ext uri="{28A0092B-C50C-407E-A947-70E740481C1C}">
+                <a14:useLocalDpi xmlns:a14="http://schemas.microsoft.com/office/drawing/2010/main" val="0"/>
+              </a:ext>
+            </a:extLst>
+          </a:blip>
+          <a:srcRect/>
+          <a:stretch/>
+        </p:blipFill>
+        <p:spPr>
+          <a:xfrm>
+            <a:off x="2743342" y="1561050"/>
+            <a:ext cx="3473862" cy="4765895"/>
+          </a:xfrm>
+          <a:prstGeom prst="rect">
+            <a:avLst/>
+          </a:prstGeom>
+          <a:noFill/>
+          <a:effectLst>
+            <a:softEdge rad="0"/>
+          </a:effectLst>
+        </p:spPr>
+      </p:pic>
+      <p:sp>
+        <p:nvSpPr>
+          <p:cNvPr id="156" name="TextBox 1"/>
+          <p:cNvSpPr/>
+          <p:nvPr/>
+        </p:nvSpPr>
+        <p:spPr>
+          <a:xfrm>
+            <a:off x="683640" y="1196640"/>
+            <a:ext cx="8568720" cy="455400"/>
+          </a:xfrm>
+          <a:prstGeom prst="rect">
+            <a:avLst/>
+          </a:prstGeom>
+          <a:noFill/>
+          <a:ln w="0">
+            <a:noFill/>
+          </a:ln>
+        </p:spPr>
+        <p:style>
+          <a:lnRef idx="0">
+            <a:scrgbClr r="0" g="0" b="0"/>
+          </a:lnRef>
+          <a:fillRef idx="0">
+            <a:scrgbClr r="0" g="0" b="0"/>
+          </a:fillRef>
+          <a:effectRef idx="0">
+            <a:scrgbClr r="0" g="0" b="0"/>
+          </a:effectRef>
+          <a:fontRef idx="minor"/>
+        </p:style>
+        <p:txBody>
+          <a:bodyPr lIns="90000" tIns="45000" rIns="90000" bIns="45000" anchor="t">
+            <a:spAutoFit/>
+          </a:bodyPr>
+          <a:lstStyle/>
+          <a:p>
+            <a:pPr algn="ctr">
+              <a:lnSpc>
+                <a:spcPct val="100000"/>
+              </a:lnSpc>
+              <a:buNone/>
+            </a:pPr>
+            <a:r>
+              <a:rPr lang="ru-RU" sz="2400" b="1" strike="noStrike" spc="-1">
+                <a:solidFill>
+                  <a:srgbClr val="000000"/>
+                </a:solidFill>
+                <a:latin typeface="Calibri"/>
+              </a:rPr>
+              <a:t>Окно поиска специальностей в ВУЗах</a:t>
+            </a:r>
+            <a:endParaRPr lang="en-US" sz="2400" b="0" strike="noStrike" spc="-1">
+              <a:latin typeface="Arial"/>
+            </a:endParaRPr>
+          </a:p>
+        </p:txBody>
+      </p:sp>
+      <p:sp>
+        <p:nvSpPr>
+          <p:cNvPr id="157" name="TextBox 2"/>
+          <p:cNvSpPr/>
+          <p:nvPr/>
+        </p:nvSpPr>
+        <p:spPr>
+          <a:xfrm>
+            <a:off x="2555640" y="210600"/>
+            <a:ext cx="6048360" cy="546480"/>
+          </a:xfrm>
+          <a:prstGeom prst="rect">
+            <a:avLst/>
+          </a:prstGeom>
+          <a:noFill/>
+          <a:ln w="0">
+            <a:noFill/>
+          </a:ln>
+        </p:spPr>
+        <p:style>
+          <a:lnRef idx="0">
+            <a:scrgbClr r="0" g="0" b="0"/>
+          </a:lnRef>
+          <a:fillRef idx="0">
+            <a:scrgbClr r="0" g="0" b="0"/>
+          </a:fillRef>
+          <a:effectRef idx="0">
+            <a:scrgbClr r="0" g="0" b="0"/>
+          </a:effectRef>
+          <a:fontRef idx="minor"/>
+        </p:style>
+        <p:txBody>
+          <a:bodyPr lIns="90000" tIns="45000" rIns="90000" bIns="45000" anchor="t">
+            <a:spAutoFit/>
+          </a:bodyPr>
+          <a:lstStyle/>
+          <a:p>
+            <a:pPr algn="ctr">
+              <a:lnSpc>
+                <a:spcPct val="100000"/>
+              </a:lnSpc>
+              <a:buNone/>
+            </a:pPr>
+            <a:r>
+              <a:rPr lang="ru-RU" sz="3000" b="0" strike="noStrike" spc="-1">
+                <a:solidFill>
+                  <a:srgbClr val="FFFFFF"/>
+                </a:solidFill>
+                <a:latin typeface="Calibri"/>
+              </a:rPr>
+              <a:t>Калькулятор ЕГЭ</a:t>
+            </a:r>
+            <a:endParaRPr lang="en-US" sz="3000" b="0" strike="noStrike" spc="-1">
+              <a:latin typeface="Arial"/>
+            </a:endParaRPr>
+          </a:p>
+        </p:txBody>
+      </p:sp>
+      <p:pic>
+        <p:nvPicPr>
+          <p:cNvPr id="9" name="Рисунок 8">
+            <a:extLst>
+              <a:ext uri="{FF2B5EF4-FFF2-40B4-BE49-F238E27FC236}">
+                <a16:creationId xmlns:a16="http://schemas.microsoft.com/office/drawing/2014/main" id="{48690169-BBF1-4154-BE62-30EE3E50D9F9}"/>
+              </a:ext>
+            </a:extLst>
+          </p:cNvPr>
+          <p:cNvPicPr>
+            <a:picLocks noChangeAspect="1"/>
+          </p:cNvPicPr>
+          <p:nvPr/>
+        </p:nvPicPr>
+        <p:blipFill>
+          <a:blip r:embed="rId4"/>
+          <a:stretch>
+            <a:fillRect/>
+          </a:stretch>
+        </p:blipFill>
+        <p:spPr>
+          <a:xfrm>
+            <a:off x="-3810425" y="1190533"/>
+            <a:ext cx="3143675" cy="3143675"/>
+          </a:xfrm>
+          <a:prstGeom prst="ellipse">
+            <a:avLst/>
+          </a:prstGeom>
+          <a:ln>
+            <a:noFill/>
+          </a:ln>
+          <a:effectLst>
+            <a:softEdge rad="63500"/>
+          </a:effectLst>
+        </p:spPr>
+      </p:pic>
+    </p:spTree>
+  </p:cSld>
+  <p:clrMapOvr>
+    <a:masterClrMapping/>
+  </p:clrMapOvr>
+  <mc:AlternateContent xmlns:mc="http://schemas.openxmlformats.org/markup-compatibility/2006">
+    <mc:Choice xmlns:p14="http://schemas.microsoft.com/office/powerpoint/2010/main" Requires="p14">
+      <p:transition spd="med" p14:dur="700">
+        <p:fade/>
+      </p:transition>
+    </mc:Choice>
+    <mc:Fallback>
+      <p:transition spd="med">
+        <p:fade/>
+      </p:transition>
+    </mc:Fallback>
+  </mc:AlternateContent>
+  <p:timing>
+    <p:tnLst>
+      <p:par>
+        <p:cTn id="1" dur="indefinite" restart="never" nodeType="tmRoot">
+          <p:childTnLst>
+            <p:seq concurrent="1" nextAc="seek">
+              <p:cTn id="2" dur="indefinite" nodeType="mainSeq">
+                <p:childTnLst>
+                  <p:par>
+                    <p:cTn id="3" fill="hold">
+                      <p:stCondLst>
+                        <p:cond delay="indefinite"/>
+                      </p:stCondLst>
+                      <p:childTnLst>
+                        <p:par>
+                          <p:cTn id="4" fill="hold">
+                            <p:stCondLst>
+                              <p:cond delay="0"/>
+                            </p:stCondLst>
+                            <p:childTnLst>
+                              <p:par>
+                                <p:cTn id="5" presetID="22" presetClass="entr" presetSubtype="1" fill="hold" nodeType="clickEffect">
+                                  <p:stCondLst>
+                                    <p:cond delay="0"/>
+                                  </p:stCondLst>
+                                  <p:childTnLst>
+                                    <p:set>
+                                      <p:cBhvr>
+                                        <p:cTn id="6" dur="1" fill="hold">
+                                          <p:stCondLst>
+                                            <p:cond delay="0"/>
+                                          </p:stCondLst>
+                                        </p:cTn>
+                                        <p:tgtEl>
+                                          <p:spTgt spid="5"/>
+                                        </p:tgtEl>
+                                        <p:attrNameLst>
+                                          <p:attrName>style.visibility</p:attrName>
+                                        </p:attrNameLst>
+                                      </p:cBhvr>
+                                      <p:to>
+                                        <p:strVal val="visible"/>
+                                      </p:to>
+                                    </p:set>
+                                    <p:animEffect transition="in" filter="wipe(up)">
+                                      <p:cBhvr>
+                                        <p:cTn id="7" dur="1000"/>
+                                        <p:tgtEl>
+                                          <p:spTgt spid="5"/>
+                                        </p:tgtEl>
+                                      </p:cBhvr>
+                                    </p:animEffect>
+                                  </p:childTnLst>
+                                </p:cTn>
+                              </p:par>
+                              <p:par>
+                                <p:cTn id="8" presetID="22" presetClass="exit" presetSubtype="1" fill="hold" nodeType="withEffect">
+                                  <p:stCondLst>
+                                    <p:cond delay="0"/>
+                                  </p:stCondLst>
+                                  <p:childTnLst>
+                                    <p:animEffect transition="out" filter="wipe(up)">
+                                      <p:cBhvr>
+                                        <p:cTn id="9" dur="1000"/>
+                                        <p:tgtEl>
+                                          <p:spTgt spid="3"/>
+                                        </p:tgtEl>
+                                      </p:cBhvr>
+                                    </p:animEffect>
+                                    <p:set>
+                                      <p:cBhvr>
+                                        <p:cTn id="10" dur="1" fill="hold">
+                                          <p:stCondLst>
+                                            <p:cond delay="999"/>
+                                          </p:stCondLst>
+                                        </p:cTn>
+                                        <p:tgtEl>
+                                          <p:spTgt spid="3"/>
+                                        </p:tgtEl>
+                                        <p:attrNameLst>
+                                          <p:attrName>style.visibility</p:attrName>
+                                        </p:attrNameLst>
+                                      </p:cBhvr>
+                                      <p:to>
+                                        <p:strVal val="hidden"/>
+                                      </p:to>
+                                    </p:set>
+                                  </p:childTnLst>
+                                </p:cTn>
+                              </p:par>
+                            </p:childTnLst>
+                          </p:cTn>
+                        </p:par>
+                      </p:childTnLst>
+                    </p:cTn>
+                  </p:par>
+                </p:childTnLst>
+              </p:cTn>
+              <p:prevCondLst>
+                <p:cond evt="onPrev" delay="0">
+                  <p:tgtEl>
+                    <p:sldTgt/>
+                  </p:tgtEl>
+                </p:cond>
+              </p:prevCondLst>
+              <p:nextCondLst>
+                <p:cond evt="onNext" delay="0">
+                  <p:tgtEl>
+                    <p:sldTgt/>
+                  </p:tgtEl>
+                </p:cond>
+              </p:nextCondLst>
+            </p:seq>
+          </p:childTnLst>
+        </p:cTn>
+      </p:par>
+    </p:tnLst>
+  </p:timing>
+</p:sld>
+</file>
+
+<file path=ppt/slides/slide8.xml><?xml version="1.0" encoding="utf-8"?>
+<p:sld xmlns:a="http://schemas.openxmlformats.org/drawingml/2006/main" xmlns:r="http://schemas.openxmlformats.org/officeDocument/2006/relationships" xmlns:p="http://schemas.openxmlformats.org/presentationml/2006/main">
+  <p:cSld>
+    <p:bg>
+      <p:bgPr>
+        <a:solidFill>
+          <a:srgbClr val="FFFFFF"/>
+        </a:solidFill>
+        <a:effectLst/>
+      </p:bgPr>
+    </p:bg>
+    <p:spTree>
+      <p:nvGrpSpPr>
+        <p:cNvPr id="1" name=""/>
+        <p:cNvGrpSpPr/>
+        <p:nvPr/>
+      </p:nvGrpSpPr>
+      <p:grpSpPr>
+        <a:xfrm>
+          <a:off x="0" y="0"/>
+          <a:ext cx="0" cy="0"/>
+          <a:chOff x="0" y="0"/>
+          <a:chExt cx="0" cy="0"/>
+        </a:xfrm>
+      </p:grpSpPr>
       <p:sp>
         <p:nvSpPr>
           <p:cNvPr id="159" name="TextBox 1"/>
@@ -8836,8 +11066,8 @@
         </p:nvSpPr>
         <p:spPr>
           <a:xfrm>
-            <a:off x="323640" y="1340640"/>
-            <a:ext cx="8568720" cy="2649960"/>
+            <a:off x="3400424" y="2162932"/>
+            <a:ext cx="5629701" cy="1198875"/>
           </a:xfrm>
           <a:prstGeom prst="rect">
             <a:avLst/>
@@ -8848,15 +11078,22 @@
           </a:ln>
         </p:spPr>
         <p:style>
-          <a:lnRef idx="0"/>
-          <a:fillRef idx="0"/>
-          <a:effectRef idx="0"/>
+          <a:lnRef idx="0">
+            <a:scrgbClr r="0" g="0" b="0"/>
+          </a:lnRef>
+          <a:fillRef idx="0">
+            <a:scrgbClr r="0" g="0" b="0"/>
+          </a:fillRef>
+          <a:effectRef idx="0">
+            <a:scrgbClr r="0" g="0" b="0"/>
+          </a:effectRef>
           <a:fontRef idx="minor"/>
         </p:style>
         <p:txBody>
-          <a:bodyPr lIns="90000" rIns="90000" tIns="45000" bIns="45000" anchor="t">
+          <a:bodyPr wrap="square" lIns="90000" tIns="45000" rIns="90000" bIns="45000" anchor="t">
             <a:spAutoFit/>
           </a:bodyPr>
+          <a:lstStyle/>
           <a:p>
             <a:pPr>
               <a:lnSpc>
@@ -8865,7 +11102,7 @@
               <a:buNone/>
             </a:pPr>
             <a:r>
-              <a:rPr b="0" lang="ru-RU" sz="2400" spc="-1" strike="noStrike">
+              <a:rPr lang="ru-RU" sz="2400" b="0" strike="noStrike" spc="-1" dirty="0">
                 <a:solidFill>
                   <a:srgbClr val="000000"/>
                 </a:solidFill>
@@ -8873,21 +11110,133 @@
               </a:rPr>
               <a:t>С помощью данного калькулятора выпускник может быстро узнать в какие ВУЗы у него есть возможность поступить. </a:t>
             </a:r>
-            <a:endParaRPr b="0" lang="en-US" sz="2400" spc="-1" strike="noStrike">
+            <a:endParaRPr lang="en-US" sz="2400" b="0" strike="noStrike" spc="-1" dirty="0">
               <a:latin typeface="Arial"/>
             </a:endParaRPr>
           </a:p>
-          <a:p>
-            <a:pPr>
+        </p:txBody>
+      </p:sp>
+      <p:sp>
+        <p:nvSpPr>
+          <p:cNvPr id="160" name="TextBox 2"/>
+          <p:cNvSpPr/>
+          <p:nvPr/>
+        </p:nvSpPr>
+        <p:spPr>
+          <a:xfrm>
+            <a:off x="2555640" y="210600"/>
+            <a:ext cx="6048360" cy="546480"/>
+          </a:xfrm>
+          <a:prstGeom prst="rect">
+            <a:avLst/>
+          </a:prstGeom>
+          <a:noFill/>
+          <a:ln w="0">
+            <a:noFill/>
+          </a:ln>
+        </p:spPr>
+        <p:style>
+          <a:lnRef idx="0">
+            <a:scrgbClr r="0" g="0" b="0"/>
+          </a:lnRef>
+          <a:fillRef idx="0">
+            <a:scrgbClr r="0" g="0" b="0"/>
+          </a:fillRef>
+          <a:effectRef idx="0">
+            <a:scrgbClr r="0" g="0" b="0"/>
+          </a:effectRef>
+          <a:fontRef idx="minor"/>
+        </p:style>
+        <p:txBody>
+          <a:bodyPr lIns="90000" tIns="45000" rIns="90000" bIns="45000" anchor="t">
+            <a:spAutoFit/>
+          </a:bodyPr>
+          <a:lstStyle/>
+          <a:p>
+            <a:pPr algn="ctr">
               <a:lnSpc>
                 <a:spcPct val="100000"/>
               </a:lnSpc>
               <a:buNone/>
             </a:pPr>
-            <a:endParaRPr b="0" lang="en-US" sz="2400" spc="-1" strike="noStrike">
+            <a:r>
+              <a:rPr lang="ru-RU" sz="3000" b="0" strike="noStrike" spc="-1">
+                <a:solidFill>
+                  <a:srgbClr val="FFFFFF"/>
+                </a:solidFill>
+                <a:latin typeface="Calibri"/>
+              </a:rPr>
+              <a:t>Калькулятор ЕГЭ</a:t>
+            </a:r>
+            <a:endParaRPr lang="en-US" sz="3000" b="0" strike="noStrike" spc="-1">
               <a:latin typeface="Arial"/>
             </a:endParaRPr>
           </a:p>
+        </p:txBody>
+      </p:sp>
+      <p:pic>
+        <p:nvPicPr>
+          <p:cNvPr id="8" name="Рисунок 7">
+            <a:extLst>
+              <a:ext uri="{FF2B5EF4-FFF2-40B4-BE49-F238E27FC236}">
+                <a16:creationId xmlns:a16="http://schemas.microsoft.com/office/drawing/2014/main" id="{2705703C-0857-4F98-8E4B-6D28B0D38767}"/>
+              </a:ext>
+            </a:extLst>
+          </p:cNvPr>
+          <p:cNvPicPr>
+            <a:picLocks noChangeAspect="1"/>
+          </p:cNvPicPr>
+          <p:nvPr/>
+        </p:nvPicPr>
+        <p:blipFill>
+          <a:blip r:embed="rId2"/>
+          <a:stretch>
+            <a:fillRect/>
+          </a:stretch>
+        </p:blipFill>
+        <p:spPr>
+          <a:xfrm>
+            <a:off x="113875" y="1190533"/>
+            <a:ext cx="3143675" cy="3143675"/>
+          </a:xfrm>
+          <a:prstGeom prst="ellipse">
+            <a:avLst/>
+          </a:prstGeom>
+          <a:ln>
+            <a:noFill/>
+          </a:ln>
+          <a:effectLst>
+            <a:softEdge rad="63500"/>
+          </a:effectLst>
+        </p:spPr>
+      </p:pic>
+      <p:sp>
+        <p:nvSpPr>
+          <p:cNvPr id="10" name="TextBox 9">
+            <a:extLst>
+              <a:ext uri="{FF2B5EF4-FFF2-40B4-BE49-F238E27FC236}">
+                <a16:creationId xmlns:a16="http://schemas.microsoft.com/office/drawing/2014/main" id="{30B7EDFD-A277-4F20-B813-5E840BCDD1B0}"/>
+              </a:ext>
+            </a:extLst>
+          </p:cNvPr>
+          <p:cNvSpPr txBox="1"/>
+          <p:nvPr/>
+        </p:nvSpPr>
+        <p:spPr>
+          <a:xfrm>
+            <a:off x="509375" y="4520821"/>
+            <a:ext cx="8125250" cy="1200331"/>
+          </a:xfrm>
+          <a:prstGeom prst="rect">
+            <a:avLst/>
+          </a:prstGeom>
+          <a:noFill/>
+        </p:spPr>
+        <p:txBody>
+          <a:bodyPr wrap="square">
+            <a:spAutoFit/>
+          </a:bodyPr>
+          <a:lstStyle/>
           <a:p>
             <a:pPr>
               <a:lnSpc>
@@ -8896,7 +11245,7 @@
               <a:buNone/>
             </a:pPr>
             <a:r>
-              <a:rPr b="0" lang="ru-RU" sz="2400" spc="-1" strike="noStrike">
+              <a:rPr lang="ru-RU" sz="2400" spc="-1" dirty="0">
                 <a:solidFill>
                   <a:srgbClr val="000000"/>
                 </a:solidFill>
@@ -8904,78 +11253,37 @@
               </a:rPr>
               <a:t>Такой калькулятор можно разместить на любом школьном сайте или сайтах колледжей для большего охвата выпускников.</a:t>
             </a:r>
-            <a:endParaRPr b="0" lang="en-US" sz="2400" spc="-1" strike="noStrike">
-              <a:latin typeface="Arial"/>
-            </a:endParaRPr>
-          </a:p>
-        </p:txBody>
-      </p:sp>
-      <p:sp>
-        <p:nvSpPr>
-          <p:cNvPr id="160" name="TextBox 2"/>
-          <p:cNvSpPr/>
-          <p:nvPr/>
-        </p:nvSpPr>
-        <p:spPr>
-          <a:xfrm>
-            <a:off x="2555640" y="210600"/>
-            <a:ext cx="6048360" cy="546480"/>
-          </a:xfrm>
-          <a:prstGeom prst="rect">
-            <a:avLst/>
-          </a:prstGeom>
-          <a:noFill/>
-          <a:ln w="0">
-            <a:noFill/>
-          </a:ln>
-        </p:spPr>
-        <p:style>
-          <a:lnRef idx="0"/>
-          <a:fillRef idx="0"/>
-          <a:effectRef idx="0"/>
-          <a:fontRef idx="minor"/>
-        </p:style>
-        <p:txBody>
-          <a:bodyPr lIns="90000" rIns="90000" tIns="45000" bIns="45000" anchor="t">
-            <a:spAutoFit/>
-          </a:bodyPr>
-          <a:p>
-            <a:pPr algn="ctr">
-              <a:lnSpc>
-                <a:spcPct val="100000"/>
-              </a:lnSpc>
-              <a:buNone/>
-            </a:pPr>
-            <a:r>
-              <a:rPr b="0" lang="ru-RU" sz="3000" spc="-1" strike="noStrike">
-                <a:solidFill>
-                  <a:srgbClr val="ffffff"/>
-                </a:solidFill>
-                <a:latin typeface="Calibri"/>
-              </a:rPr>
-              <a:t>Калькулятор ЕГЭ</a:t>
-            </a:r>
-            <a:endParaRPr b="0" lang="en-US" sz="3000" spc="-1" strike="noStrike">
-              <a:latin typeface="Arial"/>
+            <a:endParaRPr lang="en-US" sz="2400" spc="-1" dirty="0">
+              <a:solidFill>
+                <a:srgbClr val="000000"/>
+              </a:solidFill>
+              <a:latin typeface="Calibri"/>
             </a:endParaRPr>
           </a:p>
         </p:txBody>
       </p:sp>
     </p:spTree>
   </p:cSld>
-  <mc:AlternateContent>
-    <mc:Choice Requires="p14">
-      <p:transition spd="slow" p14:dur="2000"/>
+  <p:clrMapOvr>
+    <a:masterClrMapping/>
+  </p:clrMapOvr>
+  <mc:AlternateContent xmlns:mc="http://schemas.openxmlformats.org/markup-compatibility/2006">
+    <mc:Choice xmlns:p159="http://schemas.microsoft.com/office/powerpoint/2015/09/main" Requires="p159">
+      <p:transition xmlns:p14="http://schemas.microsoft.com/office/powerpoint/2010/main" spd="slow" p14:dur="2000">
+        <p159:morph option="byObject"/>
+      </p:transition>
     </mc:Choice>
     <mc:Fallback>
-      <p:transition spd="slow"/>
+      <p:transition spd="slow">
+        <p:fade/>
+      </p:transition>
     </mc:Fallback>
   </mc:AlternateContent>
 </p:sld>
 </file>
 
 <file path=ppt/slides/slide9.xml><?xml version="1.0" encoding="utf-8"?>
-<p:sld xmlns:a="http://schemas.openxmlformats.org/drawingml/2006/main" xmlns:p="http://schemas.openxmlformats.org/presentationml/2006/main" xmlns:r="http://schemas.openxmlformats.org/officeDocument/2006/relationships" xmlns:p14="http://schemas.microsoft.com/office/powerpoint/2010/main" xmlns:p15="http://schemas.microsoft.com/office/powerpoint/2012/main" xmlns:mc="http://schemas.openxmlformats.org/markup-compatibility/2006">
+<p:sld xmlns:a="http://schemas.openxmlformats.org/drawingml/2006/main" xmlns:r="http://schemas.openxmlformats.org/officeDocument/2006/relationships" xmlns:p="http://schemas.openxmlformats.org/presentationml/2006/main">
   <p:cSld>
     <p:spTree>
       <p:nvGrpSpPr>
@@ -8999,8 +11307,8 @@
         </p:nvSpPr>
         <p:spPr>
           <a:xfrm>
-            <a:off x="2426040" y="1268640"/>
-            <a:ext cx="4802040" cy="455400"/>
+            <a:off x="2728772" y="1268640"/>
+            <a:ext cx="4196575" cy="521766"/>
           </a:xfrm>
           <a:prstGeom prst="rect">
             <a:avLst/>
@@ -9011,15 +11319,22 @@
           </a:ln>
         </p:spPr>
         <p:style>
-          <a:lnRef idx="0"/>
-          <a:fillRef idx="0"/>
-          <a:effectRef idx="0"/>
+          <a:lnRef idx="0">
+            <a:scrgbClr r="0" g="0" b="0"/>
+          </a:lnRef>
+          <a:fillRef idx="0">
+            <a:scrgbClr r="0" g="0" b="0"/>
+          </a:fillRef>
+          <a:effectRef idx="0">
+            <a:scrgbClr r="0" g="0" b="0"/>
+          </a:effectRef>
           <a:fontRef idx="minor"/>
         </p:style>
         <p:txBody>
-          <a:bodyPr wrap="none" lIns="90000" rIns="90000" tIns="45000" bIns="45000" anchor="t">
+          <a:bodyPr wrap="none" lIns="90000" tIns="45000" rIns="90000" bIns="45000" anchor="t">
             <a:spAutoFit/>
           </a:bodyPr>
+          <a:lstStyle/>
           <a:p>
             <a:pPr algn="ctr">
               <a:lnSpc>
@@ -9028,7 +11343,7 @@
               <a:buNone/>
             </a:pPr>
             <a:r>
-              <a:rPr b="1" lang="ru-RU" sz="2400" spc="-1" strike="noStrike">
+              <a:rPr lang="ru-RU" sz="2800" b="1" strike="noStrike" spc="-1" dirty="0">
                 <a:solidFill>
                   <a:srgbClr val="000000"/>
                 </a:solidFill>
@@ -9036,7 +11351,7 @@
               </a:rPr>
               <a:t>Что добавить в будущем?</a:t>
             </a:r>
-            <a:endParaRPr b="0" lang="en-US" sz="2400" spc="-1" strike="noStrike">
+            <a:endParaRPr lang="en-US" sz="2800" b="0" strike="noStrike" spc="-1" dirty="0">
               <a:latin typeface="Arial"/>
             </a:endParaRPr>
           </a:p>
@@ -9050,8 +11365,8 @@
         </p:nvSpPr>
         <p:spPr>
           <a:xfrm>
-            <a:off x="395640" y="2023560"/>
-            <a:ext cx="8496720" cy="1461240"/>
+            <a:off x="323640" y="2499810"/>
+            <a:ext cx="8496720" cy="2522314"/>
           </a:xfrm>
           <a:prstGeom prst="rect">
             <a:avLst/>
@@ -9062,28 +11377,42 @@
           </a:ln>
         </p:spPr>
         <p:style>
-          <a:lnRef idx="0"/>
-          <a:fillRef idx="0"/>
-          <a:effectRef idx="0"/>
+          <a:lnRef idx="0">
+            <a:scrgbClr r="0" g="0" b="0"/>
+          </a:lnRef>
+          <a:fillRef idx="0">
+            <a:scrgbClr r="0" g="0" b="0"/>
+          </a:fillRef>
+          <a:effectRef idx="0">
+            <a:scrgbClr r="0" g="0" b="0"/>
+          </a:effectRef>
           <a:fontRef idx="minor"/>
         </p:style>
         <p:txBody>
-          <a:bodyPr lIns="90000" rIns="90000" tIns="45000" bIns="45000" anchor="t">
+          <a:bodyPr lIns="90000" tIns="45000" rIns="90000" bIns="45000" anchor="t">
             <a:spAutoFit/>
           </a:bodyPr>
-          <a:p>
-            <a:pPr marL="343080" indent="-343080">
+          <a:lstStyle/>
+          <a:p>
+            <a:pPr algn="ctr">
               <a:lnSpc>
                 <a:spcPct val="100000"/>
               </a:lnSpc>
               <a:buClr>
                 <a:srgbClr val="000000"/>
               </a:buClr>
-              <a:buFont typeface="Calibri"/>
-              <a:buAutoNum type="arabicPeriod"/>
             </a:pPr>
             <a:r>
-              <a:rPr b="0" lang="ru-RU" sz="2400" spc="-1" strike="noStrike">
+              <a:rPr lang="en-US" sz="2800" b="0" strike="noStrike" spc="-1" dirty="0">
+                <a:solidFill>
+                  <a:srgbClr val="000000"/>
+                </a:solidFill>
+                <a:latin typeface="Calibri"/>
+              </a:rPr>
+              <a:t>1. </a:t>
+            </a:r>
+            <a:r>
+              <a:rPr lang="ru-RU" sz="2800" b="0" strike="noStrike" spc="-1" dirty="0">
                 <a:solidFill>
                   <a:srgbClr val="000000"/>
                 </a:solidFill>
@@ -9092,7 +11421,7 @@
               <a:t>Получение информации о специальностях в реальном времени по средствам технологии </a:t>
             </a:r>
             <a:r>
-              <a:rPr b="0" lang="en-US" sz="2400" spc="-1" strike="noStrike">
+              <a:rPr lang="en-US" sz="2800" b="0" strike="noStrike" spc="-1" dirty="0">
                 <a:solidFill>
                   <a:srgbClr val="000000"/>
                 </a:solidFill>
@@ -9101,7 +11430,7 @@
               <a:t>API</a:t>
             </a:r>
             <a:r>
-              <a:rPr b="0" lang="ru-RU" sz="2400" spc="-1" strike="noStrike">
+              <a:rPr lang="ru-RU" sz="2800" b="0" strike="noStrike" spc="-1" dirty="0">
                 <a:solidFill>
                   <a:srgbClr val="000000"/>
                 </a:solidFill>
@@ -9109,23 +11438,59 @@
               </a:rPr>
               <a:t>.</a:t>
             </a:r>
-            <a:endParaRPr b="0" lang="en-US" sz="2400" spc="-1" strike="noStrike">
-              <a:latin typeface="Arial"/>
-            </a:endParaRPr>
-          </a:p>
-          <a:p>
-            <a:pPr marL="343080" indent="-343080">
+            <a:endParaRPr lang="en-US" sz="2800" b="0" strike="noStrike" spc="-1" dirty="0">
+              <a:solidFill>
+                <a:srgbClr val="000000"/>
+              </a:solidFill>
+              <a:latin typeface="Calibri"/>
+            </a:endParaRPr>
+          </a:p>
+          <a:p>
+            <a:pPr algn="ctr">
               <a:lnSpc>
                 <a:spcPct val="100000"/>
               </a:lnSpc>
               <a:buClr>
                 <a:srgbClr val="000000"/>
               </a:buClr>
-              <a:buFont typeface="Calibri"/>
-              <a:buAutoNum type="arabicPeriod"/>
+            </a:pPr>
+            <a:endParaRPr lang="en-US" sz="2800" b="0" strike="noStrike" spc="-1" dirty="0">
+              <a:latin typeface="Arial"/>
+            </a:endParaRPr>
+          </a:p>
+          <a:p>
+            <a:pPr algn="ctr">
+              <a:lnSpc>
+                <a:spcPct val="100000"/>
+              </a:lnSpc>
+              <a:buClr>
+                <a:srgbClr val="000000"/>
+              </a:buClr>
+            </a:pPr>
+            <a:endParaRPr lang="en-US" sz="2800" b="0" strike="noStrike" spc="-1" dirty="0">
+              <a:latin typeface="Arial"/>
+            </a:endParaRPr>
+          </a:p>
+          <a:p>
+            <a:pPr algn="ctr">
+              <a:lnSpc>
+                <a:spcPct val="100000"/>
+              </a:lnSpc>
+              <a:buClr>
+                <a:srgbClr val="000000"/>
+              </a:buClr>
             </a:pPr>
             <a:r>
-              <a:rPr b="0" lang="ru-RU" sz="2400" spc="-1" strike="noStrike">
+              <a:rPr lang="en-US" sz="2800" spc="-1" dirty="0">
+                <a:solidFill>
+                  <a:srgbClr val="000000"/>
+                </a:solidFill>
+                <a:latin typeface="Calibri"/>
+              </a:rPr>
+              <a:t>2. </a:t>
+            </a:r>
+            <a:r>
+              <a:rPr lang="ru-RU" sz="2800" b="0" strike="noStrike" spc="-1" dirty="0">
                 <a:solidFill>
                   <a:srgbClr val="000000"/>
                 </a:solidFill>
@@ -9133,18 +11498,18 @@
               </a:rPr>
               <a:t>Сохранение выбранных пользователем вузов.</a:t>
             </a:r>
-            <a:endParaRPr b="0" lang="en-US" sz="2400" spc="-1" strike="noStrike">
+            <a:endParaRPr lang="en-US" sz="2800" b="0" strike="noStrike" spc="-1" dirty="0">
               <a:latin typeface="Arial"/>
             </a:endParaRPr>
           </a:p>
           <a:p>
-            <a:pPr>
+            <a:pPr algn="ctr">
               <a:lnSpc>
                 <a:spcPct val="100000"/>
               </a:lnSpc>
               <a:buNone/>
             </a:pPr>
-            <a:endParaRPr b="0" lang="en-US" sz="1800" spc="-1" strike="noStrike">
+            <a:endParaRPr lang="en-US" sz="1800" b="0" strike="noStrike" spc="-1" dirty="0">
               <a:latin typeface="Arial"/>
             </a:endParaRPr>
           </a:p>
@@ -9170,15 +11535,22 @@
           </a:ln>
         </p:spPr>
         <p:style>
-          <a:lnRef idx="0"/>
-          <a:fillRef idx="0"/>
-          <a:effectRef idx="0"/>
+          <a:lnRef idx="0">
+            <a:scrgbClr r="0" g="0" b="0"/>
+          </a:lnRef>
+          <a:fillRef idx="0">
+            <a:scrgbClr r="0" g="0" b="0"/>
+          </a:fillRef>
+          <a:effectRef idx="0">
+            <a:scrgbClr r="0" g="0" b="0"/>
+          </a:effectRef>
           <a:fontRef idx="minor"/>
         </p:style>
         <p:txBody>
-          <a:bodyPr lIns="90000" rIns="90000" tIns="45000" bIns="45000" anchor="t">
+          <a:bodyPr lIns="90000" tIns="45000" rIns="90000" bIns="45000" anchor="t">
             <a:spAutoFit/>
           </a:bodyPr>
+          <a:lstStyle/>
           <a:p>
             <a:pPr algn="ctr">
               <a:lnSpc>
@@ -9187,28 +11559,71 @@
               <a:buNone/>
             </a:pPr>
             <a:r>
-              <a:rPr b="0" lang="ru-RU" sz="3000" spc="-1" strike="noStrike">
+              <a:rPr lang="ru-RU" sz="3000" b="0" strike="noStrike" spc="-1" dirty="0">
                 <a:solidFill>
-                  <a:srgbClr val="ffffff"/>
+                  <a:srgbClr val="FFFFFF"/>
                 </a:solidFill>
                 <a:latin typeface="Calibri"/>
               </a:rPr>
               <a:t>Калькулятор ЕГЭ</a:t>
             </a:r>
-            <a:endParaRPr b="0" lang="en-US" sz="3000" spc="-1" strike="noStrike">
+            <a:endParaRPr lang="en-US" sz="3000" b="0" strike="noStrike" spc="-1" dirty="0">
               <a:latin typeface="Arial"/>
             </a:endParaRPr>
           </a:p>
         </p:txBody>
       </p:sp>
+      <p:pic>
+        <p:nvPicPr>
+          <p:cNvPr id="5" name="Рисунок 4">
+            <a:extLst>
+              <a:ext uri="{FF2B5EF4-FFF2-40B4-BE49-F238E27FC236}">
+                <a16:creationId xmlns:a16="http://schemas.microsoft.com/office/drawing/2014/main" id="{02082798-7C00-40F8-BF36-537F97CEEA93}"/>
+              </a:ext>
+            </a:extLst>
+          </p:cNvPr>
+          <p:cNvPicPr>
+            <a:picLocks noChangeAspect="1"/>
+          </p:cNvPicPr>
+          <p:nvPr/>
+        </p:nvPicPr>
+        <p:blipFill>
+          <a:blip r:embed="rId2"/>
+          <a:stretch>
+            <a:fillRect/>
+          </a:stretch>
+        </p:blipFill>
+        <p:spPr>
+          <a:xfrm>
+            <a:off x="-3810425" y="1190533"/>
+            <a:ext cx="3143675" cy="3143675"/>
+          </a:xfrm>
+          <a:prstGeom prst="ellipse">
+            <a:avLst/>
+          </a:prstGeom>
+          <a:ln>
+            <a:noFill/>
+          </a:ln>
+          <a:effectLst>
+            <a:softEdge rad="63500"/>
+          </a:effectLst>
+        </p:spPr>
+      </p:pic>
     </p:spTree>
   </p:cSld>
-  <mc:AlternateContent>
-    <mc:Choice Requires="p14">
-      <p:transition spd="slow" p14:dur="2000"/>
+  <p:clrMapOvr>
+    <a:masterClrMapping/>
+  </p:clrMapOvr>
+  <mc:AlternateContent xmlns:mc="http://schemas.openxmlformats.org/markup-compatibility/2006">
+    <mc:Choice xmlns:p159="http://schemas.microsoft.com/office/powerpoint/2015/09/main" Requires="p159">
+      <p:transition xmlns:p14="http://schemas.microsoft.com/office/powerpoint/2010/main" spd="slow" p14:dur="2000">
+        <p159:morph option="byObject"/>
+      </p:transition>
     </mc:Choice>
     <mc:Fallback>
-      <p:transition spd="slow"/>
+      <p:transition spd="slow">
+        <p:fade/>
+      </p:transition>
     </mc:Fallback>
   </mc:AlternateContent>
 </p:sld>
@@ -9225,31 +11640,31 @@
         <a:sysClr val="window" lastClr="FFFFFF"/>
       </a:lt1>
       <a:dk2>
-        <a:srgbClr val="1f497d"/>
+        <a:srgbClr val="1F497D"/>
       </a:dk2>
       <a:lt2>
-        <a:srgbClr val="eeece1"/>
+        <a:srgbClr val="EEECE1"/>
       </a:lt2>
       <a:accent1>
-        <a:srgbClr val="4f81bd"/>
+        <a:srgbClr val="4F81BD"/>
       </a:accent1>
       <a:accent2>
-        <a:srgbClr val="c0504d"/>
+        <a:srgbClr val="C0504D"/>
       </a:accent2>
       <a:accent3>
-        <a:srgbClr val="9bbb59"/>
+        <a:srgbClr val="9BBB59"/>
       </a:accent3>
       <a:accent4>
-        <a:srgbClr val="8064a2"/>
+        <a:srgbClr val="8064A2"/>
       </a:accent4>
       <a:accent5>
-        <a:srgbClr val="4bacc6"/>
+        <a:srgbClr val="4BACC6"/>
       </a:accent5>
       <a:accent6>
-        <a:srgbClr val="f79646"/>
+        <a:srgbClr val="F79646"/>
       </a:accent6>
       <a:hlink>
-        <a:srgbClr val="0000ff"/>
+        <a:srgbClr val="0000FF"/>
       </a:hlink>
       <a:folHlink>
         <a:srgbClr val="800080"/>
@@ -9437,6 +11852,8 @@
       </a:bgFillStyleLst>
     </a:fmtScheme>
   </a:themeElements>
+  <a:objectDefaults/>
+  <a:extraClrSchemeLst/>
 </a:theme>
 </file>
 
@@ -9451,31 +11868,31 @@
         <a:sysClr val="window" lastClr="FFFFFF"/>
       </a:lt1>
       <a:dk2>
-        <a:srgbClr val="1f497d"/>
+        <a:srgbClr val="1F497D"/>
       </a:dk2>
       <a:lt2>
-        <a:srgbClr val="eeece1"/>
+        <a:srgbClr val="EEECE1"/>
       </a:lt2>
       <a:accent1>
-        <a:srgbClr val="4f81bd"/>
+        <a:srgbClr val="4F81BD"/>
       </a:accent1>
       <a:accent2>
-        <a:srgbClr val="c0504d"/>
+        <a:srgbClr val="C0504D"/>
       </a:accent2>
       <a:accent3>
-        <a:srgbClr val="9bbb59"/>
+        <a:srgbClr val="9BBB59"/>
       </a:accent3>
       <a:accent4>
-        <a:srgbClr val="8064a2"/>
+        <a:srgbClr val="8064A2"/>
       </a:accent4>
       <a:accent5>
-        <a:srgbClr val="4bacc6"/>
+        <a:srgbClr val="4BACC6"/>
       </a:accent5>
       <a:accent6>
-        <a:srgbClr val="f79646"/>
+        <a:srgbClr val="F79646"/>
       </a:accent6>
       <a:hlink>
-        <a:srgbClr val="0000ff"/>
+        <a:srgbClr val="0000FF"/>
       </a:hlink>
       <a:folHlink>
         <a:srgbClr val="800080"/>
@@ -9663,6 +12080,8 @@
       </a:bgFillStyleLst>
     </a:fmtScheme>
   </a:themeElements>
+  <a:objectDefaults/>
+  <a:extraClrSchemeLst/>
 </a:theme>
 </file>
 
@@ -9677,31 +12096,31 @@
         <a:sysClr val="window" lastClr="FFFFFF"/>
       </a:lt1>
       <a:dk2>
-        <a:srgbClr val="1f497d"/>
+        <a:srgbClr val="1F497D"/>
       </a:dk2>
       <a:lt2>
-        <a:srgbClr val="eeece1"/>
+        <a:srgbClr val="EEECE1"/>
       </a:lt2>
       <a:accent1>
-        <a:srgbClr val="4f81bd"/>
+        <a:srgbClr val="4F81BD"/>
       </a:accent1>
       <a:accent2>
-        <a:srgbClr val="c0504d"/>
+        <a:srgbClr val="C0504D"/>
       </a:accent2>
       <a:accent3>
-        <a:srgbClr val="9bbb59"/>
+        <a:srgbClr val="9BBB59"/>
       </a:accent3>
       <a:accent4>
-        <a:srgbClr val="8064a2"/>
+        <a:srgbClr val="8064A2"/>
       </a:accent4>
       <a:accent5>
-        <a:srgbClr val="4bacc6"/>
+        <a:srgbClr val="4BACC6"/>
       </a:accent5>
       <a:accent6>
-        <a:srgbClr val="f79646"/>
+        <a:srgbClr val="F79646"/>
       </a:accent6>
       <a:hlink>
-        <a:srgbClr val="0000ff"/>
+        <a:srgbClr val="0000FF"/>
       </a:hlink>
       <a:folHlink>
         <a:srgbClr val="800080"/>
@@ -9889,6 +12308,8 @@
       </a:bgFillStyleLst>
     </a:fmtScheme>
   </a:themeElements>
+  <a:objectDefaults/>
+  <a:extraClrSchemeLst/>
 </a:theme>
 </file>
 
@@ -9903,31 +12324,31 @@
         <a:sysClr val="window" lastClr="FFFFFF"/>
       </a:lt1>
       <a:dk2>
-        <a:srgbClr val="1f497d"/>
+        <a:srgbClr val="1F497D"/>
       </a:dk2>
       <a:lt2>
-        <a:srgbClr val="eeece1"/>
+        <a:srgbClr val="EEECE1"/>
       </a:lt2>
       <a:accent1>
-        <a:srgbClr val="4f81bd"/>
+        <a:srgbClr val="4F81BD"/>
       </a:accent1>
       <a:accent2>
-        <a:srgbClr val="c0504d"/>
+        <a:srgbClr val="C0504D"/>
       </a:accent2>
       <a:accent3>
-        <a:srgbClr val="9bbb59"/>
+        <a:srgbClr val="9BBB59"/>
       </a:accent3>
       <a:accent4>
-        <a:srgbClr val="8064a2"/>
+        <a:srgbClr val="8064A2"/>
       </a:accent4>
       <a:accent5>
-        <a:srgbClr val="4bacc6"/>
+        <a:srgbClr val="4BACC6"/>
       </a:accent5>
       <a:accent6>
-        <a:srgbClr val="f79646"/>
+        <a:srgbClr val="F79646"/>
       </a:accent6>
       <a:hlink>
-        <a:srgbClr val="0000ff"/>
+        <a:srgbClr val="0000FF"/>
       </a:hlink>
       <a:folHlink>
         <a:srgbClr val="800080"/>
@@ -10115,5 +12536,7 @@
       </a:bgFillStyleLst>
     </a:fmtScheme>
   </a:themeElements>
+  <a:objectDefaults/>
+  <a:extraClrSchemeLst/>
 </a:theme>
 </file>